--- a/day1/D/resources/draw.pptx
+++ b/day1/D/resources/draw.pptx
@@ -259,7 +259,7 @@
           <a:p>
             <a:fld id="{81E47A59-7F1A-41A7-BEDC-8F314985E9CC}" type="datetimeFigureOut">
               <a:rPr lang="zh-CN" altLang="en-US" smtClean="0"/>
-              <a:t>2024/5/24</a:t>
+              <a:t>2024/5/25</a:t>
             </a:fld>
             <a:endParaRPr lang="zh-CN" altLang="en-US"/>
           </a:p>
@@ -457,7 +457,7 @@
           <a:p>
             <a:fld id="{81E47A59-7F1A-41A7-BEDC-8F314985E9CC}" type="datetimeFigureOut">
               <a:rPr lang="zh-CN" altLang="en-US" smtClean="0"/>
-              <a:t>2024/5/24</a:t>
+              <a:t>2024/5/25</a:t>
             </a:fld>
             <a:endParaRPr lang="zh-CN" altLang="en-US"/>
           </a:p>
@@ -665,7 +665,7 @@
           <a:p>
             <a:fld id="{81E47A59-7F1A-41A7-BEDC-8F314985E9CC}" type="datetimeFigureOut">
               <a:rPr lang="zh-CN" altLang="en-US" smtClean="0"/>
-              <a:t>2024/5/24</a:t>
+              <a:t>2024/5/25</a:t>
             </a:fld>
             <a:endParaRPr lang="zh-CN" altLang="en-US"/>
           </a:p>
@@ -863,7 +863,7 @@
           <a:p>
             <a:fld id="{81E47A59-7F1A-41A7-BEDC-8F314985E9CC}" type="datetimeFigureOut">
               <a:rPr lang="zh-CN" altLang="en-US" smtClean="0"/>
-              <a:t>2024/5/24</a:t>
+              <a:t>2024/5/25</a:t>
             </a:fld>
             <a:endParaRPr lang="zh-CN" altLang="en-US"/>
           </a:p>
@@ -1138,7 +1138,7 @@
           <a:p>
             <a:fld id="{81E47A59-7F1A-41A7-BEDC-8F314985E9CC}" type="datetimeFigureOut">
               <a:rPr lang="zh-CN" altLang="en-US" smtClean="0"/>
-              <a:t>2024/5/24</a:t>
+              <a:t>2024/5/25</a:t>
             </a:fld>
             <a:endParaRPr lang="zh-CN" altLang="en-US"/>
           </a:p>
@@ -1403,7 +1403,7 @@
           <a:p>
             <a:fld id="{81E47A59-7F1A-41A7-BEDC-8F314985E9CC}" type="datetimeFigureOut">
               <a:rPr lang="zh-CN" altLang="en-US" smtClean="0"/>
-              <a:t>2024/5/24</a:t>
+              <a:t>2024/5/25</a:t>
             </a:fld>
             <a:endParaRPr lang="zh-CN" altLang="en-US"/>
           </a:p>
@@ -1815,7 +1815,7 @@
           <a:p>
             <a:fld id="{81E47A59-7F1A-41A7-BEDC-8F314985E9CC}" type="datetimeFigureOut">
               <a:rPr lang="zh-CN" altLang="en-US" smtClean="0"/>
-              <a:t>2024/5/24</a:t>
+              <a:t>2024/5/25</a:t>
             </a:fld>
             <a:endParaRPr lang="zh-CN" altLang="en-US"/>
           </a:p>
@@ -1956,7 +1956,7 @@
           <a:p>
             <a:fld id="{81E47A59-7F1A-41A7-BEDC-8F314985E9CC}" type="datetimeFigureOut">
               <a:rPr lang="zh-CN" altLang="en-US" smtClean="0"/>
-              <a:t>2024/5/24</a:t>
+              <a:t>2024/5/25</a:t>
             </a:fld>
             <a:endParaRPr lang="zh-CN" altLang="en-US"/>
           </a:p>
@@ -2069,7 +2069,7 @@
           <a:p>
             <a:fld id="{81E47A59-7F1A-41A7-BEDC-8F314985E9CC}" type="datetimeFigureOut">
               <a:rPr lang="zh-CN" altLang="en-US" smtClean="0"/>
-              <a:t>2024/5/24</a:t>
+              <a:t>2024/5/25</a:t>
             </a:fld>
             <a:endParaRPr lang="zh-CN" altLang="en-US"/>
           </a:p>
@@ -2380,7 +2380,7 @@
           <a:p>
             <a:fld id="{81E47A59-7F1A-41A7-BEDC-8F314985E9CC}" type="datetimeFigureOut">
               <a:rPr lang="zh-CN" altLang="en-US" smtClean="0"/>
-              <a:t>2024/5/24</a:t>
+              <a:t>2024/5/25</a:t>
             </a:fld>
             <a:endParaRPr lang="zh-CN" altLang="en-US"/>
           </a:p>
@@ -2668,7 +2668,7 @@
           <a:p>
             <a:fld id="{81E47A59-7F1A-41A7-BEDC-8F314985E9CC}" type="datetimeFigureOut">
               <a:rPr lang="zh-CN" altLang="en-US" smtClean="0"/>
-              <a:t>2024/5/24</a:t>
+              <a:t>2024/5/25</a:t>
             </a:fld>
             <a:endParaRPr lang="zh-CN" altLang="en-US"/>
           </a:p>
@@ -2909,7 +2909,7 @@
           <a:p>
             <a:fld id="{81E47A59-7F1A-41A7-BEDC-8F314985E9CC}" type="datetimeFigureOut">
               <a:rPr lang="zh-CN" altLang="en-US" smtClean="0"/>
-              <a:t>2024/5/24</a:t>
+              <a:t>2024/5/25</a:t>
             </a:fld>
             <a:endParaRPr lang="zh-CN" altLang="en-US"/>
           </a:p>
@@ -3364,7 +3364,7 @@
           </a:fontRef>
         </p:style>
         <p:txBody>
-          <a:bodyPr rtlCol="0" anchor="ctr"/>
+          <a:bodyPr wrap="none" rtlCol="0" anchor="ctr"/>
           <a:lstStyle/>
           <a:p>
             <a:pPr algn="ctr"/>
@@ -3556,7 +3556,7 @@
           </a:fontRef>
         </p:style>
         <p:txBody>
-          <a:bodyPr rtlCol="0" anchor="ctr"/>
+          <a:bodyPr wrap="none" rtlCol="0" anchor="ctr"/>
           <a:lstStyle/>
           <a:p>
             <a:pPr algn="ctr"/>
@@ -3748,7 +3748,7 @@
           </a:fontRef>
         </p:style>
         <p:txBody>
-          <a:bodyPr rtlCol="0" anchor="ctr"/>
+          <a:bodyPr wrap="none" rtlCol="0" anchor="ctr"/>
           <a:lstStyle/>
           <a:p>
             <a:pPr algn="ctr"/>
@@ -3948,7 +3948,7 @@
           </a:fontRef>
         </p:style>
         <p:txBody>
-          <a:bodyPr rtlCol="0" anchor="ctr"/>
+          <a:bodyPr wrap="none" rtlCol="0" anchor="ctr"/>
           <a:lstStyle/>
           <a:p>
             <a:pPr algn="ctr"/>
@@ -3960,58 +3960,118 @@
           </a:p>
         </p:txBody>
       </p:sp>
-      <p:sp>
-        <p:nvSpPr>
-          <p:cNvPr id="11" name="文本框 10">
-            <a:extLst>
-              <a:ext uri="{FF2B5EF4-FFF2-40B4-BE49-F238E27FC236}">
-                <a16:creationId xmlns:a16="http://schemas.microsoft.com/office/drawing/2014/main" id="{424B20D6-AC46-48C0-CA49-8550FB0F5063}"/>
-              </a:ext>
-            </a:extLst>
-          </p:cNvPr>
-          <p:cNvSpPr txBox="1"/>
-          <p:nvPr/>
-        </p:nvSpPr>
-        <p:spPr>
-          <a:xfrm>
-            <a:off x="425843" y="3315738"/>
-            <a:ext cx="1031051" cy="600164"/>
-          </a:xfrm>
-          <a:prstGeom prst="rect">
-            <a:avLst/>
-          </a:prstGeom>
-          <a:noFill/>
-        </p:spPr>
-        <p:txBody>
-          <a:bodyPr wrap="none" rtlCol="0">
-            <a:spAutoFit/>
-          </a:bodyPr>
-          <a:lstStyle/>
-          <a:p>
-            <a:pPr algn="ctr"/>
-            <a:r>
-              <a:rPr lang="zh-CN" altLang="en-US" sz="1100" dirty="0"/>
-              <a:t>清华大学</a:t>
-            </a:r>
-            <a:endParaRPr lang="en-US" altLang="zh-CN" sz="1100" dirty="0"/>
-          </a:p>
-          <a:p>
-            <a:pPr algn="ctr"/>
-            <a:r>
-              <a:rPr lang="zh-CN" altLang="en-US" sz="1100" dirty="0"/>
-              <a:t>后勤服务中心</a:t>
-            </a:r>
-            <a:endParaRPr lang="en-US" altLang="zh-CN" sz="1100" dirty="0"/>
-          </a:p>
-          <a:p>
-            <a:pPr algn="ctr"/>
-            <a:r>
-              <a:rPr lang="en-US" altLang="zh-CN" sz="1100" dirty="0"/>
-              <a:t>62793001</a:t>
-            </a:r>
-          </a:p>
-        </p:txBody>
-      </p:sp>
+      <mc:AlternateContent xmlns:mc="http://schemas.openxmlformats.org/markup-compatibility/2006">
+        <mc:Choice xmlns:a14="http://schemas.microsoft.com/office/drawing/2010/main" Requires="a14">
+          <p:sp>
+            <p:nvSpPr>
+              <p:cNvPr id="11" name="文本框 10">
+                <a:extLst>
+                  <a:ext uri="{FF2B5EF4-FFF2-40B4-BE49-F238E27FC236}">
+                    <a16:creationId xmlns:a16="http://schemas.microsoft.com/office/drawing/2014/main" id="{424B20D6-AC46-48C0-CA49-8550FB0F5063}"/>
+                  </a:ext>
+                </a:extLst>
+              </p:cNvPr>
+              <p:cNvSpPr txBox="1"/>
+              <p:nvPr/>
+            </p:nvSpPr>
+            <p:spPr>
+              <a:xfrm>
+                <a:off x="425843" y="3315738"/>
+                <a:ext cx="1031051" cy="600164"/>
+              </a:xfrm>
+              <a:prstGeom prst="rect">
+                <a:avLst/>
+              </a:prstGeom>
+              <a:noFill/>
+            </p:spPr>
+            <p:txBody>
+              <a:bodyPr wrap="none" rtlCol="0">
+                <a:spAutoFit/>
+              </a:bodyPr>
+              <a:lstStyle/>
+              <a:p>
+                <a:pPr algn="ctr"/>
+                <a:r>
+                  <a:rPr lang="zh-CN" altLang="en-US" sz="1100" dirty="0"/>
+                  <a:t>清华大学</a:t>
+                </a:r>
+                <a:endParaRPr lang="en-US" altLang="zh-CN" sz="1100" dirty="0"/>
+              </a:p>
+              <a:p>
+                <a:pPr algn="ctr"/>
+                <a:r>
+                  <a:rPr lang="zh-CN" altLang="en-US" sz="1100" dirty="0"/>
+                  <a:t>后勤服务中心</a:t>
+                </a:r>
+                <a:endParaRPr lang="en-US" altLang="zh-CN" sz="1100" dirty="0"/>
+              </a:p>
+              <a:p>
+                <a:pPr algn="ctr"/>
+                <a14:m>
+                  <m:oMathPara xmlns:m="http://schemas.openxmlformats.org/officeDocument/2006/math">
+                    <m:oMathParaPr>
+                      <m:jc m:val="centerGroup"/>
+                    </m:oMathParaPr>
+                    <m:oMath xmlns:m="http://schemas.openxmlformats.org/officeDocument/2006/math">
+                      <m:r>
+                        <a:rPr lang="en-US" altLang="zh-CN" sz="1100" i="1" dirty="0" smtClean="0">
+                          <a:latin typeface="Cambria Math" panose="02040503050406030204" pitchFamily="18" charset="0"/>
+                        </a:rPr>
+                        <m:t>62793001</m:t>
+                      </m:r>
+                    </m:oMath>
+                  </m:oMathPara>
+                </a14:m>
+                <a:endParaRPr lang="en-US" altLang="zh-CN" sz="1100" dirty="0"/>
+              </a:p>
+            </p:txBody>
+          </p:sp>
+        </mc:Choice>
+        <mc:Fallback>
+          <p:sp>
+            <p:nvSpPr>
+              <p:cNvPr id="11" name="文本框 10">
+                <a:extLst>
+                  <a:ext uri="{FF2B5EF4-FFF2-40B4-BE49-F238E27FC236}">
+                    <a16:creationId xmlns:a16="http://schemas.microsoft.com/office/drawing/2014/main" id="{424B20D6-AC46-48C0-CA49-8550FB0F5063}"/>
+                  </a:ext>
+                </a:extLst>
+              </p:cNvPr>
+              <p:cNvSpPr txBox="1">
+                <a:spLocks noRot="1" noChangeAspect="1" noMove="1" noResize="1" noEditPoints="1" noAdjustHandles="1" noChangeArrowheads="1" noChangeShapeType="1" noTextEdit="1"/>
+              </p:cNvSpPr>
+              <p:nvPr/>
+            </p:nvSpPr>
+            <p:spPr>
+              <a:xfrm>
+                <a:off x="425843" y="3315738"/>
+                <a:ext cx="1031051" cy="600164"/>
+              </a:xfrm>
+              <a:prstGeom prst="rect">
+                <a:avLst/>
+              </a:prstGeom>
+              <a:blipFill>
+                <a:blip r:embed="rId5"/>
+                <a:stretch>
+                  <a:fillRect t="-1020"/>
+                </a:stretch>
+              </a:blipFill>
+            </p:spPr>
+            <p:txBody>
+              <a:bodyPr/>
+              <a:lstStyle/>
+              <a:p>
+                <a:r>
+                  <a:rPr lang="zh-CN" altLang="en-US">
+                    <a:noFill/>
+                  </a:rPr>
+                  <a:t> </a:t>
+                </a:r>
+              </a:p>
+            </p:txBody>
+          </p:sp>
+        </mc:Fallback>
+      </mc:AlternateContent>
       <p:sp>
         <p:nvSpPr>
           <p:cNvPr id="12" name="椭圆 11">
@@ -4058,7 +4118,7 @@
           </a:fontRef>
         </p:style>
         <p:txBody>
-          <a:bodyPr rtlCol="0" anchor="ctr"/>
+          <a:bodyPr wrap="none" rtlCol="0" anchor="ctr"/>
           <a:lstStyle/>
           <a:p>
             <a:pPr algn="ctr"/>
@@ -4070,58 +4130,118 @@
           </a:p>
         </p:txBody>
       </p:sp>
-      <p:sp>
-        <p:nvSpPr>
-          <p:cNvPr id="13" name="文本框 12">
-            <a:extLst>
-              <a:ext uri="{FF2B5EF4-FFF2-40B4-BE49-F238E27FC236}">
-                <a16:creationId xmlns:a16="http://schemas.microsoft.com/office/drawing/2014/main" id="{FEDE4322-1E24-834B-8C24-31AB83D706C4}"/>
-              </a:ext>
-            </a:extLst>
-          </p:cNvPr>
-          <p:cNvSpPr txBox="1"/>
-          <p:nvPr/>
-        </p:nvSpPr>
-        <p:spPr>
-          <a:xfrm>
-            <a:off x="485100" y="4409926"/>
-            <a:ext cx="889987" cy="600164"/>
-          </a:xfrm>
-          <a:prstGeom prst="rect">
-            <a:avLst/>
-          </a:prstGeom>
-          <a:noFill/>
-        </p:spPr>
-        <p:txBody>
-          <a:bodyPr wrap="none" rtlCol="0">
-            <a:spAutoFit/>
-          </a:bodyPr>
-          <a:lstStyle/>
-          <a:p>
-            <a:pPr algn="ctr"/>
-            <a:r>
-              <a:rPr lang="zh-CN" altLang="en-US" sz="1100" dirty="0"/>
-              <a:t>清华大学</a:t>
-            </a:r>
-            <a:endParaRPr lang="en-US" altLang="zh-CN" sz="1100" dirty="0"/>
-          </a:p>
-          <a:p>
-            <a:pPr algn="ctr"/>
-            <a:r>
-              <a:rPr lang="zh-CN" altLang="en-US" sz="1100" dirty="0"/>
-              <a:t>招生办公室</a:t>
-            </a:r>
-            <a:endParaRPr lang="en-US" altLang="zh-CN" sz="1100" dirty="0"/>
-          </a:p>
-          <a:p>
-            <a:pPr algn="ctr"/>
-            <a:r>
-              <a:rPr lang="en-US" altLang="zh-CN" sz="1100" dirty="0"/>
-              <a:t>62770334</a:t>
-            </a:r>
-          </a:p>
-        </p:txBody>
-      </p:sp>
+      <mc:AlternateContent xmlns:mc="http://schemas.openxmlformats.org/markup-compatibility/2006">
+        <mc:Choice xmlns:a14="http://schemas.microsoft.com/office/drawing/2010/main" Requires="a14">
+          <p:sp>
+            <p:nvSpPr>
+              <p:cNvPr id="13" name="文本框 12">
+                <a:extLst>
+                  <a:ext uri="{FF2B5EF4-FFF2-40B4-BE49-F238E27FC236}">
+                    <a16:creationId xmlns:a16="http://schemas.microsoft.com/office/drawing/2014/main" id="{FEDE4322-1E24-834B-8C24-31AB83D706C4}"/>
+                  </a:ext>
+                </a:extLst>
+              </p:cNvPr>
+              <p:cNvSpPr txBox="1"/>
+              <p:nvPr/>
+            </p:nvSpPr>
+            <p:spPr>
+              <a:xfrm>
+                <a:off x="485100" y="4409926"/>
+                <a:ext cx="889987" cy="600164"/>
+              </a:xfrm>
+              <a:prstGeom prst="rect">
+                <a:avLst/>
+              </a:prstGeom>
+              <a:noFill/>
+            </p:spPr>
+            <p:txBody>
+              <a:bodyPr wrap="none" rtlCol="0">
+                <a:spAutoFit/>
+              </a:bodyPr>
+              <a:lstStyle/>
+              <a:p>
+                <a:pPr algn="ctr"/>
+                <a:r>
+                  <a:rPr lang="zh-CN" altLang="en-US" sz="1100" dirty="0"/>
+                  <a:t>清华大学</a:t>
+                </a:r>
+                <a:endParaRPr lang="en-US" altLang="zh-CN" sz="1100" dirty="0"/>
+              </a:p>
+              <a:p>
+                <a:pPr algn="ctr"/>
+                <a:r>
+                  <a:rPr lang="zh-CN" altLang="en-US" sz="1100" dirty="0"/>
+                  <a:t>招生办公室</a:t>
+                </a:r>
+                <a:endParaRPr lang="en-US" altLang="zh-CN" sz="1100" dirty="0"/>
+              </a:p>
+              <a:p>
+                <a:pPr algn="ctr"/>
+                <a14:m>
+                  <m:oMathPara xmlns:m="http://schemas.openxmlformats.org/officeDocument/2006/math">
+                    <m:oMathParaPr>
+                      <m:jc m:val="centerGroup"/>
+                    </m:oMathParaPr>
+                    <m:oMath xmlns:m="http://schemas.openxmlformats.org/officeDocument/2006/math">
+                      <m:r>
+                        <a:rPr lang="en-US" altLang="zh-CN" sz="1100" i="1" dirty="0" smtClean="0">
+                          <a:latin typeface="Cambria Math" panose="02040503050406030204" pitchFamily="18" charset="0"/>
+                        </a:rPr>
+                        <m:t>62770334</m:t>
+                      </m:r>
+                    </m:oMath>
+                  </m:oMathPara>
+                </a14:m>
+                <a:endParaRPr lang="en-US" altLang="zh-CN" sz="1100" dirty="0"/>
+              </a:p>
+            </p:txBody>
+          </p:sp>
+        </mc:Choice>
+        <mc:Fallback>
+          <p:sp>
+            <p:nvSpPr>
+              <p:cNvPr id="13" name="文本框 12">
+                <a:extLst>
+                  <a:ext uri="{FF2B5EF4-FFF2-40B4-BE49-F238E27FC236}">
+                    <a16:creationId xmlns:a16="http://schemas.microsoft.com/office/drawing/2014/main" id="{FEDE4322-1E24-834B-8C24-31AB83D706C4}"/>
+                  </a:ext>
+                </a:extLst>
+              </p:cNvPr>
+              <p:cNvSpPr txBox="1">
+                <a:spLocks noRot="1" noChangeAspect="1" noMove="1" noResize="1" noEditPoints="1" noAdjustHandles="1" noChangeArrowheads="1" noChangeShapeType="1" noTextEdit="1"/>
+              </p:cNvSpPr>
+              <p:nvPr/>
+            </p:nvSpPr>
+            <p:spPr>
+              <a:xfrm>
+                <a:off x="485100" y="4409926"/>
+                <a:ext cx="889987" cy="600164"/>
+              </a:xfrm>
+              <a:prstGeom prst="rect">
+                <a:avLst/>
+              </a:prstGeom>
+              <a:blipFill>
+                <a:blip r:embed="rId6"/>
+                <a:stretch>
+                  <a:fillRect t="-1010"/>
+                </a:stretch>
+              </a:blipFill>
+            </p:spPr>
+            <p:txBody>
+              <a:bodyPr/>
+              <a:lstStyle/>
+              <a:p>
+                <a:r>
+                  <a:rPr lang="zh-CN" altLang="en-US">
+                    <a:noFill/>
+                  </a:rPr>
+                  <a:t> </a:t>
+                </a:r>
+              </a:p>
+            </p:txBody>
+          </p:sp>
+        </mc:Fallback>
+      </mc:AlternateContent>
       <p:sp>
         <p:nvSpPr>
           <p:cNvPr id="14" name="椭圆 13">
@@ -4168,7 +4288,7 @@
           </a:fontRef>
         </p:style>
         <p:txBody>
-          <a:bodyPr rtlCol="0" anchor="ctr"/>
+          <a:bodyPr wrap="none" rtlCol="0" anchor="ctr"/>
           <a:lstStyle/>
           <a:p>
             <a:pPr algn="ctr"/>
@@ -4180,50 +4300,110 @@
           </a:p>
         </p:txBody>
       </p:sp>
-      <p:sp>
-        <p:nvSpPr>
-          <p:cNvPr id="15" name="文本框 14">
-            <a:extLst>
-              <a:ext uri="{FF2B5EF4-FFF2-40B4-BE49-F238E27FC236}">
-                <a16:creationId xmlns:a16="http://schemas.microsoft.com/office/drawing/2014/main" id="{A9CF1EFC-217E-17E3-F4D1-62534A57D4C1}"/>
-              </a:ext>
-            </a:extLst>
-          </p:cNvPr>
-          <p:cNvSpPr txBox="1"/>
-          <p:nvPr/>
-        </p:nvSpPr>
-        <p:spPr>
-          <a:xfrm>
-            <a:off x="1048533" y="5292022"/>
-            <a:ext cx="1350050" cy="430887"/>
-          </a:xfrm>
-          <a:prstGeom prst="rect">
-            <a:avLst/>
-          </a:prstGeom>
-          <a:noFill/>
-        </p:spPr>
-        <p:txBody>
-          <a:bodyPr wrap="none" rtlCol="0">
-            <a:spAutoFit/>
-          </a:bodyPr>
-          <a:lstStyle/>
-          <a:p>
-            <a:pPr algn="ctr"/>
-            <a:r>
-              <a:rPr lang="zh-CN" altLang="en-US" sz="1100" dirty="0"/>
-              <a:t>清华大学计算机系</a:t>
-            </a:r>
-            <a:endParaRPr lang="en-US" altLang="zh-CN" sz="1100" dirty="0"/>
-          </a:p>
-          <a:p>
-            <a:pPr algn="ctr"/>
-            <a:r>
-              <a:rPr lang="en-US" altLang="zh-CN" sz="1100" dirty="0"/>
-              <a:t>62783054</a:t>
-            </a:r>
-          </a:p>
-        </p:txBody>
-      </p:sp>
+      <mc:AlternateContent xmlns:mc="http://schemas.openxmlformats.org/markup-compatibility/2006">
+        <mc:Choice xmlns:a14="http://schemas.microsoft.com/office/drawing/2010/main" Requires="a14">
+          <p:sp>
+            <p:nvSpPr>
+              <p:cNvPr id="15" name="文本框 14">
+                <a:extLst>
+                  <a:ext uri="{FF2B5EF4-FFF2-40B4-BE49-F238E27FC236}">
+                    <a16:creationId xmlns:a16="http://schemas.microsoft.com/office/drawing/2014/main" id="{A9CF1EFC-217E-17E3-F4D1-62534A57D4C1}"/>
+                  </a:ext>
+                </a:extLst>
+              </p:cNvPr>
+              <p:cNvSpPr txBox="1"/>
+              <p:nvPr/>
+            </p:nvSpPr>
+            <p:spPr>
+              <a:xfrm>
+                <a:off x="1048533" y="5292022"/>
+                <a:ext cx="1350050" cy="430887"/>
+              </a:xfrm>
+              <a:prstGeom prst="rect">
+                <a:avLst/>
+              </a:prstGeom>
+              <a:noFill/>
+            </p:spPr>
+            <p:txBody>
+              <a:bodyPr wrap="none" rtlCol="0">
+                <a:spAutoFit/>
+              </a:bodyPr>
+              <a:lstStyle/>
+              <a:p>
+                <a:pPr algn="ctr"/>
+                <a:r>
+                  <a:rPr lang="zh-CN" altLang="en-US" sz="1100" dirty="0"/>
+                  <a:t>清华大学计算机系</a:t>
+                </a:r>
+                <a:endParaRPr lang="en-US" altLang="zh-CN" sz="1100" dirty="0"/>
+              </a:p>
+              <a:p>
+                <a:pPr algn="ctr"/>
+                <a14:m>
+                  <m:oMathPara xmlns:m="http://schemas.openxmlformats.org/officeDocument/2006/math">
+                    <m:oMathParaPr>
+                      <m:jc m:val="centerGroup"/>
+                    </m:oMathParaPr>
+                    <m:oMath xmlns:m="http://schemas.openxmlformats.org/officeDocument/2006/math">
+                      <m:r>
+                        <a:rPr lang="en-US" altLang="zh-CN" sz="1100" i="1" dirty="0" smtClean="0">
+                          <a:latin typeface="Cambria Math" panose="02040503050406030204" pitchFamily="18" charset="0"/>
+                        </a:rPr>
+                        <m:t>62783054</m:t>
+                      </m:r>
+                    </m:oMath>
+                  </m:oMathPara>
+                </a14:m>
+                <a:endParaRPr lang="en-US" altLang="zh-CN" sz="1100" dirty="0"/>
+              </a:p>
+            </p:txBody>
+          </p:sp>
+        </mc:Choice>
+        <mc:Fallback>
+          <p:sp>
+            <p:nvSpPr>
+              <p:cNvPr id="15" name="文本框 14">
+                <a:extLst>
+                  <a:ext uri="{FF2B5EF4-FFF2-40B4-BE49-F238E27FC236}">
+                    <a16:creationId xmlns:a16="http://schemas.microsoft.com/office/drawing/2014/main" id="{A9CF1EFC-217E-17E3-F4D1-62534A57D4C1}"/>
+                  </a:ext>
+                </a:extLst>
+              </p:cNvPr>
+              <p:cNvSpPr txBox="1">
+                <a:spLocks noRot="1" noChangeAspect="1" noMove="1" noResize="1" noEditPoints="1" noAdjustHandles="1" noChangeArrowheads="1" noChangeShapeType="1" noTextEdit="1"/>
+              </p:cNvSpPr>
+              <p:nvPr/>
+            </p:nvSpPr>
+            <p:spPr>
+              <a:xfrm>
+                <a:off x="1048533" y="5292022"/>
+                <a:ext cx="1350050" cy="430887"/>
+              </a:xfrm>
+              <a:prstGeom prst="rect">
+                <a:avLst/>
+              </a:prstGeom>
+              <a:blipFill>
+                <a:blip r:embed="rId7"/>
+                <a:stretch>
+                  <a:fillRect t="-1408"/>
+                </a:stretch>
+              </a:blipFill>
+            </p:spPr>
+            <p:txBody>
+              <a:bodyPr/>
+              <a:lstStyle/>
+              <a:p>
+                <a:r>
+                  <a:rPr lang="zh-CN" altLang="en-US">
+                    <a:noFill/>
+                  </a:rPr>
+                  <a:t> </a:t>
+                </a:r>
+              </a:p>
+            </p:txBody>
+          </p:sp>
+        </mc:Fallback>
+      </mc:AlternateContent>
       <p:sp>
         <p:nvSpPr>
           <p:cNvPr id="16" name="椭圆 15">
@@ -4270,7 +4450,7 @@
           </a:fontRef>
         </p:style>
         <p:txBody>
-          <a:bodyPr rtlCol="0" anchor="ctr"/>
+          <a:bodyPr wrap="none" rtlCol="0" anchor="ctr"/>
           <a:lstStyle/>
           <a:p>
             <a:pPr algn="ctr"/>
@@ -4282,58 +4462,118 @@
           </a:p>
         </p:txBody>
       </p:sp>
-      <p:sp>
-        <p:nvSpPr>
-          <p:cNvPr id="17" name="文本框 16">
-            <a:extLst>
-              <a:ext uri="{FF2B5EF4-FFF2-40B4-BE49-F238E27FC236}">
-                <a16:creationId xmlns:a16="http://schemas.microsoft.com/office/drawing/2014/main" id="{211D1C7B-E0D6-EDBD-A18F-ECAAC68743BC}"/>
-              </a:ext>
-            </a:extLst>
-          </p:cNvPr>
-          <p:cNvSpPr txBox="1"/>
-          <p:nvPr/>
-        </p:nvSpPr>
-        <p:spPr>
-          <a:xfrm>
-            <a:off x="2058554" y="4409926"/>
-            <a:ext cx="889987" cy="600164"/>
-          </a:xfrm>
-          <a:prstGeom prst="rect">
-            <a:avLst/>
-          </a:prstGeom>
-          <a:noFill/>
-        </p:spPr>
-        <p:txBody>
-          <a:bodyPr wrap="none" rtlCol="0">
-            <a:spAutoFit/>
-          </a:bodyPr>
-          <a:lstStyle/>
-          <a:p>
-            <a:pPr algn="ctr"/>
-            <a:r>
-              <a:rPr lang="zh-CN" altLang="en-US" sz="1100" dirty="0"/>
-              <a:t>北京大学</a:t>
-            </a:r>
-            <a:endParaRPr lang="en-US" altLang="zh-CN" sz="1100" dirty="0"/>
-          </a:p>
-          <a:p>
-            <a:pPr algn="ctr"/>
-            <a:r>
-              <a:rPr lang="zh-CN" altLang="en-US" sz="1100" dirty="0"/>
-              <a:t>计算机学院</a:t>
-            </a:r>
-            <a:endParaRPr lang="en-US" altLang="zh-CN" sz="1100" dirty="0"/>
-          </a:p>
-          <a:p>
-            <a:pPr algn="ctr"/>
-            <a:r>
-              <a:rPr lang="en-US" altLang="zh-CN" sz="1100" dirty="0"/>
-              <a:t>62757487</a:t>
-            </a:r>
-          </a:p>
-        </p:txBody>
-      </p:sp>
+      <mc:AlternateContent xmlns:mc="http://schemas.openxmlformats.org/markup-compatibility/2006">
+        <mc:Choice xmlns:a14="http://schemas.microsoft.com/office/drawing/2010/main" Requires="a14">
+          <p:sp>
+            <p:nvSpPr>
+              <p:cNvPr id="17" name="文本框 16">
+                <a:extLst>
+                  <a:ext uri="{FF2B5EF4-FFF2-40B4-BE49-F238E27FC236}">
+                    <a16:creationId xmlns:a16="http://schemas.microsoft.com/office/drawing/2014/main" id="{211D1C7B-E0D6-EDBD-A18F-ECAAC68743BC}"/>
+                  </a:ext>
+                </a:extLst>
+              </p:cNvPr>
+              <p:cNvSpPr txBox="1"/>
+              <p:nvPr/>
+            </p:nvSpPr>
+            <p:spPr>
+              <a:xfrm>
+                <a:off x="2058554" y="4409926"/>
+                <a:ext cx="889987" cy="600164"/>
+              </a:xfrm>
+              <a:prstGeom prst="rect">
+                <a:avLst/>
+              </a:prstGeom>
+              <a:noFill/>
+            </p:spPr>
+            <p:txBody>
+              <a:bodyPr wrap="none" rtlCol="0">
+                <a:spAutoFit/>
+              </a:bodyPr>
+              <a:lstStyle/>
+              <a:p>
+                <a:pPr algn="ctr"/>
+                <a:r>
+                  <a:rPr lang="zh-CN" altLang="en-US" sz="1100" dirty="0"/>
+                  <a:t>北京大学</a:t>
+                </a:r>
+                <a:endParaRPr lang="en-US" altLang="zh-CN" sz="1100" dirty="0"/>
+              </a:p>
+              <a:p>
+                <a:pPr algn="ctr"/>
+                <a:r>
+                  <a:rPr lang="zh-CN" altLang="en-US" sz="1100" dirty="0"/>
+                  <a:t>计算机学院</a:t>
+                </a:r>
+                <a:endParaRPr lang="en-US" altLang="zh-CN" sz="1100" dirty="0"/>
+              </a:p>
+              <a:p>
+                <a:pPr algn="ctr"/>
+                <a14:m>
+                  <m:oMathPara xmlns:m="http://schemas.openxmlformats.org/officeDocument/2006/math">
+                    <m:oMathParaPr>
+                      <m:jc m:val="centerGroup"/>
+                    </m:oMathParaPr>
+                    <m:oMath xmlns:m="http://schemas.openxmlformats.org/officeDocument/2006/math">
+                      <m:r>
+                        <a:rPr lang="en-US" altLang="zh-CN" sz="1100" i="1" dirty="0" smtClean="0">
+                          <a:latin typeface="Cambria Math" panose="02040503050406030204" pitchFamily="18" charset="0"/>
+                        </a:rPr>
+                        <m:t>62757487</m:t>
+                      </m:r>
+                    </m:oMath>
+                  </m:oMathPara>
+                </a14:m>
+                <a:endParaRPr lang="en-US" altLang="zh-CN" sz="1100" dirty="0"/>
+              </a:p>
+            </p:txBody>
+          </p:sp>
+        </mc:Choice>
+        <mc:Fallback>
+          <p:sp>
+            <p:nvSpPr>
+              <p:cNvPr id="17" name="文本框 16">
+                <a:extLst>
+                  <a:ext uri="{FF2B5EF4-FFF2-40B4-BE49-F238E27FC236}">
+                    <a16:creationId xmlns:a16="http://schemas.microsoft.com/office/drawing/2014/main" id="{211D1C7B-E0D6-EDBD-A18F-ECAAC68743BC}"/>
+                  </a:ext>
+                </a:extLst>
+              </p:cNvPr>
+              <p:cNvSpPr txBox="1">
+                <a:spLocks noRot="1" noChangeAspect="1" noMove="1" noResize="1" noEditPoints="1" noAdjustHandles="1" noChangeArrowheads="1" noChangeShapeType="1" noTextEdit="1"/>
+              </p:cNvSpPr>
+              <p:nvPr/>
+            </p:nvSpPr>
+            <p:spPr>
+              <a:xfrm>
+                <a:off x="2058554" y="4409926"/>
+                <a:ext cx="889987" cy="600164"/>
+              </a:xfrm>
+              <a:prstGeom prst="rect">
+                <a:avLst/>
+              </a:prstGeom>
+              <a:blipFill>
+                <a:blip r:embed="rId8"/>
+                <a:stretch>
+                  <a:fillRect t="-1010"/>
+                </a:stretch>
+              </a:blipFill>
+            </p:spPr>
+            <p:txBody>
+              <a:bodyPr/>
+              <a:lstStyle/>
+              <a:p>
+                <a:r>
+                  <a:rPr lang="zh-CN" altLang="en-US">
+                    <a:noFill/>
+                  </a:rPr>
+                  <a:t> </a:t>
+                </a:r>
+              </a:p>
+            </p:txBody>
+          </p:sp>
+        </mc:Fallback>
+      </mc:AlternateContent>
       <p:sp>
         <p:nvSpPr>
           <p:cNvPr id="18" name="椭圆 17">
@@ -4380,7 +4620,7 @@
           </a:fontRef>
         </p:style>
         <p:txBody>
-          <a:bodyPr rtlCol="0" anchor="ctr"/>
+          <a:bodyPr wrap="none" rtlCol="0" anchor="ctr"/>
           <a:lstStyle/>
           <a:p>
             <a:pPr algn="ctr"/>
@@ -4392,50 +4632,110 @@
           </a:p>
         </p:txBody>
       </p:sp>
-      <p:sp>
-        <p:nvSpPr>
-          <p:cNvPr id="19" name="文本框 18">
-            <a:extLst>
-              <a:ext uri="{FF2B5EF4-FFF2-40B4-BE49-F238E27FC236}">
-                <a16:creationId xmlns:a16="http://schemas.microsoft.com/office/drawing/2014/main" id="{9B5916D8-ACA4-387A-7C16-342BACEFE023}"/>
-              </a:ext>
-            </a:extLst>
-          </p:cNvPr>
-          <p:cNvSpPr txBox="1"/>
-          <p:nvPr/>
-        </p:nvSpPr>
-        <p:spPr>
-          <a:xfrm>
-            <a:off x="1917488" y="3315738"/>
-            <a:ext cx="1172116" cy="430887"/>
-          </a:xfrm>
-          <a:prstGeom prst="rect">
-            <a:avLst/>
-          </a:prstGeom>
-          <a:noFill/>
-        </p:spPr>
-        <p:txBody>
-          <a:bodyPr wrap="none" rtlCol="0">
-            <a:spAutoFit/>
-          </a:bodyPr>
-          <a:lstStyle/>
-          <a:p>
-            <a:pPr algn="ctr"/>
-            <a:r>
-              <a:rPr lang="zh-CN" altLang="en-US" sz="1100" dirty="0"/>
-              <a:t>中国计算机学会</a:t>
-            </a:r>
-            <a:endParaRPr lang="en-US" altLang="zh-CN" sz="1100" dirty="0"/>
-          </a:p>
-          <a:p>
-            <a:pPr algn="ctr"/>
-            <a:r>
-              <a:rPr lang="en-US" altLang="zh-CN" sz="1100" dirty="0"/>
-              <a:t>62562503</a:t>
-            </a:r>
-          </a:p>
-        </p:txBody>
-      </p:sp>
+      <mc:AlternateContent xmlns:mc="http://schemas.openxmlformats.org/markup-compatibility/2006">
+        <mc:Choice xmlns:a14="http://schemas.microsoft.com/office/drawing/2010/main" Requires="a14">
+          <p:sp>
+            <p:nvSpPr>
+              <p:cNvPr id="19" name="文本框 18">
+                <a:extLst>
+                  <a:ext uri="{FF2B5EF4-FFF2-40B4-BE49-F238E27FC236}">
+                    <a16:creationId xmlns:a16="http://schemas.microsoft.com/office/drawing/2014/main" id="{9B5916D8-ACA4-387A-7C16-342BACEFE023}"/>
+                  </a:ext>
+                </a:extLst>
+              </p:cNvPr>
+              <p:cNvSpPr txBox="1"/>
+              <p:nvPr/>
+            </p:nvSpPr>
+            <p:spPr>
+              <a:xfrm>
+                <a:off x="1917488" y="3315738"/>
+                <a:ext cx="1172116" cy="430887"/>
+              </a:xfrm>
+              <a:prstGeom prst="rect">
+                <a:avLst/>
+              </a:prstGeom>
+              <a:noFill/>
+            </p:spPr>
+            <p:txBody>
+              <a:bodyPr wrap="none" rtlCol="0">
+                <a:spAutoFit/>
+              </a:bodyPr>
+              <a:lstStyle/>
+              <a:p>
+                <a:pPr algn="ctr"/>
+                <a:r>
+                  <a:rPr lang="zh-CN" altLang="en-US" sz="1100" dirty="0"/>
+                  <a:t>中国计算机学会</a:t>
+                </a:r>
+                <a:endParaRPr lang="en-US" altLang="zh-CN" sz="1100" dirty="0"/>
+              </a:p>
+              <a:p>
+                <a:pPr algn="ctr"/>
+                <a14:m>
+                  <m:oMathPara xmlns:m="http://schemas.openxmlformats.org/officeDocument/2006/math">
+                    <m:oMathParaPr>
+                      <m:jc m:val="centerGroup"/>
+                    </m:oMathParaPr>
+                    <m:oMath xmlns:m="http://schemas.openxmlformats.org/officeDocument/2006/math">
+                      <m:r>
+                        <a:rPr lang="en-US" altLang="zh-CN" sz="1100" i="1" dirty="0" smtClean="0">
+                          <a:latin typeface="Cambria Math" panose="02040503050406030204" pitchFamily="18" charset="0"/>
+                        </a:rPr>
+                        <m:t>62562503</m:t>
+                      </m:r>
+                    </m:oMath>
+                  </m:oMathPara>
+                </a14:m>
+                <a:endParaRPr lang="en-US" altLang="zh-CN" sz="1100" dirty="0"/>
+              </a:p>
+            </p:txBody>
+          </p:sp>
+        </mc:Choice>
+        <mc:Fallback>
+          <p:sp>
+            <p:nvSpPr>
+              <p:cNvPr id="19" name="文本框 18">
+                <a:extLst>
+                  <a:ext uri="{FF2B5EF4-FFF2-40B4-BE49-F238E27FC236}">
+                    <a16:creationId xmlns:a16="http://schemas.microsoft.com/office/drawing/2014/main" id="{9B5916D8-ACA4-387A-7C16-342BACEFE023}"/>
+                  </a:ext>
+                </a:extLst>
+              </p:cNvPr>
+              <p:cNvSpPr txBox="1">
+                <a:spLocks noRot="1" noChangeAspect="1" noMove="1" noResize="1" noEditPoints="1" noAdjustHandles="1" noChangeArrowheads="1" noChangeShapeType="1" noTextEdit="1"/>
+              </p:cNvSpPr>
+              <p:nvPr/>
+            </p:nvSpPr>
+            <p:spPr>
+              <a:xfrm>
+                <a:off x="1917488" y="3315738"/>
+                <a:ext cx="1172116" cy="430887"/>
+              </a:xfrm>
+              <a:prstGeom prst="rect">
+                <a:avLst/>
+              </a:prstGeom>
+              <a:blipFill>
+                <a:blip r:embed="rId9"/>
+                <a:stretch>
+                  <a:fillRect t="-1408"/>
+                </a:stretch>
+              </a:blipFill>
+            </p:spPr>
+            <p:txBody>
+              <a:bodyPr/>
+              <a:lstStyle/>
+              <a:p>
+                <a:r>
+                  <a:rPr lang="zh-CN" altLang="en-US">
+                    <a:noFill/>
+                  </a:rPr>
+                  <a:t> </a:t>
+                </a:r>
+              </a:p>
+            </p:txBody>
+          </p:sp>
+        </mc:Fallback>
+      </mc:AlternateContent>
       <p:sp>
         <p:nvSpPr>
           <p:cNvPr id="20" name="椭圆 19">
@@ -4474,7 +4774,7 @@
           </a:fontRef>
         </p:style>
         <p:txBody>
-          <a:bodyPr rtlCol="0" anchor="ctr"/>
+          <a:bodyPr wrap="none" rtlCol="0" anchor="ctr"/>
           <a:lstStyle/>
           <a:p>
             <a:pPr algn="ctr"/>
@@ -4613,7 +4913,7 @@
                 <a:avLst/>
               </a:prstGeom>
               <a:blipFill>
-                <a:blip r:embed="rId5"/>
+                <a:blip r:embed="rId10"/>
                 <a:stretch>
                   <a:fillRect t="-794"/>
                 </a:stretch>
@@ -4680,70 +4980,130 @@
           </a:fontRef>
         </p:style>
         <p:txBody>
-          <a:bodyPr rtlCol="0" anchor="ctr"/>
+          <a:bodyPr wrap="none" rtlCol="0" anchor="ctr"/>
           <a:lstStyle/>
           <a:p>
             <a:pPr algn="ctr"/>
             <a:r>
-              <a:rPr lang="en-US" altLang="zh-CN" sz="1200" dirty="0"/>
+              <a:rPr lang="en-US" altLang="zh-CN" dirty="0"/>
               <a:t>10</a:t>
             </a:r>
-            <a:endParaRPr lang="zh-CN" altLang="en-US" sz="1200" dirty="0"/>
+            <a:endParaRPr lang="zh-CN" altLang="en-US" dirty="0"/>
           </a:p>
         </p:txBody>
       </p:sp>
-      <p:sp>
-        <p:nvSpPr>
-          <p:cNvPr id="23" name="文本框 22">
-            <a:extLst>
-              <a:ext uri="{FF2B5EF4-FFF2-40B4-BE49-F238E27FC236}">
-                <a16:creationId xmlns:a16="http://schemas.microsoft.com/office/drawing/2014/main" id="{B0925A94-A556-A5A2-921E-261AAEE6F116}"/>
-              </a:ext>
-            </a:extLst>
-          </p:cNvPr>
-          <p:cNvSpPr txBox="1"/>
-          <p:nvPr/>
-        </p:nvSpPr>
-        <p:spPr>
-          <a:xfrm>
-            <a:off x="3077406" y="3617711"/>
-            <a:ext cx="1031051" cy="600164"/>
-          </a:xfrm>
-          <a:prstGeom prst="rect">
-            <a:avLst/>
-          </a:prstGeom>
-          <a:noFill/>
-        </p:spPr>
-        <p:txBody>
-          <a:bodyPr wrap="none" rtlCol="0">
-            <a:spAutoFit/>
-          </a:bodyPr>
-          <a:lstStyle/>
-          <a:p>
-            <a:pPr algn="ctr"/>
-            <a:r>
-              <a:rPr lang="zh-CN" altLang="en-US" sz="1100" dirty="0"/>
-              <a:t>香港科技大学</a:t>
-            </a:r>
-            <a:endParaRPr lang="en-US" altLang="zh-CN" sz="1100" dirty="0"/>
-          </a:p>
-          <a:p>
-            <a:pPr algn="ctr"/>
-            <a:r>
-              <a:rPr lang="zh-CN" altLang="en-US" sz="1100" dirty="0"/>
-              <a:t>（广州）</a:t>
-            </a:r>
-            <a:endParaRPr lang="en-US" altLang="zh-CN" sz="1100" dirty="0"/>
-          </a:p>
-          <a:p>
-            <a:pPr algn="ctr"/>
-            <a:r>
-              <a:rPr lang="en-US" altLang="zh-CN" sz="1100" dirty="0"/>
-              <a:t>88331234</a:t>
-            </a:r>
-          </a:p>
-        </p:txBody>
-      </p:sp>
+      <mc:AlternateContent xmlns:mc="http://schemas.openxmlformats.org/markup-compatibility/2006">
+        <mc:Choice xmlns:a14="http://schemas.microsoft.com/office/drawing/2010/main" Requires="a14">
+          <p:sp>
+            <p:nvSpPr>
+              <p:cNvPr id="23" name="文本框 22">
+                <a:extLst>
+                  <a:ext uri="{FF2B5EF4-FFF2-40B4-BE49-F238E27FC236}">
+                    <a16:creationId xmlns:a16="http://schemas.microsoft.com/office/drawing/2014/main" id="{B0925A94-A556-A5A2-921E-261AAEE6F116}"/>
+                  </a:ext>
+                </a:extLst>
+              </p:cNvPr>
+              <p:cNvSpPr txBox="1"/>
+              <p:nvPr/>
+            </p:nvSpPr>
+            <p:spPr>
+              <a:xfrm>
+                <a:off x="3077406" y="3617711"/>
+                <a:ext cx="1031051" cy="600164"/>
+              </a:xfrm>
+              <a:prstGeom prst="rect">
+                <a:avLst/>
+              </a:prstGeom>
+              <a:noFill/>
+            </p:spPr>
+            <p:txBody>
+              <a:bodyPr wrap="none" rtlCol="0">
+                <a:spAutoFit/>
+              </a:bodyPr>
+              <a:lstStyle/>
+              <a:p>
+                <a:pPr algn="ctr"/>
+                <a:r>
+                  <a:rPr lang="zh-CN" altLang="en-US" sz="1100" dirty="0"/>
+                  <a:t>香港科技大学</a:t>
+                </a:r>
+                <a:endParaRPr lang="en-US" altLang="zh-CN" sz="1100" dirty="0"/>
+              </a:p>
+              <a:p>
+                <a:pPr algn="ctr"/>
+                <a:r>
+                  <a:rPr lang="zh-CN" altLang="en-US" sz="1100" dirty="0"/>
+                  <a:t>（广州）</a:t>
+                </a:r>
+                <a:endParaRPr lang="en-US" altLang="zh-CN" sz="1100" dirty="0"/>
+              </a:p>
+              <a:p>
+                <a:pPr algn="ctr"/>
+                <a14:m>
+                  <m:oMathPara xmlns:m="http://schemas.openxmlformats.org/officeDocument/2006/math">
+                    <m:oMathParaPr>
+                      <m:jc m:val="centerGroup"/>
+                    </m:oMathParaPr>
+                    <m:oMath xmlns:m="http://schemas.openxmlformats.org/officeDocument/2006/math">
+                      <m:r>
+                        <a:rPr lang="en-US" altLang="zh-CN" sz="1100" i="1" dirty="0" smtClean="0">
+                          <a:latin typeface="Cambria Math" panose="02040503050406030204" pitchFamily="18" charset="0"/>
+                        </a:rPr>
+                        <m:t>88331234</m:t>
+                      </m:r>
+                    </m:oMath>
+                  </m:oMathPara>
+                </a14:m>
+                <a:endParaRPr lang="en-US" altLang="zh-CN" sz="1100" dirty="0"/>
+              </a:p>
+            </p:txBody>
+          </p:sp>
+        </mc:Choice>
+        <mc:Fallback>
+          <p:sp>
+            <p:nvSpPr>
+              <p:cNvPr id="23" name="文本框 22">
+                <a:extLst>
+                  <a:ext uri="{FF2B5EF4-FFF2-40B4-BE49-F238E27FC236}">
+                    <a16:creationId xmlns:a16="http://schemas.microsoft.com/office/drawing/2014/main" id="{B0925A94-A556-A5A2-921E-261AAEE6F116}"/>
+                  </a:ext>
+                </a:extLst>
+              </p:cNvPr>
+              <p:cNvSpPr txBox="1">
+                <a:spLocks noRot="1" noChangeAspect="1" noMove="1" noResize="1" noEditPoints="1" noAdjustHandles="1" noChangeArrowheads="1" noChangeShapeType="1" noTextEdit="1"/>
+              </p:cNvSpPr>
+              <p:nvPr/>
+            </p:nvSpPr>
+            <p:spPr>
+              <a:xfrm>
+                <a:off x="3077406" y="3617711"/>
+                <a:ext cx="1031051" cy="600164"/>
+              </a:xfrm>
+              <a:prstGeom prst="rect">
+                <a:avLst/>
+              </a:prstGeom>
+              <a:blipFill>
+                <a:blip r:embed="rId11"/>
+                <a:stretch>
+                  <a:fillRect t="-1010"/>
+                </a:stretch>
+              </a:blipFill>
+            </p:spPr>
+            <p:txBody>
+              <a:bodyPr/>
+              <a:lstStyle/>
+              <a:p>
+                <a:r>
+                  <a:rPr lang="zh-CN" altLang="en-US">
+                    <a:noFill/>
+                  </a:rPr>
+                  <a:t> </a:t>
+                </a:r>
+              </a:p>
+            </p:txBody>
+          </p:sp>
+        </mc:Fallback>
+      </mc:AlternateContent>
       <p:sp>
         <p:nvSpPr>
           <p:cNvPr id="28" name="椭圆 27">
@@ -4782,20 +5142,20 @@
           </a:fontRef>
         </p:style>
         <p:txBody>
-          <a:bodyPr rtlCol="0" anchor="ctr"/>
+          <a:bodyPr wrap="none" rtlCol="0" anchor="ctr"/>
           <a:lstStyle/>
           <a:p>
             <a:pPr algn="ctr"/>
             <a:r>
-              <a:rPr lang="en-US" altLang="zh-CN" sz="1200" dirty="0"/>
+              <a:rPr lang="en-US" altLang="zh-CN" dirty="0"/>
               <a:t>12</a:t>
             </a:r>
-            <a:endParaRPr lang="zh-CN" altLang="en-US" sz="1200" dirty="0"/>
+            <a:endParaRPr lang="zh-CN" altLang="en-US" dirty="0"/>
           </a:p>
         </p:txBody>
       </p:sp>
-      <mc:AlternateContent xmlns:mc="http://schemas.openxmlformats.org/markup-compatibility/2006" xmlns:a14="http://schemas.microsoft.com/office/drawing/2010/main">
-        <mc:Choice Requires="a14">
+      <mc:AlternateContent xmlns:mc="http://schemas.openxmlformats.org/markup-compatibility/2006">
+        <mc:Choice xmlns:a14="http://schemas.microsoft.com/office/drawing/2010/main" Requires="a14">
           <p:sp>
             <p:nvSpPr>
               <p:cNvPr id="29" name="文本框 28">
@@ -4810,8 +5170,8 @@
             </p:nvSpPr>
             <p:spPr>
               <a:xfrm>
-                <a:off x="5616198" y="885785"/>
-                <a:ext cx="482055" cy="769441"/>
+                <a:off x="5482764" y="885785"/>
+                <a:ext cx="748923" cy="769441"/>
               </a:xfrm>
               <a:prstGeom prst="rect">
                 <a:avLst/>
@@ -4827,7 +5187,7 @@
                 <a:pPr algn="ctr"/>
                 <a:r>
                   <a:rPr lang="zh-CN" altLang="en-US" sz="1100" dirty="0"/>
-                  <a:t>香港</a:t>
+                  <a:t>中国香港</a:t>
                 </a:r>
                 <a:endParaRPr lang="en-US" altLang="zh-CN" sz="1100" dirty="0"/>
               </a:p>
@@ -4891,7 +5251,7 @@
             </p:txBody>
           </p:sp>
         </mc:Choice>
-        <mc:Fallback xmlns="">
+        <mc:Fallback>
           <p:sp>
             <p:nvSpPr>
               <p:cNvPr id="29" name="文本框 28">
@@ -4908,14 +5268,14 @@
             </p:nvSpPr>
             <p:spPr>
               <a:xfrm>
-                <a:off x="5616198" y="885785"/>
-                <a:ext cx="482055" cy="769441"/>
+                <a:off x="5482764" y="885785"/>
+                <a:ext cx="748923" cy="769441"/>
               </a:xfrm>
               <a:prstGeom prst="rect">
                 <a:avLst/>
               </a:prstGeom>
               <a:blipFill>
-                <a:blip r:embed="rId6"/>
+                <a:blip r:embed="rId12"/>
                 <a:stretch>
                   <a:fillRect t="-787"/>
                 </a:stretch>
@@ -4982,70 +5342,130 @@
           </a:fontRef>
         </p:style>
         <p:txBody>
-          <a:bodyPr rtlCol="0" anchor="ctr"/>
+          <a:bodyPr wrap="none" rtlCol="0" anchor="ctr"/>
           <a:lstStyle/>
           <a:p>
             <a:pPr algn="ctr"/>
             <a:r>
-              <a:rPr lang="en-US" altLang="zh-CN" sz="1200" dirty="0"/>
+              <a:rPr lang="en-US" altLang="zh-CN" dirty="0"/>
               <a:t>13</a:t>
             </a:r>
-            <a:endParaRPr lang="zh-CN" altLang="en-US" sz="1200" dirty="0"/>
+            <a:endParaRPr lang="zh-CN" altLang="en-US" dirty="0"/>
           </a:p>
         </p:txBody>
       </p:sp>
-      <p:sp>
-        <p:nvSpPr>
-          <p:cNvPr id="31" name="文本框 30">
-            <a:extLst>
-              <a:ext uri="{FF2B5EF4-FFF2-40B4-BE49-F238E27FC236}">
-                <a16:creationId xmlns:a16="http://schemas.microsoft.com/office/drawing/2014/main" id="{D7E58385-1285-D2F2-E72D-A6B74F272762}"/>
-              </a:ext>
-            </a:extLst>
-          </p:cNvPr>
-          <p:cNvSpPr txBox="1"/>
-          <p:nvPr/>
-        </p:nvSpPr>
-        <p:spPr>
-          <a:xfrm>
-            <a:off x="4619454" y="2382005"/>
-            <a:ext cx="1454244" cy="600164"/>
-          </a:xfrm>
-          <a:prstGeom prst="rect">
-            <a:avLst/>
-          </a:prstGeom>
-          <a:noFill/>
-        </p:spPr>
-        <p:txBody>
-          <a:bodyPr wrap="none" rtlCol="0">
-            <a:spAutoFit/>
-          </a:bodyPr>
-          <a:lstStyle/>
-          <a:p>
-            <a:pPr algn="ctr"/>
-            <a:r>
-              <a:rPr lang="zh-CN" altLang="en-US" sz="1100" dirty="0"/>
-              <a:t>香港科技大学</a:t>
-            </a:r>
-            <a:endParaRPr lang="en-US" altLang="zh-CN" sz="1100" dirty="0"/>
-          </a:p>
-          <a:p>
-            <a:pPr algn="ctr"/>
-            <a:r>
-              <a:rPr lang="zh-CN" altLang="en-US" sz="1100" dirty="0"/>
-              <a:t>计算机科学与工程系</a:t>
-            </a:r>
-            <a:endParaRPr lang="en-US" altLang="zh-CN" sz="1100" dirty="0"/>
-          </a:p>
-          <a:p>
-            <a:pPr algn="ctr"/>
-            <a:r>
-              <a:rPr lang="en-US" altLang="zh-CN" sz="1100" dirty="0"/>
-              <a:t>23587000</a:t>
-            </a:r>
-          </a:p>
-        </p:txBody>
-      </p:sp>
+      <mc:AlternateContent xmlns:mc="http://schemas.openxmlformats.org/markup-compatibility/2006">
+        <mc:Choice xmlns:a14="http://schemas.microsoft.com/office/drawing/2010/main" Requires="a14">
+          <p:sp>
+            <p:nvSpPr>
+              <p:cNvPr id="31" name="文本框 30">
+                <a:extLst>
+                  <a:ext uri="{FF2B5EF4-FFF2-40B4-BE49-F238E27FC236}">
+                    <a16:creationId xmlns:a16="http://schemas.microsoft.com/office/drawing/2014/main" id="{D7E58385-1285-D2F2-E72D-A6B74F272762}"/>
+                  </a:ext>
+                </a:extLst>
+              </p:cNvPr>
+              <p:cNvSpPr txBox="1"/>
+              <p:nvPr/>
+            </p:nvSpPr>
+            <p:spPr>
+              <a:xfrm>
+                <a:off x="4619454" y="2382005"/>
+                <a:ext cx="1454244" cy="600164"/>
+              </a:xfrm>
+              <a:prstGeom prst="rect">
+                <a:avLst/>
+              </a:prstGeom>
+              <a:noFill/>
+            </p:spPr>
+            <p:txBody>
+              <a:bodyPr wrap="none" rtlCol="0">
+                <a:spAutoFit/>
+              </a:bodyPr>
+              <a:lstStyle/>
+              <a:p>
+                <a:pPr algn="ctr"/>
+                <a:r>
+                  <a:rPr lang="zh-CN" altLang="en-US" sz="1100" dirty="0"/>
+                  <a:t>香港科技大学</a:t>
+                </a:r>
+                <a:endParaRPr lang="en-US" altLang="zh-CN" sz="1100" dirty="0"/>
+              </a:p>
+              <a:p>
+                <a:pPr algn="ctr"/>
+                <a:r>
+                  <a:rPr lang="zh-CN" altLang="en-US" sz="1100" dirty="0"/>
+                  <a:t>计算机科学与工程系</a:t>
+                </a:r>
+                <a:endParaRPr lang="en-US" altLang="zh-CN" sz="1100" dirty="0"/>
+              </a:p>
+              <a:p>
+                <a:pPr algn="ctr"/>
+                <a14:m>
+                  <m:oMathPara xmlns:m="http://schemas.openxmlformats.org/officeDocument/2006/math">
+                    <m:oMathParaPr>
+                      <m:jc m:val="centerGroup"/>
+                    </m:oMathParaPr>
+                    <m:oMath xmlns:m="http://schemas.openxmlformats.org/officeDocument/2006/math">
+                      <m:r>
+                        <a:rPr lang="en-US" altLang="zh-CN" sz="1100" i="1" dirty="0" smtClean="0">
+                          <a:latin typeface="Cambria Math" panose="02040503050406030204" pitchFamily="18" charset="0"/>
+                        </a:rPr>
+                        <m:t>23587000</m:t>
+                      </m:r>
+                    </m:oMath>
+                  </m:oMathPara>
+                </a14:m>
+                <a:endParaRPr lang="en-US" altLang="zh-CN" sz="1100" dirty="0"/>
+              </a:p>
+            </p:txBody>
+          </p:sp>
+        </mc:Choice>
+        <mc:Fallback>
+          <p:sp>
+            <p:nvSpPr>
+              <p:cNvPr id="31" name="文本框 30">
+                <a:extLst>
+                  <a:ext uri="{FF2B5EF4-FFF2-40B4-BE49-F238E27FC236}">
+                    <a16:creationId xmlns:a16="http://schemas.microsoft.com/office/drawing/2014/main" id="{D7E58385-1285-D2F2-E72D-A6B74F272762}"/>
+                  </a:ext>
+                </a:extLst>
+              </p:cNvPr>
+              <p:cNvSpPr txBox="1">
+                <a:spLocks noRot="1" noChangeAspect="1" noMove="1" noResize="1" noEditPoints="1" noAdjustHandles="1" noChangeArrowheads="1" noChangeShapeType="1" noTextEdit="1"/>
+              </p:cNvSpPr>
+              <p:nvPr/>
+            </p:nvSpPr>
+            <p:spPr>
+              <a:xfrm>
+                <a:off x="4619454" y="2382005"/>
+                <a:ext cx="1454244" cy="600164"/>
+              </a:xfrm>
+              <a:prstGeom prst="rect">
+                <a:avLst/>
+              </a:prstGeom>
+              <a:blipFill>
+                <a:blip r:embed="rId13"/>
+                <a:stretch>
+                  <a:fillRect t="-1020"/>
+                </a:stretch>
+              </a:blipFill>
+            </p:spPr>
+            <p:txBody>
+              <a:bodyPr/>
+              <a:lstStyle/>
+              <a:p>
+                <a:r>
+                  <a:rPr lang="zh-CN" altLang="en-US">
+                    <a:noFill/>
+                  </a:rPr>
+                  <a:t> </a:t>
+                </a:r>
+              </a:p>
+            </p:txBody>
+          </p:sp>
+        </mc:Fallback>
+      </mc:AlternateContent>
       <p:sp>
         <p:nvSpPr>
           <p:cNvPr id="32" name="椭圆 31">
@@ -5084,15 +5504,15 @@
           </a:fontRef>
         </p:style>
         <p:txBody>
-          <a:bodyPr rtlCol="0" anchor="ctr"/>
+          <a:bodyPr wrap="none" rtlCol="0" anchor="ctr"/>
           <a:lstStyle/>
           <a:p>
             <a:pPr algn="ctr"/>
             <a:r>
-              <a:rPr lang="en-US" altLang="zh-CN" sz="1200" dirty="0"/>
+              <a:rPr lang="en-US" altLang="zh-CN" dirty="0"/>
               <a:t>14</a:t>
             </a:r>
-            <a:endParaRPr lang="zh-CN" altLang="en-US" sz="1200" dirty="0"/>
+            <a:endParaRPr lang="zh-CN" altLang="en-US" dirty="0"/>
           </a:p>
         </p:txBody>
       </p:sp>
@@ -5217,7 +5637,7 @@
                 <a:avLst/>
               </a:prstGeom>
               <a:blipFill>
-                <a:blip r:embed="rId7"/>
+                <a:blip r:embed="rId14"/>
                 <a:stretch>
                   <a:fillRect t="-787"/>
                 </a:stretch>
@@ -5276,15 +5696,15 @@
           </a:fontRef>
         </p:style>
         <p:txBody>
-          <a:bodyPr rtlCol="0" anchor="ctr"/>
+          <a:bodyPr wrap="none" rtlCol="0" anchor="ctr"/>
           <a:lstStyle/>
           <a:p>
             <a:pPr algn="ctr"/>
             <a:r>
-              <a:rPr lang="en-US" altLang="zh-CN" sz="1200" dirty="0"/>
+              <a:rPr lang="en-US" altLang="zh-CN" dirty="0"/>
               <a:t>15</a:t>
             </a:r>
-            <a:endParaRPr lang="zh-CN" altLang="en-US" sz="1200" dirty="0"/>
+            <a:endParaRPr lang="zh-CN" altLang="en-US" dirty="0"/>
           </a:p>
         </p:txBody>
       </p:sp>
@@ -5409,7 +5829,7 @@
                 <a:avLst/>
               </a:prstGeom>
               <a:blipFill>
-                <a:blip r:embed="rId8"/>
+                <a:blip r:embed="rId15"/>
                 <a:stretch>
                   <a:fillRect t="-794"/>
                 </a:stretch>
@@ -5468,15 +5888,15 @@
           </a:fontRef>
         </p:style>
         <p:txBody>
-          <a:bodyPr rtlCol="0" anchor="ctr"/>
+          <a:bodyPr wrap="none" rtlCol="0" anchor="ctr"/>
           <a:lstStyle/>
           <a:p>
             <a:pPr algn="ctr"/>
             <a:r>
-              <a:rPr lang="en-US" altLang="zh-CN" sz="1200" dirty="0"/>
+              <a:rPr lang="en-US" altLang="zh-CN" dirty="0"/>
               <a:t>16</a:t>
             </a:r>
-            <a:endParaRPr lang="zh-CN" altLang="en-US" sz="1200" dirty="0"/>
+            <a:endParaRPr lang="zh-CN" altLang="en-US" dirty="0"/>
           </a:p>
         </p:txBody>
       </p:sp>
@@ -5496,8 +5916,8 @@
             </p:nvSpPr>
             <p:spPr>
               <a:xfrm>
-                <a:off x="6942272" y="2470630"/>
-                <a:ext cx="759310" cy="938719"/>
+                <a:off x="6806402" y="2470630"/>
+                <a:ext cx="1031052" cy="938719"/>
               </a:xfrm>
               <a:prstGeom prst="rect">
                 <a:avLst/>
@@ -5521,7 +5941,7 @@
                 <a:pPr algn="ctr"/>
                 <a:r>
                   <a:rPr lang="zh-CN" altLang="en-US" sz="1100" dirty="0"/>
-                  <a:t>本乡校区</a:t>
+                  <a:t>（本乡校区）</a:t>
                 </a:r>
                 <a:endParaRPr lang="en-US" altLang="zh-CN" sz="1100" dirty="0"/>
               </a:p>
@@ -5602,14 +6022,14 @@
             </p:nvSpPr>
             <p:spPr>
               <a:xfrm>
-                <a:off x="6942272" y="2470630"/>
-                <a:ext cx="759310" cy="938719"/>
+                <a:off x="6806402" y="2470630"/>
+                <a:ext cx="1031052" cy="938719"/>
               </a:xfrm>
               <a:prstGeom prst="rect">
                 <a:avLst/>
               </a:prstGeom>
               <a:blipFill>
-                <a:blip r:embed="rId9"/>
+                <a:blip r:embed="rId16"/>
                 <a:stretch>
                   <a:fillRect t="-649"/>
                 </a:stretch>
@@ -5676,78 +6096,130 @@
           </a:fontRef>
         </p:style>
         <p:txBody>
-          <a:bodyPr rtlCol="0" anchor="ctr"/>
+          <a:bodyPr wrap="none" rtlCol="0" anchor="ctr"/>
           <a:lstStyle/>
           <a:p>
             <a:pPr algn="ctr"/>
             <a:r>
-              <a:rPr lang="en-US" altLang="zh-CN" sz="1200" dirty="0"/>
+              <a:rPr lang="en-US" altLang="zh-CN" dirty="0"/>
               <a:t>17</a:t>
             </a:r>
-            <a:endParaRPr lang="zh-CN" altLang="en-US" sz="1200" dirty="0"/>
+            <a:endParaRPr lang="zh-CN" altLang="en-US" dirty="0"/>
           </a:p>
         </p:txBody>
       </p:sp>
-      <p:sp>
-        <p:nvSpPr>
-          <p:cNvPr id="41" name="文本框 40">
-            <a:extLst>
-              <a:ext uri="{FF2B5EF4-FFF2-40B4-BE49-F238E27FC236}">
-                <a16:creationId xmlns:a16="http://schemas.microsoft.com/office/drawing/2014/main" id="{F0A0CA62-6DB3-8562-C5DE-E0904B896361}"/>
-              </a:ext>
-            </a:extLst>
-          </p:cNvPr>
-          <p:cNvSpPr txBox="1"/>
-          <p:nvPr/>
-        </p:nvSpPr>
-        <p:spPr>
-          <a:xfrm>
-            <a:off x="5590218" y="4066889"/>
-            <a:ext cx="1313180" cy="769441"/>
-          </a:xfrm>
-          <a:prstGeom prst="rect">
-            <a:avLst/>
-          </a:prstGeom>
-          <a:noFill/>
-        </p:spPr>
-        <p:txBody>
-          <a:bodyPr wrap="none" rtlCol="0">
-            <a:spAutoFit/>
-          </a:bodyPr>
-          <a:lstStyle/>
-          <a:p>
-            <a:pPr algn="ctr"/>
-            <a:r>
-              <a:rPr lang="zh-CN" altLang="en-US" sz="1100" dirty="0"/>
-              <a:t>东京大学研究生院</a:t>
-            </a:r>
-            <a:endParaRPr lang="en-US" altLang="zh-CN" sz="1100" dirty="0"/>
-          </a:p>
-          <a:p>
-            <a:pPr algn="ctr"/>
-            <a:r>
-              <a:rPr lang="zh-CN" altLang="en-US" sz="1100" dirty="0"/>
-              <a:t>计算机科学</a:t>
-            </a:r>
-            <a:endParaRPr lang="en-US" altLang="zh-CN" sz="1100" dirty="0"/>
-          </a:p>
-          <a:p>
-            <a:pPr algn="ctr"/>
-            <a:r>
-              <a:rPr lang="zh-CN" altLang="en-US" sz="1100" dirty="0"/>
-              <a:t>专业办公室</a:t>
-            </a:r>
-            <a:endParaRPr lang="en-US" altLang="zh-CN" sz="1100" dirty="0"/>
-          </a:p>
-          <a:p>
-            <a:pPr algn="ctr"/>
-            <a:r>
-              <a:rPr lang="en-US" altLang="zh-CN" sz="1100" dirty="0"/>
-              <a:t>4111</a:t>
-            </a:r>
-          </a:p>
-        </p:txBody>
-      </p:sp>
+      <mc:AlternateContent xmlns:mc="http://schemas.openxmlformats.org/markup-compatibility/2006">
+        <mc:Choice xmlns:a14="http://schemas.microsoft.com/office/drawing/2010/main" Requires="a14">
+          <p:sp>
+            <p:nvSpPr>
+              <p:cNvPr id="41" name="文本框 40">
+                <a:extLst>
+                  <a:ext uri="{FF2B5EF4-FFF2-40B4-BE49-F238E27FC236}">
+                    <a16:creationId xmlns:a16="http://schemas.microsoft.com/office/drawing/2014/main" id="{F0A0CA62-6DB3-8562-C5DE-E0904B896361}"/>
+                  </a:ext>
+                </a:extLst>
+              </p:cNvPr>
+              <p:cNvSpPr txBox="1"/>
+              <p:nvPr/>
+            </p:nvSpPr>
+            <p:spPr>
+              <a:xfrm>
+                <a:off x="5660749" y="4066889"/>
+                <a:ext cx="1172116" cy="600164"/>
+              </a:xfrm>
+              <a:prstGeom prst="rect">
+                <a:avLst/>
+              </a:prstGeom>
+              <a:noFill/>
+            </p:spPr>
+            <p:txBody>
+              <a:bodyPr wrap="none" rtlCol="0">
+                <a:spAutoFit/>
+              </a:bodyPr>
+              <a:lstStyle/>
+              <a:p>
+                <a:pPr algn="ctr"/>
+                <a:r>
+                  <a:rPr lang="zh-CN" altLang="en-US" sz="1100" dirty="0"/>
+                  <a:t>研究生院计算机</a:t>
+                </a:r>
+                <a:endParaRPr lang="en-US" altLang="zh-CN" sz="1100" dirty="0"/>
+              </a:p>
+              <a:p>
+                <a:pPr algn="ctr"/>
+                <a:r>
+                  <a:rPr lang="zh-CN" altLang="en-US" sz="1100" dirty="0"/>
+                  <a:t>科学专业办公室</a:t>
+                </a:r>
+                <a:endParaRPr lang="en-US" altLang="zh-CN" sz="1100" dirty="0"/>
+              </a:p>
+              <a:p>
+                <a:pPr algn="ctr"/>
+                <a14:m>
+                  <m:oMathPara xmlns:m="http://schemas.openxmlformats.org/officeDocument/2006/math">
+                    <m:oMathParaPr>
+                      <m:jc m:val="centerGroup"/>
+                    </m:oMathParaPr>
+                    <m:oMath xmlns:m="http://schemas.openxmlformats.org/officeDocument/2006/math">
+                      <m:r>
+                        <a:rPr lang="en-US" altLang="zh-CN" sz="1100" i="1" dirty="0" smtClean="0">
+                          <a:latin typeface="Cambria Math" panose="02040503050406030204" pitchFamily="18" charset="0"/>
+                        </a:rPr>
+                        <m:t>4111</m:t>
+                      </m:r>
+                    </m:oMath>
+                  </m:oMathPara>
+                </a14:m>
+                <a:endParaRPr lang="en-US" altLang="zh-CN" sz="1100" dirty="0"/>
+              </a:p>
+            </p:txBody>
+          </p:sp>
+        </mc:Choice>
+        <mc:Fallback>
+          <p:sp>
+            <p:nvSpPr>
+              <p:cNvPr id="41" name="文本框 40">
+                <a:extLst>
+                  <a:ext uri="{FF2B5EF4-FFF2-40B4-BE49-F238E27FC236}">
+                    <a16:creationId xmlns:a16="http://schemas.microsoft.com/office/drawing/2014/main" id="{F0A0CA62-6DB3-8562-C5DE-E0904B896361}"/>
+                  </a:ext>
+                </a:extLst>
+              </p:cNvPr>
+              <p:cNvSpPr txBox="1">
+                <a:spLocks noRot="1" noChangeAspect="1" noMove="1" noResize="1" noEditPoints="1" noAdjustHandles="1" noChangeArrowheads="1" noChangeShapeType="1" noTextEdit="1"/>
+              </p:cNvSpPr>
+              <p:nvPr/>
+            </p:nvSpPr>
+            <p:spPr>
+              <a:xfrm>
+                <a:off x="5660749" y="4066889"/>
+                <a:ext cx="1172116" cy="600164"/>
+              </a:xfrm>
+              <a:prstGeom prst="rect">
+                <a:avLst/>
+              </a:prstGeom>
+              <a:blipFill>
+                <a:blip r:embed="rId17"/>
+                <a:stretch>
+                  <a:fillRect t="-1010"/>
+                </a:stretch>
+              </a:blipFill>
+            </p:spPr>
+            <p:txBody>
+              <a:bodyPr/>
+              <a:lstStyle/>
+              <a:p>
+                <a:r>
+                  <a:rPr lang="zh-CN" altLang="en-US">
+                    <a:noFill/>
+                  </a:rPr>
+                  <a:t> </a:t>
+                </a:r>
+              </a:p>
+            </p:txBody>
+          </p:sp>
+        </mc:Fallback>
+      </mc:AlternateContent>
       <p:sp>
         <p:nvSpPr>
           <p:cNvPr id="42" name="椭圆 41">
@@ -5794,69 +6266,129 @@
           </a:fontRef>
         </p:style>
         <p:txBody>
-          <a:bodyPr rtlCol="0" anchor="ctr"/>
+          <a:bodyPr wrap="none" rtlCol="0" anchor="ctr"/>
           <a:lstStyle/>
           <a:p>
             <a:pPr algn="ctr"/>
             <a:r>
-              <a:rPr lang="en-US" altLang="zh-CN" sz="1200" dirty="0"/>
+              <a:rPr lang="en-US" altLang="zh-CN" dirty="0"/>
               <a:t>18</a:t>
             </a:r>
-            <a:endParaRPr lang="zh-CN" altLang="en-US" sz="1200" dirty="0"/>
+            <a:endParaRPr lang="zh-CN" altLang="en-US" dirty="0"/>
           </a:p>
         </p:txBody>
       </p:sp>
-      <p:sp>
-        <p:nvSpPr>
-          <p:cNvPr id="43" name="文本框 42">
-            <a:extLst>
-              <a:ext uri="{FF2B5EF4-FFF2-40B4-BE49-F238E27FC236}">
-                <a16:creationId xmlns:a16="http://schemas.microsoft.com/office/drawing/2014/main" id="{DDE10494-FD1E-B399-C514-5A22D93D377A}"/>
-              </a:ext>
-            </a:extLst>
-          </p:cNvPr>
-          <p:cNvSpPr txBox="1"/>
-          <p:nvPr/>
-        </p:nvSpPr>
-        <p:spPr>
-          <a:xfrm>
-            <a:off x="6758641" y="4066889"/>
-            <a:ext cx="1172117" cy="600164"/>
-          </a:xfrm>
-          <a:prstGeom prst="rect">
-            <a:avLst/>
-          </a:prstGeom>
-          <a:noFill/>
-        </p:spPr>
-        <p:txBody>
-          <a:bodyPr wrap="none" rtlCol="0">
-            <a:spAutoFit/>
-          </a:bodyPr>
-          <a:lstStyle/>
-          <a:p>
-            <a:pPr algn="ctr"/>
-            <a:r>
-              <a:rPr lang="zh-CN" altLang="en-US" sz="1100" dirty="0"/>
-              <a:t>情报理工学系研</a:t>
-            </a:r>
-          </a:p>
-          <a:p>
-            <a:pPr algn="ctr"/>
-            <a:r>
-              <a:rPr lang="zh-CN" altLang="en-US" sz="1100" dirty="0"/>
-              <a:t>究科招生办公室</a:t>
-            </a:r>
-            <a:endParaRPr lang="en-US" altLang="zh-CN" sz="1100" dirty="0"/>
-          </a:p>
-          <a:p>
-            <a:pPr algn="ctr"/>
-            <a:r>
-              <a:rPr lang="en-US" altLang="zh-CN" sz="1100" dirty="0"/>
-              <a:t>7926</a:t>
-            </a:r>
-          </a:p>
-        </p:txBody>
-      </p:sp>
+      <mc:AlternateContent xmlns:mc="http://schemas.openxmlformats.org/markup-compatibility/2006">
+        <mc:Choice xmlns:a14="http://schemas.microsoft.com/office/drawing/2010/main" Requires="a14">
+          <p:sp>
+            <p:nvSpPr>
+              <p:cNvPr id="43" name="文本框 42">
+                <a:extLst>
+                  <a:ext uri="{FF2B5EF4-FFF2-40B4-BE49-F238E27FC236}">
+                    <a16:creationId xmlns:a16="http://schemas.microsoft.com/office/drawing/2014/main" id="{DDE10494-FD1E-B399-C514-5A22D93D377A}"/>
+                  </a:ext>
+                </a:extLst>
+              </p:cNvPr>
+              <p:cNvSpPr txBox="1"/>
+              <p:nvPr/>
+            </p:nvSpPr>
+            <p:spPr>
+              <a:xfrm>
+                <a:off x="6758641" y="4066889"/>
+                <a:ext cx="1172117" cy="600164"/>
+              </a:xfrm>
+              <a:prstGeom prst="rect">
+                <a:avLst/>
+              </a:prstGeom>
+              <a:noFill/>
+            </p:spPr>
+            <p:txBody>
+              <a:bodyPr wrap="none" rtlCol="0">
+                <a:spAutoFit/>
+              </a:bodyPr>
+              <a:lstStyle/>
+              <a:p>
+                <a:pPr algn="ctr"/>
+                <a:r>
+                  <a:rPr lang="zh-CN" altLang="en-US" sz="1100" dirty="0"/>
+                  <a:t>情报理工学系研</a:t>
+                </a:r>
+              </a:p>
+              <a:p>
+                <a:pPr algn="ctr"/>
+                <a:r>
+                  <a:rPr lang="zh-CN" altLang="en-US" sz="1100" dirty="0"/>
+                  <a:t>究科招生办公室</a:t>
+                </a:r>
+                <a:endParaRPr lang="en-US" altLang="zh-CN" sz="1100" dirty="0"/>
+              </a:p>
+              <a:p>
+                <a:pPr algn="ctr"/>
+                <a14:m>
+                  <m:oMathPara xmlns:m="http://schemas.openxmlformats.org/officeDocument/2006/math">
+                    <m:oMathParaPr>
+                      <m:jc m:val="centerGroup"/>
+                    </m:oMathParaPr>
+                    <m:oMath xmlns:m="http://schemas.openxmlformats.org/officeDocument/2006/math">
+                      <m:r>
+                        <a:rPr lang="en-US" altLang="zh-CN" sz="1100" i="1" dirty="0" smtClean="0">
+                          <a:latin typeface="Cambria Math" panose="02040503050406030204" pitchFamily="18" charset="0"/>
+                        </a:rPr>
+                        <m:t>7926</m:t>
+                      </m:r>
+                    </m:oMath>
+                  </m:oMathPara>
+                </a14:m>
+                <a:endParaRPr lang="en-US" altLang="zh-CN" sz="1100" dirty="0"/>
+              </a:p>
+            </p:txBody>
+          </p:sp>
+        </mc:Choice>
+        <mc:Fallback>
+          <p:sp>
+            <p:nvSpPr>
+              <p:cNvPr id="43" name="文本框 42">
+                <a:extLst>
+                  <a:ext uri="{FF2B5EF4-FFF2-40B4-BE49-F238E27FC236}">
+                    <a16:creationId xmlns:a16="http://schemas.microsoft.com/office/drawing/2014/main" id="{DDE10494-FD1E-B399-C514-5A22D93D377A}"/>
+                  </a:ext>
+                </a:extLst>
+              </p:cNvPr>
+              <p:cNvSpPr txBox="1">
+                <a:spLocks noRot="1" noChangeAspect="1" noMove="1" noResize="1" noEditPoints="1" noAdjustHandles="1" noChangeArrowheads="1" noChangeShapeType="1" noTextEdit="1"/>
+              </p:cNvSpPr>
+              <p:nvPr/>
+            </p:nvSpPr>
+            <p:spPr>
+              <a:xfrm>
+                <a:off x="6758641" y="4066889"/>
+                <a:ext cx="1172117" cy="600164"/>
+              </a:xfrm>
+              <a:prstGeom prst="rect">
+                <a:avLst/>
+              </a:prstGeom>
+              <a:blipFill>
+                <a:blip r:embed="rId18"/>
+                <a:stretch>
+                  <a:fillRect t="-1010"/>
+                </a:stretch>
+              </a:blipFill>
+            </p:spPr>
+            <p:txBody>
+              <a:bodyPr/>
+              <a:lstStyle/>
+              <a:p>
+                <a:r>
+                  <a:rPr lang="zh-CN" altLang="en-US">
+                    <a:noFill/>
+                  </a:rPr>
+                  <a:t> </a:t>
+                </a:r>
+              </a:p>
+            </p:txBody>
+          </p:sp>
+        </mc:Fallback>
+      </mc:AlternateContent>
       <p:sp>
         <p:nvSpPr>
           <p:cNvPr id="44" name="椭圆 43">
@@ -5895,15 +6427,15 @@
           </a:fontRef>
         </p:style>
         <p:txBody>
-          <a:bodyPr rtlCol="0" anchor="ctr"/>
+          <a:bodyPr wrap="none" rtlCol="0" anchor="ctr"/>
           <a:lstStyle/>
           <a:p>
             <a:pPr algn="ctr"/>
             <a:r>
-              <a:rPr lang="en-US" altLang="zh-CN" sz="1200" dirty="0"/>
+              <a:rPr lang="en-US" altLang="zh-CN" dirty="0"/>
               <a:t>19</a:t>
             </a:r>
-            <a:endParaRPr lang="zh-CN" altLang="en-US" sz="1200" dirty="0"/>
+            <a:endParaRPr lang="zh-CN" altLang="en-US" dirty="0"/>
           </a:p>
         </p:txBody>
       </p:sp>
@@ -6028,7 +6560,7 @@
                 <a:avLst/>
               </a:prstGeom>
               <a:blipFill>
-                <a:blip r:embed="rId10"/>
+                <a:blip r:embed="rId19"/>
                 <a:stretch>
                   <a:fillRect t="-794"/>
                 </a:stretch>
@@ -6087,20 +6619,20 @@
           </a:fontRef>
         </p:style>
         <p:txBody>
-          <a:bodyPr rtlCol="0" anchor="ctr"/>
+          <a:bodyPr wrap="none" rtlCol="0" anchor="ctr"/>
           <a:lstStyle/>
           <a:p>
             <a:pPr algn="ctr"/>
             <a:r>
-              <a:rPr lang="en-US" altLang="zh-CN" sz="1200" dirty="0"/>
+              <a:rPr lang="en-US" altLang="zh-CN" dirty="0"/>
               <a:t>20</a:t>
             </a:r>
-            <a:endParaRPr lang="zh-CN" altLang="en-US" sz="1200" dirty="0"/>
+            <a:endParaRPr lang="zh-CN" altLang="en-US" dirty="0"/>
           </a:p>
         </p:txBody>
       </p:sp>
-      <mc:AlternateContent xmlns:mc="http://schemas.openxmlformats.org/markup-compatibility/2006" xmlns:a14="http://schemas.microsoft.com/office/drawing/2010/main">
-        <mc:Choice Requires="a14">
+      <mc:AlternateContent xmlns:mc="http://schemas.openxmlformats.org/markup-compatibility/2006">
+        <mc:Choice xmlns:a14="http://schemas.microsoft.com/office/drawing/2010/main" Requires="a14">
           <p:sp>
             <p:nvSpPr>
               <p:cNvPr id="47" name="文本框 46">
@@ -6115,7 +6647,7 @@
             </p:nvSpPr>
             <p:spPr>
               <a:xfrm>
-                <a:off x="9304952" y="2432530"/>
+                <a:off x="9304952" y="2469600"/>
                 <a:ext cx="748923" cy="938719"/>
               </a:xfrm>
               <a:prstGeom prst="rect">
@@ -6204,7 +6736,7 @@
             </p:txBody>
           </p:sp>
         </mc:Choice>
-        <mc:Fallback xmlns="">
+        <mc:Fallback>
           <p:sp>
             <p:nvSpPr>
               <p:cNvPr id="47" name="文本框 46">
@@ -6221,14 +6753,14 @@
             </p:nvSpPr>
             <p:spPr>
               <a:xfrm>
-                <a:off x="9304952" y="2432530"/>
+                <a:off x="9304952" y="2469600"/>
                 <a:ext cx="748923" cy="938719"/>
               </a:xfrm>
               <a:prstGeom prst="rect">
                 <a:avLst/>
               </a:prstGeom>
               <a:blipFill>
-                <a:blip r:embed="rId11"/>
+                <a:blip r:embed="rId20"/>
                 <a:stretch>
                   <a:fillRect t="-649"/>
                 </a:stretch>
@@ -6295,70 +6827,130 @@
           </a:fontRef>
         </p:style>
         <p:txBody>
-          <a:bodyPr rtlCol="0" anchor="ctr"/>
+          <a:bodyPr wrap="none" rtlCol="0" anchor="ctr"/>
           <a:lstStyle/>
           <a:p>
             <a:pPr algn="ctr"/>
             <a:r>
-              <a:rPr lang="en-US" altLang="zh-CN" sz="1200" dirty="0"/>
+              <a:rPr lang="en-US" altLang="zh-CN" dirty="0"/>
               <a:t>21</a:t>
             </a:r>
-            <a:endParaRPr lang="zh-CN" altLang="en-US" sz="1200" dirty="0"/>
+            <a:endParaRPr lang="zh-CN" altLang="en-US" dirty="0"/>
           </a:p>
         </p:txBody>
       </p:sp>
-      <p:sp>
-        <p:nvSpPr>
-          <p:cNvPr id="49" name="文本框 48">
-            <a:extLst>
-              <a:ext uri="{FF2B5EF4-FFF2-40B4-BE49-F238E27FC236}">
-                <a16:creationId xmlns:a16="http://schemas.microsoft.com/office/drawing/2014/main" id="{CB0D9DD3-2EE4-2D3E-C7CE-93175C975049}"/>
-              </a:ext>
-            </a:extLst>
-          </p:cNvPr>
-          <p:cNvSpPr txBox="1"/>
-          <p:nvPr/>
-        </p:nvSpPr>
-        <p:spPr>
-          <a:xfrm>
-            <a:off x="7874212" y="4066889"/>
-            <a:ext cx="1595309" cy="600164"/>
-          </a:xfrm>
-          <a:prstGeom prst="rect">
-            <a:avLst/>
-          </a:prstGeom>
-          <a:noFill/>
-        </p:spPr>
-        <p:txBody>
-          <a:bodyPr wrap="none" rtlCol="0">
-            <a:spAutoFit/>
-          </a:bodyPr>
-          <a:lstStyle/>
-          <a:p>
-            <a:pPr algn="ctr"/>
-            <a:r>
-              <a:rPr lang="zh-CN" altLang="en-US" sz="1100" dirty="0"/>
-              <a:t>大阪大学研究生院</a:t>
-            </a:r>
-            <a:endParaRPr lang="en-US" altLang="zh-CN" sz="1100" dirty="0"/>
-          </a:p>
-          <a:p>
-            <a:pPr algn="ctr"/>
-            <a:r>
-              <a:rPr lang="zh-CN" altLang="en-US" sz="1100" dirty="0"/>
-              <a:t>信息科学研究科办公室</a:t>
-            </a:r>
-            <a:endParaRPr lang="en-US" altLang="zh-CN" sz="1100" dirty="0"/>
-          </a:p>
-          <a:p>
-            <a:pPr algn="ctr"/>
-            <a:r>
-              <a:rPr lang="en-US" altLang="zh-CN" sz="1100" dirty="0"/>
-              <a:t>4508</a:t>
-            </a:r>
-          </a:p>
-        </p:txBody>
-      </p:sp>
+      <mc:AlternateContent xmlns:mc="http://schemas.openxmlformats.org/markup-compatibility/2006">
+        <mc:Choice xmlns:a14="http://schemas.microsoft.com/office/drawing/2010/main" Requires="a14">
+          <p:sp>
+            <p:nvSpPr>
+              <p:cNvPr id="49" name="文本框 48">
+                <a:extLst>
+                  <a:ext uri="{FF2B5EF4-FFF2-40B4-BE49-F238E27FC236}">
+                    <a16:creationId xmlns:a16="http://schemas.microsoft.com/office/drawing/2014/main" id="{CB0D9DD3-2EE4-2D3E-C7CE-93175C975049}"/>
+                  </a:ext>
+                </a:extLst>
+              </p:cNvPr>
+              <p:cNvSpPr txBox="1"/>
+              <p:nvPr/>
+            </p:nvSpPr>
+            <p:spPr>
+              <a:xfrm>
+                <a:off x="8085808" y="4066889"/>
+                <a:ext cx="1172116" cy="600164"/>
+              </a:xfrm>
+              <a:prstGeom prst="rect">
+                <a:avLst/>
+              </a:prstGeom>
+              <a:noFill/>
+            </p:spPr>
+            <p:txBody>
+              <a:bodyPr wrap="none" rtlCol="0">
+                <a:spAutoFit/>
+              </a:bodyPr>
+              <a:lstStyle/>
+              <a:p>
+                <a:pPr algn="ctr"/>
+                <a:r>
+                  <a:rPr lang="zh-CN" altLang="en-US" sz="1100" dirty="0"/>
+                  <a:t>研究生院信息科</a:t>
+                </a:r>
+                <a:endParaRPr lang="en-US" altLang="zh-CN" sz="1100" dirty="0"/>
+              </a:p>
+              <a:p>
+                <a:pPr algn="ctr"/>
+                <a:r>
+                  <a:rPr lang="zh-CN" altLang="en-US" sz="1100" dirty="0"/>
+                  <a:t>学研究科办公室</a:t>
+                </a:r>
+                <a:endParaRPr lang="en-US" altLang="zh-CN" sz="1100" dirty="0"/>
+              </a:p>
+              <a:p>
+                <a:pPr algn="ctr"/>
+                <a14:m>
+                  <m:oMathPara xmlns:m="http://schemas.openxmlformats.org/officeDocument/2006/math">
+                    <m:oMathParaPr>
+                      <m:jc m:val="centerGroup"/>
+                    </m:oMathParaPr>
+                    <m:oMath xmlns:m="http://schemas.openxmlformats.org/officeDocument/2006/math">
+                      <m:r>
+                        <a:rPr lang="en-US" altLang="zh-CN" sz="1100" i="1" dirty="0" smtClean="0">
+                          <a:latin typeface="Cambria Math" panose="02040503050406030204" pitchFamily="18" charset="0"/>
+                        </a:rPr>
+                        <m:t>4508</m:t>
+                      </m:r>
+                    </m:oMath>
+                  </m:oMathPara>
+                </a14:m>
+                <a:endParaRPr lang="en-US" altLang="zh-CN" sz="1100" dirty="0"/>
+              </a:p>
+            </p:txBody>
+          </p:sp>
+        </mc:Choice>
+        <mc:Fallback>
+          <p:sp>
+            <p:nvSpPr>
+              <p:cNvPr id="49" name="文本框 48">
+                <a:extLst>
+                  <a:ext uri="{FF2B5EF4-FFF2-40B4-BE49-F238E27FC236}">
+                    <a16:creationId xmlns:a16="http://schemas.microsoft.com/office/drawing/2014/main" id="{CB0D9DD3-2EE4-2D3E-C7CE-93175C975049}"/>
+                  </a:ext>
+                </a:extLst>
+              </p:cNvPr>
+              <p:cNvSpPr txBox="1">
+                <a:spLocks noRot="1" noChangeAspect="1" noMove="1" noResize="1" noEditPoints="1" noAdjustHandles="1" noChangeArrowheads="1" noChangeShapeType="1" noTextEdit="1"/>
+              </p:cNvSpPr>
+              <p:nvPr/>
+            </p:nvSpPr>
+            <p:spPr>
+              <a:xfrm>
+                <a:off x="8085808" y="4066889"/>
+                <a:ext cx="1172116" cy="600164"/>
+              </a:xfrm>
+              <a:prstGeom prst="rect">
+                <a:avLst/>
+              </a:prstGeom>
+              <a:blipFill>
+                <a:blip r:embed="rId21"/>
+                <a:stretch>
+                  <a:fillRect t="-1010"/>
+                </a:stretch>
+              </a:blipFill>
+            </p:spPr>
+            <p:txBody>
+              <a:bodyPr/>
+              <a:lstStyle/>
+              <a:p>
+                <a:r>
+                  <a:rPr lang="zh-CN" altLang="en-US">
+                    <a:noFill/>
+                  </a:rPr>
+                  <a:t> </a:t>
+                </a:r>
+              </a:p>
+            </p:txBody>
+          </p:sp>
+        </mc:Fallback>
+      </mc:AlternateContent>
       <p:sp>
         <p:nvSpPr>
           <p:cNvPr id="50" name="椭圆 49">
@@ -6405,70 +6997,122 @@
           </a:fontRef>
         </p:style>
         <p:txBody>
-          <a:bodyPr rtlCol="0" anchor="ctr"/>
+          <a:bodyPr wrap="none" rtlCol="0" anchor="ctr"/>
           <a:lstStyle/>
           <a:p>
             <a:pPr algn="ctr"/>
             <a:r>
-              <a:rPr lang="en-US" altLang="zh-CN" sz="1200" dirty="0"/>
+              <a:rPr lang="en-US" altLang="zh-CN" dirty="0"/>
               <a:t>22</a:t>
             </a:r>
-            <a:endParaRPr lang="zh-CN" altLang="en-US" sz="1200" dirty="0"/>
+            <a:endParaRPr lang="zh-CN" altLang="en-US" dirty="0"/>
           </a:p>
         </p:txBody>
       </p:sp>
-      <p:sp>
-        <p:nvSpPr>
-          <p:cNvPr id="51" name="文本框 50">
-            <a:extLst>
-              <a:ext uri="{FF2B5EF4-FFF2-40B4-BE49-F238E27FC236}">
-                <a16:creationId xmlns:a16="http://schemas.microsoft.com/office/drawing/2014/main" id="{78455789-AF79-A993-0197-327B5C3C030D}"/>
-              </a:ext>
-            </a:extLst>
-          </p:cNvPr>
-          <p:cNvSpPr txBox="1"/>
-          <p:nvPr/>
-        </p:nvSpPr>
-        <p:spPr>
-          <a:xfrm>
-            <a:off x="9596718" y="4066889"/>
-            <a:ext cx="1172116" cy="600164"/>
-          </a:xfrm>
-          <a:prstGeom prst="rect">
-            <a:avLst/>
-          </a:prstGeom>
-          <a:noFill/>
-        </p:spPr>
-        <p:txBody>
-          <a:bodyPr wrap="none" rtlCol="0">
-            <a:spAutoFit/>
-          </a:bodyPr>
-          <a:lstStyle/>
-          <a:p>
-            <a:pPr algn="ctr"/>
-            <a:r>
-              <a:rPr lang="zh-CN" altLang="en-US" sz="1100" dirty="0"/>
-              <a:t>大阪大学</a:t>
-            </a:r>
-            <a:endParaRPr lang="en-US" altLang="zh-CN" sz="1100" dirty="0"/>
-          </a:p>
-          <a:p>
-            <a:pPr algn="ctr"/>
-            <a:r>
-              <a:rPr lang="zh-CN" altLang="en-US" sz="1100" dirty="0"/>
-              <a:t>生命机能研究科</a:t>
-            </a:r>
-            <a:endParaRPr lang="en-US" altLang="zh-CN" sz="1100" dirty="0"/>
-          </a:p>
-          <a:p>
-            <a:pPr algn="ctr"/>
-            <a:r>
-              <a:rPr lang="en-US" altLang="zh-CN" sz="1100" dirty="0"/>
-              <a:t>4421</a:t>
-            </a:r>
-          </a:p>
-        </p:txBody>
-      </p:sp>
+      <mc:AlternateContent xmlns:mc="http://schemas.openxmlformats.org/markup-compatibility/2006">
+        <mc:Choice xmlns:a14="http://schemas.microsoft.com/office/drawing/2010/main" Requires="a14">
+          <p:sp>
+            <p:nvSpPr>
+              <p:cNvPr id="51" name="文本框 50">
+                <a:extLst>
+                  <a:ext uri="{FF2B5EF4-FFF2-40B4-BE49-F238E27FC236}">
+                    <a16:creationId xmlns:a16="http://schemas.microsoft.com/office/drawing/2014/main" id="{78455789-AF79-A993-0197-327B5C3C030D}"/>
+                  </a:ext>
+                </a:extLst>
+              </p:cNvPr>
+              <p:cNvSpPr txBox="1"/>
+              <p:nvPr/>
+            </p:nvSpPr>
+            <p:spPr>
+              <a:xfrm>
+                <a:off x="9596718" y="4066889"/>
+                <a:ext cx="1172116" cy="430887"/>
+              </a:xfrm>
+              <a:prstGeom prst="rect">
+                <a:avLst/>
+              </a:prstGeom>
+              <a:noFill/>
+            </p:spPr>
+            <p:txBody>
+              <a:bodyPr wrap="none" rtlCol="0">
+                <a:spAutoFit/>
+              </a:bodyPr>
+              <a:lstStyle/>
+              <a:p>
+                <a:pPr algn="ctr"/>
+                <a:r>
+                  <a:rPr lang="zh-CN" altLang="en-US" sz="1100" dirty="0"/>
+                  <a:t>生命机能研究科</a:t>
+                </a:r>
+                <a:endParaRPr lang="en-US" altLang="zh-CN" sz="1100" dirty="0"/>
+              </a:p>
+              <a:p>
+                <a:pPr algn="ctr"/>
+                <a14:m>
+                  <m:oMathPara xmlns:m="http://schemas.openxmlformats.org/officeDocument/2006/math">
+                    <m:oMathParaPr>
+                      <m:jc m:val="centerGroup"/>
+                    </m:oMathParaPr>
+                    <m:oMath xmlns:m="http://schemas.openxmlformats.org/officeDocument/2006/math">
+                      <m:r>
+                        <a:rPr lang="en-US" altLang="zh-CN" sz="1100" i="1" dirty="0" smtClean="0">
+                          <a:latin typeface="Cambria Math" panose="02040503050406030204" pitchFamily="18" charset="0"/>
+                        </a:rPr>
+                        <m:t>4421</m:t>
+                      </m:r>
+                    </m:oMath>
+                  </m:oMathPara>
+                </a14:m>
+                <a:endParaRPr lang="en-US" altLang="zh-CN" sz="1100" dirty="0"/>
+              </a:p>
+            </p:txBody>
+          </p:sp>
+        </mc:Choice>
+        <mc:Fallback>
+          <p:sp>
+            <p:nvSpPr>
+              <p:cNvPr id="51" name="文本框 50">
+                <a:extLst>
+                  <a:ext uri="{FF2B5EF4-FFF2-40B4-BE49-F238E27FC236}">
+                    <a16:creationId xmlns:a16="http://schemas.microsoft.com/office/drawing/2014/main" id="{78455789-AF79-A993-0197-327B5C3C030D}"/>
+                  </a:ext>
+                </a:extLst>
+              </p:cNvPr>
+              <p:cNvSpPr txBox="1">
+                <a:spLocks noRot="1" noChangeAspect="1" noMove="1" noResize="1" noEditPoints="1" noAdjustHandles="1" noChangeArrowheads="1" noChangeShapeType="1" noTextEdit="1"/>
+              </p:cNvSpPr>
+              <p:nvPr/>
+            </p:nvSpPr>
+            <p:spPr>
+              <a:xfrm>
+                <a:off x="9596718" y="4066889"/>
+                <a:ext cx="1172116" cy="430887"/>
+              </a:xfrm>
+              <a:prstGeom prst="rect">
+                <a:avLst/>
+              </a:prstGeom>
+              <a:blipFill>
+                <a:blip r:embed="rId22"/>
+                <a:stretch>
+                  <a:fillRect t="-1408"/>
+                </a:stretch>
+              </a:blipFill>
+            </p:spPr>
+            <p:txBody>
+              <a:bodyPr/>
+              <a:lstStyle/>
+              <a:p>
+                <a:r>
+                  <a:rPr lang="zh-CN" altLang="en-US">
+                    <a:noFill/>
+                  </a:rPr>
+                  <a:t> </a:t>
+                </a:r>
+              </a:p>
+            </p:txBody>
+          </p:sp>
+        </mc:Fallback>
+      </mc:AlternateContent>
       <p:sp>
         <p:nvSpPr>
           <p:cNvPr id="52" name="椭圆 51">
@@ -6507,15 +7151,15 @@
           </a:fontRef>
         </p:style>
         <p:txBody>
-          <a:bodyPr rtlCol="0" anchor="ctr"/>
+          <a:bodyPr wrap="none" rtlCol="0" anchor="ctr"/>
           <a:lstStyle/>
           <a:p>
             <a:pPr algn="ctr"/>
             <a:r>
-              <a:rPr lang="en-US" altLang="zh-CN" sz="1200" dirty="0"/>
+              <a:rPr lang="en-US" altLang="zh-CN" dirty="0"/>
               <a:t>23</a:t>
             </a:r>
-            <a:endParaRPr lang="zh-CN" altLang="en-US" sz="1200" dirty="0"/>
+            <a:endParaRPr lang="zh-CN" altLang="en-US" dirty="0"/>
           </a:p>
         </p:txBody>
       </p:sp>
@@ -6565,70 +7209,122 @@
           </a:fontRef>
         </p:style>
         <p:txBody>
-          <a:bodyPr rtlCol="0" anchor="ctr"/>
+          <a:bodyPr wrap="none" rtlCol="0" anchor="ctr"/>
           <a:lstStyle/>
           <a:p>
             <a:pPr algn="ctr"/>
             <a:r>
-              <a:rPr lang="en-US" altLang="zh-CN" sz="1200" dirty="0"/>
+              <a:rPr lang="en-US" altLang="zh-CN" dirty="0"/>
               <a:t>24</a:t>
             </a:r>
-            <a:endParaRPr lang="zh-CN" altLang="en-US" sz="1200" dirty="0"/>
+            <a:endParaRPr lang="zh-CN" altLang="en-US" dirty="0"/>
           </a:p>
         </p:txBody>
       </p:sp>
-      <p:sp>
-        <p:nvSpPr>
-          <p:cNvPr id="55" name="文本框 54">
-            <a:extLst>
-              <a:ext uri="{FF2B5EF4-FFF2-40B4-BE49-F238E27FC236}">
-                <a16:creationId xmlns:a16="http://schemas.microsoft.com/office/drawing/2014/main" id="{A16A0344-5B99-5FF3-480B-5CA579DD7050}"/>
-              </a:ext>
-            </a:extLst>
-          </p:cNvPr>
-          <p:cNvSpPr txBox="1"/>
-          <p:nvPr/>
-        </p:nvSpPr>
-        <p:spPr>
-          <a:xfrm>
-            <a:off x="10833286" y="4066889"/>
-            <a:ext cx="1100691" cy="600164"/>
-          </a:xfrm>
-          <a:prstGeom prst="rect">
-            <a:avLst/>
-          </a:prstGeom>
-          <a:noFill/>
-        </p:spPr>
-        <p:txBody>
-          <a:bodyPr wrap="square" rtlCol="0">
-            <a:spAutoFit/>
-          </a:bodyPr>
-          <a:lstStyle/>
-          <a:p>
-            <a:pPr algn="ctr"/>
-            <a:r>
-              <a:rPr lang="zh-CN" altLang="en-US" sz="1100" dirty="0"/>
-              <a:t>大阪大学</a:t>
-            </a:r>
-            <a:endParaRPr lang="en-US" altLang="zh-CN" sz="1100" dirty="0"/>
-          </a:p>
-          <a:p>
-            <a:pPr algn="ctr"/>
-            <a:r>
-              <a:rPr lang="zh-CN" altLang="en-US" sz="1100" dirty="0"/>
-              <a:t>信息科学系</a:t>
-            </a:r>
-            <a:endParaRPr lang="en-US" altLang="zh-CN" sz="1100" dirty="0"/>
-          </a:p>
-          <a:p>
-            <a:pPr algn="ctr"/>
-            <a:r>
-              <a:rPr lang="en-US" altLang="zh-CN" sz="1100" dirty="0"/>
-              <a:t>6618</a:t>
-            </a:r>
-          </a:p>
-        </p:txBody>
-      </p:sp>
+      <mc:AlternateContent xmlns:mc="http://schemas.openxmlformats.org/markup-compatibility/2006">
+        <mc:Choice xmlns:a14="http://schemas.microsoft.com/office/drawing/2010/main" Requires="a14">
+          <p:sp>
+            <p:nvSpPr>
+              <p:cNvPr id="55" name="文本框 54">
+                <a:extLst>
+                  <a:ext uri="{FF2B5EF4-FFF2-40B4-BE49-F238E27FC236}">
+                    <a16:creationId xmlns:a16="http://schemas.microsoft.com/office/drawing/2014/main" id="{A16A0344-5B99-5FF3-480B-5CA579DD7050}"/>
+                  </a:ext>
+                </a:extLst>
+              </p:cNvPr>
+              <p:cNvSpPr txBox="1"/>
+              <p:nvPr/>
+            </p:nvSpPr>
+            <p:spPr>
+              <a:xfrm>
+                <a:off x="10833286" y="4066889"/>
+                <a:ext cx="1100691" cy="430887"/>
+              </a:xfrm>
+              <a:prstGeom prst="rect">
+                <a:avLst/>
+              </a:prstGeom>
+              <a:noFill/>
+            </p:spPr>
+            <p:txBody>
+              <a:bodyPr wrap="square" rtlCol="0">
+                <a:spAutoFit/>
+              </a:bodyPr>
+              <a:lstStyle/>
+              <a:p>
+                <a:pPr algn="ctr"/>
+                <a:r>
+                  <a:rPr lang="zh-CN" altLang="en-US" sz="1100" dirty="0"/>
+                  <a:t>信息科学系</a:t>
+                </a:r>
+                <a:endParaRPr lang="en-US" altLang="zh-CN" sz="1100" dirty="0"/>
+              </a:p>
+              <a:p>
+                <a:pPr algn="ctr"/>
+                <a14:m>
+                  <m:oMathPara xmlns:m="http://schemas.openxmlformats.org/officeDocument/2006/math">
+                    <m:oMathParaPr>
+                      <m:jc m:val="centerGroup"/>
+                    </m:oMathParaPr>
+                    <m:oMath xmlns:m="http://schemas.openxmlformats.org/officeDocument/2006/math">
+                      <m:r>
+                        <a:rPr lang="en-US" altLang="zh-CN" sz="1100" i="1" dirty="0" smtClean="0">
+                          <a:latin typeface="Cambria Math" panose="02040503050406030204" pitchFamily="18" charset="0"/>
+                        </a:rPr>
+                        <m:t>6618</m:t>
+                      </m:r>
+                    </m:oMath>
+                  </m:oMathPara>
+                </a14:m>
+                <a:endParaRPr lang="en-US" altLang="zh-CN" sz="1100" dirty="0"/>
+              </a:p>
+            </p:txBody>
+          </p:sp>
+        </mc:Choice>
+        <mc:Fallback>
+          <p:sp>
+            <p:nvSpPr>
+              <p:cNvPr id="55" name="文本框 54">
+                <a:extLst>
+                  <a:ext uri="{FF2B5EF4-FFF2-40B4-BE49-F238E27FC236}">
+                    <a16:creationId xmlns:a16="http://schemas.microsoft.com/office/drawing/2014/main" id="{A16A0344-5B99-5FF3-480B-5CA579DD7050}"/>
+                  </a:ext>
+                </a:extLst>
+              </p:cNvPr>
+              <p:cNvSpPr txBox="1">
+                <a:spLocks noRot="1" noChangeAspect="1" noMove="1" noResize="1" noEditPoints="1" noAdjustHandles="1" noChangeArrowheads="1" noChangeShapeType="1" noTextEdit="1"/>
+              </p:cNvSpPr>
+              <p:nvPr/>
+            </p:nvSpPr>
+            <p:spPr>
+              <a:xfrm>
+                <a:off x="10833286" y="4066889"/>
+                <a:ext cx="1100691" cy="430887"/>
+              </a:xfrm>
+              <a:prstGeom prst="rect">
+                <a:avLst/>
+              </a:prstGeom>
+              <a:blipFill>
+                <a:blip r:embed="rId23"/>
+                <a:stretch>
+                  <a:fillRect t="-1408"/>
+                </a:stretch>
+              </a:blipFill>
+            </p:spPr>
+            <p:txBody>
+              <a:bodyPr/>
+              <a:lstStyle/>
+              <a:p>
+                <a:r>
+                  <a:rPr lang="zh-CN" altLang="en-US">
+                    <a:noFill/>
+                  </a:rPr>
+                  <a:t> </a:t>
+                </a:r>
+              </a:p>
+            </p:txBody>
+          </p:sp>
+        </mc:Fallback>
+      </mc:AlternateContent>
       <p:sp>
         <p:nvSpPr>
           <p:cNvPr id="56" name="矩形 55">
@@ -6751,12 +7447,12 @@
           </a:fontRef>
         </p:style>
         <p:txBody>
-          <a:bodyPr rtlCol="0" anchor="ctr"/>
+          <a:bodyPr wrap="none" rtlCol="0" anchor="ctr"/>
           <a:lstStyle/>
           <a:p>
             <a:pPr algn="ctr"/>
             <a:r>
-              <a:rPr lang="zh-CN" altLang="en-US" sz="1200" dirty="0"/>
+              <a:rPr lang="zh-CN" altLang="en-US" sz="1600" dirty="0"/>
               <a:t>编号</a:t>
             </a:r>
           </a:p>
@@ -6940,7 +7636,7 @@
                 <a:avLst/>
               </a:prstGeom>
               <a:blipFill>
-                <a:blip r:embed="rId12"/>
+                <a:blip r:embed="rId24"/>
                 <a:stretch>
                   <a:fillRect t="-794"/>
                 </a:stretch>
@@ -7007,12 +7703,12 @@
           </a:fontRef>
         </p:style>
         <p:txBody>
-          <a:bodyPr rtlCol="0" anchor="ctr"/>
+          <a:bodyPr wrap="none" rtlCol="0" anchor="ctr"/>
           <a:lstStyle/>
           <a:p>
             <a:pPr algn="ctr"/>
             <a:r>
-              <a:rPr lang="zh-CN" altLang="en-US" sz="1200" dirty="0"/>
+              <a:rPr lang="zh-CN" altLang="en-US" sz="1600" dirty="0"/>
               <a:t>编号</a:t>
             </a:r>
           </a:p>
@@ -7120,7 +7816,7 @@
                 <a:avLst/>
               </a:prstGeom>
               <a:blipFill>
-                <a:blip r:embed="rId13"/>
+                <a:blip r:embed="rId25"/>
                 <a:stretch>
                   <a:fillRect t="-1408"/>
                 </a:stretch>
@@ -7213,7 +7909,7 @@
                 <a:avLst/>
               </a:prstGeom>
               <a:blipFill>
-                <a:blip r:embed="rId14"/>
+                <a:blip r:embed="rId26"/>
                 <a:stretch>
                   <a:fillRect b="-15217"/>
                 </a:stretch>
@@ -7280,72 +7976,132 @@
           </a:fontRef>
         </p:style>
         <p:txBody>
-          <a:bodyPr rtlCol="0" anchor="ctr"/>
+          <a:bodyPr wrap="none" rtlCol="0" anchor="ctr"/>
           <a:lstStyle/>
           <a:p>
             <a:pPr algn="ctr"/>
             <a:r>
-              <a:rPr lang="en-US" altLang="zh-CN" sz="1200" dirty="0"/>
+              <a:rPr lang="en-US" altLang="zh-CN" dirty="0"/>
               <a:t>11</a:t>
             </a:r>
-            <a:endParaRPr lang="zh-CN" altLang="en-US" sz="1200" dirty="0"/>
+            <a:endParaRPr lang="zh-CN" altLang="en-US" dirty="0"/>
           </a:p>
         </p:txBody>
       </p:sp>
-      <p:sp>
-        <p:nvSpPr>
-          <p:cNvPr id="64" name="文本框 63">
-            <a:extLst>
-              <a:ext uri="{FF2B5EF4-FFF2-40B4-BE49-F238E27FC236}">
-                <a16:creationId xmlns:a16="http://schemas.microsoft.com/office/drawing/2014/main" id="{59824647-7631-01F4-F729-00988A1F5A66}"/>
-              </a:ext>
-            </a:extLst>
-          </p:cNvPr>
-          <p:cNvSpPr txBox="1"/>
-          <p:nvPr/>
-        </p:nvSpPr>
-        <p:spPr>
-          <a:xfrm>
-            <a:off x="4113952" y="3616094"/>
-            <a:ext cx="889987" cy="600164"/>
-          </a:xfrm>
-          <a:prstGeom prst="rect">
-            <a:avLst/>
-          </a:prstGeom>
-          <a:noFill/>
-        </p:spPr>
-        <p:txBody>
-          <a:bodyPr wrap="none" rtlCol="0">
-            <a:spAutoFit/>
-          </a:bodyPr>
-          <a:lstStyle/>
-          <a:p>
-            <a:pPr algn="ctr"/>
-            <a:r>
-              <a:rPr lang="zh-CN" altLang="en-US" sz="1100" dirty="0"/>
-              <a:t>广东省</a:t>
-            </a:r>
-            <a:endParaRPr lang="en-US" altLang="zh-CN" sz="1100" dirty="0"/>
-          </a:p>
-          <a:p>
-            <a:pPr algn="ctr"/>
-            <a:r>
-              <a:rPr lang="zh-CN" altLang="en-US" sz="1100" dirty="0"/>
-              <a:t>计算机学会</a:t>
-            </a:r>
-            <a:endParaRPr lang="en-US" altLang="zh-CN" sz="1100" dirty="0"/>
-          </a:p>
-          <a:p>
-            <a:pPr algn="ctr"/>
-            <a:r>
-              <a:rPr lang="en-US" altLang="zh-CN" sz="1100" dirty="0"/>
-              <a:t>83561784</a:t>
-            </a:r>
-          </a:p>
-        </p:txBody>
-      </p:sp>
-      <mc:AlternateContent xmlns:mc="http://schemas.openxmlformats.org/markup-compatibility/2006" xmlns:a14="http://schemas.microsoft.com/office/drawing/2010/main">
-        <mc:Choice Requires="a14">
+      <mc:AlternateContent xmlns:mc="http://schemas.openxmlformats.org/markup-compatibility/2006">
+        <mc:Choice xmlns:a14="http://schemas.microsoft.com/office/drawing/2010/main" Requires="a14">
+          <p:sp>
+            <p:nvSpPr>
+              <p:cNvPr id="64" name="文本框 63">
+                <a:extLst>
+                  <a:ext uri="{FF2B5EF4-FFF2-40B4-BE49-F238E27FC236}">
+                    <a16:creationId xmlns:a16="http://schemas.microsoft.com/office/drawing/2014/main" id="{59824647-7631-01F4-F729-00988A1F5A66}"/>
+                  </a:ext>
+                </a:extLst>
+              </p:cNvPr>
+              <p:cNvSpPr txBox="1"/>
+              <p:nvPr/>
+            </p:nvSpPr>
+            <p:spPr>
+              <a:xfrm>
+                <a:off x="4113952" y="3616094"/>
+                <a:ext cx="889987" cy="600164"/>
+              </a:xfrm>
+              <a:prstGeom prst="rect">
+                <a:avLst/>
+              </a:prstGeom>
+              <a:noFill/>
+            </p:spPr>
+            <p:txBody>
+              <a:bodyPr wrap="none" rtlCol="0">
+                <a:spAutoFit/>
+              </a:bodyPr>
+              <a:lstStyle/>
+              <a:p>
+                <a:pPr algn="ctr"/>
+                <a:r>
+                  <a:rPr lang="zh-CN" altLang="en-US" sz="1100" dirty="0"/>
+                  <a:t>广东省</a:t>
+                </a:r>
+                <a:endParaRPr lang="en-US" altLang="zh-CN" sz="1100" dirty="0"/>
+              </a:p>
+              <a:p>
+                <a:pPr algn="ctr"/>
+                <a:r>
+                  <a:rPr lang="zh-CN" altLang="en-US" sz="1100" dirty="0"/>
+                  <a:t>计算机学会</a:t>
+                </a:r>
+                <a:endParaRPr lang="en-US" altLang="zh-CN" sz="1100" dirty="0"/>
+              </a:p>
+              <a:p>
+                <a:pPr algn="ctr"/>
+                <a14:m>
+                  <m:oMathPara xmlns:m="http://schemas.openxmlformats.org/officeDocument/2006/math">
+                    <m:oMathParaPr>
+                      <m:jc m:val="centerGroup"/>
+                    </m:oMathParaPr>
+                    <m:oMath xmlns:m="http://schemas.openxmlformats.org/officeDocument/2006/math">
+                      <m:r>
+                        <a:rPr lang="en-US" altLang="zh-CN" sz="1100" i="1" dirty="0" smtClean="0">
+                          <a:latin typeface="Cambria Math" panose="02040503050406030204" pitchFamily="18" charset="0"/>
+                        </a:rPr>
+                        <m:t>83561784</m:t>
+                      </m:r>
+                    </m:oMath>
+                  </m:oMathPara>
+                </a14:m>
+                <a:endParaRPr lang="en-US" altLang="zh-CN" sz="1100" dirty="0"/>
+              </a:p>
+            </p:txBody>
+          </p:sp>
+        </mc:Choice>
+        <mc:Fallback>
+          <p:sp>
+            <p:nvSpPr>
+              <p:cNvPr id="64" name="文本框 63">
+                <a:extLst>
+                  <a:ext uri="{FF2B5EF4-FFF2-40B4-BE49-F238E27FC236}">
+                    <a16:creationId xmlns:a16="http://schemas.microsoft.com/office/drawing/2014/main" id="{59824647-7631-01F4-F729-00988A1F5A66}"/>
+                  </a:ext>
+                </a:extLst>
+              </p:cNvPr>
+              <p:cNvSpPr txBox="1">
+                <a:spLocks noRot="1" noChangeAspect="1" noMove="1" noResize="1" noEditPoints="1" noAdjustHandles="1" noChangeArrowheads="1" noChangeShapeType="1" noTextEdit="1"/>
+              </p:cNvSpPr>
+              <p:nvPr/>
+            </p:nvSpPr>
+            <p:spPr>
+              <a:xfrm>
+                <a:off x="4113952" y="3616094"/>
+                <a:ext cx="889987" cy="600164"/>
+              </a:xfrm>
+              <a:prstGeom prst="rect">
+                <a:avLst/>
+              </a:prstGeom>
+              <a:blipFill>
+                <a:blip r:embed="rId27"/>
+                <a:stretch>
+                  <a:fillRect t="-1010"/>
+                </a:stretch>
+              </a:blipFill>
+            </p:spPr>
+            <p:txBody>
+              <a:bodyPr/>
+              <a:lstStyle/>
+              <a:p>
+                <a:r>
+                  <a:rPr lang="zh-CN" altLang="en-US">
+                    <a:noFill/>
+                  </a:rPr>
+                  <a:t> </a:t>
+                </a:r>
+              </a:p>
+            </p:txBody>
+          </p:sp>
+        </mc:Fallback>
+      </mc:AlternateContent>
+      <mc:AlternateContent xmlns:mc="http://schemas.openxmlformats.org/markup-compatibility/2006">
+        <mc:Choice xmlns:a14="http://schemas.microsoft.com/office/drawing/2010/main" Requires="a14">
           <p:sp>
             <p:nvSpPr>
               <p:cNvPr id="65" name="文本框 64">
@@ -7360,7 +8116,7 @@
             </p:nvSpPr>
             <p:spPr>
               <a:xfrm>
-                <a:off x="11075354" y="2469119"/>
+                <a:off x="11075354" y="2469600"/>
                 <a:ext cx="748923" cy="938719"/>
               </a:xfrm>
               <a:prstGeom prst="rect">
@@ -7449,7 +8205,7 @@
             </p:txBody>
           </p:sp>
         </mc:Choice>
-        <mc:Fallback xmlns="">
+        <mc:Fallback>
           <p:sp>
             <p:nvSpPr>
               <p:cNvPr id="65" name="文本框 64">
@@ -7466,14 +8222,14 @@
             </p:nvSpPr>
             <p:spPr>
               <a:xfrm>
-                <a:off x="11075354" y="2469119"/>
+                <a:off x="11075354" y="2469600"/>
                 <a:ext cx="748923" cy="938719"/>
               </a:xfrm>
               <a:prstGeom prst="rect">
                 <a:avLst/>
               </a:prstGeom>
               <a:blipFill>
-                <a:blip r:embed="rId15"/>
+                <a:blip r:embed="rId28"/>
                 <a:stretch>
                   <a:fillRect t="-649"/>
                 </a:stretch>

--- a/day1/D/resources/draw.pptx
+++ b/day1/D/resources/draw.pptx
@@ -3960,8 +3960,8 @@
           </a:p>
         </p:txBody>
       </p:sp>
-      <mc:AlternateContent xmlns:mc="http://schemas.openxmlformats.org/markup-compatibility/2006">
-        <mc:Choice xmlns:a14="http://schemas.microsoft.com/office/drawing/2010/main" Requires="a14">
+      <mc:AlternateContent xmlns:mc="http://schemas.openxmlformats.org/markup-compatibility/2006" xmlns:a14="http://schemas.microsoft.com/office/drawing/2010/main">
+        <mc:Choice Requires="a14">
           <p:sp>
             <p:nvSpPr>
               <p:cNvPr id="11" name="文本框 10">
@@ -4027,7 +4027,7 @@
             </p:txBody>
           </p:sp>
         </mc:Choice>
-        <mc:Fallback>
+        <mc:Fallback xmlns="">
           <p:sp>
             <p:nvSpPr>
               <p:cNvPr id="11" name="文本框 10">
@@ -4130,8 +4130,8 @@
           </a:p>
         </p:txBody>
       </p:sp>
-      <mc:AlternateContent xmlns:mc="http://schemas.openxmlformats.org/markup-compatibility/2006">
-        <mc:Choice xmlns:a14="http://schemas.microsoft.com/office/drawing/2010/main" Requires="a14">
+      <mc:AlternateContent xmlns:mc="http://schemas.openxmlformats.org/markup-compatibility/2006" xmlns:a14="http://schemas.microsoft.com/office/drawing/2010/main">
+        <mc:Choice Requires="a14">
           <p:sp>
             <p:nvSpPr>
               <p:cNvPr id="13" name="文本框 12">
@@ -4197,7 +4197,7 @@
             </p:txBody>
           </p:sp>
         </mc:Choice>
-        <mc:Fallback>
+        <mc:Fallback xmlns="">
           <p:sp>
             <p:nvSpPr>
               <p:cNvPr id="13" name="文本框 12">
@@ -4300,8 +4300,8 @@
           </a:p>
         </p:txBody>
       </p:sp>
-      <mc:AlternateContent xmlns:mc="http://schemas.openxmlformats.org/markup-compatibility/2006">
-        <mc:Choice xmlns:a14="http://schemas.microsoft.com/office/drawing/2010/main" Requires="a14">
+      <mc:AlternateContent xmlns:mc="http://schemas.openxmlformats.org/markup-compatibility/2006" xmlns:a14="http://schemas.microsoft.com/office/drawing/2010/main">
+        <mc:Choice Requires="a14">
           <p:sp>
             <p:nvSpPr>
               <p:cNvPr id="15" name="文本框 14">
@@ -4359,7 +4359,7 @@
             </p:txBody>
           </p:sp>
         </mc:Choice>
-        <mc:Fallback>
+        <mc:Fallback xmlns="">
           <p:sp>
             <p:nvSpPr>
               <p:cNvPr id="15" name="文本框 14">
@@ -4462,8 +4462,8 @@
           </a:p>
         </p:txBody>
       </p:sp>
-      <mc:AlternateContent xmlns:mc="http://schemas.openxmlformats.org/markup-compatibility/2006">
-        <mc:Choice xmlns:a14="http://schemas.microsoft.com/office/drawing/2010/main" Requires="a14">
+      <mc:AlternateContent xmlns:mc="http://schemas.openxmlformats.org/markup-compatibility/2006" xmlns:a14="http://schemas.microsoft.com/office/drawing/2010/main">
+        <mc:Choice Requires="a14">
           <p:sp>
             <p:nvSpPr>
               <p:cNvPr id="17" name="文本框 16">
@@ -4529,7 +4529,7 @@
             </p:txBody>
           </p:sp>
         </mc:Choice>
-        <mc:Fallback>
+        <mc:Fallback xmlns="">
           <p:sp>
             <p:nvSpPr>
               <p:cNvPr id="17" name="文本框 16">
@@ -4632,8 +4632,8 @@
           </a:p>
         </p:txBody>
       </p:sp>
-      <mc:AlternateContent xmlns:mc="http://schemas.openxmlformats.org/markup-compatibility/2006">
-        <mc:Choice xmlns:a14="http://schemas.microsoft.com/office/drawing/2010/main" Requires="a14">
+      <mc:AlternateContent xmlns:mc="http://schemas.openxmlformats.org/markup-compatibility/2006" xmlns:a14="http://schemas.microsoft.com/office/drawing/2010/main">
+        <mc:Choice Requires="a14">
           <p:sp>
             <p:nvSpPr>
               <p:cNvPr id="19" name="文本框 18">
@@ -4691,7 +4691,7 @@
             </p:txBody>
           </p:sp>
         </mc:Choice>
-        <mc:Fallback>
+        <mc:Fallback xmlns="">
           <p:sp>
             <p:nvSpPr>
               <p:cNvPr id="19" name="文本框 18">
@@ -4992,8 +4992,8 @@
           </a:p>
         </p:txBody>
       </p:sp>
-      <mc:AlternateContent xmlns:mc="http://schemas.openxmlformats.org/markup-compatibility/2006">
-        <mc:Choice xmlns:a14="http://schemas.microsoft.com/office/drawing/2010/main" Requires="a14">
+      <mc:AlternateContent xmlns:mc="http://schemas.openxmlformats.org/markup-compatibility/2006" xmlns:a14="http://schemas.microsoft.com/office/drawing/2010/main">
+        <mc:Choice Requires="a14">
           <p:sp>
             <p:nvSpPr>
               <p:cNvPr id="23" name="文本框 22">
@@ -5059,7 +5059,7 @@
             </p:txBody>
           </p:sp>
         </mc:Choice>
-        <mc:Fallback>
+        <mc:Fallback xmlns="">
           <p:sp>
             <p:nvSpPr>
               <p:cNvPr id="23" name="文本框 22">
@@ -5154,8 +5154,8 @@
           </a:p>
         </p:txBody>
       </p:sp>
-      <mc:AlternateContent xmlns:mc="http://schemas.openxmlformats.org/markup-compatibility/2006">
-        <mc:Choice xmlns:a14="http://schemas.microsoft.com/office/drawing/2010/main" Requires="a14">
+      <mc:AlternateContent xmlns:mc="http://schemas.openxmlformats.org/markup-compatibility/2006" xmlns:a14="http://schemas.microsoft.com/office/drawing/2010/main">
+        <mc:Choice Requires="a14">
           <p:sp>
             <p:nvSpPr>
               <p:cNvPr id="29" name="文本框 28">
@@ -5251,7 +5251,7 @@
             </p:txBody>
           </p:sp>
         </mc:Choice>
-        <mc:Fallback>
+        <mc:Fallback xmlns="">
           <p:sp>
             <p:nvSpPr>
               <p:cNvPr id="29" name="文本框 28">
@@ -5354,8 +5354,8 @@
           </a:p>
         </p:txBody>
       </p:sp>
-      <mc:AlternateContent xmlns:mc="http://schemas.openxmlformats.org/markup-compatibility/2006">
-        <mc:Choice xmlns:a14="http://schemas.microsoft.com/office/drawing/2010/main" Requires="a14">
+      <mc:AlternateContent xmlns:mc="http://schemas.openxmlformats.org/markup-compatibility/2006" xmlns:a14="http://schemas.microsoft.com/office/drawing/2010/main">
+        <mc:Choice Requires="a14">
           <p:sp>
             <p:nvSpPr>
               <p:cNvPr id="31" name="文本框 30">
@@ -5421,7 +5421,7 @@
             </p:txBody>
           </p:sp>
         </mc:Choice>
-        <mc:Fallback>
+        <mc:Fallback xmlns="">
           <p:sp>
             <p:nvSpPr>
               <p:cNvPr id="31" name="文本框 30">
@@ -5900,8 +5900,8 @@
           </a:p>
         </p:txBody>
       </p:sp>
-      <mc:AlternateContent xmlns:mc="http://schemas.openxmlformats.org/markup-compatibility/2006">
-        <mc:Choice xmlns:a14="http://schemas.microsoft.com/office/drawing/2010/main" Requires="a14">
+      <mc:AlternateContent xmlns:mc="http://schemas.openxmlformats.org/markup-compatibility/2006" xmlns:a14="http://schemas.microsoft.com/office/drawing/2010/main">
+        <mc:Choice Requires="a14">
           <p:sp>
             <p:nvSpPr>
               <p:cNvPr id="39" name="文本框 38">
@@ -6005,7 +6005,7 @@
             </p:txBody>
           </p:sp>
         </mc:Choice>
-        <mc:Fallback>
+        <mc:Fallback xmlns="">
           <p:sp>
             <p:nvSpPr>
               <p:cNvPr id="39" name="文本框 38">
@@ -6108,8 +6108,8 @@
           </a:p>
         </p:txBody>
       </p:sp>
-      <mc:AlternateContent xmlns:mc="http://schemas.openxmlformats.org/markup-compatibility/2006">
-        <mc:Choice xmlns:a14="http://schemas.microsoft.com/office/drawing/2010/main" Requires="a14">
+      <mc:AlternateContent xmlns:mc="http://schemas.openxmlformats.org/markup-compatibility/2006" xmlns:a14="http://schemas.microsoft.com/office/drawing/2010/main">
+        <mc:Choice Requires="a14">
           <p:sp>
             <p:nvSpPr>
               <p:cNvPr id="41" name="文本框 40">
@@ -6175,7 +6175,7 @@
             </p:txBody>
           </p:sp>
         </mc:Choice>
-        <mc:Fallback>
+        <mc:Fallback xmlns="">
           <p:sp>
             <p:nvSpPr>
               <p:cNvPr id="41" name="文本框 40">
@@ -6278,8 +6278,8 @@
           </a:p>
         </p:txBody>
       </p:sp>
-      <mc:AlternateContent xmlns:mc="http://schemas.openxmlformats.org/markup-compatibility/2006">
-        <mc:Choice xmlns:a14="http://schemas.microsoft.com/office/drawing/2010/main" Requires="a14">
+      <mc:AlternateContent xmlns:mc="http://schemas.openxmlformats.org/markup-compatibility/2006" xmlns:a14="http://schemas.microsoft.com/office/drawing/2010/main">
+        <mc:Choice Requires="a14">
           <p:sp>
             <p:nvSpPr>
               <p:cNvPr id="43" name="文本框 42">
@@ -6344,7 +6344,7 @@
             </p:txBody>
           </p:sp>
         </mc:Choice>
-        <mc:Fallback>
+        <mc:Fallback xmlns="">
           <p:sp>
             <p:nvSpPr>
               <p:cNvPr id="43" name="文本框 42">
@@ -6631,8 +6631,8 @@
           </a:p>
         </p:txBody>
       </p:sp>
-      <mc:AlternateContent xmlns:mc="http://schemas.openxmlformats.org/markup-compatibility/2006">
-        <mc:Choice xmlns:a14="http://schemas.microsoft.com/office/drawing/2010/main" Requires="a14">
+      <mc:AlternateContent xmlns:mc="http://schemas.openxmlformats.org/markup-compatibility/2006" xmlns:a14="http://schemas.microsoft.com/office/drawing/2010/main">
+        <mc:Choice Requires="a14">
           <p:sp>
             <p:nvSpPr>
               <p:cNvPr id="47" name="文本框 46">
@@ -6736,7 +6736,7 @@
             </p:txBody>
           </p:sp>
         </mc:Choice>
-        <mc:Fallback>
+        <mc:Fallback xmlns="">
           <p:sp>
             <p:nvSpPr>
               <p:cNvPr id="47" name="文本框 46">
@@ -6839,8 +6839,8 @@
           </a:p>
         </p:txBody>
       </p:sp>
-      <mc:AlternateContent xmlns:mc="http://schemas.openxmlformats.org/markup-compatibility/2006">
-        <mc:Choice xmlns:a14="http://schemas.microsoft.com/office/drawing/2010/main" Requires="a14">
+      <mc:AlternateContent xmlns:mc="http://schemas.openxmlformats.org/markup-compatibility/2006" xmlns:a14="http://schemas.microsoft.com/office/drawing/2010/main">
+        <mc:Choice Requires="a14">
           <p:sp>
             <p:nvSpPr>
               <p:cNvPr id="49" name="文本框 48">
@@ -6906,7 +6906,7 @@
             </p:txBody>
           </p:sp>
         </mc:Choice>
-        <mc:Fallback>
+        <mc:Fallback xmlns="">
           <p:sp>
             <p:nvSpPr>
               <p:cNvPr id="49" name="文本框 48">
@@ -7009,8 +7009,8 @@
           </a:p>
         </p:txBody>
       </p:sp>
-      <mc:AlternateContent xmlns:mc="http://schemas.openxmlformats.org/markup-compatibility/2006">
-        <mc:Choice xmlns:a14="http://schemas.microsoft.com/office/drawing/2010/main" Requires="a14">
+      <mc:AlternateContent xmlns:mc="http://schemas.openxmlformats.org/markup-compatibility/2006" xmlns:a14="http://schemas.microsoft.com/office/drawing/2010/main">
+        <mc:Choice Requires="a14">
           <p:sp>
             <p:nvSpPr>
               <p:cNvPr id="51" name="文本框 50">
@@ -7068,7 +7068,7 @@
             </p:txBody>
           </p:sp>
         </mc:Choice>
-        <mc:Fallback>
+        <mc:Fallback xmlns="">
           <p:sp>
             <p:nvSpPr>
               <p:cNvPr id="51" name="文本框 50">
@@ -7221,8 +7221,8 @@
           </a:p>
         </p:txBody>
       </p:sp>
-      <mc:AlternateContent xmlns:mc="http://schemas.openxmlformats.org/markup-compatibility/2006">
-        <mc:Choice xmlns:a14="http://schemas.microsoft.com/office/drawing/2010/main" Requires="a14">
+      <mc:AlternateContent xmlns:mc="http://schemas.openxmlformats.org/markup-compatibility/2006" xmlns:a14="http://schemas.microsoft.com/office/drawing/2010/main">
+        <mc:Choice Requires="a14">
           <p:sp>
             <p:nvSpPr>
               <p:cNvPr id="55" name="文本框 54">
@@ -7280,7 +7280,7 @@
             </p:txBody>
           </p:sp>
         </mc:Choice>
-        <mc:Fallback>
+        <mc:Fallback xmlns="">
           <p:sp>
             <p:nvSpPr>
               <p:cNvPr id="55" name="文本框 54">
@@ -7988,8 +7988,8 @@
           </a:p>
         </p:txBody>
       </p:sp>
-      <mc:AlternateContent xmlns:mc="http://schemas.openxmlformats.org/markup-compatibility/2006">
-        <mc:Choice xmlns:a14="http://schemas.microsoft.com/office/drawing/2010/main" Requires="a14">
+      <mc:AlternateContent xmlns:mc="http://schemas.openxmlformats.org/markup-compatibility/2006" xmlns:a14="http://schemas.microsoft.com/office/drawing/2010/main">
+        <mc:Choice Requires="a14">
           <p:sp>
             <p:nvSpPr>
               <p:cNvPr id="64" name="文本框 63">
@@ -8055,7 +8055,7 @@
             </p:txBody>
           </p:sp>
         </mc:Choice>
-        <mc:Fallback>
+        <mc:Fallback xmlns="">
           <p:sp>
             <p:nvSpPr>
               <p:cNvPr id="64" name="文本框 63">
@@ -8100,8 +8100,8 @@
           </p:sp>
         </mc:Fallback>
       </mc:AlternateContent>
-      <mc:AlternateContent xmlns:mc="http://schemas.openxmlformats.org/markup-compatibility/2006">
-        <mc:Choice xmlns:a14="http://schemas.microsoft.com/office/drawing/2010/main" Requires="a14">
+      <mc:AlternateContent xmlns:mc="http://schemas.openxmlformats.org/markup-compatibility/2006" xmlns:a14="http://schemas.microsoft.com/office/drawing/2010/main">
+        <mc:Choice Requires="a14">
           <p:sp>
             <p:nvSpPr>
               <p:cNvPr id="65" name="文本框 64">
@@ -8205,7 +8205,7 @@
             </p:txBody>
           </p:sp>
         </mc:Choice>
-        <mc:Fallback>
+        <mc:Fallback xmlns="">
           <p:sp>
             <p:nvSpPr>
               <p:cNvPr id="65" name="文本框 64">

--- a/day1/D/resources/draw.pptx
+++ b/day1/D/resources/draw.pptx
@@ -6,6 +6,7 @@
   </p:sldMasterIdLst>
   <p:sldIdLst>
     <p:sldId id="256" r:id="rId2"/>
+    <p:sldId id="257" r:id="rId3"/>
   </p:sldIdLst>
   <p:sldSz cx="12192000" cy="6858000"/>
   <p:notesSz cx="6858000" cy="9144000"/>
@@ -9252,6 +9253,6053 @@
 </p:sld>
 </file>
 
+<file path=ppt/slides/slide2.xml><?xml version="1.0" encoding="utf-8"?>
+<p:sld xmlns:a="http://schemas.openxmlformats.org/drawingml/2006/main" xmlns:r="http://schemas.openxmlformats.org/officeDocument/2006/relationships" xmlns:p="http://schemas.openxmlformats.org/presentationml/2006/main">
+  <p:cSld>
+    <p:spTree>
+      <p:nvGrpSpPr>
+        <p:cNvPr id="1" name=""/>
+        <p:cNvGrpSpPr/>
+        <p:nvPr/>
+      </p:nvGrpSpPr>
+      <p:grpSpPr>
+        <a:xfrm>
+          <a:off x="0" y="0"/>
+          <a:ext cx="0" cy="0"/>
+          <a:chOff x="0" y="0"/>
+          <a:chExt cx="0" cy="0"/>
+        </a:xfrm>
+      </p:grpSpPr>
+      <p:sp>
+        <p:nvSpPr>
+          <p:cNvPr id="4" name="椭圆 3">
+            <a:extLst>
+              <a:ext uri="{FF2B5EF4-FFF2-40B4-BE49-F238E27FC236}">
+                <a16:creationId xmlns:a16="http://schemas.microsoft.com/office/drawing/2014/main" id="{C9778EE7-C6B7-C2D1-FAAC-C2F0BDF16DCF}"/>
+              </a:ext>
+            </a:extLst>
+          </p:cNvPr>
+          <p:cNvSpPr/>
+          <p:nvPr/>
+        </p:nvSpPr>
+        <p:spPr>
+          <a:xfrm>
+            <a:off x="5082287" y="307360"/>
+            <a:ext cx="508883" cy="508883"/>
+          </a:xfrm>
+          <a:prstGeom prst="ellipse">
+            <a:avLst/>
+          </a:prstGeom>
+          <a:noFill/>
+        </p:spPr>
+        <p:style>
+          <a:lnRef idx="2">
+            <a:schemeClr val="accent1">
+              <a:shade val="15000"/>
+            </a:schemeClr>
+          </a:lnRef>
+          <a:fillRef idx="1">
+            <a:schemeClr val="accent1"/>
+          </a:fillRef>
+          <a:effectRef idx="0">
+            <a:schemeClr val="accent1"/>
+          </a:effectRef>
+          <a:fontRef idx="minor">
+            <a:schemeClr val="lt1"/>
+          </a:fontRef>
+        </p:style>
+        <p:txBody>
+          <a:bodyPr wrap="none" rtlCol="0" anchor="ctr"/>
+          <a:lstStyle/>
+          <a:p>
+            <a:pPr algn="ctr"/>
+            <a:r>
+              <a:rPr lang="en-US" altLang="zh-CN" dirty="0">
+                <a:solidFill>
+                  <a:schemeClr val="tx1"/>
+                </a:solidFill>
+              </a:rPr>
+              <a:t>1</a:t>
+            </a:r>
+            <a:endParaRPr lang="zh-CN" altLang="en-US" dirty="0">
+              <a:solidFill>
+                <a:schemeClr val="tx1"/>
+              </a:solidFill>
+            </a:endParaRPr>
+          </a:p>
+        </p:txBody>
+      </p:sp>
+      <mc:AlternateContent xmlns:mc="http://schemas.openxmlformats.org/markup-compatibility/2006" xmlns:a14="http://schemas.microsoft.com/office/drawing/2010/main">
+        <mc:Choice Requires="a14">
+          <p:sp>
+            <p:nvSpPr>
+              <p:cNvPr id="5" name="文本框 4">
+                <a:extLst>
+                  <a:ext uri="{FF2B5EF4-FFF2-40B4-BE49-F238E27FC236}">
+                    <a16:creationId xmlns:a16="http://schemas.microsoft.com/office/drawing/2014/main" id="{0FD8A5AC-B62B-680C-6C74-D8C2B4CD2109}"/>
+                  </a:ext>
+                </a:extLst>
+              </p:cNvPr>
+              <p:cNvSpPr txBox="1"/>
+              <p:nvPr/>
+            </p:nvSpPr>
+            <p:spPr>
+              <a:xfrm>
+                <a:off x="5625154" y="128615"/>
+                <a:ext cx="466794" cy="769441"/>
+              </a:xfrm>
+              <a:prstGeom prst="rect">
+                <a:avLst/>
+              </a:prstGeom>
+              <a:noFill/>
+            </p:spPr>
+            <p:txBody>
+              <a:bodyPr wrap="none" rtlCol="0">
+                <a:spAutoFit/>
+              </a:bodyPr>
+              <a:lstStyle/>
+              <a:p>
+                <a:pPr algn="ctr"/>
+                <a:r>
+                  <a:rPr lang="zh-CN" altLang="en-US" sz="1100" dirty="0"/>
+                  <a:t>全球</a:t>
+                </a:r>
+                <a:endParaRPr lang="en-US" altLang="zh-CN" sz="1100" dirty="0"/>
+              </a:p>
+              <a:p>
+                <a:pPr algn="ctr"/>
+                <a14:m>
+                  <m:oMathPara xmlns:m="http://schemas.openxmlformats.org/officeDocument/2006/math">
+                    <m:oMathParaPr>
+                      <m:jc m:val="centerGroup"/>
+                    </m:oMathParaPr>
+                    <m:oMath xmlns:m="http://schemas.openxmlformats.org/officeDocument/2006/math">
+                      <m:r>
+                        <a:rPr lang="en-US" altLang="zh-CN" sz="1100" b="0" i="1" smtClean="0">
+                          <a:latin typeface="Cambria Math" panose="02040503050406030204" pitchFamily="18" charset="0"/>
+                        </a:rPr>
+                        <m:t>𝜖</m:t>
+                      </m:r>
+                    </m:oMath>
+                  </m:oMathPara>
+                </a14:m>
+                <a:endParaRPr lang="en-US" altLang="zh-CN" sz="1100" dirty="0"/>
+              </a:p>
+              <a:p>
+                <a:pPr algn="ctr"/>
+                <a14:m>
+                  <m:oMathPara xmlns:m="http://schemas.openxmlformats.org/officeDocument/2006/math">
+                    <m:oMathParaPr>
+                      <m:jc m:val="centerGroup"/>
+                    </m:oMathParaPr>
+                    <m:oMath xmlns:m="http://schemas.openxmlformats.org/officeDocument/2006/math">
+                      <m:r>
+                        <a:rPr lang="en-US" altLang="zh-CN" sz="1100" b="0" i="1" smtClean="0">
+                          <a:latin typeface="Cambria Math" panose="02040503050406030204" pitchFamily="18" charset="0"/>
+                        </a:rPr>
+                        <m:t>𝜖</m:t>
+                      </m:r>
+                    </m:oMath>
+                  </m:oMathPara>
+                </a14:m>
+                <a:endParaRPr lang="en-US" altLang="zh-CN" sz="1100" dirty="0"/>
+              </a:p>
+              <a:p>
+                <a:pPr algn="ctr"/>
+                <a14:m>
+                  <m:oMathPara xmlns:m="http://schemas.openxmlformats.org/officeDocument/2006/math">
+                    <m:oMathParaPr>
+                      <m:jc m:val="centerGroup"/>
+                    </m:oMathParaPr>
+                    <m:oMath xmlns:m="http://schemas.openxmlformats.org/officeDocument/2006/math">
+                      <m:r>
+                        <a:rPr lang="en-US" altLang="zh-CN" sz="1100" b="0" i="1" smtClean="0">
+                          <a:latin typeface="Cambria Math" panose="02040503050406030204" pitchFamily="18" charset="0"/>
+                        </a:rPr>
+                        <m:t>𝜖</m:t>
+                      </m:r>
+                    </m:oMath>
+                  </m:oMathPara>
+                </a14:m>
+                <a:endParaRPr lang="zh-CN" altLang="en-US" sz="1100" dirty="0"/>
+              </a:p>
+            </p:txBody>
+          </p:sp>
+        </mc:Choice>
+        <mc:Fallback xmlns="">
+          <p:sp>
+            <p:nvSpPr>
+              <p:cNvPr id="5" name="文本框 4">
+                <a:extLst>
+                  <a:ext uri="{FF2B5EF4-FFF2-40B4-BE49-F238E27FC236}">
+                    <a16:creationId xmlns:a16="http://schemas.microsoft.com/office/drawing/2014/main" id="{0FD8A5AC-B62B-680C-6C74-D8C2B4CD2109}"/>
+                  </a:ext>
+                </a:extLst>
+              </p:cNvPr>
+              <p:cNvSpPr txBox="1">
+                <a:spLocks noRot="1" noChangeAspect="1" noMove="1" noResize="1" noEditPoints="1" noAdjustHandles="1" noChangeArrowheads="1" noChangeShapeType="1" noTextEdit="1"/>
+              </p:cNvSpPr>
+              <p:nvPr/>
+            </p:nvSpPr>
+            <p:spPr>
+              <a:xfrm>
+                <a:off x="5625154" y="128615"/>
+                <a:ext cx="466794" cy="769441"/>
+              </a:xfrm>
+              <a:prstGeom prst="rect">
+                <a:avLst/>
+              </a:prstGeom>
+              <a:blipFill>
+                <a:blip r:embed="rId2"/>
+                <a:stretch>
+                  <a:fillRect t="-794"/>
+                </a:stretch>
+              </a:blipFill>
+            </p:spPr>
+            <p:txBody>
+              <a:bodyPr/>
+              <a:lstStyle/>
+              <a:p>
+                <a:r>
+                  <a:rPr lang="zh-CN" altLang="en-US">
+                    <a:noFill/>
+                  </a:rPr>
+                  <a:t> </a:t>
+                </a:r>
+              </a:p>
+            </p:txBody>
+          </p:sp>
+        </mc:Fallback>
+      </mc:AlternateContent>
+      <p:sp>
+        <p:nvSpPr>
+          <p:cNvPr id="6" name="椭圆 5">
+            <a:extLst>
+              <a:ext uri="{FF2B5EF4-FFF2-40B4-BE49-F238E27FC236}">
+                <a16:creationId xmlns:a16="http://schemas.microsoft.com/office/drawing/2014/main" id="{59FAD6BA-BE6C-FB64-1394-745710E7085E}"/>
+              </a:ext>
+            </a:extLst>
+          </p:cNvPr>
+          <p:cNvSpPr/>
+          <p:nvPr/>
+        </p:nvSpPr>
+        <p:spPr>
+          <a:xfrm>
+            <a:off x="2354912" y="1079542"/>
+            <a:ext cx="508883" cy="508883"/>
+          </a:xfrm>
+          <a:prstGeom prst="ellipse">
+            <a:avLst/>
+          </a:prstGeom>
+          <a:noFill/>
+        </p:spPr>
+        <p:style>
+          <a:lnRef idx="2">
+            <a:schemeClr val="accent1">
+              <a:shade val="15000"/>
+            </a:schemeClr>
+          </a:lnRef>
+          <a:fillRef idx="1">
+            <a:schemeClr val="accent1"/>
+          </a:fillRef>
+          <a:effectRef idx="0">
+            <a:schemeClr val="accent1"/>
+          </a:effectRef>
+          <a:fontRef idx="minor">
+            <a:schemeClr val="lt1"/>
+          </a:fontRef>
+        </p:style>
+        <p:txBody>
+          <a:bodyPr wrap="none" rtlCol="0" anchor="ctr"/>
+          <a:lstStyle/>
+          <a:p>
+            <a:pPr algn="ctr"/>
+            <a:r>
+              <a:rPr lang="en-US" altLang="zh-CN" dirty="0">
+                <a:solidFill>
+                  <a:schemeClr val="tx1"/>
+                </a:solidFill>
+              </a:rPr>
+              <a:t>2</a:t>
+            </a:r>
+            <a:endParaRPr lang="zh-CN" altLang="en-US" dirty="0">
+              <a:solidFill>
+                <a:schemeClr val="tx1"/>
+              </a:solidFill>
+            </a:endParaRPr>
+          </a:p>
+        </p:txBody>
+      </p:sp>
+      <mc:AlternateContent xmlns:mc="http://schemas.openxmlformats.org/markup-compatibility/2006" xmlns:a14="http://schemas.microsoft.com/office/drawing/2010/main">
+        <mc:Choice Requires="a14">
+          <p:sp>
+            <p:nvSpPr>
+              <p:cNvPr id="7" name="文本框 6">
+                <a:extLst>
+                  <a:ext uri="{FF2B5EF4-FFF2-40B4-BE49-F238E27FC236}">
+                    <a16:creationId xmlns:a16="http://schemas.microsoft.com/office/drawing/2014/main" id="{716F1A7B-6297-D0EF-B9F0-3A48C6ECCB18}"/>
+                  </a:ext>
+                </a:extLst>
+              </p:cNvPr>
+              <p:cNvSpPr txBox="1"/>
+              <p:nvPr/>
+            </p:nvSpPr>
+            <p:spPr>
+              <a:xfrm>
+                <a:off x="2897784" y="900797"/>
+                <a:ext cx="466794" cy="769441"/>
+              </a:xfrm>
+              <a:prstGeom prst="rect">
+                <a:avLst/>
+              </a:prstGeom>
+              <a:noFill/>
+            </p:spPr>
+            <p:txBody>
+              <a:bodyPr wrap="none" rtlCol="0">
+                <a:spAutoFit/>
+              </a:bodyPr>
+              <a:lstStyle/>
+              <a:p>
+                <a:pPr algn="ctr"/>
+                <a:r>
+                  <a:rPr lang="zh-CN" altLang="en-US" sz="1100" dirty="0"/>
+                  <a:t>中国</a:t>
+                </a:r>
+                <a:endParaRPr lang="en-US" altLang="zh-CN" sz="1100" dirty="0"/>
+              </a:p>
+              <a:p>
+                <a:pPr algn="ctr"/>
+                <a14:m>
+                  <m:oMathPara xmlns:m="http://schemas.openxmlformats.org/officeDocument/2006/math">
+                    <m:oMathParaPr>
+                      <m:jc m:val="centerGroup"/>
+                    </m:oMathParaPr>
+                    <m:oMath xmlns:m="http://schemas.openxmlformats.org/officeDocument/2006/math">
+                      <m:r>
+                        <a:rPr lang="en-US" altLang="zh-CN" sz="1100" b="0" i="1" smtClean="0">
+                          <a:latin typeface="Cambria Math" panose="02040503050406030204" pitchFamily="18" charset="0"/>
+                        </a:rPr>
+                        <m:t>00</m:t>
+                      </m:r>
+                    </m:oMath>
+                  </m:oMathPara>
+                </a14:m>
+                <a:endParaRPr lang="en-US" altLang="zh-CN" sz="1100" dirty="0"/>
+              </a:p>
+              <a:p>
+                <a:pPr algn="ctr"/>
+                <a14:m>
+                  <m:oMathPara xmlns:m="http://schemas.openxmlformats.org/officeDocument/2006/math">
+                    <m:oMathParaPr>
+                      <m:jc m:val="centerGroup"/>
+                    </m:oMathParaPr>
+                    <m:oMath xmlns:m="http://schemas.openxmlformats.org/officeDocument/2006/math">
+                      <m:r>
+                        <a:rPr lang="en-US" altLang="zh-CN" sz="1100" b="0" i="1" smtClean="0">
+                          <a:latin typeface="Cambria Math" panose="02040503050406030204" pitchFamily="18" charset="0"/>
+                        </a:rPr>
+                        <m:t>86</m:t>
+                      </m:r>
+                    </m:oMath>
+                  </m:oMathPara>
+                </a14:m>
+                <a:endParaRPr lang="en-US" altLang="zh-CN" sz="1100" dirty="0"/>
+              </a:p>
+              <a:p>
+                <a:pPr algn="ctr"/>
+                <a14:m>
+                  <m:oMathPara xmlns:m="http://schemas.openxmlformats.org/officeDocument/2006/math">
+                    <m:oMathParaPr>
+                      <m:jc m:val="centerGroup"/>
+                    </m:oMathParaPr>
+                    <m:oMath xmlns:m="http://schemas.openxmlformats.org/officeDocument/2006/math">
+                      <m:r>
+                        <a:rPr lang="en-US" altLang="zh-CN" sz="1100" b="0" i="1" smtClean="0">
+                          <a:latin typeface="Cambria Math" panose="02040503050406030204" pitchFamily="18" charset="0"/>
+                        </a:rPr>
+                        <m:t>0</m:t>
+                      </m:r>
+                    </m:oMath>
+                  </m:oMathPara>
+                </a14:m>
+                <a:endParaRPr lang="zh-CN" altLang="en-US" sz="1100" dirty="0"/>
+              </a:p>
+            </p:txBody>
+          </p:sp>
+        </mc:Choice>
+        <mc:Fallback xmlns="">
+          <p:sp>
+            <p:nvSpPr>
+              <p:cNvPr id="7" name="文本框 6">
+                <a:extLst>
+                  <a:ext uri="{FF2B5EF4-FFF2-40B4-BE49-F238E27FC236}">
+                    <a16:creationId xmlns:a16="http://schemas.microsoft.com/office/drawing/2014/main" id="{716F1A7B-6297-D0EF-B9F0-3A48C6ECCB18}"/>
+                  </a:ext>
+                </a:extLst>
+              </p:cNvPr>
+              <p:cNvSpPr txBox="1">
+                <a:spLocks noRot="1" noChangeAspect="1" noMove="1" noResize="1" noEditPoints="1" noAdjustHandles="1" noChangeArrowheads="1" noChangeShapeType="1" noTextEdit="1"/>
+              </p:cNvSpPr>
+              <p:nvPr/>
+            </p:nvSpPr>
+            <p:spPr>
+              <a:xfrm>
+                <a:off x="2897784" y="900797"/>
+                <a:ext cx="466794" cy="769441"/>
+              </a:xfrm>
+              <a:prstGeom prst="rect">
+                <a:avLst/>
+              </a:prstGeom>
+              <a:blipFill>
+                <a:blip r:embed="rId3"/>
+                <a:stretch>
+                  <a:fillRect t="-794"/>
+                </a:stretch>
+              </a:blipFill>
+            </p:spPr>
+            <p:txBody>
+              <a:bodyPr/>
+              <a:lstStyle/>
+              <a:p>
+                <a:r>
+                  <a:rPr lang="zh-CN" altLang="en-US">
+                    <a:noFill/>
+                  </a:rPr>
+                  <a:t> </a:t>
+                </a:r>
+              </a:p>
+            </p:txBody>
+          </p:sp>
+        </mc:Fallback>
+      </mc:AlternateContent>
+      <p:sp>
+        <p:nvSpPr>
+          <p:cNvPr id="8" name="椭圆 7">
+            <a:extLst>
+              <a:ext uri="{FF2B5EF4-FFF2-40B4-BE49-F238E27FC236}">
+                <a16:creationId xmlns:a16="http://schemas.microsoft.com/office/drawing/2014/main" id="{BBD10261-C99C-29DF-545D-D06C5A4BBC0E}"/>
+              </a:ext>
+            </a:extLst>
+          </p:cNvPr>
+          <p:cNvSpPr/>
+          <p:nvPr/>
+        </p:nvSpPr>
+        <p:spPr>
+          <a:xfrm>
+            <a:off x="1406175" y="1854305"/>
+            <a:ext cx="508883" cy="508883"/>
+          </a:xfrm>
+          <a:prstGeom prst="ellipse">
+            <a:avLst/>
+          </a:prstGeom>
+          <a:noFill/>
+        </p:spPr>
+        <p:style>
+          <a:lnRef idx="2">
+            <a:schemeClr val="accent1">
+              <a:shade val="15000"/>
+            </a:schemeClr>
+          </a:lnRef>
+          <a:fillRef idx="1">
+            <a:schemeClr val="accent1"/>
+          </a:fillRef>
+          <a:effectRef idx="0">
+            <a:schemeClr val="accent1"/>
+          </a:effectRef>
+          <a:fontRef idx="minor">
+            <a:schemeClr val="lt1"/>
+          </a:fontRef>
+        </p:style>
+        <p:txBody>
+          <a:bodyPr wrap="none" rtlCol="0" anchor="ctr"/>
+          <a:lstStyle/>
+          <a:p>
+            <a:pPr algn="ctr"/>
+            <a:r>
+              <a:rPr lang="en-US" altLang="zh-CN" dirty="0">
+                <a:solidFill>
+                  <a:schemeClr val="tx1"/>
+                </a:solidFill>
+              </a:rPr>
+              <a:t>3</a:t>
+            </a:r>
+            <a:endParaRPr lang="zh-CN" altLang="en-US" dirty="0">
+              <a:solidFill>
+                <a:schemeClr val="tx1"/>
+              </a:solidFill>
+            </a:endParaRPr>
+          </a:p>
+        </p:txBody>
+      </p:sp>
+      <mc:AlternateContent xmlns:mc="http://schemas.openxmlformats.org/markup-compatibility/2006" xmlns:a14="http://schemas.microsoft.com/office/drawing/2010/main">
+        <mc:Choice Requires="a14">
+          <p:sp>
+            <p:nvSpPr>
+              <p:cNvPr id="9" name="文本框 8">
+                <a:extLst>
+                  <a:ext uri="{FF2B5EF4-FFF2-40B4-BE49-F238E27FC236}">
+                    <a16:creationId xmlns:a16="http://schemas.microsoft.com/office/drawing/2014/main" id="{BA80B208-7231-BEC6-8F39-2DA9F467BC26}"/>
+                  </a:ext>
+                </a:extLst>
+              </p:cNvPr>
+              <p:cNvSpPr txBox="1"/>
+              <p:nvPr/>
+            </p:nvSpPr>
+            <p:spPr>
+              <a:xfrm>
+                <a:off x="1949052" y="1675560"/>
+                <a:ext cx="466794" cy="769441"/>
+              </a:xfrm>
+              <a:prstGeom prst="rect">
+                <a:avLst/>
+              </a:prstGeom>
+              <a:noFill/>
+            </p:spPr>
+            <p:txBody>
+              <a:bodyPr wrap="none" rtlCol="0">
+                <a:spAutoFit/>
+              </a:bodyPr>
+              <a:lstStyle/>
+              <a:p>
+                <a:pPr algn="ctr"/>
+                <a:r>
+                  <a:rPr lang="zh-CN" altLang="en-US" sz="1100" dirty="0"/>
+                  <a:t>北京</a:t>
+                </a:r>
+                <a:endParaRPr lang="en-US" altLang="zh-CN" sz="1100" dirty="0"/>
+              </a:p>
+              <a:p>
+                <a:pPr algn="ctr"/>
+                <a14:m>
+                  <m:oMathPara xmlns:m="http://schemas.openxmlformats.org/officeDocument/2006/math">
+                    <m:oMathParaPr>
+                      <m:jc m:val="centerGroup"/>
+                    </m:oMathParaPr>
+                    <m:oMath xmlns:m="http://schemas.openxmlformats.org/officeDocument/2006/math">
+                      <m:r>
+                        <a:rPr lang="en-US" altLang="zh-CN" sz="1100" b="0" i="1" smtClean="0">
+                          <a:latin typeface="Cambria Math" panose="02040503050406030204" pitchFamily="18" charset="0"/>
+                        </a:rPr>
+                        <m:t>𝜖</m:t>
+                      </m:r>
+                    </m:oMath>
+                  </m:oMathPara>
+                </a14:m>
+                <a:endParaRPr lang="en-US" altLang="zh-CN" sz="1100" dirty="0"/>
+              </a:p>
+              <a:p>
+                <a:pPr algn="ctr"/>
+                <a14:m>
+                  <m:oMathPara xmlns:m="http://schemas.openxmlformats.org/officeDocument/2006/math">
+                    <m:oMathParaPr>
+                      <m:jc m:val="centerGroup"/>
+                    </m:oMathParaPr>
+                    <m:oMath xmlns:m="http://schemas.openxmlformats.org/officeDocument/2006/math">
+                      <m:r>
+                        <a:rPr lang="en-US" altLang="zh-CN" sz="1100" b="0" i="1" smtClean="0">
+                          <a:latin typeface="Cambria Math" panose="02040503050406030204" pitchFamily="18" charset="0"/>
+                        </a:rPr>
+                        <m:t>10</m:t>
+                      </m:r>
+                    </m:oMath>
+                  </m:oMathPara>
+                </a14:m>
+                <a:endParaRPr lang="en-US" altLang="zh-CN" sz="1100" dirty="0"/>
+              </a:p>
+              <a:p>
+                <a:pPr algn="ctr"/>
+                <a14:m>
+                  <m:oMathPara xmlns:m="http://schemas.openxmlformats.org/officeDocument/2006/math">
+                    <m:oMathParaPr>
+                      <m:jc m:val="centerGroup"/>
+                    </m:oMathParaPr>
+                    <m:oMath xmlns:m="http://schemas.openxmlformats.org/officeDocument/2006/math">
+                      <m:r>
+                        <a:rPr lang="en-US" altLang="zh-CN" sz="1100" b="0" i="1" smtClean="0">
+                          <a:latin typeface="Cambria Math" panose="02040503050406030204" pitchFamily="18" charset="0"/>
+                        </a:rPr>
+                        <m:t>𝜖</m:t>
+                      </m:r>
+                    </m:oMath>
+                  </m:oMathPara>
+                </a14:m>
+                <a:endParaRPr lang="zh-CN" altLang="en-US" sz="1100" dirty="0"/>
+              </a:p>
+            </p:txBody>
+          </p:sp>
+        </mc:Choice>
+        <mc:Fallback xmlns="">
+          <p:sp>
+            <p:nvSpPr>
+              <p:cNvPr id="9" name="文本框 8">
+                <a:extLst>
+                  <a:ext uri="{FF2B5EF4-FFF2-40B4-BE49-F238E27FC236}">
+                    <a16:creationId xmlns:a16="http://schemas.microsoft.com/office/drawing/2014/main" id="{BA80B208-7231-BEC6-8F39-2DA9F467BC26}"/>
+                  </a:ext>
+                </a:extLst>
+              </p:cNvPr>
+              <p:cNvSpPr txBox="1">
+                <a:spLocks noRot="1" noChangeAspect="1" noMove="1" noResize="1" noEditPoints="1" noAdjustHandles="1" noChangeArrowheads="1" noChangeShapeType="1" noTextEdit="1"/>
+              </p:cNvSpPr>
+              <p:nvPr/>
+            </p:nvSpPr>
+            <p:spPr>
+              <a:xfrm>
+                <a:off x="1949052" y="1675560"/>
+                <a:ext cx="466794" cy="769441"/>
+              </a:xfrm>
+              <a:prstGeom prst="rect">
+                <a:avLst/>
+              </a:prstGeom>
+              <a:blipFill>
+                <a:blip r:embed="rId4"/>
+                <a:stretch>
+                  <a:fillRect t="-794"/>
+                </a:stretch>
+              </a:blipFill>
+            </p:spPr>
+            <p:txBody>
+              <a:bodyPr/>
+              <a:lstStyle/>
+              <a:p>
+                <a:r>
+                  <a:rPr lang="zh-CN" altLang="en-US">
+                    <a:noFill/>
+                  </a:rPr>
+                  <a:t> </a:t>
+                </a:r>
+              </a:p>
+            </p:txBody>
+          </p:sp>
+        </mc:Fallback>
+      </mc:AlternateContent>
+      <p:sp>
+        <p:nvSpPr>
+          <p:cNvPr id="10" name="椭圆 9">
+            <a:extLst>
+              <a:ext uri="{FF2B5EF4-FFF2-40B4-BE49-F238E27FC236}">
+                <a16:creationId xmlns:a16="http://schemas.microsoft.com/office/drawing/2014/main" id="{833E0FA0-5920-19C0-C263-D77EDA0397A0}"/>
+              </a:ext>
+            </a:extLst>
+          </p:cNvPr>
+          <p:cNvSpPr/>
+          <p:nvPr/>
+        </p:nvSpPr>
+        <p:spPr>
+          <a:xfrm>
+            <a:off x="683239" y="2782716"/>
+            <a:ext cx="508883" cy="508883"/>
+          </a:xfrm>
+          <a:prstGeom prst="ellipse">
+            <a:avLst/>
+          </a:prstGeom>
+          <a:solidFill>
+            <a:schemeClr val="accent2"/>
+          </a:solidFill>
+          <a:ln>
+            <a:solidFill>
+              <a:schemeClr val="tx1"/>
+            </a:solidFill>
+          </a:ln>
+        </p:spPr>
+        <p:style>
+          <a:lnRef idx="2">
+            <a:schemeClr val="accent1">
+              <a:shade val="15000"/>
+            </a:schemeClr>
+          </a:lnRef>
+          <a:fillRef idx="1">
+            <a:schemeClr val="accent1"/>
+          </a:fillRef>
+          <a:effectRef idx="0">
+            <a:schemeClr val="accent1"/>
+          </a:effectRef>
+          <a:fontRef idx="minor">
+            <a:schemeClr val="lt1"/>
+          </a:fontRef>
+        </p:style>
+        <p:txBody>
+          <a:bodyPr wrap="none" rtlCol="0" anchor="ctr"/>
+          <a:lstStyle/>
+          <a:p>
+            <a:pPr algn="ctr"/>
+            <a:r>
+              <a:rPr lang="en-US" altLang="zh-CN" dirty="0"/>
+              <a:t>4</a:t>
+            </a:r>
+            <a:endParaRPr lang="zh-CN" altLang="en-US" dirty="0"/>
+          </a:p>
+        </p:txBody>
+      </p:sp>
+      <mc:AlternateContent xmlns:mc="http://schemas.openxmlformats.org/markup-compatibility/2006" xmlns:a14="http://schemas.microsoft.com/office/drawing/2010/main">
+        <mc:Choice Requires="a14">
+          <p:sp>
+            <p:nvSpPr>
+              <p:cNvPr id="11" name="文本框 10">
+                <a:extLst>
+                  <a:ext uri="{FF2B5EF4-FFF2-40B4-BE49-F238E27FC236}">
+                    <a16:creationId xmlns:a16="http://schemas.microsoft.com/office/drawing/2014/main" id="{424B20D6-AC46-48C0-CA49-8550FB0F5063}"/>
+                  </a:ext>
+                </a:extLst>
+              </p:cNvPr>
+              <p:cNvSpPr txBox="1"/>
+              <p:nvPr/>
+            </p:nvSpPr>
+            <p:spPr>
+              <a:xfrm>
+                <a:off x="425843" y="3315738"/>
+                <a:ext cx="1031051" cy="600164"/>
+              </a:xfrm>
+              <a:prstGeom prst="rect">
+                <a:avLst/>
+              </a:prstGeom>
+              <a:noFill/>
+            </p:spPr>
+            <p:txBody>
+              <a:bodyPr wrap="none" rtlCol="0">
+                <a:spAutoFit/>
+              </a:bodyPr>
+              <a:lstStyle/>
+              <a:p>
+                <a:pPr algn="ctr"/>
+                <a:r>
+                  <a:rPr lang="zh-CN" altLang="en-US" sz="1100" dirty="0"/>
+                  <a:t>清华大学</a:t>
+                </a:r>
+                <a:endParaRPr lang="en-US" altLang="zh-CN" sz="1100" dirty="0"/>
+              </a:p>
+              <a:p>
+                <a:pPr algn="ctr"/>
+                <a:r>
+                  <a:rPr lang="zh-CN" altLang="en-US" sz="1100" dirty="0"/>
+                  <a:t>后勤服务中心</a:t>
+                </a:r>
+                <a:endParaRPr lang="en-US" altLang="zh-CN" sz="1100" dirty="0"/>
+              </a:p>
+              <a:p>
+                <a:pPr algn="ctr"/>
+                <a14:m>
+                  <m:oMathPara xmlns:m="http://schemas.openxmlformats.org/officeDocument/2006/math">
+                    <m:oMathParaPr>
+                      <m:jc m:val="centerGroup"/>
+                    </m:oMathParaPr>
+                    <m:oMath xmlns:m="http://schemas.openxmlformats.org/officeDocument/2006/math">
+                      <m:r>
+                        <a:rPr lang="en-US" altLang="zh-CN" sz="1100" i="1" dirty="0" smtClean="0">
+                          <a:latin typeface="Cambria Math" panose="02040503050406030204" pitchFamily="18" charset="0"/>
+                        </a:rPr>
+                        <m:t>62793001</m:t>
+                      </m:r>
+                    </m:oMath>
+                  </m:oMathPara>
+                </a14:m>
+                <a:endParaRPr lang="en-US" altLang="zh-CN" sz="1100" dirty="0"/>
+              </a:p>
+            </p:txBody>
+          </p:sp>
+        </mc:Choice>
+        <mc:Fallback xmlns="">
+          <p:sp>
+            <p:nvSpPr>
+              <p:cNvPr id="11" name="文本框 10">
+                <a:extLst>
+                  <a:ext uri="{FF2B5EF4-FFF2-40B4-BE49-F238E27FC236}">
+                    <a16:creationId xmlns:a16="http://schemas.microsoft.com/office/drawing/2014/main" id="{424B20D6-AC46-48C0-CA49-8550FB0F5063}"/>
+                  </a:ext>
+                </a:extLst>
+              </p:cNvPr>
+              <p:cNvSpPr txBox="1">
+                <a:spLocks noRot="1" noChangeAspect="1" noMove="1" noResize="1" noEditPoints="1" noAdjustHandles="1" noChangeArrowheads="1" noChangeShapeType="1" noTextEdit="1"/>
+              </p:cNvSpPr>
+              <p:nvPr/>
+            </p:nvSpPr>
+            <p:spPr>
+              <a:xfrm>
+                <a:off x="425843" y="3315738"/>
+                <a:ext cx="1031051" cy="600164"/>
+              </a:xfrm>
+              <a:prstGeom prst="rect">
+                <a:avLst/>
+              </a:prstGeom>
+              <a:blipFill>
+                <a:blip r:embed="rId5"/>
+                <a:stretch>
+                  <a:fillRect t="-1020"/>
+                </a:stretch>
+              </a:blipFill>
+            </p:spPr>
+            <p:txBody>
+              <a:bodyPr/>
+              <a:lstStyle/>
+              <a:p>
+                <a:r>
+                  <a:rPr lang="zh-CN" altLang="en-US">
+                    <a:noFill/>
+                  </a:rPr>
+                  <a:t> </a:t>
+                </a:r>
+              </a:p>
+            </p:txBody>
+          </p:sp>
+        </mc:Fallback>
+      </mc:AlternateContent>
+      <p:sp>
+        <p:nvSpPr>
+          <p:cNvPr id="12" name="椭圆 11">
+            <a:extLst>
+              <a:ext uri="{FF2B5EF4-FFF2-40B4-BE49-F238E27FC236}">
+                <a16:creationId xmlns:a16="http://schemas.microsoft.com/office/drawing/2014/main" id="{6479DDB1-3360-32AF-52A4-6A817CA2B654}"/>
+              </a:ext>
+            </a:extLst>
+          </p:cNvPr>
+          <p:cNvSpPr/>
+          <p:nvPr/>
+        </p:nvSpPr>
+        <p:spPr>
+          <a:xfrm>
+            <a:off x="676252" y="3876904"/>
+            <a:ext cx="508883" cy="508883"/>
+          </a:xfrm>
+          <a:prstGeom prst="ellipse">
+            <a:avLst/>
+          </a:prstGeom>
+          <a:solidFill>
+            <a:schemeClr val="accent2"/>
+          </a:solidFill>
+          <a:ln>
+            <a:solidFill>
+              <a:schemeClr val="tx1"/>
+            </a:solidFill>
+          </a:ln>
+        </p:spPr>
+        <p:style>
+          <a:lnRef idx="2">
+            <a:schemeClr val="accent1">
+              <a:shade val="15000"/>
+            </a:schemeClr>
+          </a:lnRef>
+          <a:fillRef idx="1">
+            <a:schemeClr val="accent1"/>
+          </a:fillRef>
+          <a:effectRef idx="0">
+            <a:schemeClr val="accent1"/>
+          </a:effectRef>
+          <a:fontRef idx="minor">
+            <a:schemeClr val="lt1"/>
+          </a:fontRef>
+        </p:style>
+        <p:txBody>
+          <a:bodyPr wrap="none" rtlCol="0" anchor="ctr"/>
+          <a:lstStyle/>
+          <a:p>
+            <a:pPr algn="ctr"/>
+            <a:r>
+              <a:rPr lang="en-US" altLang="zh-CN" dirty="0"/>
+              <a:t>5</a:t>
+            </a:r>
+            <a:endParaRPr lang="zh-CN" altLang="en-US" dirty="0"/>
+          </a:p>
+        </p:txBody>
+      </p:sp>
+      <mc:AlternateContent xmlns:mc="http://schemas.openxmlformats.org/markup-compatibility/2006" xmlns:a14="http://schemas.microsoft.com/office/drawing/2010/main">
+        <mc:Choice Requires="a14">
+          <p:sp>
+            <p:nvSpPr>
+              <p:cNvPr id="13" name="文本框 12">
+                <a:extLst>
+                  <a:ext uri="{FF2B5EF4-FFF2-40B4-BE49-F238E27FC236}">
+                    <a16:creationId xmlns:a16="http://schemas.microsoft.com/office/drawing/2014/main" id="{FEDE4322-1E24-834B-8C24-31AB83D706C4}"/>
+                  </a:ext>
+                </a:extLst>
+              </p:cNvPr>
+              <p:cNvSpPr txBox="1"/>
+              <p:nvPr/>
+            </p:nvSpPr>
+            <p:spPr>
+              <a:xfrm>
+                <a:off x="485100" y="4409926"/>
+                <a:ext cx="889987" cy="600164"/>
+              </a:xfrm>
+              <a:prstGeom prst="rect">
+                <a:avLst/>
+              </a:prstGeom>
+              <a:noFill/>
+            </p:spPr>
+            <p:txBody>
+              <a:bodyPr wrap="none" rtlCol="0">
+                <a:spAutoFit/>
+              </a:bodyPr>
+              <a:lstStyle/>
+              <a:p>
+                <a:pPr algn="ctr"/>
+                <a:r>
+                  <a:rPr lang="zh-CN" altLang="en-US" sz="1100" dirty="0"/>
+                  <a:t>清华大学</a:t>
+                </a:r>
+                <a:endParaRPr lang="en-US" altLang="zh-CN" sz="1100" dirty="0"/>
+              </a:p>
+              <a:p>
+                <a:pPr algn="ctr"/>
+                <a:r>
+                  <a:rPr lang="zh-CN" altLang="en-US" sz="1100" dirty="0"/>
+                  <a:t>招生办公室</a:t>
+                </a:r>
+                <a:endParaRPr lang="en-US" altLang="zh-CN" sz="1100" dirty="0"/>
+              </a:p>
+              <a:p>
+                <a:pPr algn="ctr"/>
+                <a14:m>
+                  <m:oMathPara xmlns:m="http://schemas.openxmlformats.org/officeDocument/2006/math">
+                    <m:oMathParaPr>
+                      <m:jc m:val="centerGroup"/>
+                    </m:oMathParaPr>
+                    <m:oMath xmlns:m="http://schemas.openxmlformats.org/officeDocument/2006/math">
+                      <m:r>
+                        <a:rPr lang="en-US" altLang="zh-CN" sz="1100" i="1" dirty="0" smtClean="0">
+                          <a:latin typeface="Cambria Math" panose="02040503050406030204" pitchFamily="18" charset="0"/>
+                        </a:rPr>
+                        <m:t>62770334</m:t>
+                      </m:r>
+                    </m:oMath>
+                  </m:oMathPara>
+                </a14:m>
+                <a:endParaRPr lang="en-US" altLang="zh-CN" sz="1100" dirty="0"/>
+              </a:p>
+            </p:txBody>
+          </p:sp>
+        </mc:Choice>
+        <mc:Fallback xmlns="">
+          <p:sp>
+            <p:nvSpPr>
+              <p:cNvPr id="13" name="文本框 12">
+                <a:extLst>
+                  <a:ext uri="{FF2B5EF4-FFF2-40B4-BE49-F238E27FC236}">
+                    <a16:creationId xmlns:a16="http://schemas.microsoft.com/office/drawing/2014/main" id="{FEDE4322-1E24-834B-8C24-31AB83D706C4}"/>
+                  </a:ext>
+                </a:extLst>
+              </p:cNvPr>
+              <p:cNvSpPr txBox="1">
+                <a:spLocks noRot="1" noChangeAspect="1" noMove="1" noResize="1" noEditPoints="1" noAdjustHandles="1" noChangeArrowheads="1" noChangeShapeType="1" noTextEdit="1"/>
+              </p:cNvSpPr>
+              <p:nvPr/>
+            </p:nvSpPr>
+            <p:spPr>
+              <a:xfrm>
+                <a:off x="485100" y="4409926"/>
+                <a:ext cx="889987" cy="600164"/>
+              </a:xfrm>
+              <a:prstGeom prst="rect">
+                <a:avLst/>
+              </a:prstGeom>
+              <a:blipFill>
+                <a:blip r:embed="rId6"/>
+                <a:stretch>
+                  <a:fillRect t="-1010"/>
+                </a:stretch>
+              </a:blipFill>
+            </p:spPr>
+            <p:txBody>
+              <a:bodyPr/>
+              <a:lstStyle/>
+              <a:p>
+                <a:r>
+                  <a:rPr lang="zh-CN" altLang="en-US">
+                    <a:noFill/>
+                  </a:rPr>
+                  <a:t> </a:t>
+                </a:r>
+              </a:p>
+            </p:txBody>
+          </p:sp>
+        </mc:Fallback>
+      </mc:AlternateContent>
+      <p:sp>
+        <p:nvSpPr>
+          <p:cNvPr id="14" name="椭圆 13">
+            <a:extLst>
+              <a:ext uri="{FF2B5EF4-FFF2-40B4-BE49-F238E27FC236}">
+                <a16:creationId xmlns:a16="http://schemas.microsoft.com/office/drawing/2014/main" id="{5018FD59-212B-9795-7347-4943243A77A4}"/>
+              </a:ext>
+            </a:extLst>
+          </p:cNvPr>
+          <p:cNvSpPr/>
+          <p:nvPr/>
+        </p:nvSpPr>
+        <p:spPr>
+          <a:xfrm>
+            <a:off x="1448068" y="4759000"/>
+            <a:ext cx="508883" cy="508883"/>
+          </a:xfrm>
+          <a:prstGeom prst="ellipse">
+            <a:avLst/>
+          </a:prstGeom>
+          <a:solidFill>
+            <a:schemeClr val="accent2"/>
+          </a:solidFill>
+          <a:ln>
+            <a:solidFill>
+              <a:schemeClr val="tx1"/>
+            </a:solidFill>
+          </a:ln>
+        </p:spPr>
+        <p:style>
+          <a:lnRef idx="2">
+            <a:schemeClr val="accent1">
+              <a:shade val="15000"/>
+            </a:schemeClr>
+          </a:lnRef>
+          <a:fillRef idx="1">
+            <a:schemeClr val="accent1"/>
+          </a:fillRef>
+          <a:effectRef idx="0">
+            <a:schemeClr val="accent1"/>
+          </a:effectRef>
+          <a:fontRef idx="minor">
+            <a:schemeClr val="lt1"/>
+          </a:fontRef>
+        </p:style>
+        <p:txBody>
+          <a:bodyPr wrap="none" rtlCol="0" anchor="ctr"/>
+          <a:lstStyle/>
+          <a:p>
+            <a:pPr algn="ctr"/>
+            <a:r>
+              <a:rPr lang="en-US" altLang="zh-CN" dirty="0"/>
+              <a:t>6</a:t>
+            </a:r>
+            <a:endParaRPr lang="zh-CN" altLang="en-US" dirty="0"/>
+          </a:p>
+        </p:txBody>
+      </p:sp>
+      <mc:AlternateContent xmlns:mc="http://schemas.openxmlformats.org/markup-compatibility/2006" xmlns:a14="http://schemas.microsoft.com/office/drawing/2010/main">
+        <mc:Choice Requires="a14">
+          <p:sp>
+            <p:nvSpPr>
+              <p:cNvPr id="15" name="文本框 14">
+                <a:extLst>
+                  <a:ext uri="{FF2B5EF4-FFF2-40B4-BE49-F238E27FC236}">
+                    <a16:creationId xmlns:a16="http://schemas.microsoft.com/office/drawing/2014/main" id="{A9CF1EFC-217E-17E3-F4D1-62534A57D4C1}"/>
+                  </a:ext>
+                </a:extLst>
+              </p:cNvPr>
+              <p:cNvSpPr txBox="1"/>
+              <p:nvPr/>
+            </p:nvSpPr>
+            <p:spPr>
+              <a:xfrm>
+                <a:off x="1048533" y="5292022"/>
+                <a:ext cx="1350050" cy="430887"/>
+              </a:xfrm>
+              <a:prstGeom prst="rect">
+                <a:avLst/>
+              </a:prstGeom>
+              <a:noFill/>
+            </p:spPr>
+            <p:txBody>
+              <a:bodyPr wrap="none" rtlCol="0">
+                <a:spAutoFit/>
+              </a:bodyPr>
+              <a:lstStyle/>
+              <a:p>
+                <a:pPr algn="ctr"/>
+                <a:r>
+                  <a:rPr lang="zh-CN" altLang="en-US" sz="1100" dirty="0"/>
+                  <a:t>清华大学计算机系</a:t>
+                </a:r>
+                <a:endParaRPr lang="en-US" altLang="zh-CN" sz="1100" dirty="0"/>
+              </a:p>
+              <a:p>
+                <a:pPr algn="ctr"/>
+                <a14:m>
+                  <m:oMathPara xmlns:m="http://schemas.openxmlformats.org/officeDocument/2006/math">
+                    <m:oMathParaPr>
+                      <m:jc m:val="centerGroup"/>
+                    </m:oMathParaPr>
+                    <m:oMath xmlns:m="http://schemas.openxmlformats.org/officeDocument/2006/math">
+                      <m:r>
+                        <a:rPr lang="en-US" altLang="zh-CN" sz="1100" i="1" dirty="0" smtClean="0">
+                          <a:latin typeface="Cambria Math" panose="02040503050406030204" pitchFamily="18" charset="0"/>
+                        </a:rPr>
+                        <m:t>62783054</m:t>
+                      </m:r>
+                    </m:oMath>
+                  </m:oMathPara>
+                </a14:m>
+                <a:endParaRPr lang="en-US" altLang="zh-CN" sz="1100" dirty="0"/>
+              </a:p>
+            </p:txBody>
+          </p:sp>
+        </mc:Choice>
+        <mc:Fallback xmlns="">
+          <p:sp>
+            <p:nvSpPr>
+              <p:cNvPr id="15" name="文本框 14">
+                <a:extLst>
+                  <a:ext uri="{FF2B5EF4-FFF2-40B4-BE49-F238E27FC236}">
+                    <a16:creationId xmlns:a16="http://schemas.microsoft.com/office/drawing/2014/main" id="{A9CF1EFC-217E-17E3-F4D1-62534A57D4C1}"/>
+                  </a:ext>
+                </a:extLst>
+              </p:cNvPr>
+              <p:cNvSpPr txBox="1">
+                <a:spLocks noRot="1" noChangeAspect="1" noMove="1" noResize="1" noEditPoints="1" noAdjustHandles="1" noChangeArrowheads="1" noChangeShapeType="1" noTextEdit="1"/>
+              </p:cNvSpPr>
+              <p:nvPr/>
+            </p:nvSpPr>
+            <p:spPr>
+              <a:xfrm>
+                <a:off x="1048533" y="5292022"/>
+                <a:ext cx="1350050" cy="430887"/>
+              </a:xfrm>
+              <a:prstGeom prst="rect">
+                <a:avLst/>
+              </a:prstGeom>
+              <a:blipFill>
+                <a:blip r:embed="rId7"/>
+                <a:stretch>
+                  <a:fillRect t="-1408"/>
+                </a:stretch>
+              </a:blipFill>
+            </p:spPr>
+            <p:txBody>
+              <a:bodyPr/>
+              <a:lstStyle/>
+              <a:p>
+                <a:r>
+                  <a:rPr lang="zh-CN" altLang="en-US">
+                    <a:noFill/>
+                  </a:rPr>
+                  <a:t> </a:t>
+                </a:r>
+              </a:p>
+            </p:txBody>
+          </p:sp>
+        </mc:Fallback>
+      </mc:AlternateContent>
+      <p:sp>
+        <p:nvSpPr>
+          <p:cNvPr id="16" name="椭圆 15">
+            <a:extLst>
+              <a:ext uri="{FF2B5EF4-FFF2-40B4-BE49-F238E27FC236}">
+                <a16:creationId xmlns:a16="http://schemas.microsoft.com/office/drawing/2014/main" id="{ED480947-1B5B-DC50-6FD3-EE1F7AAEEE7F}"/>
+              </a:ext>
+            </a:extLst>
+          </p:cNvPr>
+          <p:cNvSpPr/>
+          <p:nvPr/>
+        </p:nvSpPr>
+        <p:spPr>
+          <a:xfrm>
+            <a:off x="2228058" y="3876904"/>
+            <a:ext cx="508883" cy="508883"/>
+          </a:xfrm>
+          <a:prstGeom prst="ellipse">
+            <a:avLst/>
+          </a:prstGeom>
+          <a:solidFill>
+            <a:schemeClr val="accent2"/>
+          </a:solidFill>
+          <a:ln>
+            <a:solidFill>
+              <a:schemeClr val="tx1"/>
+            </a:solidFill>
+          </a:ln>
+        </p:spPr>
+        <p:style>
+          <a:lnRef idx="2">
+            <a:schemeClr val="accent1">
+              <a:shade val="15000"/>
+            </a:schemeClr>
+          </a:lnRef>
+          <a:fillRef idx="1">
+            <a:schemeClr val="accent1"/>
+          </a:fillRef>
+          <a:effectRef idx="0">
+            <a:schemeClr val="accent1"/>
+          </a:effectRef>
+          <a:fontRef idx="minor">
+            <a:schemeClr val="lt1"/>
+          </a:fontRef>
+        </p:style>
+        <p:txBody>
+          <a:bodyPr wrap="none" rtlCol="0" anchor="ctr"/>
+          <a:lstStyle/>
+          <a:p>
+            <a:pPr algn="ctr"/>
+            <a:r>
+              <a:rPr lang="en-US" altLang="zh-CN" dirty="0"/>
+              <a:t>7</a:t>
+            </a:r>
+            <a:endParaRPr lang="zh-CN" altLang="en-US" dirty="0"/>
+          </a:p>
+        </p:txBody>
+      </p:sp>
+      <mc:AlternateContent xmlns:mc="http://schemas.openxmlformats.org/markup-compatibility/2006" xmlns:a14="http://schemas.microsoft.com/office/drawing/2010/main">
+        <mc:Choice Requires="a14">
+          <p:sp>
+            <p:nvSpPr>
+              <p:cNvPr id="17" name="文本框 16">
+                <a:extLst>
+                  <a:ext uri="{FF2B5EF4-FFF2-40B4-BE49-F238E27FC236}">
+                    <a16:creationId xmlns:a16="http://schemas.microsoft.com/office/drawing/2014/main" id="{211D1C7B-E0D6-EDBD-A18F-ECAAC68743BC}"/>
+                  </a:ext>
+                </a:extLst>
+              </p:cNvPr>
+              <p:cNvSpPr txBox="1"/>
+              <p:nvPr/>
+            </p:nvSpPr>
+            <p:spPr>
+              <a:xfrm>
+                <a:off x="2058554" y="4409926"/>
+                <a:ext cx="889987" cy="600164"/>
+              </a:xfrm>
+              <a:prstGeom prst="rect">
+                <a:avLst/>
+              </a:prstGeom>
+              <a:noFill/>
+            </p:spPr>
+            <p:txBody>
+              <a:bodyPr wrap="none" rtlCol="0">
+                <a:spAutoFit/>
+              </a:bodyPr>
+              <a:lstStyle/>
+              <a:p>
+                <a:pPr algn="ctr"/>
+                <a:r>
+                  <a:rPr lang="zh-CN" altLang="en-US" sz="1100" dirty="0"/>
+                  <a:t>北京大学</a:t>
+                </a:r>
+                <a:endParaRPr lang="en-US" altLang="zh-CN" sz="1100" dirty="0"/>
+              </a:p>
+              <a:p>
+                <a:pPr algn="ctr"/>
+                <a:r>
+                  <a:rPr lang="zh-CN" altLang="en-US" sz="1100" dirty="0"/>
+                  <a:t>计算机学院</a:t>
+                </a:r>
+                <a:endParaRPr lang="en-US" altLang="zh-CN" sz="1100" dirty="0"/>
+              </a:p>
+              <a:p>
+                <a:pPr algn="ctr"/>
+                <a14:m>
+                  <m:oMathPara xmlns:m="http://schemas.openxmlformats.org/officeDocument/2006/math">
+                    <m:oMathParaPr>
+                      <m:jc m:val="centerGroup"/>
+                    </m:oMathParaPr>
+                    <m:oMath xmlns:m="http://schemas.openxmlformats.org/officeDocument/2006/math">
+                      <m:r>
+                        <a:rPr lang="en-US" altLang="zh-CN" sz="1100" i="1" dirty="0" smtClean="0">
+                          <a:latin typeface="Cambria Math" panose="02040503050406030204" pitchFamily="18" charset="0"/>
+                        </a:rPr>
+                        <m:t>62757487</m:t>
+                      </m:r>
+                    </m:oMath>
+                  </m:oMathPara>
+                </a14:m>
+                <a:endParaRPr lang="en-US" altLang="zh-CN" sz="1100" dirty="0"/>
+              </a:p>
+            </p:txBody>
+          </p:sp>
+        </mc:Choice>
+        <mc:Fallback xmlns="">
+          <p:sp>
+            <p:nvSpPr>
+              <p:cNvPr id="17" name="文本框 16">
+                <a:extLst>
+                  <a:ext uri="{FF2B5EF4-FFF2-40B4-BE49-F238E27FC236}">
+                    <a16:creationId xmlns:a16="http://schemas.microsoft.com/office/drawing/2014/main" id="{211D1C7B-E0D6-EDBD-A18F-ECAAC68743BC}"/>
+                  </a:ext>
+                </a:extLst>
+              </p:cNvPr>
+              <p:cNvSpPr txBox="1">
+                <a:spLocks noRot="1" noChangeAspect="1" noMove="1" noResize="1" noEditPoints="1" noAdjustHandles="1" noChangeArrowheads="1" noChangeShapeType="1" noTextEdit="1"/>
+              </p:cNvSpPr>
+              <p:nvPr/>
+            </p:nvSpPr>
+            <p:spPr>
+              <a:xfrm>
+                <a:off x="2058554" y="4409926"/>
+                <a:ext cx="889987" cy="600164"/>
+              </a:xfrm>
+              <a:prstGeom prst="rect">
+                <a:avLst/>
+              </a:prstGeom>
+              <a:blipFill>
+                <a:blip r:embed="rId8"/>
+                <a:stretch>
+                  <a:fillRect t="-1010"/>
+                </a:stretch>
+              </a:blipFill>
+            </p:spPr>
+            <p:txBody>
+              <a:bodyPr/>
+              <a:lstStyle/>
+              <a:p>
+                <a:r>
+                  <a:rPr lang="zh-CN" altLang="en-US">
+                    <a:noFill/>
+                  </a:rPr>
+                  <a:t> </a:t>
+                </a:r>
+              </a:p>
+            </p:txBody>
+          </p:sp>
+        </mc:Fallback>
+      </mc:AlternateContent>
+      <p:sp>
+        <p:nvSpPr>
+          <p:cNvPr id="18" name="椭圆 17">
+            <a:extLst>
+              <a:ext uri="{FF2B5EF4-FFF2-40B4-BE49-F238E27FC236}">
+                <a16:creationId xmlns:a16="http://schemas.microsoft.com/office/drawing/2014/main" id="{773B6181-1073-B6B4-9260-941E716C7A7D}"/>
+              </a:ext>
+            </a:extLst>
+          </p:cNvPr>
+          <p:cNvSpPr/>
+          <p:nvPr/>
+        </p:nvSpPr>
+        <p:spPr>
+          <a:xfrm>
+            <a:off x="2228058" y="2782716"/>
+            <a:ext cx="508883" cy="508883"/>
+          </a:xfrm>
+          <a:prstGeom prst="ellipse">
+            <a:avLst/>
+          </a:prstGeom>
+          <a:solidFill>
+            <a:schemeClr val="accent2"/>
+          </a:solidFill>
+          <a:ln>
+            <a:solidFill>
+              <a:schemeClr val="tx1"/>
+            </a:solidFill>
+          </a:ln>
+        </p:spPr>
+        <p:style>
+          <a:lnRef idx="2">
+            <a:schemeClr val="accent1">
+              <a:shade val="15000"/>
+            </a:schemeClr>
+          </a:lnRef>
+          <a:fillRef idx="1">
+            <a:schemeClr val="accent1"/>
+          </a:fillRef>
+          <a:effectRef idx="0">
+            <a:schemeClr val="accent1"/>
+          </a:effectRef>
+          <a:fontRef idx="minor">
+            <a:schemeClr val="lt1"/>
+          </a:fontRef>
+        </p:style>
+        <p:txBody>
+          <a:bodyPr wrap="none" rtlCol="0" anchor="ctr"/>
+          <a:lstStyle/>
+          <a:p>
+            <a:pPr algn="ctr"/>
+            <a:r>
+              <a:rPr lang="en-US" altLang="zh-CN" dirty="0"/>
+              <a:t>8</a:t>
+            </a:r>
+            <a:endParaRPr lang="zh-CN" altLang="en-US" dirty="0"/>
+          </a:p>
+        </p:txBody>
+      </p:sp>
+      <mc:AlternateContent xmlns:mc="http://schemas.openxmlformats.org/markup-compatibility/2006" xmlns:a14="http://schemas.microsoft.com/office/drawing/2010/main">
+        <mc:Choice Requires="a14">
+          <p:sp>
+            <p:nvSpPr>
+              <p:cNvPr id="19" name="文本框 18">
+                <a:extLst>
+                  <a:ext uri="{FF2B5EF4-FFF2-40B4-BE49-F238E27FC236}">
+                    <a16:creationId xmlns:a16="http://schemas.microsoft.com/office/drawing/2014/main" id="{9B5916D8-ACA4-387A-7C16-342BACEFE023}"/>
+                  </a:ext>
+                </a:extLst>
+              </p:cNvPr>
+              <p:cNvSpPr txBox="1"/>
+              <p:nvPr/>
+            </p:nvSpPr>
+            <p:spPr>
+              <a:xfrm>
+                <a:off x="1917488" y="3315738"/>
+                <a:ext cx="1172116" cy="430887"/>
+              </a:xfrm>
+              <a:prstGeom prst="rect">
+                <a:avLst/>
+              </a:prstGeom>
+              <a:noFill/>
+            </p:spPr>
+            <p:txBody>
+              <a:bodyPr wrap="none" rtlCol="0">
+                <a:spAutoFit/>
+              </a:bodyPr>
+              <a:lstStyle/>
+              <a:p>
+                <a:pPr algn="ctr"/>
+                <a:r>
+                  <a:rPr lang="zh-CN" altLang="en-US" sz="1100" dirty="0"/>
+                  <a:t>中国计算机学会</a:t>
+                </a:r>
+                <a:endParaRPr lang="en-US" altLang="zh-CN" sz="1100" dirty="0"/>
+              </a:p>
+              <a:p>
+                <a:pPr algn="ctr"/>
+                <a14:m>
+                  <m:oMathPara xmlns:m="http://schemas.openxmlformats.org/officeDocument/2006/math">
+                    <m:oMathParaPr>
+                      <m:jc m:val="centerGroup"/>
+                    </m:oMathParaPr>
+                    <m:oMath xmlns:m="http://schemas.openxmlformats.org/officeDocument/2006/math">
+                      <m:r>
+                        <a:rPr lang="en-US" altLang="zh-CN" sz="1100" i="1" dirty="0" smtClean="0">
+                          <a:latin typeface="Cambria Math" panose="02040503050406030204" pitchFamily="18" charset="0"/>
+                        </a:rPr>
+                        <m:t>62562503</m:t>
+                      </m:r>
+                    </m:oMath>
+                  </m:oMathPara>
+                </a14:m>
+                <a:endParaRPr lang="en-US" altLang="zh-CN" sz="1100" dirty="0"/>
+              </a:p>
+            </p:txBody>
+          </p:sp>
+        </mc:Choice>
+        <mc:Fallback xmlns="">
+          <p:sp>
+            <p:nvSpPr>
+              <p:cNvPr id="19" name="文本框 18">
+                <a:extLst>
+                  <a:ext uri="{FF2B5EF4-FFF2-40B4-BE49-F238E27FC236}">
+                    <a16:creationId xmlns:a16="http://schemas.microsoft.com/office/drawing/2014/main" id="{9B5916D8-ACA4-387A-7C16-342BACEFE023}"/>
+                  </a:ext>
+                </a:extLst>
+              </p:cNvPr>
+              <p:cNvSpPr txBox="1">
+                <a:spLocks noRot="1" noChangeAspect="1" noMove="1" noResize="1" noEditPoints="1" noAdjustHandles="1" noChangeArrowheads="1" noChangeShapeType="1" noTextEdit="1"/>
+              </p:cNvSpPr>
+              <p:nvPr/>
+            </p:nvSpPr>
+            <p:spPr>
+              <a:xfrm>
+                <a:off x="1917488" y="3315738"/>
+                <a:ext cx="1172116" cy="430887"/>
+              </a:xfrm>
+              <a:prstGeom prst="rect">
+                <a:avLst/>
+              </a:prstGeom>
+              <a:blipFill>
+                <a:blip r:embed="rId9"/>
+                <a:stretch>
+                  <a:fillRect t="-1408"/>
+                </a:stretch>
+              </a:blipFill>
+            </p:spPr>
+            <p:txBody>
+              <a:bodyPr/>
+              <a:lstStyle/>
+              <a:p>
+                <a:r>
+                  <a:rPr lang="zh-CN" altLang="en-US">
+                    <a:noFill/>
+                  </a:rPr>
+                  <a:t> </a:t>
+                </a:r>
+              </a:p>
+            </p:txBody>
+          </p:sp>
+        </mc:Fallback>
+      </mc:AlternateContent>
+      <p:sp>
+        <p:nvSpPr>
+          <p:cNvPr id="20" name="椭圆 19">
+            <a:extLst>
+              <a:ext uri="{FF2B5EF4-FFF2-40B4-BE49-F238E27FC236}">
+                <a16:creationId xmlns:a16="http://schemas.microsoft.com/office/drawing/2014/main" id="{06157855-7E6C-68B4-D74B-1F93B02C55A3}"/>
+              </a:ext>
+            </a:extLst>
+          </p:cNvPr>
+          <p:cNvSpPr/>
+          <p:nvPr/>
+        </p:nvSpPr>
+        <p:spPr>
+          <a:xfrm>
+            <a:off x="3805864" y="1878423"/>
+            <a:ext cx="508883" cy="508883"/>
+          </a:xfrm>
+          <a:prstGeom prst="ellipse">
+            <a:avLst/>
+          </a:prstGeom>
+          <a:noFill/>
+        </p:spPr>
+        <p:style>
+          <a:lnRef idx="2">
+            <a:schemeClr val="accent1">
+              <a:shade val="15000"/>
+            </a:schemeClr>
+          </a:lnRef>
+          <a:fillRef idx="1">
+            <a:schemeClr val="accent1"/>
+          </a:fillRef>
+          <a:effectRef idx="0">
+            <a:schemeClr val="accent1"/>
+          </a:effectRef>
+          <a:fontRef idx="minor">
+            <a:schemeClr val="lt1"/>
+          </a:fontRef>
+        </p:style>
+        <p:txBody>
+          <a:bodyPr wrap="none" rtlCol="0" anchor="ctr"/>
+          <a:lstStyle/>
+          <a:p>
+            <a:pPr algn="ctr"/>
+            <a:r>
+              <a:rPr lang="en-US" altLang="zh-CN" dirty="0">
+                <a:solidFill>
+                  <a:schemeClr val="tx1"/>
+                </a:solidFill>
+              </a:rPr>
+              <a:t>9</a:t>
+            </a:r>
+            <a:endParaRPr lang="zh-CN" altLang="en-US" dirty="0">
+              <a:solidFill>
+                <a:schemeClr val="tx1"/>
+              </a:solidFill>
+            </a:endParaRPr>
+          </a:p>
+        </p:txBody>
+      </p:sp>
+      <mc:AlternateContent xmlns:mc="http://schemas.openxmlformats.org/markup-compatibility/2006" xmlns:a14="http://schemas.microsoft.com/office/drawing/2010/main">
+        <mc:Choice Requires="a14">
+          <p:sp>
+            <p:nvSpPr>
+              <p:cNvPr id="21" name="文本框 20">
+                <a:extLst>
+                  <a:ext uri="{FF2B5EF4-FFF2-40B4-BE49-F238E27FC236}">
+                    <a16:creationId xmlns:a16="http://schemas.microsoft.com/office/drawing/2014/main" id="{70743702-38E5-FDF1-AC15-B7B86DD8C683}"/>
+                  </a:ext>
+                </a:extLst>
+              </p:cNvPr>
+              <p:cNvSpPr txBox="1"/>
+              <p:nvPr/>
+            </p:nvSpPr>
+            <p:spPr>
+              <a:xfrm>
+                <a:off x="4348744" y="1699678"/>
+                <a:ext cx="466794" cy="769441"/>
+              </a:xfrm>
+              <a:prstGeom prst="rect">
+                <a:avLst/>
+              </a:prstGeom>
+              <a:noFill/>
+            </p:spPr>
+            <p:txBody>
+              <a:bodyPr wrap="none" rtlCol="0">
+                <a:spAutoFit/>
+              </a:bodyPr>
+              <a:lstStyle/>
+              <a:p>
+                <a:pPr algn="ctr"/>
+                <a:r>
+                  <a:rPr lang="zh-CN" altLang="en-US" sz="1100" dirty="0"/>
+                  <a:t>广东</a:t>
+                </a:r>
+                <a:endParaRPr lang="en-US" altLang="zh-CN" sz="1100" dirty="0"/>
+              </a:p>
+              <a:p>
+                <a:pPr algn="ctr"/>
+                <a14:m>
+                  <m:oMathPara xmlns:m="http://schemas.openxmlformats.org/officeDocument/2006/math">
+                    <m:oMathParaPr>
+                      <m:jc m:val="centerGroup"/>
+                    </m:oMathParaPr>
+                    <m:oMath xmlns:m="http://schemas.openxmlformats.org/officeDocument/2006/math">
+                      <m:r>
+                        <a:rPr lang="en-US" altLang="zh-CN" sz="1100" b="0" i="1" smtClean="0">
+                          <a:latin typeface="Cambria Math" panose="02040503050406030204" pitchFamily="18" charset="0"/>
+                        </a:rPr>
+                        <m:t>𝜖</m:t>
+                      </m:r>
+                    </m:oMath>
+                  </m:oMathPara>
+                </a14:m>
+                <a:endParaRPr lang="en-US" altLang="zh-CN" sz="1100" dirty="0"/>
+              </a:p>
+              <a:p>
+                <a:pPr algn="ctr"/>
+                <a14:m>
+                  <m:oMathPara xmlns:m="http://schemas.openxmlformats.org/officeDocument/2006/math">
+                    <m:oMathParaPr>
+                      <m:jc m:val="centerGroup"/>
+                    </m:oMathParaPr>
+                    <m:oMath xmlns:m="http://schemas.openxmlformats.org/officeDocument/2006/math">
+                      <m:r>
+                        <a:rPr lang="en-US" altLang="zh-CN" sz="1100" i="1">
+                          <a:latin typeface="Cambria Math" panose="02040503050406030204" pitchFamily="18" charset="0"/>
+                        </a:rPr>
+                        <m:t>2</m:t>
+                      </m:r>
+                      <m:r>
+                        <a:rPr lang="en-US" altLang="zh-CN" sz="1100" b="0" i="1" smtClean="0">
+                          <a:latin typeface="Cambria Math" panose="02040503050406030204" pitchFamily="18" charset="0"/>
+                        </a:rPr>
+                        <m:t>0</m:t>
+                      </m:r>
+                    </m:oMath>
+                  </m:oMathPara>
+                </a14:m>
+                <a:endParaRPr lang="en-US" altLang="zh-CN" sz="1100" dirty="0"/>
+              </a:p>
+              <a:p>
+                <a:pPr algn="ctr"/>
+                <a14:m>
+                  <m:oMathPara xmlns:m="http://schemas.openxmlformats.org/officeDocument/2006/math">
+                    <m:oMathParaPr>
+                      <m:jc m:val="centerGroup"/>
+                    </m:oMathParaPr>
+                    <m:oMath xmlns:m="http://schemas.openxmlformats.org/officeDocument/2006/math">
+                      <m:r>
+                        <a:rPr lang="en-US" altLang="zh-CN" sz="1100" b="0" i="1" smtClean="0">
+                          <a:latin typeface="Cambria Math" panose="02040503050406030204" pitchFamily="18" charset="0"/>
+                        </a:rPr>
+                        <m:t>𝜖</m:t>
+                      </m:r>
+                    </m:oMath>
+                  </m:oMathPara>
+                </a14:m>
+                <a:endParaRPr lang="zh-CN" altLang="en-US" sz="1100" dirty="0"/>
+              </a:p>
+            </p:txBody>
+          </p:sp>
+        </mc:Choice>
+        <mc:Fallback xmlns="">
+          <p:sp>
+            <p:nvSpPr>
+              <p:cNvPr id="21" name="文本框 20">
+                <a:extLst>
+                  <a:ext uri="{FF2B5EF4-FFF2-40B4-BE49-F238E27FC236}">
+                    <a16:creationId xmlns:a16="http://schemas.microsoft.com/office/drawing/2014/main" id="{70743702-38E5-FDF1-AC15-B7B86DD8C683}"/>
+                  </a:ext>
+                </a:extLst>
+              </p:cNvPr>
+              <p:cNvSpPr txBox="1">
+                <a:spLocks noRot="1" noChangeAspect="1" noMove="1" noResize="1" noEditPoints="1" noAdjustHandles="1" noChangeArrowheads="1" noChangeShapeType="1" noTextEdit="1"/>
+              </p:cNvSpPr>
+              <p:nvPr/>
+            </p:nvSpPr>
+            <p:spPr>
+              <a:xfrm>
+                <a:off x="4348744" y="1699678"/>
+                <a:ext cx="466794" cy="769441"/>
+              </a:xfrm>
+              <a:prstGeom prst="rect">
+                <a:avLst/>
+              </a:prstGeom>
+              <a:blipFill>
+                <a:blip r:embed="rId10"/>
+                <a:stretch>
+                  <a:fillRect t="-794"/>
+                </a:stretch>
+              </a:blipFill>
+            </p:spPr>
+            <p:txBody>
+              <a:bodyPr/>
+              <a:lstStyle/>
+              <a:p>
+                <a:r>
+                  <a:rPr lang="zh-CN" altLang="en-US">
+                    <a:noFill/>
+                  </a:rPr>
+                  <a:t> </a:t>
+                </a:r>
+              </a:p>
+            </p:txBody>
+          </p:sp>
+        </mc:Fallback>
+      </mc:AlternateContent>
+      <p:sp>
+        <p:nvSpPr>
+          <p:cNvPr id="22" name="椭圆 21">
+            <a:extLst>
+              <a:ext uri="{FF2B5EF4-FFF2-40B4-BE49-F238E27FC236}">
+                <a16:creationId xmlns:a16="http://schemas.microsoft.com/office/drawing/2014/main" id="{8403CEDD-C75C-8343-7AEE-E03A2FB0D09B}"/>
+              </a:ext>
+            </a:extLst>
+          </p:cNvPr>
+          <p:cNvSpPr/>
+          <p:nvPr/>
+        </p:nvSpPr>
+        <p:spPr>
+          <a:xfrm>
+            <a:off x="3317442" y="3084689"/>
+            <a:ext cx="508883" cy="508883"/>
+          </a:xfrm>
+          <a:prstGeom prst="ellipse">
+            <a:avLst/>
+          </a:prstGeom>
+          <a:solidFill>
+            <a:schemeClr val="accent2"/>
+          </a:solidFill>
+          <a:ln>
+            <a:solidFill>
+              <a:schemeClr val="tx1"/>
+            </a:solidFill>
+          </a:ln>
+        </p:spPr>
+        <p:style>
+          <a:lnRef idx="2">
+            <a:schemeClr val="accent1">
+              <a:shade val="15000"/>
+            </a:schemeClr>
+          </a:lnRef>
+          <a:fillRef idx="1">
+            <a:schemeClr val="accent1"/>
+          </a:fillRef>
+          <a:effectRef idx="0">
+            <a:schemeClr val="accent1"/>
+          </a:effectRef>
+          <a:fontRef idx="minor">
+            <a:schemeClr val="lt1"/>
+          </a:fontRef>
+        </p:style>
+        <p:txBody>
+          <a:bodyPr wrap="none" rtlCol="0" anchor="ctr"/>
+          <a:lstStyle/>
+          <a:p>
+            <a:pPr algn="ctr"/>
+            <a:r>
+              <a:rPr lang="en-US" altLang="zh-CN" dirty="0"/>
+              <a:t>10</a:t>
+            </a:r>
+            <a:endParaRPr lang="zh-CN" altLang="en-US" dirty="0"/>
+          </a:p>
+        </p:txBody>
+      </p:sp>
+      <mc:AlternateContent xmlns:mc="http://schemas.openxmlformats.org/markup-compatibility/2006" xmlns:a14="http://schemas.microsoft.com/office/drawing/2010/main">
+        <mc:Choice Requires="a14">
+          <p:sp>
+            <p:nvSpPr>
+              <p:cNvPr id="23" name="文本框 22">
+                <a:extLst>
+                  <a:ext uri="{FF2B5EF4-FFF2-40B4-BE49-F238E27FC236}">
+                    <a16:creationId xmlns:a16="http://schemas.microsoft.com/office/drawing/2014/main" id="{B0925A94-A556-A5A2-921E-261AAEE6F116}"/>
+                  </a:ext>
+                </a:extLst>
+              </p:cNvPr>
+              <p:cNvSpPr txBox="1"/>
+              <p:nvPr/>
+            </p:nvSpPr>
+            <p:spPr>
+              <a:xfrm>
+                <a:off x="3077406" y="3617711"/>
+                <a:ext cx="1031051" cy="600164"/>
+              </a:xfrm>
+              <a:prstGeom prst="rect">
+                <a:avLst/>
+              </a:prstGeom>
+              <a:noFill/>
+            </p:spPr>
+            <p:txBody>
+              <a:bodyPr wrap="none" rtlCol="0">
+                <a:spAutoFit/>
+              </a:bodyPr>
+              <a:lstStyle/>
+              <a:p>
+                <a:pPr algn="ctr"/>
+                <a:r>
+                  <a:rPr lang="zh-CN" altLang="en-US" sz="1100" dirty="0"/>
+                  <a:t>香港科技大学</a:t>
+                </a:r>
+                <a:endParaRPr lang="en-US" altLang="zh-CN" sz="1100" dirty="0"/>
+              </a:p>
+              <a:p>
+                <a:pPr algn="ctr"/>
+                <a:r>
+                  <a:rPr lang="zh-CN" altLang="en-US" sz="1100" dirty="0"/>
+                  <a:t>（广州）</a:t>
+                </a:r>
+                <a:endParaRPr lang="en-US" altLang="zh-CN" sz="1100" dirty="0"/>
+              </a:p>
+              <a:p>
+                <a:pPr algn="ctr"/>
+                <a14:m>
+                  <m:oMathPara xmlns:m="http://schemas.openxmlformats.org/officeDocument/2006/math">
+                    <m:oMathParaPr>
+                      <m:jc m:val="centerGroup"/>
+                    </m:oMathParaPr>
+                    <m:oMath xmlns:m="http://schemas.openxmlformats.org/officeDocument/2006/math">
+                      <m:r>
+                        <a:rPr lang="en-US" altLang="zh-CN" sz="1100" i="1" dirty="0" smtClean="0">
+                          <a:latin typeface="Cambria Math" panose="02040503050406030204" pitchFamily="18" charset="0"/>
+                        </a:rPr>
+                        <m:t>88331234</m:t>
+                      </m:r>
+                    </m:oMath>
+                  </m:oMathPara>
+                </a14:m>
+                <a:endParaRPr lang="en-US" altLang="zh-CN" sz="1100" dirty="0"/>
+              </a:p>
+            </p:txBody>
+          </p:sp>
+        </mc:Choice>
+        <mc:Fallback xmlns="">
+          <p:sp>
+            <p:nvSpPr>
+              <p:cNvPr id="23" name="文本框 22">
+                <a:extLst>
+                  <a:ext uri="{FF2B5EF4-FFF2-40B4-BE49-F238E27FC236}">
+                    <a16:creationId xmlns:a16="http://schemas.microsoft.com/office/drawing/2014/main" id="{B0925A94-A556-A5A2-921E-261AAEE6F116}"/>
+                  </a:ext>
+                </a:extLst>
+              </p:cNvPr>
+              <p:cNvSpPr txBox="1">
+                <a:spLocks noRot="1" noChangeAspect="1" noMove="1" noResize="1" noEditPoints="1" noAdjustHandles="1" noChangeArrowheads="1" noChangeShapeType="1" noTextEdit="1"/>
+              </p:cNvSpPr>
+              <p:nvPr/>
+            </p:nvSpPr>
+            <p:spPr>
+              <a:xfrm>
+                <a:off x="3077406" y="3617711"/>
+                <a:ext cx="1031051" cy="600164"/>
+              </a:xfrm>
+              <a:prstGeom prst="rect">
+                <a:avLst/>
+              </a:prstGeom>
+              <a:blipFill>
+                <a:blip r:embed="rId11"/>
+                <a:stretch>
+                  <a:fillRect t="-1010"/>
+                </a:stretch>
+              </a:blipFill>
+            </p:spPr>
+            <p:txBody>
+              <a:bodyPr/>
+              <a:lstStyle/>
+              <a:p>
+                <a:r>
+                  <a:rPr lang="zh-CN" altLang="en-US">
+                    <a:noFill/>
+                  </a:rPr>
+                  <a:t> </a:t>
+                </a:r>
+              </a:p>
+            </p:txBody>
+          </p:sp>
+        </mc:Fallback>
+      </mc:AlternateContent>
+      <p:sp>
+        <p:nvSpPr>
+          <p:cNvPr id="28" name="椭圆 27">
+            <a:extLst>
+              <a:ext uri="{FF2B5EF4-FFF2-40B4-BE49-F238E27FC236}">
+                <a16:creationId xmlns:a16="http://schemas.microsoft.com/office/drawing/2014/main" id="{B20257B5-AEEC-7C97-38AD-472C8D3B7094}"/>
+              </a:ext>
+            </a:extLst>
+          </p:cNvPr>
+          <p:cNvSpPr/>
+          <p:nvPr/>
+        </p:nvSpPr>
+        <p:spPr>
+          <a:xfrm>
+            <a:off x="5080954" y="1064530"/>
+            <a:ext cx="508883" cy="508883"/>
+          </a:xfrm>
+          <a:prstGeom prst="ellipse">
+            <a:avLst/>
+          </a:prstGeom>
+          <a:noFill/>
+        </p:spPr>
+        <p:style>
+          <a:lnRef idx="2">
+            <a:schemeClr val="accent1">
+              <a:shade val="15000"/>
+            </a:schemeClr>
+          </a:lnRef>
+          <a:fillRef idx="1">
+            <a:schemeClr val="accent1"/>
+          </a:fillRef>
+          <a:effectRef idx="0">
+            <a:schemeClr val="accent1"/>
+          </a:effectRef>
+          <a:fontRef idx="minor">
+            <a:schemeClr val="lt1"/>
+          </a:fontRef>
+        </p:style>
+        <p:txBody>
+          <a:bodyPr wrap="none" rtlCol="0" anchor="ctr"/>
+          <a:lstStyle/>
+          <a:p>
+            <a:pPr algn="ctr"/>
+            <a:r>
+              <a:rPr lang="en-US" altLang="zh-CN" dirty="0">
+                <a:solidFill>
+                  <a:schemeClr val="tx1"/>
+                </a:solidFill>
+              </a:rPr>
+              <a:t>12</a:t>
+            </a:r>
+            <a:endParaRPr lang="zh-CN" altLang="en-US" dirty="0">
+              <a:solidFill>
+                <a:schemeClr val="tx1"/>
+              </a:solidFill>
+            </a:endParaRPr>
+          </a:p>
+        </p:txBody>
+      </p:sp>
+      <mc:AlternateContent xmlns:mc="http://schemas.openxmlformats.org/markup-compatibility/2006" xmlns:a14="http://schemas.microsoft.com/office/drawing/2010/main">
+        <mc:Choice Requires="a14">
+          <p:sp>
+            <p:nvSpPr>
+              <p:cNvPr id="29" name="文本框 28">
+                <a:extLst>
+                  <a:ext uri="{FF2B5EF4-FFF2-40B4-BE49-F238E27FC236}">
+                    <a16:creationId xmlns:a16="http://schemas.microsoft.com/office/drawing/2014/main" id="{313BE353-57DC-485F-00AF-3F9ED2D1AA30}"/>
+                  </a:ext>
+                </a:extLst>
+              </p:cNvPr>
+              <p:cNvSpPr txBox="1"/>
+              <p:nvPr/>
+            </p:nvSpPr>
+            <p:spPr>
+              <a:xfrm>
+                <a:off x="5482764" y="885785"/>
+                <a:ext cx="748923" cy="769441"/>
+              </a:xfrm>
+              <a:prstGeom prst="rect">
+                <a:avLst/>
+              </a:prstGeom>
+              <a:noFill/>
+            </p:spPr>
+            <p:txBody>
+              <a:bodyPr wrap="none" rtlCol="0">
+                <a:spAutoFit/>
+              </a:bodyPr>
+              <a:lstStyle/>
+              <a:p>
+                <a:pPr algn="ctr"/>
+                <a:r>
+                  <a:rPr lang="zh-CN" altLang="en-US" sz="1100" dirty="0"/>
+                  <a:t>中国香港</a:t>
+                </a:r>
+                <a:endParaRPr lang="en-US" altLang="zh-CN" sz="1100" dirty="0"/>
+              </a:p>
+              <a:p>
+                <a:pPr algn="ctr"/>
+                <a14:m>
+                  <m:oMathPara xmlns:m="http://schemas.openxmlformats.org/officeDocument/2006/math">
+                    <m:oMathParaPr>
+                      <m:jc m:val="centerGroup"/>
+                    </m:oMathParaPr>
+                    <m:oMath xmlns:m="http://schemas.openxmlformats.org/officeDocument/2006/math">
+                      <m:r>
+                        <a:rPr lang="en-US" altLang="zh-CN" sz="1100" b="0" i="1" smtClean="0">
+                          <a:latin typeface="Cambria Math" panose="02040503050406030204" pitchFamily="18" charset="0"/>
+                        </a:rPr>
+                        <m:t>001</m:t>
+                      </m:r>
+                    </m:oMath>
+                  </m:oMathPara>
+                </a14:m>
+                <a:endParaRPr lang="en-US" altLang="zh-CN" sz="1100" dirty="0"/>
+              </a:p>
+              <a:p>
+                <a:pPr algn="ctr"/>
+                <a14:m>
+                  <m:oMathPara xmlns:m="http://schemas.openxmlformats.org/officeDocument/2006/math">
+                    <m:oMathParaPr>
+                      <m:jc m:val="centerGroup"/>
+                    </m:oMathParaPr>
+                    <m:oMath xmlns:m="http://schemas.openxmlformats.org/officeDocument/2006/math">
+                      <m:r>
+                        <a:rPr lang="en-US" altLang="zh-CN" sz="1100" b="0" i="1" smtClean="0">
+                          <a:latin typeface="Cambria Math" panose="02040503050406030204" pitchFamily="18" charset="0"/>
+                        </a:rPr>
+                        <m:t>852</m:t>
+                      </m:r>
+                    </m:oMath>
+                  </m:oMathPara>
+                </a14:m>
+                <a:endParaRPr lang="en-US" altLang="zh-CN" sz="1100" dirty="0"/>
+              </a:p>
+              <a:p>
+                <a:pPr algn="ctr"/>
+                <a14:m>
+                  <m:oMathPara xmlns:m="http://schemas.openxmlformats.org/officeDocument/2006/math">
+                    <m:oMathParaPr>
+                      <m:jc m:val="centerGroup"/>
+                    </m:oMathParaPr>
+                    <m:oMath xmlns:m="http://schemas.openxmlformats.org/officeDocument/2006/math">
+                      <m:r>
+                        <a:rPr lang="en-US" altLang="zh-CN" sz="1100" b="0" i="1" smtClean="0">
+                          <a:latin typeface="Cambria Math" panose="02040503050406030204" pitchFamily="18" charset="0"/>
+                        </a:rPr>
+                        <m:t>𝜖</m:t>
+                      </m:r>
+                    </m:oMath>
+                  </m:oMathPara>
+                </a14:m>
+                <a:endParaRPr lang="zh-CN" altLang="en-US" sz="1100" dirty="0"/>
+              </a:p>
+            </p:txBody>
+          </p:sp>
+        </mc:Choice>
+        <mc:Fallback xmlns="">
+          <p:sp>
+            <p:nvSpPr>
+              <p:cNvPr id="29" name="文本框 28">
+                <a:extLst>
+                  <a:ext uri="{FF2B5EF4-FFF2-40B4-BE49-F238E27FC236}">
+                    <a16:creationId xmlns:a16="http://schemas.microsoft.com/office/drawing/2014/main" id="{313BE353-57DC-485F-00AF-3F9ED2D1AA30}"/>
+                  </a:ext>
+                </a:extLst>
+              </p:cNvPr>
+              <p:cNvSpPr txBox="1">
+                <a:spLocks noRot="1" noChangeAspect="1" noMove="1" noResize="1" noEditPoints="1" noAdjustHandles="1" noChangeArrowheads="1" noChangeShapeType="1" noTextEdit="1"/>
+              </p:cNvSpPr>
+              <p:nvPr/>
+            </p:nvSpPr>
+            <p:spPr>
+              <a:xfrm>
+                <a:off x="5482764" y="885785"/>
+                <a:ext cx="748923" cy="769441"/>
+              </a:xfrm>
+              <a:prstGeom prst="rect">
+                <a:avLst/>
+              </a:prstGeom>
+              <a:blipFill>
+                <a:blip r:embed="rId12"/>
+                <a:stretch>
+                  <a:fillRect t="-787"/>
+                </a:stretch>
+              </a:blipFill>
+            </p:spPr>
+            <p:txBody>
+              <a:bodyPr/>
+              <a:lstStyle/>
+              <a:p>
+                <a:r>
+                  <a:rPr lang="zh-CN" altLang="en-US">
+                    <a:noFill/>
+                  </a:rPr>
+                  <a:t> </a:t>
+                </a:r>
+              </a:p>
+            </p:txBody>
+          </p:sp>
+        </mc:Fallback>
+      </mc:AlternateContent>
+      <p:sp>
+        <p:nvSpPr>
+          <p:cNvPr id="30" name="椭圆 29">
+            <a:extLst>
+              <a:ext uri="{FF2B5EF4-FFF2-40B4-BE49-F238E27FC236}">
+                <a16:creationId xmlns:a16="http://schemas.microsoft.com/office/drawing/2014/main" id="{448EF4BA-5E21-5E22-4B08-CF677F2694FF}"/>
+              </a:ext>
+            </a:extLst>
+          </p:cNvPr>
+          <p:cNvSpPr/>
+          <p:nvPr/>
+        </p:nvSpPr>
+        <p:spPr>
+          <a:xfrm>
+            <a:off x="5071089" y="1848983"/>
+            <a:ext cx="508883" cy="508883"/>
+          </a:xfrm>
+          <a:prstGeom prst="ellipse">
+            <a:avLst/>
+          </a:prstGeom>
+          <a:solidFill>
+            <a:schemeClr val="accent2"/>
+          </a:solidFill>
+          <a:ln>
+            <a:solidFill>
+              <a:schemeClr val="tx1"/>
+            </a:solidFill>
+          </a:ln>
+        </p:spPr>
+        <p:style>
+          <a:lnRef idx="2">
+            <a:schemeClr val="accent1">
+              <a:shade val="15000"/>
+            </a:schemeClr>
+          </a:lnRef>
+          <a:fillRef idx="1">
+            <a:schemeClr val="accent1"/>
+          </a:fillRef>
+          <a:effectRef idx="0">
+            <a:schemeClr val="accent1"/>
+          </a:effectRef>
+          <a:fontRef idx="minor">
+            <a:schemeClr val="lt1"/>
+          </a:fontRef>
+        </p:style>
+        <p:txBody>
+          <a:bodyPr wrap="none" rtlCol="0" anchor="ctr"/>
+          <a:lstStyle/>
+          <a:p>
+            <a:pPr algn="ctr"/>
+            <a:r>
+              <a:rPr lang="en-US" altLang="zh-CN" dirty="0"/>
+              <a:t>13</a:t>
+            </a:r>
+            <a:endParaRPr lang="zh-CN" altLang="en-US" dirty="0"/>
+          </a:p>
+        </p:txBody>
+      </p:sp>
+      <mc:AlternateContent xmlns:mc="http://schemas.openxmlformats.org/markup-compatibility/2006" xmlns:a14="http://schemas.microsoft.com/office/drawing/2010/main">
+        <mc:Choice Requires="a14">
+          <p:sp>
+            <p:nvSpPr>
+              <p:cNvPr id="31" name="文本框 30">
+                <a:extLst>
+                  <a:ext uri="{FF2B5EF4-FFF2-40B4-BE49-F238E27FC236}">
+                    <a16:creationId xmlns:a16="http://schemas.microsoft.com/office/drawing/2014/main" id="{D7E58385-1285-D2F2-E72D-A6B74F272762}"/>
+                  </a:ext>
+                </a:extLst>
+              </p:cNvPr>
+              <p:cNvSpPr txBox="1"/>
+              <p:nvPr/>
+            </p:nvSpPr>
+            <p:spPr>
+              <a:xfrm>
+                <a:off x="4619454" y="2382005"/>
+                <a:ext cx="1454244" cy="600164"/>
+              </a:xfrm>
+              <a:prstGeom prst="rect">
+                <a:avLst/>
+              </a:prstGeom>
+              <a:noFill/>
+            </p:spPr>
+            <p:txBody>
+              <a:bodyPr wrap="none" rtlCol="0">
+                <a:spAutoFit/>
+              </a:bodyPr>
+              <a:lstStyle/>
+              <a:p>
+                <a:pPr algn="ctr"/>
+                <a:r>
+                  <a:rPr lang="zh-CN" altLang="en-US" sz="1100" dirty="0"/>
+                  <a:t>香港科技大学</a:t>
+                </a:r>
+                <a:endParaRPr lang="en-US" altLang="zh-CN" sz="1100" dirty="0"/>
+              </a:p>
+              <a:p>
+                <a:pPr algn="ctr"/>
+                <a:r>
+                  <a:rPr lang="zh-CN" altLang="en-US" sz="1100" dirty="0"/>
+                  <a:t>计算机科学与工程系</a:t>
+                </a:r>
+                <a:endParaRPr lang="en-US" altLang="zh-CN" sz="1100" dirty="0"/>
+              </a:p>
+              <a:p>
+                <a:pPr algn="ctr"/>
+                <a14:m>
+                  <m:oMathPara xmlns:m="http://schemas.openxmlformats.org/officeDocument/2006/math">
+                    <m:oMathParaPr>
+                      <m:jc m:val="centerGroup"/>
+                    </m:oMathParaPr>
+                    <m:oMath xmlns:m="http://schemas.openxmlformats.org/officeDocument/2006/math">
+                      <m:r>
+                        <a:rPr lang="en-US" altLang="zh-CN" sz="1100" i="1" dirty="0" smtClean="0">
+                          <a:latin typeface="Cambria Math" panose="02040503050406030204" pitchFamily="18" charset="0"/>
+                        </a:rPr>
+                        <m:t>23587000</m:t>
+                      </m:r>
+                    </m:oMath>
+                  </m:oMathPara>
+                </a14:m>
+                <a:endParaRPr lang="en-US" altLang="zh-CN" sz="1100" dirty="0"/>
+              </a:p>
+            </p:txBody>
+          </p:sp>
+        </mc:Choice>
+        <mc:Fallback xmlns="">
+          <p:sp>
+            <p:nvSpPr>
+              <p:cNvPr id="31" name="文本框 30">
+                <a:extLst>
+                  <a:ext uri="{FF2B5EF4-FFF2-40B4-BE49-F238E27FC236}">
+                    <a16:creationId xmlns:a16="http://schemas.microsoft.com/office/drawing/2014/main" id="{D7E58385-1285-D2F2-E72D-A6B74F272762}"/>
+                  </a:ext>
+                </a:extLst>
+              </p:cNvPr>
+              <p:cNvSpPr txBox="1">
+                <a:spLocks noRot="1" noChangeAspect="1" noMove="1" noResize="1" noEditPoints="1" noAdjustHandles="1" noChangeArrowheads="1" noChangeShapeType="1" noTextEdit="1"/>
+              </p:cNvSpPr>
+              <p:nvPr/>
+            </p:nvSpPr>
+            <p:spPr>
+              <a:xfrm>
+                <a:off x="4619454" y="2382005"/>
+                <a:ext cx="1454244" cy="600164"/>
+              </a:xfrm>
+              <a:prstGeom prst="rect">
+                <a:avLst/>
+              </a:prstGeom>
+              <a:blipFill>
+                <a:blip r:embed="rId13"/>
+                <a:stretch>
+                  <a:fillRect t="-1020"/>
+                </a:stretch>
+              </a:blipFill>
+            </p:spPr>
+            <p:txBody>
+              <a:bodyPr/>
+              <a:lstStyle/>
+              <a:p>
+                <a:r>
+                  <a:rPr lang="zh-CN" altLang="en-US">
+                    <a:noFill/>
+                  </a:rPr>
+                  <a:t> </a:t>
+                </a:r>
+              </a:p>
+            </p:txBody>
+          </p:sp>
+        </mc:Fallback>
+      </mc:AlternateContent>
+      <p:sp>
+        <p:nvSpPr>
+          <p:cNvPr id="32" name="椭圆 31">
+            <a:extLst>
+              <a:ext uri="{FF2B5EF4-FFF2-40B4-BE49-F238E27FC236}">
+                <a16:creationId xmlns:a16="http://schemas.microsoft.com/office/drawing/2014/main" id="{05B7A2C5-4E29-7D7E-6195-F0927406E5ED}"/>
+              </a:ext>
+            </a:extLst>
+          </p:cNvPr>
+          <p:cNvSpPr/>
+          <p:nvPr/>
+        </p:nvSpPr>
+        <p:spPr>
+          <a:xfrm>
+            <a:off x="8240880" y="1064530"/>
+            <a:ext cx="508883" cy="508883"/>
+          </a:xfrm>
+          <a:prstGeom prst="ellipse">
+            <a:avLst/>
+          </a:prstGeom>
+          <a:noFill/>
+        </p:spPr>
+        <p:style>
+          <a:lnRef idx="2">
+            <a:schemeClr val="accent1">
+              <a:shade val="15000"/>
+            </a:schemeClr>
+          </a:lnRef>
+          <a:fillRef idx="1">
+            <a:schemeClr val="accent1"/>
+          </a:fillRef>
+          <a:effectRef idx="0">
+            <a:schemeClr val="accent1"/>
+          </a:effectRef>
+          <a:fontRef idx="minor">
+            <a:schemeClr val="lt1"/>
+          </a:fontRef>
+        </p:style>
+        <p:txBody>
+          <a:bodyPr wrap="none" rtlCol="0" anchor="ctr"/>
+          <a:lstStyle/>
+          <a:p>
+            <a:pPr algn="ctr"/>
+            <a:r>
+              <a:rPr lang="en-US" altLang="zh-CN" dirty="0">
+                <a:solidFill>
+                  <a:schemeClr val="tx1"/>
+                </a:solidFill>
+              </a:rPr>
+              <a:t>14</a:t>
+            </a:r>
+            <a:endParaRPr lang="zh-CN" altLang="en-US" dirty="0">
+              <a:solidFill>
+                <a:schemeClr val="tx1"/>
+              </a:solidFill>
+            </a:endParaRPr>
+          </a:p>
+        </p:txBody>
+      </p:sp>
+      <mc:AlternateContent xmlns:mc="http://schemas.openxmlformats.org/markup-compatibility/2006" xmlns:a14="http://schemas.microsoft.com/office/drawing/2010/main">
+        <mc:Choice Requires="a14">
+          <p:sp>
+            <p:nvSpPr>
+              <p:cNvPr id="33" name="文本框 32">
+                <a:extLst>
+                  <a:ext uri="{FF2B5EF4-FFF2-40B4-BE49-F238E27FC236}">
+                    <a16:creationId xmlns:a16="http://schemas.microsoft.com/office/drawing/2014/main" id="{6D95B5FF-F506-69B7-C2B0-884CD254329F}"/>
+                  </a:ext>
+                </a:extLst>
+              </p:cNvPr>
+              <p:cNvSpPr txBox="1"/>
+              <p:nvPr/>
+            </p:nvSpPr>
+            <p:spPr>
+              <a:xfrm>
+                <a:off x="8776154" y="885785"/>
+                <a:ext cx="481990" cy="769441"/>
+              </a:xfrm>
+              <a:prstGeom prst="rect">
+                <a:avLst/>
+              </a:prstGeom>
+              <a:noFill/>
+            </p:spPr>
+            <p:txBody>
+              <a:bodyPr wrap="none" rtlCol="0">
+                <a:spAutoFit/>
+              </a:bodyPr>
+              <a:lstStyle/>
+              <a:p>
+                <a:pPr algn="ctr"/>
+                <a:r>
+                  <a:rPr lang="zh-CN" altLang="en-US" sz="1100" dirty="0"/>
+                  <a:t>日本</a:t>
+                </a:r>
+                <a:endParaRPr lang="en-US" altLang="zh-CN" sz="1100" dirty="0"/>
+              </a:p>
+              <a:p>
+                <a:pPr algn="ctr"/>
+                <a14:m>
+                  <m:oMathPara xmlns:m="http://schemas.openxmlformats.org/officeDocument/2006/math">
+                    <m:oMathParaPr>
+                      <m:jc m:val="centerGroup"/>
+                    </m:oMathParaPr>
+                    <m:oMath xmlns:m="http://schemas.openxmlformats.org/officeDocument/2006/math">
+                      <m:r>
+                        <a:rPr lang="en-US" altLang="zh-CN" sz="1100" b="0" i="1" smtClean="0">
+                          <a:latin typeface="Cambria Math" panose="02040503050406030204" pitchFamily="18" charset="0"/>
+                        </a:rPr>
+                        <m:t>010</m:t>
+                      </m:r>
+                    </m:oMath>
+                  </m:oMathPara>
+                </a14:m>
+                <a:endParaRPr lang="en-US" altLang="zh-CN" sz="1100" dirty="0"/>
+              </a:p>
+              <a:p>
+                <a:pPr algn="ctr"/>
+                <a14:m>
+                  <m:oMathPara xmlns:m="http://schemas.openxmlformats.org/officeDocument/2006/math">
+                    <m:oMathParaPr>
+                      <m:jc m:val="centerGroup"/>
+                    </m:oMathParaPr>
+                    <m:oMath xmlns:m="http://schemas.openxmlformats.org/officeDocument/2006/math">
+                      <m:r>
+                        <a:rPr lang="en-US" altLang="zh-CN" sz="1100" b="0" i="1" smtClean="0">
+                          <a:latin typeface="Cambria Math" panose="02040503050406030204" pitchFamily="18" charset="0"/>
+                        </a:rPr>
+                        <m:t>81</m:t>
+                      </m:r>
+                    </m:oMath>
+                  </m:oMathPara>
+                </a14:m>
+                <a:endParaRPr lang="en-US" altLang="zh-CN" sz="1100" dirty="0"/>
+              </a:p>
+              <a:p>
+                <a:pPr algn="ctr"/>
+                <a14:m>
+                  <m:oMathPara xmlns:m="http://schemas.openxmlformats.org/officeDocument/2006/math">
+                    <m:oMathParaPr>
+                      <m:jc m:val="centerGroup"/>
+                    </m:oMathParaPr>
+                    <m:oMath xmlns:m="http://schemas.openxmlformats.org/officeDocument/2006/math">
+                      <m:r>
+                        <a:rPr lang="en-US" altLang="zh-CN" sz="1100" b="0" i="1" smtClean="0">
+                          <a:latin typeface="Cambria Math" panose="02040503050406030204" pitchFamily="18" charset="0"/>
+                        </a:rPr>
+                        <m:t>0</m:t>
+                      </m:r>
+                    </m:oMath>
+                  </m:oMathPara>
+                </a14:m>
+                <a:endParaRPr lang="zh-CN" altLang="en-US" sz="1100" dirty="0"/>
+              </a:p>
+            </p:txBody>
+          </p:sp>
+        </mc:Choice>
+        <mc:Fallback xmlns="">
+          <p:sp>
+            <p:nvSpPr>
+              <p:cNvPr id="33" name="文本框 32">
+                <a:extLst>
+                  <a:ext uri="{FF2B5EF4-FFF2-40B4-BE49-F238E27FC236}">
+                    <a16:creationId xmlns:a16="http://schemas.microsoft.com/office/drawing/2014/main" id="{6D95B5FF-F506-69B7-C2B0-884CD254329F}"/>
+                  </a:ext>
+                </a:extLst>
+              </p:cNvPr>
+              <p:cNvSpPr txBox="1">
+                <a:spLocks noRot="1" noChangeAspect="1" noMove="1" noResize="1" noEditPoints="1" noAdjustHandles="1" noChangeArrowheads="1" noChangeShapeType="1" noTextEdit="1"/>
+              </p:cNvSpPr>
+              <p:nvPr/>
+            </p:nvSpPr>
+            <p:spPr>
+              <a:xfrm>
+                <a:off x="8776154" y="885785"/>
+                <a:ext cx="481990" cy="769441"/>
+              </a:xfrm>
+              <a:prstGeom prst="rect">
+                <a:avLst/>
+              </a:prstGeom>
+              <a:blipFill>
+                <a:blip r:embed="rId14"/>
+                <a:stretch>
+                  <a:fillRect t="-787"/>
+                </a:stretch>
+              </a:blipFill>
+            </p:spPr>
+            <p:txBody>
+              <a:bodyPr/>
+              <a:lstStyle/>
+              <a:p>
+                <a:r>
+                  <a:rPr lang="zh-CN" altLang="en-US">
+                    <a:noFill/>
+                  </a:rPr>
+                  <a:t> </a:t>
+                </a:r>
+              </a:p>
+            </p:txBody>
+          </p:sp>
+        </mc:Fallback>
+      </mc:AlternateContent>
+      <p:sp>
+        <p:nvSpPr>
+          <p:cNvPr id="36" name="椭圆 35">
+            <a:extLst>
+              <a:ext uri="{FF2B5EF4-FFF2-40B4-BE49-F238E27FC236}">
+                <a16:creationId xmlns:a16="http://schemas.microsoft.com/office/drawing/2014/main" id="{E55AFD3C-8B02-1A06-2BC2-1E4A25CBAD4E}"/>
+              </a:ext>
+            </a:extLst>
+          </p:cNvPr>
+          <p:cNvSpPr/>
+          <p:nvPr/>
+        </p:nvSpPr>
+        <p:spPr>
+          <a:xfrm>
+            <a:off x="6545653" y="1846242"/>
+            <a:ext cx="508883" cy="508883"/>
+          </a:xfrm>
+          <a:prstGeom prst="ellipse">
+            <a:avLst/>
+          </a:prstGeom>
+          <a:noFill/>
+        </p:spPr>
+        <p:style>
+          <a:lnRef idx="2">
+            <a:schemeClr val="accent1">
+              <a:shade val="15000"/>
+            </a:schemeClr>
+          </a:lnRef>
+          <a:fillRef idx="1">
+            <a:schemeClr val="accent1"/>
+          </a:fillRef>
+          <a:effectRef idx="0">
+            <a:schemeClr val="accent1"/>
+          </a:effectRef>
+          <a:fontRef idx="minor">
+            <a:schemeClr val="lt1"/>
+          </a:fontRef>
+        </p:style>
+        <p:txBody>
+          <a:bodyPr wrap="none" rtlCol="0" anchor="ctr"/>
+          <a:lstStyle/>
+          <a:p>
+            <a:pPr algn="ctr"/>
+            <a:r>
+              <a:rPr lang="en-US" altLang="zh-CN" dirty="0">
+                <a:solidFill>
+                  <a:schemeClr val="tx1"/>
+                </a:solidFill>
+              </a:rPr>
+              <a:t>15</a:t>
+            </a:r>
+            <a:endParaRPr lang="zh-CN" altLang="en-US" dirty="0">
+              <a:solidFill>
+                <a:schemeClr val="tx1"/>
+              </a:solidFill>
+            </a:endParaRPr>
+          </a:p>
+        </p:txBody>
+      </p:sp>
+      <mc:AlternateContent xmlns:mc="http://schemas.openxmlformats.org/markup-compatibility/2006" xmlns:a14="http://schemas.microsoft.com/office/drawing/2010/main">
+        <mc:Choice Requires="a14">
+          <p:sp>
+            <p:nvSpPr>
+              <p:cNvPr id="37" name="文本框 36">
+                <a:extLst>
+                  <a:ext uri="{FF2B5EF4-FFF2-40B4-BE49-F238E27FC236}">
+                    <a16:creationId xmlns:a16="http://schemas.microsoft.com/office/drawing/2014/main" id="{297E1D1E-5ACF-808D-5E84-B619E1BA6522}"/>
+                  </a:ext>
+                </a:extLst>
+              </p:cNvPr>
+              <p:cNvSpPr txBox="1"/>
+              <p:nvPr/>
+            </p:nvSpPr>
+            <p:spPr>
+              <a:xfrm>
+                <a:off x="7088531" y="1667497"/>
+                <a:ext cx="466794" cy="769441"/>
+              </a:xfrm>
+              <a:prstGeom prst="rect">
+                <a:avLst/>
+              </a:prstGeom>
+              <a:noFill/>
+            </p:spPr>
+            <p:txBody>
+              <a:bodyPr wrap="none" rtlCol="0">
+                <a:spAutoFit/>
+              </a:bodyPr>
+              <a:lstStyle/>
+              <a:p>
+                <a:pPr algn="ctr"/>
+                <a:r>
+                  <a:rPr lang="zh-CN" altLang="en-US" sz="1100" dirty="0"/>
+                  <a:t>东京</a:t>
+                </a:r>
+                <a:endParaRPr lang="en-US" altLang="zh-CN" sz="1100" dirty="0"/>
+              </a:p>
+              <a:p>
+                <a:pPr algn="ctr"/>
+                <a14:m>
+                  <m:oMathPara xmlns:m="http://schemas.openxmlformats.org/officeDocument/2006/math">
+                    <m:oMathParaPr>
+                      <m:jc m:val="centerGroup"/>
+                    </m:oMathParaPr>
+                    <m:oMath xmlns:m="http://schemas.openxmlformats.org/officeDocument/2006/math">
+                      <m:r>
+                        <a:rPr lang="en-US" altLang="zh-CN" sz="1100" b="0" i="1" smtClean="0">
+                          <a:latin typeface="Cambria Math" panose="02040503050406030204" pitchFamily="18" charset="0"/>
+                        </a:rPr>
+                        <m:t>𝜖</m:t>
+                      </m:r>
+                    </m:oMath>
+                  </m:oMathPara>
+                </a14:m>
+                <a:endParaRPr lang="en-US" altLang="zh-CN" sz="1100" dirty="0"/>
+              </a:p>
+              <a:p>
+                <a:pPr algn="ctr"/>
+                <a14:m>
+                  <m:oMathPara xmlns:m="http://schemas.openxmlformats.org/officeDocument/2006/math">
+                    <m:oMathParaPr>
+                      <m:jc m:val="centerGroup"/>
+                    </m:oMathParaPr>
+                    <m:oMath xmlns:m="http://schemas.openxmlformats.org/officeDocument/2006/math">
+                      <m:r>
+                        <a:rPr lang="en-US" altLang="zh-CN" sz="1100" b="0" i="1" smtClean="0">
+                          <a:latin typeface="Cambria Math" panose="02040503050406030204" pitchFamily="18" charset="0"/>
+                        </a:rPr>
+                        <m:t>3</m:t>
+                      </m:r>
+                    </m:oMath>
+                  </m:oMathPara>
+                </a14:m>
+                <a:endParaRPr lang="en-US" altLang="zh-CN" sz="1100" dirty="0"/>
+              </a:p>
+              <a:p>
+                <a:pPr algn="ctr"/>
+                <a14:m>
+                  <m:oMathPara xmlns:m="http://schemas.openxmlformats.org/officeDocument/2006/math">
+                    <m:oMathParaPr>
+                      <m:jc m:val="centerGroup"/>
+                    </m:oMathParaPr>
+                    <m:oMath xmlns:m="http://schemas.openxmlformats.org/officeDocument/2006/math">
+                      <m:r>
+                        <a:rPr lang="en-US" altLang="zh-CN" sz="1100" b="0" i="1" smtClean="0">
+                          <a:latin typeface="Cambria Math" panose="02040503050406030204" pitchFamily="18" charset="0"/>
+                        </a:rPr>
+                        <m:t>𝜖</m:t>
+                      </m:r>
+                    </m:oMath>
+                  </m:oMathPara>
+                </a14:m>
+                <a:endParaRPr lang="zh-CN" altLang="en-US" sz="1100" dirty="0"/>
+              </a:p>
+            </p:txBody>
+          </p:sp>
+        </mc:Choice>
+        <mc:Fallback xmlns="">
+          <p:sp>
+            <p:nvSpPr>
+              <p:cNvPr id="37" name="文本框 36">
+                <a:extLst>
+                  <a:ext uri="{FF2B5EF4-FFF2-40B4-BE49-F238E27FC236}">
+                    <a16:creationId xmlns:a16="http://schemas.microsoft.com/office/drawing/2014/main" id="{297E1D1E-5ACF-808D-5E84-B619E1BA6522}"/>
+                  </a:ext>
+                </a:extLst>
+              </p:cNvPr>
+              <p:cNvSpPr txBox="1">
+                <a:spLocks noRot="1" noChangeAspect="1" noMove="1" noResize="1" noEditPoints="1" noAdjustHandles="1" noChangeArrowheads="1" noChangeShapeType="1" noTextEdit="1"/>
+              </p:cNvSpPr>
+              <p:nvPr/>
+            </p:nvSpPr>
+            <p:spPr>
+              <a:xfrm>
+                <a:off x="7088531" y="1667497"/>
+                <a:ext cx="466794" cy="769441"/>
+              </a:xfrm>
+              <a:prstGeom prst="rect">
+                <a:avLst/>
+              </a:prstGeom>
+              <a:blipFill>
+                <a:blip r:embed="rId15"/>
+                <a:stretch>
+                  <a:fillRect t="-794"/>
+                </a:stretch>
+              </a:blipFill>
+            </p:spPr>
+            <p:txBody>
+              <a:bodyPr/>
+              <a:lstStyle/>
+              <a:p>
+                <a:r>
+                  <a:rPr lang="zh-CN" altLang="en-US">
+                    <a:noFill/>
+                  </a:rPr>
+                  <a:t> </a:t>
+                </a:r>
+              </a:p>
+            </p:txBody>
+          </p:sp>
+        </mc:Fallback>
+      </mc:AlternateContent>
+      <p:sp>
+        <p:nvSpPr>
+          <p:cNvPr id="38" name="椭圆 37">
+            <a:extLst>
+              <a:ext uri="{FF2B5EF4-FFF2-40B4-BE49-F238E27FC236}">
+                <a16:creationId xmlns:a16="http://schemas.microsoft.com/office/drawing/2014/main" id="{C326412A-33C1-F991-05D7-F9A5C63CCAC2}"/>
+              </a:ext>
+            </a:extLst>
+          </p:cNvPr>
+          <p:cNvSpPr/>
+          <p:nvPr/>
+        </p:nvSpPr>
+        <p:spPr>
+          <a:xfrm>
+            <a:off x="6545653" y="2748435"/>
+            <a:ext cx="508883" cy="508883"/>
+          </a:xfrm>
+          <a:prstGeom prst="ellipse">
+            <a:avLst/>
+          </a:prstGeom>
+          <a:noFill/>
+        </p:spPr>
+        <p:style>
+          <a:lnRef idx="2">
+            <a:schemeClr val="accent1">
+              <a:shade val="15000"/>
+            </a:schemeClr>
+          </a:lnRef>
+          <a:fillRef idx="1">
+            <a:schemeClr val="accent1"/>
+          </a:fillRef>
+          <a:effectRef idx="0">
+            <a:schemeClr val="accent1"/>
+          </a:effectRef>
+          <a:fontRef idx="minor">
+            <a:schemeClr val="lt1"/>
+          </a:fontRef>
+        </p:style>
+        <p:txBody>
+          <a:bodyPr wrap="none" rtlCol="0" anchor="ctr"/>
+          <a:lstStyle/>
+          <a:p>
+            <a:pPr algn="ctr"/>
+            <a:r>
+              <a:rPr lang="en-US" altLang="zh-CN" dirty="0">
+                <a:solidFill>
+                  <a:schemeClr val="tx1"/>
+                </a:solidFill>
+              </a:rPr>
+              <a:t>16</a:t>
+            </a:r>
+            <a:endParaRPr lang="zh-CN" altLang="en-US" dirty="0">
+              <a:solidFill>
+                <a:schemeClr val="tx1"/>
+              </a:solidFill>
+            </a:endParaRPr>
+          </a:p>
+        </p:txBody>
+      </p:sp>
+      <mc:AlternateContent xmlns:mc="http://schemas.openxmlformats.org/markup-compatibility/2006" xmlns:a14="http://schemas.microsoft.com/office/drawing/2010/main">
+        <mc:Choice Requires="a14">
+          <p:sp>
+            <p:nvSpPr>
+              <p:cNvPr id="39" name="文本框 38">
+                <a:extLst>
+                  <a:ext uri="{FF2B5EF4-FFF2-40B4-BE49-F238E27FC236}">
+                    <a16:creationId xmlns:a16="http://schemas.microsoft.com/office/drawing/2014/main" id="{38B53E4D-8F7E-E77A-3316-AF3BA6FCF0EC}"/>
+                  </a:ext>
+                </a:extLst>
+              </p:cNvPr>
+              <p:cNvSpPr txBox="1"/>
+              <p:nvPr/>
+            </p:nvSpPr>
+            <p:spPr>
+              <a:xfrm>
+                <a:off x="6806402" y="2470630"/>
+                <a:ext cx="1031052" cy="938719"/>
+              </a:xfrm>
+              <a:prstGeom prst="rect">
+                <a:avLst/>
+              </a:prstGeom>
+              <a:noFill/>
+            </p:spPr>
+            <p:txBody>
+              <a:bodyPr wrap="none" rtlCol="0">
+                <a:spAutoFit/>
+              </a:bodyPr>
+              <a:lstStyle/>
+              <a:p>
+                <a:pPr algn="ctr"/>
+                <a:r>
+                  <a:rPr lang="zh-CN" altLang="en-US" sz="1100" dirty="0"/>
+                  <a:t>东京大学</a:t>
+                </a:r>
+                <a:endParaRPr lang="en-US" altLang="zh-CN" sz="1100" dirty="0"/>
+              </a:p>
+              <a:p>
+                <a:pPr algn="ctr"/>
+                <a:r>
+                  <a:rPr lang="zh-CN" altLang="en-US" sz="1100" dirty="0"/>
+                  <a:t>（本乡校区）</a:t>
+                </a:r>
+                <a:endParaRPr lang="en-US" altLang="zh-CN" sz="1100" dirty="0"/>
+              </a:p>
+              <a:p>
+                <a:pPr algn="ctr"/>
+                <a14:m>
+                  <m:oMathPara xmlns:m="http://schemas.openxmlformats.org/officeDocument/2006/math">
+                    <m:oMathParaPr>
+                      <m:jc m:val="centerGroup"/>
+                    </m:oMathParaPr>
+                    <m:oMath xmlns:m="http://schemas.openxmlformats.org/officeDocument/2006/math">
+                      <m:r>
+                        <a:rPr lang="en-US" altLang="zh-CN" sz="1100" b="0" i="1" smtClean="0">
+                          <a:latin typeface="Cambria Math" panose="02040503050406030204" pitchFamily="18" charset="0"/>
+                        </a:rPr>
+                        <m:t>𝜖</m:t>
+                      </m:r>
+                    </m:oMath>
+                  </m:oMathPara>
+                </a14:m>
+                <a:endParaRPr lang="en-US" altLang="zh-CN" sz="1100" dirty="0"/>
+              </a:p>
+              <a:p>
+                <a:pPr algn="ctr"/>
+                <a14:m>
+                  <m:oMathPara xmlns:m="http://schemas.openxmlformats.org/officeDocument/2006/math">
+                    <m:oMathParaPr>
+                      <m:jc m:val="centerGroup"/>
+                    </m:oMathParaPr>
+                    <m:oMath xmlns:m="http://schemas.openxmlformats.org/officeDocument/2006/math">
+                      <m:r>
+                        <a:rPr lang="en-US" altLang="zh-CN" sz="1100" b="0" i="1" smtClean="0">
+                          <a:latin typeface="Cambria Math" panose="02040503050406030204" pitchFamily="18" charset="0"/>
+                        </a:rPr>
+                        <m:t>5841</m:t>
+                      </m:r>
+                    </m:oMath>
+                  </m:oMathPara>
+                </a14:m>
+                <a:endParaRPr lang="en-US" altLang="zh-CN" sz="1100" dirty="0"/>
+              </a:p>
+              <a:p>
+                <a:pPr algn="ctr"/>
+                <a14:m>
+                  <m:oMathPara xmlns:m="http://schemas.openxmlformats.org/officeDocument/2006/math">
+                    <m:oMathParaPr>
+                      <m:jc m:val="centerGroup"/>
+                    </m:oMathParaPr>
+                    <m:oMath xmlns:m="http://schemas.openxmlformats.org/officeDocument/2006/math">
+                      <m:r>
+                        <a:rPr lang="en-US" altLang="zh-CN" sz="1100" b="0" i="1" smtClean="0">
+                          <a:latin typeface="Cambria Math" panose="02040503050406030204" pitchFamily="18" charset="0"/>
+                        </a:rPr>
+                        <m:t>2</m:t>
+                      </m:r>
+                    </m:oMath>
+                  </m:oMathPara>
+                </a14:m>
+                <a:endParaRPr lang="zh-CN" altLang="en-US" sz="1100" dirty="0"/>
+              </a:p>
+            </p:txBody>
+          </p:sp>
+        </mc:Choice>
+        <mc:Fallback xmlns="">
+          <p:sp>
+            <p:nvSpPr>
+              <p:cNvPr id="39" name="文本框 38">
+                <a:extLst>
+                  <a:ext uri="{FF2B5EF4-FFF2-40B4-BE49-F238E27FC236}">
+                    <a16:creationId xmlns:a16="http://schemas.microsoft.com/office/drawing/2014/main" id="{38B53E4D-8F7E-E77A-3316-AF3BA6FCF0EC}"/>
+                  </a:ext>
+                </a:extLst>
+              </p:cNvPr>
+              <p:cNvSpPr txBox="1">
+                <a:spLocks noRot="1" noChangeAspect="1" noMove="1" noResize="1" noEditPoints="1" noAdjustHandles="1" noChangeArrowheads="1" noChangeShapeType="1" noTextEdit="1"/>
+              </p:cNvSpPr>
+              <p:nvPr/>
+            </p:nvSpPr>
+            <p:spPr>
+              <a:xfrm>
+                <a:off x="6806402" y="2470630"/>
+                <a:ext cx="1031052" cy="938719"/>
+              </a:xfrm>
+              <a:prstGeom prst="rect">
+                <a:avLst/>
+              </a:prstGeom>
+              <a:blipFill>
+                <a:blip r:embed="rId16"/>
+                <a:stretch>
+                  <a:fillRect t="-649"/>
+                </a:stretch>
+              </a:blipFill>
+            </p:spPr>
+            <p:txBody>
+              <a:bodyPr/>
+              <a:lstStyle/>
+              <a:p>
+                <a:r>
+                  <a:rPr lang="zh-CN" altLang="en-US">
+                    <a:noFill/>
+                  </a:rPr>
+                  <a:t> </a:t>
+                </a:r>
+              </a:p>
+            </p:txBody>
+          </p:sp>
+        </mc:Fallback>
+      </mc:AlternateContent>
+      <p:sp>
+        <p:nvSpPr>
+          <p:cNvPr id="40" name="椭圆 39">
+            <a:extLst>
+              <a:ext uri="{FF2B5EF4-FFF2-40B4-BE49-F238E27FC236}">
+                <a16:creationId xmlns:a16="http://schemas.microsoft.com/office/drawing/2014/main" id="{68E87198-91B0-9FF0-1C31-BC8C60F507C1}"/>
+              </a:ext>
+            </a:extLst>
+          </p:cNvPr>
+          <p:cNvSpPr/>
+          <p:nvPr/>
+        </p:nvSpPr>
+        <p:spPr>
+          <a:xfrm>
+            <a:off x="5971322" y="3533867"/>
+            <a:ext cx="508883" cy="508883"/>
+          </a:xfrm>
+          <a:prstGeom prst="ellipse">
+            <a:avLst/>
+          </a:prstGeom>
+          <a:solidFill>
+            <a:schemeClr val="accent2"/>
+          </a:solidFill>
+          <a:ln>
+            <a:solidFill>
+              <a:schemeClr val="tx1"/>
+            </a:solidFill>
+          </a:ln>
+        </p:spPr>
+        <p:style>
+          <a:lnRef idx="2">
+            <a:schemeClr val="accent1">
+              <a:shade val="15000"/>
+            </a:schemeClr>
+          </a:lnRef>
+          <a:fillRef idx="1">
+            <a:schemeClr val="accent1"/>
+          </a:fillRef>
+          <a:effectRef idx="0">
+            <a:schemeClr val="accent1"/>
+          </a:effectRef>
+          <a:fontRef idx="minor">
+            <a:schemeClr val="lt1"/>
+          </a:fontRef>
+        </p:style>
+        <p:txBody>
+          <a:bodyPr wrap="none" rtlCol="0" anchor="ctr"/>
+          <a:lstStyle/>
+          <a:p>
+            <a:pPr algn="ctr"/>
+            <a:r>
+              <a:rPr lang="en-US" altLang="zh-CN" dirty="0"/>
+              <a:t>17</a:t>
+            </a:r>
+            <a:endParaRPr lang="zh-CN" altLang="en-US" dirty="0"/>
+          </a:p>
+        </p:txBody>
+      </p:sp>
+      <mc:AlternateContent xmlns:mc="http://schemas.openxmlformats.org/markup-compatibility/2006" xmlns:a14="http://schemas.microsoft.com/office/drawing/2010/main">
+        <mc:Choice Requires="a14">
+          <p:sp>
+            <p:nvSpPr>
+              <p:cNvPr id="41" name="文本框 40">
+                <a:extLst>
+                  <a:ext uri="{FF2B5EF4-FFF2-40B4-BE49-F238E27FC236}">
+                    <a16:creationId xmlns:a16="http://schemas.microsoft.com/office/drawing/2014/main" id="{F0A0CA62-6DB3-8562-C5DE-E0904B896361}"/>
+                  </a:ext>
+                </a:extLst>
+              </p:cNvPr>
+              <p:cNvSpPr txBox="1"/>
+              <p:nvPr/>
+            </p:nvSpPr>
+            <p:spPr>
+              <a:xfrm>
+                <a:off x="5660749" y="4066889"/>
+                <a:ext cx="1172116" cy="600164"/>
+              </a:xfrm>
+              <a:prstGeom prst="rect">
+                <a:avLst/>
+              </a:prstGeom>
+              <a:noFill/>
+            </p:spPr>
+            <p:txBody>
+              <a:bodyPr wrap="none" rtlCol="0">
+                <a:spAutoFit/>
+              </a:bodyPr>
+              <a:lstStyle/>
+              <a:p>
+                <a:pPr algn="ctr"/>
+                <a:r>
+                  <a:rPr lang="zh-CN" altLang="en-US" sz="1100" dirty="0"/>
+                  <a:t>研究生院计算机</a:t>
+                </a:r>
+                <a:endParaRPr lang="en-US" altLang="zh-CN" sz="1100" dirty="0"/>
+              </a:p>
+              <a:p>
+                <a:pPr algn="ctr"/>
+                <a:r>
+                  <a:rPr lang="zh-CN" altLang="en-US" sz="1100" dirty="0"/>
+                  <a:t>科学专业办公室</a:t>
+                </a:r>
+                <a:endParaRPr lang="en-US" altLang="zh-CN" sz="1100" dirty="0"/>
+              </a:p>
+              <a:p>
+                <a:pPr algn="ctr"/>
+                <a14:m>
+                  <m:oMathPara xmlns:m="http://schemas.openxmlformats.org/officeDocument/2006/math">
+                    <m:oMathParaPr>
+                      <m:jc m:val="centerGroup"/>
+                    </m:oMathParaPr>
+                    <m:oMath xmlns:m="http://schemas.openxmlformats.org/officeDocument/2006/math">
+                      <m:r>
+                        <a:rPr lang="en-US" altLang="zh-CN" sz="1100" i="1" dirty="0" smtClean="0">
+                          <a:latin typeface="Cambria Math" panose="02040503050406030204" pitchFamily="18" charset="0"/>
+                        </a:rPr>
+                        <m:t>4111</m:t>
+                      </m:r>
+                    </m:oMath>
+                  </m:oMathPara>
+                </a14:m>
+                <a:endParaRPr lang="en-US" altLang="zh-CN" sz="1100" dirty="0"/>
+              </a:p>
+            </p:txBody>
+          </p:sp>
+        </mc:Choice>
+        <mc:Fallback xmlns="">
+          <p:sp>
+            <p:nvSpPr>
+              <p:cNvPr id="41" name="文本框 40">
+                <a:extLst>
+                  <a:ext uri="{FF2B5EF4-FFF2-40B4-BE49-F238E27FC236}">
+                    <a16:creationId xmlns:a16="http://schemas.microsoft.com/office/drawing/2014/main" id="{F0A0CA62-6DB3-8562-C5DE-E0904B896361}"/>
+                  </a:ext>
+                </a:extLst>
+              </p:cNvPr>
+              <p:cNvSpPr txBox="1">
+                <a:spLocks noRot="1" noChangeAspect="1" noMove="1" noResize="1" noEditPoints="1" noAdjustHandles="1" noChangeArrowheads="1" noChangeShapeType="1" noTextEdit="1"/>
+              </p:cNvSpPr>
+              <p:nvPr/>
+            </p:nvSpPr>
+            <p:spPr>
+              <a:xfrm>
+                <a:off x="5660749" y="4066889"/>
+                <a:ext cx="1172116" cy="600164"/>
+              </a:xfrm>
+              <a:prstGeom prst="rect">
+                <a:avLst/>
+              </a:prstGeom>
+              <a:blipFill>
+                <a:blip r:embed="rId17"/>
+                <a:stretch>
+                  <a:fillRect t="-1010"/>
+                </a:stretch>
+              </a:blipFill>
+            </p:spPr>
+            <p:txBody>
+              <a:bodyPr/>
+              <a:lstStyle/>
+              <a:p>
+                <a:r>
+                  <a:rPr lang="zh-CN" altLang="en-US">
+                    <a:noFill/>
+                  </a:rPr>
+                  <a:t> </a:t>
+                </a:r>
+              </a:p>
+            </p:txBody>
+          </p:sp>
+        </mc:Fallback>
+      </mc:AlternateContent>
+      <p:sp>
+        <p:nvSpPr>
+          <p:cNvPr id="42" name="椭圆 41">
+            <a:extLst>
+              <a:ext uri="{FF2B5EF4-FFF2-40B4-BE49-F238E27FC236}">
+                <a16:creationId xmlns:a16="http://schemas.microsoft.com/office/drawing/2014/main" id="{F97D164D-5AAD-A6F5-37AC-84C7264ACB4E}"/>
+              </a:ext>
+            </a:extLst>
+          </p:cNvPr>
+          <p:cNvSpPr/>
+          <p:nvPr/>
+        </p:nvSpPr>
+        <p:spPr>
+          <a:xfrm>
+            <a:off x="7069212" y="3533867"/>
+            <a:ext cx="508883" cy="508883"/>
+          </a:xfrm>
+          <a:prstGeom prst="ellipse">
+            <a:avLst/>
+          </a:prstGeom>
+          <a:solidFill>
+            <a:schemeClr val="accent2"/>
+          </a:solidFill>
+          <a:ln>
+            <a:solidFill>
+              <a:schemeClr val="tx1"/>
+            </a:solidFill>
+          </a:ln>
+        </p:spPr>
+        <p:style>
+          <a:lnRef idx="2">
+            <a:schemeClr val="accent1">
+              <a:shade val="15000"/>
+            </a:schemeClr>
+          </a:lnRef>
+          <a:fillRef idx="1">
+            <a:schemeClr val="accent1"/>
+          </a:fillRef>
+          <a:effectRef idx="0">
+            <a:schemeClr val="accent1"/>
+          </a:effectRef>
+          <a:fontRef idx="minor">
+            <a:schemeClr val="lt1"/>
+          </a:fontRef>
+        </p:style>
+        <p:txBody>
+          <a:bodyPr wrap="none" rtlCol="0" anchor="ctr"/>
+          <a:lstStyle/>
+          <a:p>
+            <a:pPr algn="ctr"/>
+            <a:r>
+              <a:rPr lang="en-US" altLang="zh-CN" dirty="0"/>
+              <a:t>18</a:t>
+            </a:r>
+            <a:endParaRPr lang="zh-CN" altLang="en-US" dirty="0"/>
+          </a:p>
+        </p:txBody>
+      </p:sp>
+      <mc:AlternateContent xmlns:mc="http://schemas.openxmlformats.org/markup-compatibility/2006" xmlns:a14="http://schemas.microsoft.com/office/drawing/2010/main">
+        <mc:Choice Requires="a14">
+          <p:sp>
+            <p:nvSpPr>
+              <p:cNvPr id="43" name="文本框 42">
+                <a:extLst>
+                  <a:ext uri="{FF2B5EF4-FFF2-40B4-BE49-F238E27FC236}">
+                    <a16:creationId xmlns:a16="http://schemas.microsoft.com/office/drawing/2014/main" id="{DDE10494-FD1E-B399-C514-5A22D93D377A}"/>
+                  </a:ext>
+                </a:extLst>
+              </p:cNvPr>
+              <p:cNvSpPr txBox="1"/>
+              <p:nvPr/>
+            </p:nvSpPr>
+            <p:spPr>
+              <a:xfrm>
+                <a:off x="6758641" y="4066889"/>
+                <a:ext cx="1172117" cy="600164"/>
+              </a:xfrm>
+              <a:prstGeom prst="rect">
+                <a:avLst/>
+              </a:prstGeom>
+              <a:noFill/>
+            </p:spPr>
+            <p:txBody>
+              <a:bodyPr wrap="none" rtlCol="0">
+                <a:spAutoFit/>
+              </a:bodyPr>
+              <a:lstStyle/>
+              <a:p>
+                <a:pPr algn="ctr"/>
+                <a:r>
+                  <a:rPr lang="zh-CN" altLang="en-US" sz="1100" dirty="0"/>
+                  <a:t>情报理工学系研</a:t>
+                </a:r>
+              </a:p>
+              <a:p>
+                <a:pPr algn="ctr"/>
+                <a:r>
+                  <a:rPr lang="zh-CN" altLang="en-US" sz="1100" dirty="0"/>
+                  <a:t>究科招生办公室</a:t>
+                </a:r>
+                <a:endParaRPr lang="en-US" altLang="zh-CN" sz="1100" dirty="0"/>
+              </a:p>
+              <a:p>
+                <a:pPr algn="ctr"/>
+                <a14:m>
+                  <m:oMathPara xmlns:m="http://schemas.openxmlformats.org/officeDocument/2006/math">
+                    <m:oMathParaPr>
+                      <m:jc m:val="centerGroup"/>
+                    </m:oMathParaPr>
+                    <m:oMath xmlns:m="http://schemas.openxmlformats.org/officeDocument/2006/math">
+                      <m:r>
+                        <a:rPr lang="en-US" altLang="zh-CN" sz="1100" i="1" dirty="0" smtClean="0">
+                          <a:latin typeface="Cambria Math" panose="02040503050406030204" pitchFamily="18" charset="0"/>
+                        </a:rPr>
+                        <m:t>7926</m:t>
+                      </m:r>
+                    </m:oMath>
+                  </m:oMathPara>
+                </a14:m>
+                <a:endParaRPr lang="en-US" altLang="zh-CN" sz="1100" dirty="0"/>
+              </a:p>
+            </p:txBody>
+          </p:sp>
+        </mc:Choice>
+        <mc:Fallback xmlns="">
+          <p:sp>
+            <p:nvSpPr>
+              <p:cNvPr id="43" name="文本框 42">
+                <a:extLst>
+                  <a:ext uri="{FF2B5EF4-FFF2-40B4-BE49-F238E27FC236}">
+                    <a16:creationId xmlns:a16="http://schemas.microsoft.com/office/drawing/2014/main" id="{DDE10494-FD1E-B399-C514-5A22D93D377A}"/>
+                  </a:ext>
+                </a:extLst>
+              </p:cNvPr>
+              <p:cNvSpPr txBox="1">
+                <a:spLocks noRot="1" noChangeAspect="1" noMove="1" noResize="1" noEditPoints="1" noAdjustHandles="1" noChangeArrowheads="1" noChangeShapeType="1" noTextEdit="1"/>
+              </p:cNvSpPr>
+              <p:nvPr/>
+            </p:nvSpPr>
+            <p:spPr>
+              <a:xfrm>
+                <a:off x="6758641" y="4066889"/>
+                <a:ext cx="1172117" cy="600164"/>
+              </a:xfrm>
+              <a:prstGeom prst="rect">
+                <a:avLst/>
+              </a:prstGeom>
+              <a:blipFill>
+                <a:blip r:embed="rId18"/>
+                <a:stretch>
+                  <a:fillRect t="-1010"/>
+                </a:stretch>
+              </a:blipFill>
+            </p:spPr>
+            <p:txBody>
+              <a:bodyPr/>
+              <a:lstStyle/>
+              <a:p>
+                <a:r>
+                  <a:rPr lang="zh-CN" altLang="en-US">
+                    <a:noFill/>
+                  </a:rPr>
+                  <a:t> </a:t>
+                </a:r>
+              </a:p>
+            </p:txBody>
+          </p:sp>
+        </mc:Fallback>
+      </mc:AlternateContent>
+      <p:sp>
+        <p:nvSpPr>
+          <p:cNvPr id="44" name="椭圆 43">
+            <a:extLst>
+              <a:ext uri="{FF2B5EF4-FFF2-40B4-BE49-F238E27FC236}">
+                <a16:creationId xmlns:a16="http://schemas.microsoft.com/office/drawing/2014/main" id="{CD57D7E9-9C49-8EB7-9052-2B5BD74C04B1}"/>
+              </a:ext>
+            </a:extLst>
+          </p:cNvPr>
+          <p:cNvSpPr/>
+          <p:nvPr/>
+        </p:nvSpPr>
+        <p:spPr>
+          <a:xfrm>
+            <a:off x="9878667" y="1846242"/>
+            <a:ext cx="508883" cy="508883"/>
+          </a:xfrm>
+          <a:prstGeom prst="ellipse">
+            <a:avLst/>
+          </a:prstGeom>
+          <a:noFill/>
+        </p:spPr>
+        <p:style>
+          <a:lnRef idx="2">
+            <a:schemeClr val="accent1">
+              <a:shade val="15000"/>
+            </a:schemeClr>
+          </a:lnRef>
+          <a:fillRef idx="1">
+            <a:schemeClr val="accent1"/>
+          </a:fillRef>
+          <a:effectRef idx="0">
+            <a:schemeClr val="accent1"/>
+          </a:effectRef>
+          <a:fontRef idx="minor">
+            <a:schemeClr val="lt1"/>
+          </a:fontRef>
+        </p:style>
+        <p:txBody>
+          <a:bodyPr wrap="none" rtlCol="0" anchor="ctr"/>
+          <a:lstStyle/>
+          <a:p>
+            <a:pPr algn="ctr"/>
+            <a:r>
+              <a:rPr lang="en-US" altLang="zh-CN" dirty="0">
+                <a:solidFill>
+                  <a:schemeClr val="tx1"/>
+                </a:solidFill>
+              </a:rPr>
+              <a:t>19</a:t>
+            </a:r>
+            <a:endParaRPr lang="zh-CN" altLang="en-US" dirty="0">
+              <a:solidFill>
+                <a:schemeClr val="tx1"/>
+              </a:solidFill>
+            </a:endParaRPr>
+          </a:p>
+        </p:txBody>
+      </p:sp>
+      <mc:AlternateContent xmlns:mc="http://schemas.openxmlformats.org/markup-compatibility/2006" xmlns:a14="http://schemas.microsoft.com/office/drawing/2010/main">
+        <mc:Choice Requires="a14">
+          <p:sp>
+            <p:nvSpPr>
+              <p:cNvPr id="45" name="文本框 44">
+                <a:extLst>
+                  <a:ext uri="{FF2B5EF4-FFF2-40B4-BE49-F238E27FC236}">
+                    <a16:creationId xmlns:a16="http://schemas.microsoft.com/office/drawing/2014/main" id="{FC479778-CC57-5882-7271-F04B6091037E}"/>
+                  </a:ext>
+                </a:extLst>
+              </p:cNvPr>
+              <p:cNvSpPr txBox="1"/>
+              <p:nvPr/>
+            </p:nvSpPr>
+            <p:spPr>
+              <a:xfrm>
+                <a:off x="10421543" y="1667497"/>
+                <a:ext cx="466794" cy="769441"/>
+              </a:xfrm>
+              <a:prstGeom prst="rect">
+                <a:avLst/>
+              </a:prstGeom>
+              <a:noFill/>
+            </p:spPr>
+            <p:txBody>
+              <a:bodyPr wrap="none" rtlCol="0">
+                <a:spAutoFit/>
+              </a:bodyPr>
+              <a:lstStyle/>
+              <a:p>
+                <a:pPr algn="ctr"/>
+                <a:r>
+                  <a:rPr lang="zh-CN" altLang="en-US" sz="1100" dirty="0"/>
+                  <a:t>大阪</a:t>
+                </a:r>
+                <a:endParaRPr lang="en-US" altLang="zh-CN" sz="1100" dirty="0"/>
+              </a:p>
+              <a:p>
+                <a:pPr algn="ctr"/>
+                <a14:m>
+                  <m:oMathPara xmlns:m="http://schemas.openxmlformats.org/officeDocument/2006/math">
+                    <m:oMathParaPr>
+                      <m:jc m:val="centerGroup"/>
+                    </m:oMathParaPr>
+                    <m:oMath xmlns:m="http://schemas.openxmlformats.org/officeDocument/2006/math">
+                      <m:r>
+                        <a:rPr lang="en-US" altLang="zh-CN" sz="1100" b="0" i="1" smtClean="0">
+                          <a:latin typeface="Cambria Math" panose="02040503050406030204" pitchFamily="18" charset="0"/>
+                        </a:rPr>
+                        <m:t>𝜖</m:t>
+                      </m:r>
+                    </m:oMath>
+                  </m:oMathPara>
+                </a14:m>
+                <a:endParaRPr lang="en-US" altLang="zh-CN" sz="1100" dirty="0"/>
+              </a:p>
+              <a:p>
+                <a:pPr algn="ctr"/>
+                <a14:m>
+                  <m:oMathPara xmlns:m="http://schemas.openxmlformats.org/officeDocument/2006/math">
+                    <m:oMathParaPr>
+                      <m:jc m:val="centerGroup"/>
+                    </m:oMathParaPr>
+                    <m:oMath xmlns:m="http://schemas.openxmlformats.org/officeDocument/2006/math">
+                      <m:r>
+                        <a:rPr lang="en-US" altLang="zh-CN" sz="1100" b="0" i="1" smtClean="0">
+                          <a:latin typeface="Cambria Math" panose="02040503050406030204" pitchFamily="18" charset="0"/>
+                        </a:rPr>
+                        <m:t>6</m:t>
+                      </m:r>
+                    </m:oMath>
+                  </m:oMathPara>
+                </a14:m>
+                <a:endParaRPr lang="en-US" altLang="zh-CN" sz="1100" dirty="0"/>
+              </a:p>
+              <a:p>
+                <a:pPr algn="ctr"/>
+                <a14:m>
+                  <m:oMathPara xmlns:m="http://schemas.openxmlformats.org/officeDocument/2006/math">
+                    <m:oMathParaPr>
+                      <m:jc m:val="centerGroup"/>
+                    </m:oMathParaPr>
+                    <m:oMath xmlns:m="http://schemas.openxmlformats.org/officeDocument/2006/math">
+                      <m:r>
+                        <a:rPr lang="en-US" altLang="zh-CN" sz="1100" b="0" i="1" smtClean="0">
+                          <a:latin typeface="Cambria Math" panose="02040503050406030204" pitchFamily="18" charset="0"/>
+                        </a:rPr>
+                        <m:t>𝜖</m:t>
+                      </m:r>
+                    </m:oMath>
+                  </m:oMathPara>
+                </a14:m>
+                <a:endParaRPr lang="zh-CN" altLang="en-US" sz="1100" dirty="0"/>
+              </a:p>
+            </p:txBody>
+          </p:sp>
+        </mc:Choice>
+        <mc:Fallback xmlns="">
+          <p:sp>
+            <p:nvSpPr>
+              <p:cNvPr id="45" name="文本框 44">
+                <a:extLst>
+                  <a:ext uri="{FF2B5EF4-FFF2-40B4-BE49-F238E27FC236}">
+                    <a16:creationId xmlns:a16="http://schemas.microsoft.com/office/drawing/2014/main" id="{FC479778-CC57-5882-7271-F04B6091037E}"/>
+                  </a:ext>
+                </a:extLst>
+              </p:cNvPr>
+              <p:cNvSpPr txBox="1">
+                <a:spLocks noRot="1" noChangeAspect="1" noMove="1" noResize="1" noEditPoints="1" noAdjustHandles="1" noChangeArrowheads="1" noChangeShapeType="1" noTextEdit="1"/>
+              </p:cNvSpPr>
+              <p:nvPr/>
+            </p:nvSpPr>
+            <p:spPr>
+              <a:xfrm>
+                <a:off x="10421543" y="1667497"/>
+                <a:ext cx="466794" cy="769441"/>
+              </a:xfrm>
+              <a:prstGeom prst="rect">
+                <a:avLst/>
+              </a:prstGeom>
+              <a:blipFill>
+                <a:blip r:embed="rId19"/>
+                <a:stretch>
+                  <a:fillRect t="-794"/>
+                </a:stretch>
+              </a:blipFill>
+            </p:spPr>
+            <p:txBody>
+              <a:bodyPr/>
+              <a:lstStyle/>
+              <a:p>
+                <a:r>
+                  <a:rPr lang="zh-CN" altLang="en-US">
+                    <a:noFill/>
+                  </a:rPr>
+                  <a:t> </a:t>
+                </a:r>
+              </a:p>
+            </p:txBody>
+          </p:sp>
+        </mc:Fallback>
+      </mc:AlternateContent>
+      <p:sp>
+        <p:nvSpPr>
+          <p:cNvPr id="46" name="椭圆 45">
+            <a:extLst>
+              <a:ext uri="{FF2B5EF4-FFF2-40B4-BE49-F238E27FC236}">
+                <a16:creationId xmlns:a16="http://schemas.microsoft.com/office/drawing/2014/main" id="{FE26F01E-F500-F616-42CB-87656AAA5DDE}"/>
+              </a:ext>
+            </a:extLst>
+          </p:cNvPr>
+          <p:cNvSpPr/>
+          <p:nvPr/>
+        </p:nvSpPr>
+        <p:spPr>
+          <a:xfrm>
+            <a:off x="8903141" y="2748435"/>
+            <a:ext cx="508883" cy="508883"/>
+          </a:xfrm>
+          <a:prstGeom prst="ellipse">
+            <a:avLst/>
+          </a:prstGeom>
+          <a:noFill/>
+        </p:spPr>
+        <p:style>
+          <a:lnRef idx="2">
+            <a:schemeClr val="accent1">
+              <a:shade val="15000"/>
+            </a:schemeClr>
+          </a:lnRef>
+          <a:fillRef idx="1">
+            <a:schemeClr val="accent1"/>
+          </a:fillRef>
+          <a:effectRef idx="0">
+            <a:schemeClr val="accent1"/>
+          </a:effectRef>
+          <a:fontRef idx="minor">
+            <a:schemeClr val="lt1"/>
+          </a:fontRef>
+        </p:style>
+        <p:txBody>
+          <a:bodyPr wrap="none" rtlCol="0" anchor="ctr"/>
+          <a:lstStyle/>
+          <a:p>
+            <a:pPr algn="ctr"/>
+            <a:r>
+              <a:rPr lang="en-US" altLang="zh-CN" dirty="0">
+                <a:solidFill>
+                  <a:schemeClr val="tx1"/>
+                </a:solidFill>
+              </a:rPr>
+              <a:t>20</a:t>
+            </a:r>
+            <a:endParaRPr lang="zh-CN" altLang="en-US" dirty="0">
+              <a:solidFill>
+                <a:schemeClr val="tx1"/>
+              </a:solidFill>
+            </a:endParaRPr>
+          </a:p>
+        </p:txBody>
+      </p:sp>
+      <mc:AlternateContent xmlns:mc="http://schemas.openxmlformats.org/markup-compatibility/2006" xmlns:a14="http://schemas.microsoft.com/office/drawing/2010/main">
+        <mc:Choice Requires="a14">
+          <p:sp>
+            <p:nvSpPr>
+              <p:cNvPr id="47" name="文本框 46">
+                <a:extLst>
+                  <a:ext uri="{FF2B5EF4-FFF2-40B4-BE49-F238E27FC236}">
+                    <a16:creationId xmlns:a16="http://schemas.microsoft.com/office/drawing/2014/main" id="{0025D948-D239-17A5-547A-78278EB06584}"/>
+                  </a:ext>
+                </a:extLst>
+              </p:cNvPr>
+              <p:cNvSpPr txBox="1"/>
+              <p:nvPr/>
+            </p:nvSpPr>
+            <p:spPr>
+              <a:xfrm>
+                <a:off x="9304952" y="2469600"/>
+                <a:ext cx="748923" cy="938719"/>
+              </a:xfrm>
+              <a:prstGeom prst="rect">
+                <a:avLst/>
+              </a:prstGeom>
+              <a:noFill/>
+            </p:spPr>
+            <p:txBody>
+              <a:bodyPr wrap="none" rtlCol="0">
+                <a:spAutoFit/>
+              </a:bodyPr>
+              <a:lstStyle/>
+              <a:p>
+                <a:pPr algn="ctr"/>
+                <a:r>
+                  <a:rPr lang="zh-CN" altLang="en-US" sz="1100" dirty="0"/>
+                  <a:t>大阪大学</a:t>
+                </a:r>
+                <a:endParaRPr lang="en-US" altLang="zh-CN" sz="1100" dirty="0"/>
+              </a:p>
+              <a:p>
+                <a:pPr algn="ctr"/>
+                <a:r>
+                  <a:rPr lang="zh-CN" altLang="en-US" sz="1100" dirty="0"/>
+                  <a:t>吹田校区</a:t>
+                </a:r>
+                <a:endParaRPr lang="en-US" altLang="zh-CN" sz="1100" dirty="0"/>
+              </a:p>
+              <a:p>
+                <a:pPr algn="ctr"/>
+                <a14:m>
+                  <m:oMathPara xmlns:m="http://schemas.openxmlformats.org/officeDocument/2006/math">
+                    <m:oMathParaPr>
+                      <m:jc m:val="centerGroup"/>
+                    </m:oMathParaPr>
+                    <m:oMath xmlns:m="http://schemas.openxmlformats.org/officeDocument/2006/math">
+                      <m:r>
+                        <a:rPr lang="en-US" altLang="zh-CN" sz="1100" b="0" i="1" smtClean="0">
+                          <a:latin typeface="Cambria Math" panose="02040503050406030204" pitchFamily="18" charset="0"/>
+                        </a:rPr>
+                        <m:t>𝜖</m:t>
+                      </m:r>
+                    </m:oMath>
+                  </m:oMathPara>
+                </a14:m>
+                <a:endParaRPr lang="en-US" altLang="zh-CN" sz="1100" dirty="0"/>
+              </a:p>
+              <a:p>
+                <a:pPr algn="ctr"/>
+                <a14:m>
+                  <m:oMathPara xmlns:m="http://schemas.openxmlformats.org/officeDocument/2006/math">
+                    <m:oMathParaPr>
+                      <m:jc m:val="centerGroup"/>
+                    </m:oMathParaPr>
+                    <m:oMath xmlns:m="http://schemas.openxmlformats.org/officeDocument/2006/math">
+                      <m:r>
+                        <a:rPr lang="en-US" altLang="zh-CN" sz="1100" b="0" i="1" smtClean="0">
+                          <a:latin typeface="Cambria Math" panose="02040503050406030204" pitchFamily="18" charset="0"/>
+                        </a:rPr>
+                        <m:t>6879</m:t>
+                      </m:r>
+                    </m:oMath>
+                  </m:oMathPara>
+                </a14:m>
+                <a:endParaRPr lang="en-US" altLang="zh-CN" sz="1100" dirty="0"/>
+              </a:p>
+              <a:p>
+                <a:pPr algn="ctr"/>
+                <a14:m>
+                  <m:oMathPara xmlns:m="http://schemas.openxmlformats.org/officeDocument/2006/math">
+                    <m:oMathParaPr>
+                      <m:jc m:val="centerGroup"/>
+                    </m:oMathParaPr>
+                    <m:oMath xmlns:m="http://schemas.openxmlformats.org/officeDocument/2006/math">
+                      <m:r>
+                        <a:rPr lang="en-US" altLang="zh-CN" sz="1100" b="0" i="1" smtClean="0">
+                          <a:latin typeface="Cambria Math" panose="02040503050406030204" pitchFamily="18" charset="0"/>
+                        </a:rPr>
+                        <m:t>𝜖</m:t>
+                      </m:r>
+                    </m:oMath>
+                  </m:oMathPara>
+                </a14:m>
+                <a:endParaRPr lang="zh-CN" altLang="en-US" sz="1100" dirty="0"/>
+              </a:p>
+            </p:txBody>
+          </p:sp>
+        </mc:Choice>
+        <mc:Fallback xmlns="">
+          <p:sp>
+            <p:nvSpPr>
+              <p:cNvPr id="47" name="文本框 46">
+                <a:extLst>
+                  <a:ext uri="{FF2B5EF4-FFF2-40B4-BE49-F238E27FC236}">
+                    <a16:creationId xmlns:a16="http://schemas.microsoft.com/office/drawing/2014/main" id="{0025D948-D239-17A5-547A-78278EB06584}"/>
+                  </a:ext>
+                </a:extLst>
+              </p:cNvPr>
+              <p:cNvSpPr txBox="1">
+                <a:spLocks noRot="1" noChangeAspect="1" noMove="1" noResize="1" noEditPoints="1" noAdjustHandles="1" noChangeArrowheads="1" noChangeShapeType="1" noTextEdit="1"/>
+              </p:cNvSpPr>
+              <p:nvPr/>
+            </p:nvSpPr>
+            <p:spPr>
+              <a:xfrm>
+                <a:off x="9304952" y="2469600"/>
+                <a:ext cx="748923" cy="938719"/>
+              </a:xfrm>
+              <a:prstGeom prst="rect">
+                <a:avLst/>
+              </a:prstGeom>
+              <a:blipFill>
+                <a:blip r:embed="rId20"/>
+                <a:stretch>
+                  <a:fillRect t="-649"/>
+                </a:stretch>
+              </a:blipFill>
+            </p:spPr>
+            <p:txBody>
+              <a:bodyPr/>
+              <a:lstStyle/>
+              <a:p>
+                <a:r>
+                  <a:rPr lang="zh-CN" altLang="en-US">
+                    <a:noFill/>
+                  </a:rPr>
+                  <a:t> </a:t>
+                </a:r>
+              </a:p>
+            </p:txBody>
+          </p:sp>
+        </mc:Fallback>
+      </mc:AlternateContent>
+      <p:sp>
+        <p:nvSpPr>
+          <p:cNvPr id="48" name="椭圆 47">
+            <a:extLst>
+              <a:ext uri="{FF2B5EF4-FFF2-40B4-BE49-F238E27FC236}">
+                <a16:creationId xmlns:a16="http://schemas.microsoft.com/office/drawing/2014/main" id="{22353F32-CEC6-6F15-DE50-C161CA0810F1}"/>
+              </a:ext>
+            </a:extLst>
+          </p:cNvPr>
+          <p:cNvSpPr/>
+          <p:nvPr/>
+        </p:nvSpPr>
+        <p:spPr>
+          <a:xfrm>
+            <a:off x="8396380" y="3533867"/>
+            <a:ext cx="508883" cy="508883"/>
+          </a:xfrm>
+          <a:prstGeom prst="ellipse">
+            <a:avLst/>
+          </a:prstGeom>
+          <a:solidFill>
+            <a:schemeClr val="accent2"/>
+          </a:solidFill>
+          <a:ln>
+            <a:solidFill>
+              <a:schemeClr val="tx1"/>
+            </a:solidFill>
+          </a:ln>
+        </p:spPr>
+        <p:style>
+          <a:lnRef idx="2">
+            <a:schemeClr val="accent1">
+              <a:shade val="15000"/>
+            </a:schemeClr>
+          </a:lnRef>
+          <a:fillRef idx="1">
+            <a:schemeClr val="accent1"/>
+          </a:fillRef>
+          <a:effectRef idx="0">
+            <a:schemeClr val="accent1"/>
+          </a:effectRef>
+          <a:fontRef idx="minor">
+            <a:schemeClr val="lt1"/>
+          </a:fontRef>
+        </p:style>
+        <p:txBody>
+          <a:bodyPr wrap="none" rtlCol="0" anchor="ctr"/>
+          <a:lstStyle/>
+          <a:p>
+            <a:pPr algn="ctr"/>
+            <a:r>
+              <a:rPr lang="en-US" altLang="zh-CN" dirty="0"/>
+              <a:t>21</a:t>
+            </a:r>
+            <a:endParaRPr lang="zh-CN" altLang="en-US" dirty="0"/>
+          </a:p>
+        </p:txBody>
+      </p:sp>
+      <mc:AlternateContent xmlns:mc="http://schemas.openxmlformats.org/markup-compatibility/2006" xmlns:a14="http://schemas.microsoft.com/office/drawing/2010/main">
+        <mc:Choice Requires="a14">
+          <p:sp>
+            <p:nvSpPr>
+              <p:cNvPr id="49" name="文本框 48">
+                <a:extLst>
+                  <a:ext uri="{FF2B5EF4-FFF2-40B4-BE49-F238E27FC236}">
+                    <a16:creationId xmlns:a16="http://schemas.microsoft.com/office/drawing/2014/main" id="{CB0D9DD3-2EE4-2D3E-C7CE-93175C975049}"/>
+                  </a:ext>
+                </a:extLst>
+              </p:cNvPr>
+              <p:cNvSpPr txBox="1"/>
+              <p:nvPr/>
+            </p:nvSpPr>
+            <p:spPr>
+              <a:xfrm>
+                <a:off x="8085808" y="4066889"/>
+                <a:ext cx="1172116" cy="600164"/>
+              </a:xfrm>
+              <a:prstGeom prst="rect">
+                <a:avLst/>
+              </a:prstGeom>
+              <a:noFill/>
+            </p:spPr>
+            <p:txBody>
+              <a:bodyPr wrap="none" rtlCol="0">
+                <a:spAutoFit/>
+              </a:bodyPr>
+              <a:lstStyle/>
+              <a:p>
+                <a:pPr algn="ctr"/>
+                <a:r>
+                  <a:rPr lang="zh-CN" altLang="en-US" sz="1100" dirty="0"/>
+                  <a:t>研究生院信息科</a:t>
+                </a:r>
+                <a:endParaRPr lang="en-US" altLang="zh-CN" sz="1100" dirty="0"/>
+              </a:p>
+              <a:p>
+                <a:pPr algn="ctr"/>
+                <a:r>
+                  <a:rPr lang="zh-CN" altLang="en-US" sz="1100" dirty="0"/>
+                  <a:t>学研究科办公室</a:t>
+                </a:r>
+                <a:endParaRPr lang="en-US" altLang="zh-CN" sz="1100" dirty="0"/>
+              </a:p>
+              <a:p>
+                <a:pPr algn="ctr"/>
+                <a14:m>
+                  <m:oMathPara xmlns:m="http://schemas.openxmlformats.org/officeDocument/2006/math">
+                    <m:oMathParaPr>
+                      <m:jc m:val="centerGroup"/>
+                    </m:oMathParaPr>
+                    <m:oMath xmlns:m="http://schemas.openxmlformats.org/officeDocument/2006/math">
+                      <m:r>
+                        <a:rPr lang="en-US" altLang="zh-CN" sz="1100" i="1" dirty="0" smtClean="0">
+                          <a:latin typeface="Cambria Math" panose="02040503050406030204" pitchFamily="18" charset="0"/>
+                        </a:rPr>
+                        <m:t>4508</m:t>
+                      </m:r>
+                    </m:oMath>
+                  </m:oMathPara>
+                </a14:m>
+                <a:endParaRPr lang="en-US" altLang="zh-CN" sz="1100" dirty="0"/>
+              </a:p>
+            </p:txBody>
+          </p:sp>
+        </mc:Choice>
+        <mc:Fallback xmlns="">
+          <p:sp>
+            <p:nvSpPr>
+              <p:cNvPr id="49" name="文本框 48">
+                <a:extLst>
+                  <a:ext uri="{FF2B5EF4-FFF2-40B4-BE49-F238E27FC236}">
+                    <a16:creationId xmlns:a16="http://schemas.microsoft.com/office/drawing/2014/main" id="{CB0D9DD3-2EE4-2D3E-C7CE-93175C975049}"/>
+                  </a:ext>
+                </a:extLst>
+              </p:cNvPr>
+              <p:cNvSpPr txBox="1">
+                <a:spLocks noRot="1" noChangeAspect="1" noMove="1" noResize="1" noEditPoints="1" noAdjustHandles="1" noChangeArrowheads="1" noChangeShapeType="1" noTextEdit="1"/>
+              </p:cNvSpPr>
+              <p:nvPr/>
+            </p:nvSpPr>
+            <p:spPr>
+              <a:xfrm>
+                <a:off x="8085808" y="4066889"/>
+                <a:ext cx="1172116" cy="600164"/>
+              </a:xfrm>
+              <a:prstGeom prst="rect">
+                <a:avLst/>
+              </a:prstGeom>
+              <a:blipFill>
+                <a:blip r:embed="rId21"/>
+                <a:stretch>
+                  <a:fillRect t="-1010"/>
+                </a:stretch>
+              </a:blipFill>
+            </p:spPr>
+            <p:txBody>
+              <a:bodyPr/>
+              <a:lstStyle/>
+              <a:p>
+                <a:r>
+                  <a:rPr lang="zh-CN" altLang="en-US">
+                    <a:noFill/>
+                  </a:rPr>
+                  <a:t> </a:t>
+                </a:r>
+              </a:p>
+            </p:txBody>
+          </p:sp>
+        </mc:Fallback>
+      </mc:AlternateContent>
+      <p:sp>
+        <p:nvSpPr>
+          <p:cNvPr id="50" name="椭圆 49">
+            <a:extLst>
+              <a:ext uri="{FF2B5EF4-FFF2-40B4-BE49-F238E27FC236}">
+                <a16:creationId xmlns:a16="http://schemas.microsoft.com/office/drawing/2014/main" id="{F5E51400-1105-A28B-AEE9-A0CAE20C0438}"/>
+              </a:ext>
+            </a:extLst>
+          </p:cNvPr>
+          <p:cNvSpPr/>
+          <p:nvPr/>
+        </p:nvSpPr>
+        <p:spPr>
+          <a:xfrm>
+            <a:off x="9907288" y="3533867"/>
+            <a:ext cx="508883" cy="508883"/>
+          </a:xfrm>
+          <a:prstGeom prst="ellipse">
+            <a:avLst/>
+          </a:prstGeom>
+          <a:solidFill>
+            <a:schemeClr val="accent2"/>
+          </a:solidFill>
+          <a:ln>
+            <a:solidFill>
+              <a:schemeClr val="tx1"/>
+            </a:solidFill>
+          </a:ln>
+        </p:spPr>
+        <p:style>
+          <a:lnRef idx="2">
+            <a:schemeClr val="accent1">
+              <a:shade val="15000"/>
+            </a:schemeClr>
+          </a:lnRef>
+          <a:fillRef idx="1">
+            <a:schemeClr val="accent1"/>
+          </a:fillRef>
+          <a:effectRef idx="0">
+            <a:schemeClr val="accent1"/>
+          </a:effectRef>
+          <a:fontRef idx="minor">
+            <a:schemeClr val="lt1"/>
+          </a:fontRef>
+        </p:style>
+        <p:txBody>
+          <a:bodyPr wrap="none" rtlCol="0" anchor="ctr"/>
+          <a:lstStyle/>
+          <a:p>
+            <a:pPr algn="ctr"/>
+            <a:r>
+              <a:rPr lang="en-US" altLang="zh-CN" dirty="0"/>
+              <a:t>22</a:t>
+            </a:r>
+            <a:endParaRPr lang="zh-CN" altLang="en-US" dirty="0"/>
+          </a:p>
+        </p:txBody>
+      </p:sp>
+      <mc:AlternateContent xmlns:mc="http://schemas.openxmlformats.org/markup-compatibility/2006" xmlns:a14="http://schemas.microsoft.com/office/drawing/2010/main">
+        <mc:Choice Requires="a14">
+          <p:sp>
+            <p:nvSpPr>
+              <p:cNvPr id="51" name="文本框 50">
+                <a:extLst>
+                  <a:ext uri="{FF2B5EF4-FFF2-40B4-BE49-F238E27FC236}">
+                    <a16:creationId xmlns:a16="http://schemas.microsoft.com/office/drawing/2014/main" id="{78455789-AF79-A993-0197-327B5C3C030D}"/>
+                  </a:ext>
+                </a:extLst>
+              </p:cNvPr>
+              <p:cNvSpPr txBox="1"/>
+              <p:nvPr/>
+            </p:nvSpPr>
+            <p:spPr>
+              <a:xfrm>
+                <a:off x="9596718" y="4066889"/>
+                <a:ext cx="1172116" cy="430887"/>
+              </a:xfrm>
+              <a:prstGeom prst="rect">
+                <a:avLst/>
+              </a:prstGeom>
+              <a:noFill/>
+            </p:spPr>
+            <p:txBody>
+              <a:bodyPr wrap="none" rtlCol="0">
+                <a:spAutoFit/>
+              </a:bodyPr>
+              <a:lstStyle/>
+              <a:p>
+                <a:pPr algn="ctr"/>
+                <a:r>
+                  <a:rPr lang="zh-CN" altLang="en-US" sz="1100" dirty="0"/>
+                  <a:t>生命机能研究科</a:t>
+                </a:r>
+                <a:endParaRPr lang="en-US" altLang="zh-CN" sz="1100" dirty="0"/>
+              </a:p>
+              <a:p>
+                <a:pPr algn="ctr"/>
+                <a14:m>
+                  <m:oMathPara xmlns:m="http://schemas.openxmlformats.org/officeDocument/2006/math">
+                    <m:oMathParaPr>
+                      <m:jc m:val="centerGroup"/>
+                    </m:oMathParaPr>
+                    <m:oMath xmlns:m="http://schemas.openxmlformats.org/officeDocument/2006/math">
+                      <m:r>
+                        <a:rPr lang="en-US" altLang="zh-CN" sz="1100" i="1" dirty="0" smtClean="0">
+                          <a:latin typeface="Cambria Math" panose="02040503050406030204" pitchFamily="18" charset="0"/>
+                        </a:rPr>
+                        <m:t>4421</m:t>
+                      </m:r>
+                    </m:oMath>
+                  </m:oMathPara>
+                </a14:m>
+                <a:endParaRPr lang="en-US" altLang="zh-CN" sz="1100" dirty="0"/>
+              </a:p>
+            </p:txBody>
+          </p:sp>
+        </mc:Choice>
+        <mc:Fallback xmlns="">
+          <p:sp>
+            <p:nvSpPr>
+              <p:cNvPr id="51" name="文本框 50">
+                <a:extLst>
+                  <a:ext uri="{FF2B5EF4-FFF2-40B4-BE49-F238E27FC236}">
+                    <a16:creationId xmlns:a16="http://schemas.microsoft.com/office/drawing/2014/main" id="{78455789-AF79-A993-0197-327B5C3C030D}"/>
+                  </a:ext>
+                </a:extLst>
+              </p:cNvPr>
+              <p:cNvSpPr txBox="1">
+                <a:spLocks noRot="1" noChangeAspect="1" noMove="1" noResize="1" noEditPoints="1" noAdjustHandles="1" noChangeArrowheads="1" noChangeShapeType="1" noTextEdit="1"/>
+              </p:cNvSpPr>
+              <p:nvPr/>
+            </p:nvSpPr>
+            <p:spPr>
+              <a:xfrm>
+                <a:off x="9596718" y="4066889"/>
+                <a:ext cx="1172116" cy="430887"/>
+              </a:xfrm>
+              <a:prstGeom prst="rect">
+                <a:avLst/>
+              </a:prstGeom>
+              <a:blipFill>
+                <a:blip r:embed="rId22"/>
+                <a:stretch>
+                  <a:fillRect t="-1408"/>
+                </a:stretch>
+              </a:blipFill>
+            </p:spPr>
+            <p:txBody>
+              <a:bodyPr/>
+              <a:lstStyle/>
+              <a:p>
+                <a:r>
+                  <a:rPr lang="zh-CN" altLang="en-US">
+                    <a:noFill/>
+                  </a:rPr>
+                  <a:t> </a:t>
+                </a:r>
+              </a:p>
+            </p:txBody>
+          </p:sp>
+        </mc:Fallback>
+      </mc:AlternateContent>
+      <p:sp>
+        <p:nvSpPr>
+          <p:cNvPr id="52" name="椭圆 51">
+            <a:extLst>
+              <a:ext uri="{FF2B5EF4-FFF2-40B4-BE49-F238E27FC236}">
+                <a16:creationId xmlns:a16="http://schemas.microsoft.com/office/drawing/2014/main" id="{000BE004-02DC-10D1-144E-D44999A0FF43}"/>
+              </a:ext>
+            </a:extLst>
+          </p:cNvPr>
+          <p:cNvSpPr/>
+          <p:nvPr/>
+        </p:nvSpPr>
+        <p:spPr>
+          <a:xfrm>
+            <a:off x="10633891" y="2748435"/>
+            <a:ext cx="508883" cy="508883"/>
+          </a:xfrm>
+          <a:prstGeom prst="ellipse">
+            <a:avLst/>
+          </a:prstGeom>
+          <a:noFill/>
+        </p:spPr>
+        <p:style>
+          <a:lnRef idx="2">
+            <a:schemeClr val="accent1">
+              <a:shade val="15000"/>
+            </a:schemeClr>
+          </a:lnRef>
+          <a:fillRef idx="1">
+            <a:schemeClr val="accent1"/>
+          </a:fillRef>
+          <a:effectRef idx="0">
+            <a:schemeClr val="accent1"/>
+          </a:effectRef>
+          <a:fontRef idx="minor">
+            <a:schemeClr val="lt1"/>
+          </a:fontRef>
+        </p:style>
+        <p:txBody>
+          <a:bodyPr wrap="none" rtlCol="0" anchor="ctr"/>
+          <a:lstStyle/>
+          <a:p>
+            <a:pPr algn="ctr"/>
+            <a:r>
+              <a:rPr lang="en-US" altLang="zh-CN" dirty="0">
+                <a:solidFill>
+                  <a:schemeClr val="tx1"/>
+                </a:solidFill>
+              </a:rPr>
+              <a:t>23</a:t>
+            </a:r>
+            <a:endParaRPr lang="zh-CN" altLang="en-US" dirty="0">
+              <a:solidFill>
+                <a:schemeClr val="tx1"/>
+              </a:solidFill>
+            </a:endParaRPr>
+          </a:p>
+        </p:txBody>
+      </p:sp>
+      <p:sp>
+        <p:nvSpPr>
+          <p:cNvPr id="54" name="椭圆 53">
+            <a:extLst>
+              <a:ext uri="{FF2B5EF4-FFF2-40B4-BE49-F238E27FC236}">
+                <a16:creationId xmlns:a16="http://schemas.microsoft.com/office/drawing/2014/main" id="{5E3FB60C-B150-85E2-8DBA-81BAB6F8BE2E}"/>
+              </a:ext>
+            </a:extLst>
+          </p:cNvPr>
+          <p:cNvSpPr/>
+          <p:nvPr/>
+        </p:nvSpPr>
+        <p:spPr>
+          <a:xfrm>
+            <a:off x="11129191" y="3533867"/>
+            <a:ext cx="508883" cy="508883"/>
+          </a:xfrm>
+          <a:prstGeom prst="ellipse">
+            <a:avLst/>
+          </a:prstGeom>
+          <a:solidFill>
+            <a:schemeClr val="accent2"/>
+          </a:solidFill>
+          <a:ln>
+            <a:solidFill>
+              <a:schemeClr val="tx1"/>
+            </a:solidFill>
+          </a:ln>
+        </p:spPr>
+        <p:style>
+          <a:lnRef idx="2">
+            <a:schemeClr val="accent1">
+              <a:shade val="15000"/>
+            </a:schemeClr>
+          </a:lnRef>
+          <a:fillRef idx="1">
+            <a:schemeClr val="accent1"/>
+          </a:fillRef>
+          <a:effectRef idx="0">
+            <a:schemeClr val="accent1"/>
+          </a:effectRef>
+          <a:fontRef idx="minor">
+            <a:schemeClr val="lt1"/>
+          </a:fontRef>
+        </p:style>
+        <p:txBody>
+          <a:bodyPr wrap="none" rtlCol="0" anchor="ctr"/>
+          <a:lstStyle/>
+          <a:p>
+            <a:pPr algn="ctr"/>
+            <a:r>
+              <a:rPr lang="en-US" altLang="zh-CN" dirty="0"/>
+              <a:t>24</a:t>
+            </a:r>
+            <a:endParaRPr lang="zh-CN" altLang="en-US" dirty="0"/>
+          </a:p>
+        </p:txBody>
+      </p:sp>
+      <mc:AlternateContent xmlns:mc="http://schemas.openxmlformats.org/markup-compatibility/2006" xmlns:a14="http://schemas.microsoft.com/office/drawing/2010/main">
+        <mc:Choice Requires="a14">
+          <p:sp>
+            <p:nvSpPr>
+              <p:cNvPr id="55" name="文本框 54">
+                <a:extLst>
+                  <a:ext uri="{FF2B5EF4-FFF2-40B4-BE49-F238E27FC236}">
+                    <a16:creationId xmlns:a16="http://schemas.microsoft.com/office/drawing/2014/main" id="{A16A0344-5B99-5FF3-480B-5CA579DD7050}"/>
+                  </a:ext>
+                </a:extLst>
+              </p:cNvPr>
+              <p:cNvSpPr txBox="1"/>
+              <p:nvPr/>
+            </p:nvSpPr>
+            <p:spPr>
+              <a:xfrm>
+                <a:off x="10833286" y="4066889"/>
+                <a:ext cx="1100691" cy="430887"/>
+              </a:xfrm>
+              <a:prstGeom prst="rect">
+                <a:avLst/>
+              </a:prstGeom>
+              <a:noFill/>
+            </p:spPr>
+            <p:txBody>
+              <a:bodyPr wrap="square" rtlCol="0">
+                <a:spAutoFit/>
+              </a:bodyPr>
+              <a:lstStyle/>
+              <a:p>
+                <a:pPr algn="ctr"/>
+                <a:r>
+                  <a:rPr lang="zh-CN" altLang="en-US" sz="1100" dirty="0"/>
+                  <a:t>信息科学系</a:t>
+                </a:r>
+                <a:endParaRPr lang="en-US" altLang="zh-CN" sz="1100" dirty="0"/>
+              </a:p>
+              <a:p>
+                <a:pPr algn="ctr"/>
+                <a14:m>
+                  <m:oMathPara xmlns:m="http://schemas.openxmlformats.org/officeDocument/2006/math">
+                    <m:oMathParaPr>
+                      <m:jc m:val="centerGroup"/>
+                    </m:oMathParaPr>
+                    <m:oMath xmlns:m="http://schemas.openxmlformats.org/officeDocument/2006/math">
+                      <m:r>
+                        <a:rPr lang="en-US" altLang="zh-CN" sz="1100" i="1" dirty="0" smtClean="0">
+                          <a:latin typeface="Cambria Math" panose="02040503050406030204" pitchFamily="18" charset="0"/>
+                        </a:rPr>
+                        <m:t>6618</m:t>
+                      </m:r>
+                    </m:oMath>
+                  </m:oMathPara>
+                </a14:m>
+                <a:endParaRPr lang="en-US" altLang="zh-CN" sz="1100" dirty="0"/>
+              </a:p>
+            </p:txBody>
+          </p:sp>
+        </mc:Choice>
+        <mc:Fallback xmlns="">
+          <p:sp>
+            <p:nvSpPr>
+              <p:cNvPr id="55" name="文本框 54">
+                <a:extLst>
+                  <a:ext uri="{FF2B5EF4-FFF2-40B4-BE49-F238E27FC236}">
+                    <a16:creationId xmlns:a16="http://schemas.microsoft.com/office/drawing/2014/main" id="{A16A0344-5B99-5FF3-480B-5CA579DD7050}"/>
+                  </a:ext>
+                </a:extLst>
+              </p:cNvPr>
+              <p:cNvSpPr txBox="1">
+                <a:spLocks noRot="1" noChangeAspect="1" noMove="1" noResize="1" noEditPoints="1" noAdjustHandles="1" noChangeArrowheads="1" noChangeShapeType="1" noTextEdit="1"/>
+              </p:cNvSpPr>
+              <p:nvPr/>
+            </p:nvSpPr>
+            <p:spPr>
+              <a:xfrm>
+                <a:off x="10833286" y="4066889"/>
+                <a:ext cx="1100691" cy="430887"/>
+              </a:xfrm>
+              <a:prstGeom prst="rect">
+                <a:avLst/>
+              </a:prstGeom>
+              <a:blipFill>
+                <a:blip r:embed="rId23"/>
+                <a:stretch>
+                  <a:fillRect t="-1408"/>
+                </a:stretch>
+              </a:blipFill>
+            </p:spPr>
+            <p:txBody>
+              <a:bodyPr/>
+              <a:lstStyle/>
+              <a:p>
+                <a:r>
+                  <a:rPr lang="zh-CN" altLang="en-US">
+                    <a:noFill/>
+                  </a:rPr>
+                  <a:t> </a:t>
+                </a:r>
+              </a:p>
+            </p:txBody>
+          </p:sp>
+        </mc:Fallback>
+      </mc:AlternateContent>
+      <p:sp>
+        <p:nvSpPr>
+          <p:cNvPr id="56" name="矩形 55">
+            <a:extLst>
+              <a:ext uri="{FF2B5EF4-FFF2-40B4-BE49-F238E27FC236}">
+                <a16:creationId xmlns:a16="http://schemas.microsoft.com/office/drawing/2014/main" id="{022E4B46-40DF-1FD0-1645-C57EC20D1B94}"/>
+              </a:ext>
+            </a:extLst>
+          </p:cNvPr>
+          <p:cNvSpPr/>
+          <p:nvPr/>
+        </p:nvSpPr>
+        <p:spPr>
+          <a:xfrm>
+            <a:off x="4594860" y="5006340"/>
+            <a:ext cx="2362553" cy="1394460"/>
+          </a:xfrm>
+          <a:prstGeom prst="rect">
+            <a:avLst/>
+          </a:prstGeom>
+          <a:solidFill>
+            <a:schemeClr val="bg1"/>
+          </a:solidFill>
+        </p:spPr>
+        <p:style>
+          <a:lnRef idx="2">
+            <a:schemeClr val="accent1">
+              <a:shade val="15000"/>
+            </a:schemeClr>
+          </a:lnRef>
+          <a:fillRef idx="1">
+            <a:schemeClr val="accent1"/>
+          </a:fillRef>
+          <a:effectRef idx="0">
+            <a:schemeClr val="accent1"/>
+          </a:effectRef>
+          <a:fontRef idx="minor">
+            <a:schemeClr val="lt1"/>
+          </a:fontRef>
+        </p:style>
+        <p:txBody>
+          <a:bodyPr rtlCol="0" anchor="ctr"/>
+          <a:lstStyle/>
+          <a:p>
+            <a:pPr algn="ctr"/>
+            <a:endParaRPr lang="zh-CN" altLang="en-US" dirty="0"/>
+          </a:p>
+        </p:txBody>
+      </p:sp>
+      <p:sp>
+        <p:nvSpPr>
+          <p:cNvPr id="57" name="文本框 56">
+            <a:extLst>
+              <a:ext uri="{FF2B5EF4-FFF2-40B4-BE49-F238E27FC236}">
+                <a16:creationId xmlns:a16="http://schemas.microsoft.com/office/drawing/2014/main" id="{32C3782B-E87F-484A-69B8-5C15F4C1FBA9}"/>
+              </a:ext>
+            </a:extLst>
+          </p:cNvPr>
+          <p:cNvSpPr txBox="1"/>
+          <p:nvPr/>
+        </p:nvSpPr>
+        <p:spPr>
+          <a:xfrm>
+            <a:off x="3973006" y="5372100"/>
+            <a:ext cx="646331" cy="369332"/>
+          </a:xfrm>
+          <a:prstGeom prst="rect">
+            <a:avLst/>
+          </a:prstGeom>
+          <a:noFill/>
+        </p:spPr>
+        <p:txBody>
+          <a:bodyPr wrap="none" rtlCol="0">
+            <a:spAutoFit/>
+          </a:bodyPr>
+          <a:lstStyle/>
+          <a:p>
+            <a:r>
+              <a:rPr lang="zh-CN" altLang="en-US" dirty="0"/>
+              <a:t>图例</a:t>
+            </a:r>
+          </a:p>
+        </p:txBody>
+      </p:sp>
+      <p:sp>
+        <p:nvSpPr>
+          <p:cNvPr id="58" name="椭圆 57">
+            <a:extLst>
+              <a:ext uri="{FF2B5EF4-FFF2-40B4-BE49-F238E27FC236}">
+                <a16:creationId xmlns:a16="http://schemas.microsoft.com/office/drawing/2014/main" id="{91719371-3E5E-D1D6-F7E1-2CFDF1B56232}"/>
+              </a:ext>
+            </a:extLst>
+          </p:cNvPr>
+          <p:cNvSpPr/>
+          <p:nvPr/>
+        </p:nvSpPr>
+        <p:spPr>
+          <a:xfrm>
+            <a:off x="4758422" y="5292022"/>
+            <a:ext cx="508883" cy="508883"/>
+          </a:xfrm>
+          <a:prstGeom prst="ellipse">
+            <a:avLst/>
+          </a:prstGeom>
+          <a:noFill/>
+        </p:spPr>
+        <p:style>
+          <a:lnRef idx="2">
+            <a:schemeClr val="accent1">
+              <a:shade val="15000"/>
+            </a:schemeClr>
+          </a:lnRef>
+          <a:fillRef idx="1">
+            <a:schemeClr val="accent1"/>
+          </a:fillRef>
+          <a:effectRef idx="0">
+            <a:schemeClr val="accent1"/>
+          </a:effectRef>
+          <a:fontRef idx="minor">
+            <a:schemeClr val="lt1"/>
+          </a:fontRef>
+        </p:style>
+        <p:txBody>
+          <a:bodyPr wrap="none" rtlCol="0" anchor="ctr"/>
+          <a:lstStyle/>
+          <a:p>
+            <a:pPr algn="ctr"/>
+            <a:r>
+              <a:rPr lang="zh-CN" altLang="en-US" sz="1600" dirty="0">
+                <a:solidFill>
+                  <a:schemeClr val="tx1"/>
+                </a:solidFill>
+              </a:rPr>
+              <a:t>编号</a:t>
+            </a:r>
+          </a:p>
+        </p:txBody>
+      </p:sp>
+      <mc:AlternateContent xmlns:mc="http://schemas.openxmlformats.org/markup-compatibility/2006" xmlns:a14="http://schemas.microsoft.com/office/drawing/2010/main">
+        <mc:Choice Requires="a14">
+          <p:sp>
+            <p:nvSpPr>
+              <p:cNvPr id="59" name="文本框 58">
+                <a:extLst>
+                  <a:ext uri="{FF2B5EF4-FFF2-40B4-BE49-F238E27FC236}">
+                    <a16:creationId xmlns:a16="http://schemas.microsoft.com/office/drawing/2014/main" id="{7080BB36-4F07-A9A8-FD8C-F3E6C38582D8}"/>
+                  </a:ext>
+                </a:extLst>
+              </p:cNvPr>
+              <p:cNvSpPr txBox="1"/>
+              <p:nvPr/>
+            </p:nvSpPr>
+            <p:spPr>
+              <a:xfrm>
+                <a:off x="5089700" y="5113277"/>
+                <a:ext cx="889987" cy="769441"/>
+              </a:xfrm>
+              <a:prstGeom prst="rect">
+                <a:avLst/>
+              </a:prstGeom>
+              <a:noFill/>
+            </p:spPr>
+            <p:txBody>
+              <a:bodyPr wrap="none" rtlCol="0">
+                <a:spAutoFit/>
+              </a:bodyPr>
+              <a:lstStyle/>
+              <a:p>
+                <a:pPr algn="ctr"/>
+                <a:r>
+                  <a:rPr lang="zh-CN" altLang="en-US" sz="1100" dirty="0"/>
+                  <a:t>交换节点名</a:t>
+                </a:r>
+                <a:endParaRPr lang="en-US" altLang="zh-CN" sz="1100" dirty="0"/>
+              </a:p>
+              <a:p>
+                <a:pPr algn="ctr"/>
+                <a14:m>
+                  <m:oMathPara xmlns:m="http://schemas.openxmlformats.org/officeDocument/2006/math">
+                    <m:oMathParaPr>
+                      <m:jc m:val="centerGroup"/>
+                    </m:oMathParaPr>
+                    <m:oMath xmlns:m="http://schemas.openxmlformats.org/officeDocument/2006/math">
+                      <m:sSub>
+                        <m:sSubPr>
+                          <m:ctrlPr>
+                            <a:rPr lang="en-US" altLang="zh-CN" sz="1100" b="0" i="1" smtClean="0">
+                              <a:latin typeface="Cambria Math" panose="02040503050406030204" pitchFamily="18" charset="0"/>
+                            </a:rPr>
+                          </m:ctrlPr>
+                        </m:sSubPr>
+                        <m:e>
+                          <m:r>
+                            <a:rPr lang="en-US" altLang="zh-CN" sz="1100" b="0" i="1" smtClean="0">
+                              <a:latin typeface="Cambria Math" panose="02040503050406030204" pitchFamily="18" charset="0"/>
+                            </a:rPr>
+                            <m:t>𝑏</m:t>
+                          </m:r>
+                        </m:e>
+                        <m:sub>
+                          <m:r>
+                            <a:rPr lang="en-US" altLang="zh-CN" sz="1100" b="0" i="1" smtClean="0">
+                              <a:latin typeface="Cambria Math" panose="02040503050406030204" pitchFamily="18" charset="0"/>
+                            </a:rPr>
+                            <m:t>𝑖</m:t>
+                          </m:r>
+                        </m:sub>
+                      </m:sSub>
+                    </m:oMath>
+                  </m:oMathPara>
+                </a14:m>
+                <a:endParaRPr lang="en-US" altLang="zh-CN" sz="1100" dirty="0"/>
+              </a:p>
+              <a:p>
+                <a:pPr algn="ctr"/>
+                <a14:m>
+                  <m:oMathPara xmlns:m="http://schemas.openxmlformats.org/officeDocument/2006/math">
+                    <m:oMathParaPr>
+                      <m:jc m:val="centerGroup"/>
+                    </m:oMathParaPr>
+                    <m:oMath xmlns:m="http://schemas.openxmlformats.org/officeDocument/2006/math">
+                      <m:sSub>
+                        <m:sSubPr>
+                          <m:ctrlPr>
+                            <a:rPr lang="en-US" altLang="zh-CN" sz="1100" b="0" i="1" smtClean="0">
+                              <a:latin typeface="Cambria Math" panose="02040503050406030204" pitchFamily="18" charset="0"/>
+                            </a:rPr>
+                          </m:ctrlPr>
+                        </m:sSubPr>
+                        <m:e>
+                          <m:r>
+                            <a:rPr lang="en-US" altLang="zh-CN" sz="1100" b="0" i="1" smtClean="0">
+                              <a:latin typeface="Cambria Math" panose="02040503050406030204" pitchFamily="18" charset="0"/>
+                            </a:rPr>
+                            <m:t>𝑐</m:t>
+                          </m:r>
+                        </m:e>
+                        <m:sub>
+                          <m:r>
+                            <a:rPr lang="en-US" altLang="zh-CN" sz="1100" b="0" i="1" smtClean="0">
+                              <a:latin typeface="Cambria Math" panose="02040503050406030204" pitchFamily="18" charset="0"/>
+                            </a:rPr>
+                            <m:t>𝑖</m:t>
+                          </m:r>
+                        </m:sub>
+                      </m:sSub>
+                    </m:oMath>
+                  </m:oMathPara>
+                </a14:m>
+                <a:endParaRPr lang="en-US" altLang="zh-CN" sz="1100" dirty="0"/>
+              </a:p>
+              <a:p>
+                <a:pPr algn="ctr"/>
+                <a14:m>
+                  <m:oMathPara xmlns:m="http://schemas.openxmlformats.org/officeDocument/2006/math">
+                    <m:oMathParaPr>
+                      <m:jc m:val="centerGroup"/>
+                    </m:oMathParaPr>
+                    <m:oMath xmlns:m="http://schemas.openxmlformats.org/officeDocument/2006/math">
+                      <m:sSub>
+                        <m:sSubPr>
+                          <m:ctrlPr>
+                            <a:rPr lang="en-US" altLang="zh-CN" sz="1100" b="0" i="1" smtClean="0">
+                              <a:latin typeface="Cambria Math" panose="02040503050406030204" pitchFamily="18" charset="0"/>
+                            </a:rPr>
+                          </m:ctrlPr>
+                        </m:sSubPr>
+                        <m:e>
+                          <m:r>
+                            <a:rPr lang="en-US" altLang="zh-CN" sz="1100" b="0" i="1" smtClean="0">
+                              <a:latin typeface="Cambria Math" panose="02040503050406030204" pitchFamily="18" charset="0"/>
+                            </a:rPr>
+                            <m:t>𝑑</m:t>
+                          </m:r>
+                        </m:e>
+                        <m:sub>
+                          <m:r>
+                            <a:rPr lang="en-US" altLang="zh-CN" sz="1100" b="0" i="1" smtClean="0">
+                              <a:latin typeface="Cambria Math" panose="02040503050406030204" pitchFamily="18" charset="0"/>
+                            </a:rPr>
+                            <m:t>𝑖</m:t>
+                          </m:r>
+                        </m:sub>
+                      </m:sSub>
+                    </m:oMath>
+                  </m:oMathPara>
+                </a14:m>
+                <a:endParaRPr lang="zh-CN" altLang="en-US" sz="1100" dirty="0"/>
+              </a:p>
+            </p:txBody>
+          </p:sp>
+        </mc:Choice>
+        <mc:Fallback xmlns="">
+          <p:sp>
+            <p:nvSpPr>
+              <p:cNvPr id="59" name="文本框 58">
+                <a:extLst>
+                  <a:ext uri="{FF2B5EF4-FFF2-40B4-BE49-F238E27FC236}">
+                    <a16:creationId xmlns:a16="http://schemas.microsoft.com/office/drawing/2014/main" id="{7080BB36-4F07-A9A8-FD8C-F3E6C38582D8}"/>
+                  </a:ext>
+                </a:extLst>
+              </p:cNvPr>
+              <p:cNvSpPr txBox="1">
+                <a:spLocks noRot="1" noChangeAspect="1" noMove="1" noResize="1" noEditPoints="1" noAdjustHandles="1" noChangeArrowheads="1" noChangeShapeType="1" noTextEdit="1"/>
+              </p:cNvSpPr>
+              <p:nvPr/>
+            </p:nvSpPr>
+            <p:spPr>
+              <a:xfrm>
+                <a:off x="5089700" y="5113277"/>
+                <a:ext cx="889987" cy="769441"/>
+              </a:xfrm>
+              <a:prstGeom prst="rect">
+                <a:avLst/>
+              </a:prstGeom>
+              <a:blipFill>
+                <a:blip r:embed="rId24"/>
+                <a:stretch>
+                  <a:fillRect t="-794"/>
+                </a:stretch>
+              </a:blipFill>
+            </p:spPr>
+            <p:txBody>
+              <a:bodyPr/>
+              <a:lstStyle/>
+              <a:p>
+                <a:r>
+                  <a:rPr lang="zh-CN" altLang="en-US">
+                    <a:noFill/>
+                  </a:rPr>
+                  <a:t> </a:t>
+                </a:r>
+              </a:p>
+            </p:txBody>
+          </p:sp>
+        </mc:Fallback>
+      </mc:AlternateContent>
+      <p:sp>
+        <p:nvSpPr>
+          <p:cNvPr id="60" name="椭圆 59">
+            <a:extLst>
+              <a:ext uri="{FF2B5EF4-FFF2-40B4-BE49-F238E27FC236}">
+                <a16:creationId xmlns:a16="http://schemas.microsoft.com/office/drawing/2014/main" id="{30466428-A962-5757-C84D-8B21F676FC1F}"/>
+              </a:ext>
+            </a:extLst>
+          </p:cNvPr>
+          <p:cNvSpPr/>
+          <p:nvPr/>
+        </p:nvSpPr>
+        <p:spPr>
+          <a:xfrm>
+            <a:off x="6124483" y="5096183"/>
+            <a:ext cx="508883" cy="508883"/>
+          </a:xfrm>
+          <a:prstGeom prst="ellipse">
+            <a:avLst/>
+          </a:prstGeom>
+          <a:solidFill>
+            <a:schemeClr val="accent2"/>
+          </a:solidFill>
+          <a:ln>
+            <a:solidFill>
+              <a:schemeClr val="tx1"/>
+            </a:solidFill>
+          </a:ln>
+        </p:spPr>
+        <p:style>
+          <a:lnRef idx="2">
+            <a:schemeClr val="accent1">
+              <a:shade val="15000"/>
+            </a:schemeClr>
+          </a:lnRef>
+          <a:fillRef idx="1">
+            <a:schemeClr val="accent1"/>
+          </a:fillRef>
+          <a:effectRef idx="0">
+            <a:schemeClr val="accent1"/>
+          </a:effectRef>
+          <a:fontRef idx="minor">
+            <a:schemeClr val="lt1"/>
+          </a:fontRef>
+        </p:style>
+        <p:txBody>
+          <a:bodyPr wrap="none" rtlCol="0" anchor="ctr"/>
+          <a:lstStyle/>
+          <a:p>
+            <a:pPr algn="ctr"/>
+            <a:r>
+              <a:rPr lang="zh-CN" altLang="en-US" sz="1600" dirty="0"/>
+              <a:t>编号</a:t>
+            </a:r>
+          </a:p>
+        </p:txBody>
+      </p:sp>
+      <mc:AlternateContent xmlns:mc="http://schemas.openxmlformats.org/markup-compatibility/2006" xmlns:a14="http://schemas.microsoft.com/office/drawing/2010/main">
+        <mc:Choice Requires="a14">
+          <p:sp>
+            <p:nvSpPr>
+              <p:cNvPr id="61" name="文本框 60">
+                <a:extLst>
+                  <a:ext uri="{FF2B5EF4-FFF2-40B4-BE49-F238E27FC236}">
+                    <a16:creationId xmlns:a16="http://schemas.microsoft.com/office/drawing/2014/main" id="{A43C4EBE-D36F-EAC5-C944-A0F5F764AFE8}"/>
+                  </a:ext>
+                </a:extLst>
+              </p:cNvPr>
+              <p:cNvSpPr txBox="1"/>
+              <p:nvPr/>
+            </p:nvSpPr>
+            <p:spPr>
+              <a:xfrm>
+                <a:off x="5954979" y="5629205"/>
+                <a:ext cx="889987" cy="430887"/>
+              </a:xfrm>
+              <a:prstGeom prst="rect">
+                <a:avLst/>
+              </a:prstGeom>
+              <a:noFill/>
+            </p:spPr>
+            <p:txBody>
+              <a:bodyPr wrap="none" rtlCol="0">
+                <a:spAutoFit/>
+              </a:bodyPr>
+              <a:lstStyle/>
+              <a:p>
+                <a:pPr algn="ctr"/>
+                <a:r>
+                  <a:rPr lang="zh-CN" altLang="en-US" sz="1100" dirty="0"/>
+                  <a:t>通信终端名</a:t>
+                </a:r>
+                <a:endParaRPr lang="en-US" altLang="zh-CN" sz="1100" dirty="0"/>
+              </a:p>
+              <a:p>
+                <a:pPr algn="ctr"/>
+                <a14:m>
+                  <m:oMathPara xmlns:m="http://schemas.openxmlformats.org/officeDocument/2006/math">
+                    <m:oMathParaPr>
+                      <m:jc m:val="centerGroup"/>
+                    </m:oMathParaPr>
+                    <m:oMath xmlns:m="http://schemas.openxmlformats.org/officeDocument/2006/math">
+                      <m:sSub>
+                        <m:sSubPr>
+                          <m:ctrlPr>
+                            <a:rPr lang="en-US" altLang="zh-CN" sz="1100" b="0" i="1" smtClean="0">
+                              <a:latin typeface="Cambria Math" panose="02040503050406030204" pitchFamily="18" charset="0"/>
+                            </a:rPr>
+                          </m:ctrlPr>
+                        </m:sSubPr>
+                        <m:e>
+                          <m:r>
+                            <a:rPr lang="en-US" altLang="zh-CN" sz="1100" b="0" i="1" smtClean="0">
+                              <a:latin typeface="Cambria Math" panose="02040503050406030204" pitchFamily="18" charset="0"/>
+                            </a:rPr>
+                            <m:t>𝑎</m:t>
+                          </m:r>
+                        </m:e>
+                        <m:sub>
+                          <m:r>
+                            <a:rPr lang="en-US" altLang="zh-CN" sz="1100" b="0" i="1" smtClean="0">
+                              <a:latin typeface="Cambria Math" panose="02040503050406030204" pitchFamily="18" charset="0"/>
+                            </a:rPr>
+                            <m:t>𝑖</m:t>
+                          </m:r>
+                        </m:sub>
+                      </m:sSub>
+                    </m:oMath>
+                  </m:oMathPara>
+                </a14:m>
+                <a:endParaRPr lang="en-US" altLang="zh-CN" sz="1100" dirty="0"/>
+              </a:p>
+            </p:txBody>
+          </p:sp>
+        </mc:Choice>
+        <mc:Fallback xmlns="">
+          <p:sp>
+            <p:nvSpPr>
+              <p:cNvPr id="61" name="文本框 60">
+                <a:extLst>
+                  <a:ext uri="{FF2B5EF4-FFF2-40B4-BE49-F238E27FC236}">
+                    <a16:creationId xmlns:a16="http://schemas.microsoft.com/office/drawing/2014/main" id="{A43C4EBE-D36F-EAC5-C944-A0F5F764AFE8}"/>
+                  </a:ext>
+                </a:extLst>
+              </p:cNvPr>
+              <p:cNvSpPr txBox="1">
+                <a:spLocks noRot="1" noChangeAspect="1" noMove="1" noResize="1" noEditPoints="1" noAdjustHandles="1" noChangeArrowheads="1" noChangeShapeType="1" noTextEdit="1"/>
+              </p:cNvSpPr>
+              <p:nvPr/>
+            </p:nvSpPr>
+            <p:spPr>
+              <a:xfrm>
+                <a:off x="5954979" y="5629205"/>
+                <a:ext cx="889987" cy="430887"/>
+              </a:xfrm>
+              <a:prstGeom prst="rect">
+                <a:avLst/>
+              </a:prstGeom>
+              <a:blipFill>
+                <a:blip r:embed="rId25"/>
+                <a:stretch>
+                  <a:fillRect t="-1408"/>
+                </a:stretch>
+              </a:blipFill>
+            </p:spPr>
+            <p:txBody>
+              <a:bodyPr/>
+              <a:lstStyle/>
+              <a:p>
+                <a:r>
+                  <a:rPr lang="zh-CN" altLang="en-US">
+                    <a:noFill/>
+                  </a:rPr>
+                  <a:t> </a:t>
+                </a:r>
+              </a:p>
+            </p:txBody>
+          </p:sp>
+        </mc:Fallback>
+      </mc:AlternateContent>
+      <mc:AlternateContent xmlns:mc="http://schemas.openxmlformats.org/markup-compatibility/2006" xmlns:a14="http://schemas.microsoft.com/office/drawing/2010/main">
+        <mc:Choice Requires="a14">
+          <p:sp>
+            <p:nvSpPr>
+              <p:cNvPr id="62" name="文本框 61">
+                <a:extLst>
+                  <a:ext uri="{FF2B5EF4-FFF2-40B4-BE49-F238E27FC236}">
+                    <a16:creationId xmlns:a16="http://schemas.microsoft.com/office/drawing/2014/main" id="{85CCF62E-A1D1-F9C0-6706-A867D3A8ADC7}"/>
+                  </a:ext>
+                </a:extLst>
+              </p:cNvPr>
+              <p:cNvSpPr txBox="1"/>
+              <p:nvPr/>
+            </p:nvSpPr>
+            <p:spPr>
+              <a:xfrm>
+                <a:off x="5397770" y="6060092"/>
+                <a:ext cx="918906" cy="276999"/>
+              </a:xfrm>
+              <a:prstGeom prst="rect">
+                <a:avLst/>
+              </a:prstGeom>
+              <a:noFill/>
+            </p:spPr>
+            <p:txBody>
+              <a:bodyPr wrap="none" rtlCol="0">
+                <a:spAutoFit/>
+              </a:bodyPr>
+              <a:lstStyle/>
+              <a:p>
+                <a14:m>
+                  <m:oMath xmlns:m="http://schemas.openxmlformats.org/officeDocument/2006/math">
+                    <m:r>
+                      <a:rPr lang="en-US" altLang="zh-CN" sz="1200" b="0" i="1" smtClean="0">
+                        <a:latin typeface="Cambria Math" panose="02040503050406030204" pitchFamily="18" charset="0"/>
+                      </a:rPr>
+                      <m:t>𝜖</m:t>
+                    </m:r>
+                  </m:oMath>
+                </a14:m>
+                <a:r>
+                  <a:rPr lang="zh-CN" altLang="en-US" sz="1200" dirty="0"/>
+                  <a:t> 表示空串</a:t>
+                </a:r>
+              </a:p>
+            </p:txBody>
+          </p:sp>
+        </mc:Choice>
+        <mc:Fallback xmlns="">
+          <p:sp>
+            <p:nvSpPr>
+              <p:cNvPr id="62" name="文本框 61">
+                <a:extLst>
+                  <a:ext uri="{FF2B5EF4-FFF2-40B4-BE49-F238E27FC236}">
+                    <a16:creationId xmlns:a16="http://schemas.microsoft.com/office/drawing/2014/main" id="{85CCF62E-A1D1-F9C0-6706-A867D3A8ADC7}"/>
+                  </a:ext>
+                </a:extLst>
+              </p:cNvPr>
+              <p:cNvSpPr txBox="1">
+                <a:spLocks noRot="1" noChangeAspect="1" noMove="1" noResize="1" noEditPoints="1" noAdjustHandles="1" noChangeArrowheads="1" noChangeShapeType="1" noTextEdit="1"/>
+              </p:cNvSpPr>
+              <p:nvPr/>
+            </p:nvSpPr>
+            <p:spPr>
+              <a:xfrm>
+                <a:off x="5397770" y="6060092"/>
+                <a:ext cx="918906" cy="276999"/>
+              </a:xfrm>
+              <a:prstGeom prst="rect">
+                <a:avLst/>
+              </a:prstGeom>
+              <a:blipFill>
+                <a:blip r:embed="rId26"/>
+                <a:stretch>
+                  <a:fillRect b="-15217"/>
+                </a:stretch>
+              </a:blipFill>
+            </p:spPr>
+            <p:txBody>
+              <a:bodyPr/>
+              <a:lstStyle/>
+              <a:p>
+                <a:r>
+                  <a:rPr lang="zh-CN" altLang="en-US">
+                    <a:noFill/>
+                  </a:rPr>
+                  <a:t> </a:t>
+                </a:r>
+              </a:p>
+            </p:txBody>
+          </p:sp>
+        </mc:Fallback>
+      </mc:AlternateContent>
+      <p:sp>
+        <p:nvSpPr>
+          <p:cNvPr id="63" name="椭圆 62">
+            <a:extLst>
+              <a:ext uri="{FF2B5EF4-FFF2-40B4-BE49-F238E27FC236}">
+                <a16:creationId xmlns:a16="http://schemas.microsoft.com/office/drawing/2014/main" id="{E715A357-2307-4EE8-5DD0-0C1F039B1F41}"/>
+              </a:ext>
+            </a:extLst>
+          </p:cNvPr>
+          <p:cNvSpPr/>
+          <p:nvPr/>
+        </p:nvSpPr>
+        <p:spPr>
+          <a:xfrm>
+            <a:off x="4283456" y="3083072"/>
+            <a:ext cx="508883" cy="508883"/>
+          </a:xfrm>
+          <a:prstGeom prst="ellipse">
+            <a:avLst/>
+          </a:prstGeom>
+          <a:solidFill>
+            <a:schemeClr val="accent2"/>
+          </a:solidFill>
+          <a:ln>
+            <a:solidFill>
+              <a:schemeClr val="tx1"/>
+            </a:solidFill>
+          </a:ln>
+        </p:spPr>
+        <p:style>
+          <a:lnRef idx="2">
+            <a:schemeClr val="accent1">
+              <a:shade val="15000"/>
+            </a:schemeClr>
+          </a:lnRef>
+          <a:fillRef idx="1">
+            <a:schemeClr val="accent1"/>
+          </a:fillRef>
+          <a:effectRef idx="0">
+            <a:schemeClr val="accent1"/>
+          </a:effectRef>
+          <a:fontRef idx="minor">
+            <a:schemeClr val="lt1"/>
+          </a:fontRef>
+        </p:style>
+        <p:txBody>
+          <a:bodyPr wrap="none" rtlCol="0" anchor="ctr"/>
+          <a:lstStyle/>
+          <a:p>
+            <a:pPr algn="ctr"/>
+            <a:r>
+              <a:rPr lang="en-US" altLang="zh-CN" dirty="0"/>
+              <a:t>11</a:t>
+            </a:r>
+            <a:endParaRPr lang="zh-CN" altLang="en-US" dirty="0"/>
+          </a:p>
+        </p:txBody>
+      </p:sp>
+      <mc:AlternateContent xmlns:mc="http://schemas.openxmlformats.org/markup-compatibility/2006" xmlns:a14="http://schemas.microsoft.com/office/drawing/2010/main">
+        <mc:Choice Requires="a14">
+          <p:sp>
+            <p:nvSpPr>
+              <p:cNvPr id="64" name="文本框 63">
+                <a:extLst>
+                  <a:ext uri="{FF2B5EF4-FFF2-40B4-BE49-F238E27FC236}">
+                    <a16:creationId xmlns:a16="http://schemas.microsoft.com/office/drawing/2014/main" id="{59824647-7631-01F4-F729-00988A1F5A66}"/>
+                  </a:ext>
+                </a:extLst>
+              </p:cNvPr>
+              <p:cNvSpPr txBox="1"/>
+              <p:nvPr/>
+            </p:nvSpPr>
+            <p:spPr>
+              <a:xfrm>
+                <a:off x="4113952" y="3616094"/>
+                <a:ext cx="889987" cy="600164"/>
+              </a:xfrm>
+              <a:prstGeom prst="rect">
+                <a:avLst/>
+              </a:prstGeom>
+              <a:noFill/>
+            </p:spPr>
+            <p:txBody>
+              <a:bodyPr wrap="none" rtlCol="0">
+                <a:spAutoFit/>
+              </a:bodyPr>
+              <a:lstStyle/>
+              <a:p>
+                <a:pPr algn="ctr"/>
+                <a:r>
+                  <a:rPr lang="zh-CN" altLang="en-US" sz="1100" dirty="0"/>
+                  <a:t>广东省</a:t>
+                </a:r>
+                <a:endParaRPr lang="en-US" altLang="zh-CN" sz="1100" dirty="0"/>
+              </a:p>
+              <a:p>
+                <a:pPr algn="ctr"/>
+                <a:r>
+                  <a:rPr lang="zh-CN" altLang="en-US" sz="1100" dirty="0"/>
+                  <a:t>计算机学会</a:t>
+                </a:r>
+                <a:endParaRPr lang="en-US" altLang="zh-CN" sz="1100" dirty="0"/>
+              </a:p>
+              <a:p>
+                <a:pPr algn="ctr"/>
+                <a14:m>
+                  <m:oMathPara xmlns:m="http://schemas.openxmlformats.org/officeDocument/2006/math">
+                    <m:oMathParaPr>
+                      <m:jc m:val="centerGroup"/>
+                    </m:oMathParaPr>
+                    <m:oMath xmlns:m="http://schemas.openxmlformats.org/officeDocument/2006/math">
+                      <m:r>
+                        <a:rPr lang="en-US" altLang="zh-CN" sz="1100" i="1" dirty="0" smtClean="0">
+                          <a:latin typeface="Cambria Math" panose="02040503050406030204" pitchFamily="18" charset="0"/>
+                        </a:rPr>
+                        <m:t>83561784</m:t>
+                      </m:r>
+                    </m:oMath>
+                  </m:oMathPara>
+                </a14:m>
+                <a:endParaRPr lang="en-US" altLang="zh-CN" sz="1100" dirty="0"/>
+              </a:p>
+            </p:txBody>
+          </p:sp>
+        </mc:Choice>
+        <mc:Fallback xmlns="">
+          <p:sp>
+            <p:nvSpPr>
+              <p:cNvPr id="64" name="文本框 63">
+                <a:extLst>
+                  <a:ext uri="{FF2B5EF4-FFF2-40B4-BE49-F238E27FC236}">
+                    <a16:creationId xmlns:a16="http://schemas.microsoft.com/office/drawing/2014/main" id="{59824647-7631-01F4-F729-00988A1F5A66}"/>
+                  </a:ext>
+                </a:extLst>
+              </p:cNvPr>
+              <p:cNvSpPr txBox="1">
+                <a:spLocks noRot="1" noChangeAspect="1" noMove="1" noResize="1" noEditPoints="1" noAdjustHandles="1" noChangeArrowheads="1" noChangeShapeType="1" noTextEdit="1"/>
+              </p:cNvSpPr>
+              <p:nvPr/>
+            </p:nvSpPr>
+            <p:spPr>
+              <a:xfrm>
+                <a:off x="4113952" y="3616094"/>
+                <a:ext cx="889987" cy="600164"/>
+              </a:xfrm>
+              <a:prstGeom prst="rect">
+                <a:avLst/>
+              </a:prstGeom>
+              <a:blipFill>
+                <a:blip r:embed="rId27"/>
+                <a:stretch>
+                  <a:fillRect t="-1010"/>
+                </a:stretch>
+              </a:blipFill>
+            </p:spPr>
+            <p:txBody>
+              <a:bodyPr/>
+              <a:lstStyle/>
+              <a:p>
+                <a:r>
+                  <a:rPr lang="zh-CN" altLang="en-US">
+                    <a:noFill/>
+                  </a:rPr>
+                  <a:t> </a:t>
+                </a:r>
+              </a:p>
+            </p:txBody>
+          </p:sp>
+        </mc:Fallback>
+      </mc:AlternateContent>
+      <mc:AlternateContent xmlns:mc="http://schemas.openxmlformats.org/markup-compatibility/2006" xmlns:a14="http://schemas.microsoft.com/office/drawing/2010/main">
+        <mc:Choice Requires="a14">
+          <p:sp>
+            <p:nvSpPr>
+              <p:cNvPr id="65" name="文本框 64">
+                <a:extLst>
+                  <a:ext uri="{FF2B5EF4-FFF2-40B4-BE49-F238E27FC236}">
+                    <a16:creationId xmlns:a16="http://schemas.microsoft.com/office/drawing/2014/main" id="{5DE3897C-E16A-F2A3-F538-1B822A205AFB}"/>
+                  </a:ext>
+                </a:extLst>
+              </p:cNvPr>
+              <p:cNvSpPr txBox="1"/>
+              <p:nvPr/>
+            </p:nvSpPr>
+            <p:spPr>
+              <a:xfrm>
+                <a:off x="11075354" y="2469600"/>
+                <a:ext cx="748923" cy="938719"/>
+              </a:xfrm>
+              <a:prstGeom prst="rect">
+                <a:avLst/>
+              </a:prstGeom>
+              <a:noFill/>
+            </p:spPr>
+            <p:txBody>
+              <a:bodyPr wrap="none" rtlCol="0">
+                <a:spAutoFit/>
+              </a:bodyPr>
+              <a:lstStyle/>
+              <a:p>
+                <a:pPr algn="ctr"/>
+                <a:r>
+                  <a:rPr lang="zh-CN" altLang="en-US" sz="1100" dirty="0"/>
+                  <a:t>大阪大学</a:t>
+                </a:r>
+                <a:endParaRPr lang="en-US" altLang="zh-CN" sz="1100" dirty="0"/>
+              </a:p>
+              <a:p>
+                <a:pPr algn="ctr"/>
+                <a:r>
+                  <a:rPr lang="zh-CN" altLang="en-US" sz="1100" dirty="0"/>
+                  <a:t>丰中校区</a:t>
+                </a:r>
+                <a:endParaRPr lang="en-US" altLang="zh-CN" sz="1100" dirty="0"/>
+              </a:p>
+              <a:p>
+                <a:pPr algn="ctr"/>
+                <a14:m>
+                  <m:oMathPara xmlns:m="http://schemas.openxmlformats.org/officeDocument/2006/math">
+                    <m:oMathParaPr>
+                      <m:jc m:val="centerGroup"/>
+                    </m:oMathParaPr>
+                    <m:oMath xmlns:m="http://schemas.openxmlformats.org/officeDocument/2006/math">
+                      <m:r>
+                        <a:rPr lang="en-US" altLang="zh-CN" sz="1100" b="0" i="1" smtClean="0">
+                          <a:latin typeface="Cambria Math" panose="02040503050406030204" pitchFamily="18" charset="0"/>
+                        </a:rPr>
+                        <m:t>𝜖</m:t>
+                      </m:r>
+                    </m:oMath>
+                  </m:oMathPara>
+                </a14:m>
+                <a:endParaRPr lang="en-US" altLang="zh-CN" sz="1100" dirty="0"/>
+              </a:p>
+              <a:p>
+                <a:pPr algn="ctr"/>
+                <a14:m>
+                  <m:oMathPara xmlns:m="http://schemas.openxmlformats.org/officeDocument/2006/math">
+                    <m:oMathParaPr>
+                      <m:jc m:val="centerGroup"/>
+                    </m:oMathParaPr>
+                    <m:oMath xmlns:m="http://schemas.openxmlformats.org/officeDocument/2006/math">
+                      <m:r>
+                        <a:rPr lang="en-US" altLang="zh-CN" sz="1100" b="0" i="1" smtClean="0">
+                          <a:latin typeface="Cambria Math" panose="02040503050406030204" pitchFamily="18" charset="0"/>
+                        </a:rPr>
+                        <m:t>6850</m:t>
+                      </m:r>
+                    </m:oMath>
+                  </m:oMathPara>
+                </a14:m>
+                <a:endParaRPr lang="en-US" altLang="zh-CN" sz="1100" dirty="0"/>
+              </a:p>
+              <a:p>
+                <a:pPr algn="ctr"/>
+                <a14:m>
+                  <m:oMathPara xmlns:m="http://schemas.openxmlformats.org/officeDocument/2006/math">
+                    <m:oMathParaPr>
+                      <m:jc m:val="centerGroup"/>
+                    </m:oMathParaPr>
+                    <m:oMath xmlns:m="http://schemas.openxmlformats.org/officeDocument/2006/math">
+                      <m:r>
+                        <a:rPr lang="en-US" altLang="zh-CN" sz="1100" b="0" i="1" smtClean="0">
+                          <a:latin typeface="Cambria Math" panose="02040503050406030204" pitchFamily="18" charset="0"/>
+                        </a:rPr>
+                        <m:t>𝜖</m:t>
+                      </m:r>
+                    </m:oMath>
+                  </m:oMathPara>
+                </a14:m>
+                <a:endParaRPr lang="zh-CN" altLang="en-US" sz="1100" dirty="0"/>
+              </a:p>
+            </p:txBody>
+          </p:sp>
+        </mc:Choice>
+        <mc:Fallback xmlns="">
+          <p:sp>
+            <p:nvSpPr>
+              <p:cNvPr id="65" name="文本框 64">
+                <a:extLst>
+                  <a:ext uri="{FF2B5EF4-FFF2-40B4-BE49-F238E27FC236}">
+                    <a16:creationId xmlns:a16="http://schemas.microsoft.com/office/drawing/2014/main" id="{5DE3897C-E16A-F2A3-F538-1B822A205AFB}"/>
+                  </a:ext>
+                </a:extLst>
+              </p:cNvPr>
+              <p:cNvSpPr txBox="1">
+                <a:spLocks noRot="1" noChangeAspect="1" noMove="1" noResize="1" noEditPoints="1" noAdjustHandles="1" noChangeArrowheads="1" noChangeShapeType="1" noTextEdit="1"/>
+              </p:cNvSpPr>
+              <p:nvPr/>
+            </p:nvSpPr>
+            <p:spPr>
+              <a:xfrm>
+                <a:off x="11075354" y="2469600"/>
+                <a:ext cx="748923" cy="938719"/>
+              </a:xfrm>
+              <a:prstGeom prst="rect">
+                <a:avLst/>
+              </a:prstGeom>
+              <a:blipFill>
+                <a:blip r:embed="rId28"/>
+                <a:stretch>
+                  <a:fillRect t="-649"/>
+                </a:stretch>
+              </a:blipFill>
+            </p:spPr>
+            <p:txBody>
+              <a:bodyPr/>
+              <a:lstStyle/>
+              <a:p>
+                <a:r>
+                  <a:rPr lang="zh-CN" altLang="en-US">
+                    <a:noFill/>
+                  </a:rPr>
+                  <a:t> </a:t>
+                </a:r>
+              </a:p>
+            </p:txBody>
+          </p:sp>
+        </mc:Fallback>
+      </mc:AlternateContent>
+      <p:cxnSp>
+        <p:nvCxnSpPr>
+          <p:cNvPr id="69" name="直接连接符 68">
+            <a:extLst>
+              <a:ext uri="{FF2B5EF4-FFF2-40B4-BE49-F238E27FC236}">
+                <a16:creationId xmlns:a16="http://schemas.microsoft.com/office/drawing/2014/main" id="{40BEE911-4036-EB45-3C94-723BE6E65B93}"/>
+              </a:ext>
+            </a:extLst>
+          </p:cNvPr>
+          <p:cNvCxnSpPr>
+            <a:cxnSpLocks/>
+          </p:cNvCxnSpPr>
+          <p:nvPr/>
+        </p:nvCxnSpPr>
+        <p:spPr>
+          <a:xfrm flipV="1">
+            <a:off x="3440656" y="764263"/>
+            <a:ext cx="1393481" cy="367811"/>
+          </a:xfrm>
+          <a:prstGeom prst="line">
+            <a:avLst/>
+          </a:prstGeom>
+          <a:ln>
+            <a:solidFill>
+              <a:schemeClr val="tx1"/>
+            </a:solidFill>
+          </a:ln>
+        </p:spPr>
+        <p:style>
+          <a:lnRef idx="1">
+            <a:schemeClr val="accent1"/>
+          </a:lnRef>
+          <a:fillRef idx="0">
+            <a:schemeClr val="accent1"/>
+          </a:fillRef>
+          <a:effectRef idx="0">
+            <a:schemeClr val="accent1"/>
+          </a:effectRef>
+          <a:fontRef idx="minor">
+            <a:schemeClr val="tx1"/>
+          </a:fontRef>
+        </p:style>
+      </p:cxnSp>
+      <p:cxnSp>
+        <p:nvCxnSpPr>
+          <p:cNvPr id="71" name="直接连接符 70">
+            <a:extLst>
+              <a:ext uri="{FF2B5EF4-FFF2-40B4-BE49-F238E27FC236}">
+                <a16:creationId xmlns:a16="http://schemas.microsoft.com/office/drawing/2014/main" id="{21ED57C3-204A-D899-C402-A2E8EDE77F9D}"/>
+              </a:ext>
+            </a:extLst>
+          </p:cNvPr>
+          <p:cNvCxnSpPr>
+            <a:cxnSpLocks/>
+          </p:cNvCxnSpPr>
+          <p:nvPr/>
+        </p:nvCxnSpPr>
+        <p:spPr>
+          <a:xfrm flipH="1" flipV="1">
+            <a:off x="5361757" y="898056"/>
+            <a:ext cx="8956" cy="110799"/>
+          </a:xfrm>
+          <a:prstGeom prst="line">
+            <a:avLst/>
+          </a:prstGeom>
+          <a:ln>
+            <a:solidFill>
+              <a:schemeClr val="tx1"/>
+            </a:solidFill>
+          </a:ln>
+        </p:spPr>
+        <p:style>
+          <a:lnRef idx="1">
+            <a:schemeClr val="accent1"/>
+          </a:lnRef>
+          <a:fillRef idx="0">
+            <a:schemeClr val="accent1"/>
+          </a:fillRef>
+          <a:effectRef idx="0">
+            <a:schemeClr val="accent1"/>
+          </a:effectRef>
+          <a:fontRef idx="minor">
+            <a:schemeClr val="tx1"/>
+          </a:fontRef>
+        </p:style>
+      </p:cxnSp>
+      <p:cxnSp>
+        <p:nvCxnSpPr>
+          <p:cNvPr id="76" name="直接连接符 75">
+            <a:extLst>
+              <a:ext uri="{FF2B5EF4-FFF2-40B4-BE49-F238E27FC236}">
+                <a16:creationId xmlns:a16="http://schemas.microsoft.com/office/drawing/2014/main" id="{68603840-9A4E-2659-0250-12132E8BDA1E}"/>
+              </a:ext>
+            </a:extLst>
+          </p:cNvPr>
+          <p:cNvCxnSpPr>
+            <a:cxnSpLocks/>
+          </p:cNvCxnSpPr>
+          <p:nvPr/>
+        </p:nvCxnSpPr>
+        <p:spPr>
+          <a:xfrm flipH="1" flipV="1">
+            <a:off x="6124483" y="739341"/>
+            <a:ext cx="1924131" cy="340201"/>
+          </a:xfrm>
+          <a:prstGeom prst="line">
+            <a:avLst/>
+          </a:prstGeom>
+          <a:ln>
+            <a:solidFill>
+              <a:schemeClr val="tx1"/>
+            </a:solidFill>
+          </a:ln>
+        </p:spPr>
+        <p:style>
+          <a:lnRef idx="1">
+            <a:schemeClr val="accent1"/>
+          </a:lnRef>
+          <a:fillRef idx="0">
+            <a:schemeClr val="accent1"/>
+          </a:fillRef>
+          <a:effectRef idx="0">
+            <a:schemeClr val="accent1"/>
+          </a:effectRef>
+          <a:fontRef idx="minor">
+            <a:schemeClr val="tx1"/>
+          </a:fontRef>
+        </p:style>
+      </p:cxnSp>
+      <p:cxnSp>
+        <p:nvCxnSpPr>
+          <p:cNvPr id="86" name="直接连接符 85">
+            <a:extLst>
+              <a:ext uri="{FF2B5EF4-FFF2-40B4-BE49-F238E27FC236}">
+                <a16:creationId xmlns:a16="http://schemas.microsoft.com/office/drawing/2014/main" id="{29CAC9A0-299A-6101-CA31-09D9199638A4}"/>
+              </a:ext>
+            </a:extLst>
+          </p:cNvPr>
+          <p:cNvCxnSpPr>
+            <a:cxnSpLocks/>
+          </p:cNvCxnSpPr>
+          <p:nvPr/>
+        </p:nvCxnSpPr>
+        <p:spPr>
+          <a:xfrm flipV="1">
+            <a:off x="1771974" y="1487548"/>
+            <a:ext cx="548949" cy="230875"/>
+          </a:xfrm>
+          <a:prstGeom prst="line">
+            <a:avLst/>
+          </a:prstGeom>
+          <a:ln>
+            <a:solidFill>
+              <a:schemeClr val="tx1"/>
+            </a:solidFill>
+          </a:ln>
+        </p:spPr>
+        <p:style>
+          <a:lnRef idx="1">
+            <a:schemeClr val="accent1"/>
+          </a:lnRef>
+          <a:fillRef idx="0">
+            <a:schemeClr val="accent1"/>
+          </a:fillRef>
+          <a:effectRef idx="0">
+            <a:schemeClr val="accent1"/>
+          </a:effectRef>
+          <a:fontRef idx="minor">
+            <a:schemeClr val="tx1"/>
+          </a:fontRef>
+        </p:style>
+      </p:cxnSp>
+      <p:cxnSp>
+        <p:nvCxnSpPr>
+          <p:cNvPr id="90" name="直接连接符 89">
+            <a:extLst>
+              <a:ext uri="{FF2B5EF4-FFF2-40B4-BE49-F238E27FC236}">
+                <a16:creationId xmlns:a16="http://schemas.microsoft.com/office/drawing/2014/main" id="{1C1AEB0D-5BFD-35B2-5C31-F9E9599254CF}"/>
+              </a:ext>
+            </a:extLst>
+          </p:cNvPr>
+          <p:cNvCxnSpPr>
+            <a:cxnSpLocks/>
+          </p:cNvCxnSpPr>
+          <p:nvPr/>
+        </p:nvCxnSpPr>
+        <p:spPr>
+          <a:xfrm flipH="1" flipV="1">
+            <a:off x="3331707" y="1512288"/>
+            <a:ext cx="497775" cy="182089"/>
+          </a:xfrm>
+          <a:prstGeom prst="line">
+            <a:avLst/>
+          </a:prstGeom>
+          <a:ln>
+            <a:solidFill>
+              <a:schemeClr val="tx1"/>
+            </a:solidFill>
+          </a:ln>
+        </p:spPr>
+        <p:style>
+          <a:lnRef idx="1">
+            <a:schemeClr val="accent1"/>
+          </a:lnRef>
+          <a:fillRef idx="0">
+            <a:schemeClr val="accent1"/>
+          </a:fillRef>
+          <a:effectRef idx="0">
+            <a:schemeClr val="accent1"/>
+          </a:effectRef>
+          <a:fontRef idx="minor">
+            <a:schemeClr val="tx1"/>
+          </a:fontRef>
+        </p:style>
+      </p:cxnSp>
+      <p:cxnSp>
+        <p:nvCxnSpPr>
+          <p:cNvPr id="95" name="直接连接符 94">
+            <a:extLst>
+              <a:ext uri="{FF2B5EF4-FFF2-40B4-BE49-F238E27FC236}">
+                <a16:creationId xmlns:a16="http://schemas.microsoft.com/office/drawing/2014/main" id="{8786CD6E-5DD8-3359-5AE6-2B0D045A45E1}"/>
+              </a:ext>
+            </a:extLst>
+          </p:cNvPr>
+          <p:cNvCxnSpPr>
+            <a:cxnSpLocks/>
+          </p:cNvCxnSpPr>
+          <p:nvPr/>
+        </p:nvCxnSpPr>
+        <p:spPr>
+          <a:xfrm flipV="1">
+            <a:off x="1337193" y="2499070"/>
+            <a:ext cx="296392" cy="477817"/>
+          </a:xfrm>
+          <a:prstGeom prst="line">
+            <a:avLst/>
+          </a:prstGeom>
+          <a:ln>
+            <a:solidFill>
+              <a:schemeClr val="tx1"/>
+            </a:solidFill>
+          </a:ln>
+        </p:spPr>
+        <p:style>
+          <a:lnRef idx="1">
+            <a:schemeClr val="accent1"/>
+          </a:lnRef>
+          <a:fillRef idx="0">
+            <a:schemeClr val="accent1"/>
+          </a:fillRef>
+          <a:effectRef idx="0">
+            <a:schemeClr val="accent1"/>
+          </a:effectRef>
+          <a:fontRef idx="minor">
+            <a:schemeClr val="tx1"/>
+          </a:fontRef>
+        </p:style>
+      </p:cxnSp>
+      <p:cxnSp>
+        <p:nvCxnSpPr>
+          <p:cNvPr id="98" name="直接连接符 97">
+            <a:extLst>
+              <a:ext uri="{FF2B5EF4-FFF2-40B4-BE49-F238E27FC236}">
+                <a16:creationId xmlns:a16="http://schemas.microsoft.com/office/drawing/2014/main" id="{9E171E9D-70F8-B352-BF67-1218C9D8CF58}"/>
+              </a:ext>
+            </a:extLst>
+          </p:cNvPr>
+          <p:cNvCxnSpPr>
+            <a:cxnSpLocks/>
+          </p:cNvCxnSpPr>
+          <p:nvPr/>
+        </p:nvCxnSpPr>
+        <p:spPr>
+          <a:xfrm flipV="1">
+            <a:off x="1344288" y="2494442"/>
+            <a:ext cx="312928" cy="1572447"/>
+          </a:xfrm>
+          <a:prstGeom prst="line">
+            <a:avLst/>
+          </a:prstGeom>
+          <a:ln>
+            <a:solidFill>
+              <a:schemeClr val="tx1"/>
+            </a:solidFill>
+          </a:ln>
+        </p:spPr>
+        <p:style>
+          <a:lnRef idx="1">
+            <a:schemeClr val="accent1"/>
+          </a:lnRef>
+          <a:fillRef idx="0">
+            <a:schemeClr val="accent1"/>
+          </a:fillRef>
+          <a:effectRef idx="0">
+            <a:schemeClr val="accent1"/>
+          </a:effectRef>
+          <a:fontRef idx="minor">
+            <a:schemeClr val="tx1"/>
+          </a:fontRef>
+        </p:style>
+      </p:cxnSp>
+      <p:cxnSp>
+        <p:nvCxnSpPr>
+          <p:cNvPr id="102" name="直接连接符 101">
+            <a:extLst>
+              <a:ext uri="{FF2B5EF4-FFF2-40B4-BE49-F238E27FC236}">
+                <a16:creationId xmlns:a16="http://schemas.microsoft.com/office/drawing/2014/main" id="{70A62641-F1EF-89A1-F221-04D9C403BF4D}"/>
+              </a:ext>
+            </a:extLst>
+          </p:cNvPr>
+          <p:cNvCxnSpPr>
+            <a:cxnSpLocks/>
+          </p:cNvCxnSpPr>
+          <p:nvPr/>
+        </p:nvCxnSpPr>
+        <p:spPr>
+          <a:xfrm flipV="1">
+            <a:off x="1685351" y="2494442"/>
+            <a:ext cx="11127" cy="1915484"/>
+          </a:xfrm>
+          <a:prstGeom prst="line">
+            <a:avLst/>
+          </a:prstGeom>
+          <a:ln>
+            <a:solidFill>
+              <a:schemeClr val="tx1"/>
+            </a:solidFill>
+          </a:ln>
+        </p:spPr>
+        <p:style>
+          <a:lnRef idx="1">
+            <a:schemeClr val="accent1"/>
+          </a:lnRef>
+          <a:fillRef idx="0">
+            <a:schemeClr val="accent1"/>
+          </a:fillRef>
+          <a:effectRef idx="0">
+            <a:schemeClr val="accent1"/>
+          </a:effectRef>
+          <a:fontRef idx="minor">
+            <a:schemeClr val="tx1"/>
+          </a:fontRef>
+        </p:style>
+      </p:cxnSp>
+      <p:cxnSp>
+        <p:nvCxnSpPr>
+          <p:cNvPr id="106" name="直接连接符 105">
+            <a:extLst>
+              <a:ext uri="{FF2B5EF4-FFF2-40B4-BE49-F238E27FC236}">
+                <a16:creationId xmlns:a16="http://schemas.microsoft.com/office/drawing/2014/main" id="{7AF11855-8BDC-6F1E-9961-C9848F3DC7FD}"/>
+              </a:ext>
+            </a:extLst>
+          </p:cNvPr>
+          <p:cNvCxnSpPr>
+            <a:cxnSpLocks/>
+          </p:cNvCxnSpPr>
+          <p:nvPr/>
+        </p:nvCxnSpPr>
+        <p:spPr>
+          <a:xfrm flipH="1" flipV="1">
+            <a:off x="1752791" y="2494442"/>
+            <a:ext cx="336929" cy="1488414"/>
+          </a:xfrm>
+          <a:prstGeom prst="line">
+            <a:avLst/>
+          </a:prstGeom>
+          <a:ln>
+            <a:solidFill>
+              <a:schemeClr val="tx1"/>
+            </a:solidFill>
+          </a:ln>
+        </p:spPr>
+        <p:style>
+          <a:lnRef idx="1">
+            <a:schemeClr val="accent1"/>
+          </a:lnRef>
+          <a:fillRef idx="0">
+            <a:schemeClr val="accent1"/>
+          </a:fillRef>
+          <a:effectRef idx="0">
+            <a:schemeClr val="accent1"/>
+          </a:effectRef>
+          <a:fontRef idx="minor">
+            <a:schemeClr val="tx1"/>
+          </a:fontRef>
+        </p:style>
+      </p:cxnSp>
+      <p:cxnSp>
+        <p:nvCxnSpPr>
+          <p:cNvPr id="109" name="直接连接符 108">
+            <a:extLst>
+              <a:ext uri="{FF2B5EF4-FFF2-40B4-BE49-F238E27FC236}">
+                <a16:creationId xmlns:a16="http://schemas.microsoft.com/office/drawing/2014/main" id="{5CFED6EF-6E74-D915-C6F1-31F8E66CFFC0}"/>
+              </a:ext>
+            </a:extLst>
+          </p:cNvPr>
+          <p:cNvCxnSpPr>
+            <a:cxnSpLocks/>
+          </p:cNvCxnSpPr>
+          <p:nvPr/>
+        </p:nvCxnSpPr>
+        <p:spPr>
+          <a:xfrm flipH="1" flipV="1">
+            <a:off x="1816369" y="2511019"/>
+            <a:ext cx="242185" cy="427459"/>
+          </a:xfrm>
+          <a:prstGeom prst="line">
+            <a:avLst/>
+          </a:prstGeom>
+          <a:ln>
+            <a:solidFill>
+              <a:schemeClr val="tx1"/>
+            </a:solidFill>
+          </a:ln>
+        </p:spPr>
+        <p:style>
+          <a:lnRef idx="1">
+            <a:schemeClr val="accent1"/>
+          </a:lnRef>
+          <a:fillRef idx="0">
+            <a:schemeClr val="accent1"/>
+          </a:fillRef>
+          <a:effectRef idx="0">
+            <a:schemeClr val="accent1"/>
+          </a:effectRef>
+          <a:fontRef idx="minor">
+            <a:schemeClr val="tx1"/>
+          </a:fontRef>
+        </p:style>
+      </p:cxnSp>
+      <p:cxnSp>
+        <p:nvCxnSpPr>
+          <p:cNvPr id="113" name="直接连接符 112">
+            <a:extLst>
+              <a:ext uri="{FF2B5EF4-FFF2-40B4-BE49-F238E27FC236}">
+                <a16:creationId xmlns:a16="http://schemas.microsoft.com/office/drawing/2014/main" id="{57627F38-AC71-F66D-84B0-EB29B9D1B75C}"/>
+              </a:ext>
+            </a:extLst>
+          </p:cNvPr>
+          <p:cNvCxnSpPr>
+            <a:cxnSpLocks/>
+          </p:cNvCxnSpPr>
+          <p:nvPr/>
+        </p:nvCxnSpPr>
+        <p:spPr>
+          <a:xfrm flipV="1">
+            <a:off x="3597975" y="2444807"/>
+            <a:ext cx="389647" cy="531141"/>
+          </a:xfrm>
+          <a:prstGeom prst="line">
+            <a:avLst/>
+          </a:prstGeom>
+          <a:ln>
+            <a:solidFill>
+              <a:schemeClr val="tx1"/>
+            </a:solidFill>
+          </a:ln>
+        </p:spPr>
+        <p:style>
+          <a:lnRef idx="1">
+            <a:schemeClr val="accent1"/>
+          </a:lnRef>
+          <a:fillRef idx="0">
+            <a:schemeClr val="accent1"/>
+          </a:fillRef>
+          <a:effectRef idx="0">
+            <a:schemeClr val="accent1"/>
+          </a:effectRef>
+          <a:fontRef idx="minor">
+            <a:schemeClr val="tx1"/>
+          </a:fontRef>
+        </p:style>
+      </p:cxnSp>
+      <p:cxnSp>
+        <p:nvCxnSpPr>
+          <p:cNvPr id="116" name="直接连接符 115">
+            <a:extLst>
+              <a:ext uri="{FF2B5EF4-FFF2-40B4-BE49-F238E27FC236}">
+                <a16:creationId xmlns:a16="http://schemas.microsoft.com/office/drawing/2014/main" id="{1FA98E19-609B-B537-7810-8D7450E5B8A5}"/>
+              </a:ext>
+            </a:extLst>
+          </p:cNvPr>
+          <p:cNvCxnSpPr>
+            <a:cxnSpLocks/>
+          </p:cNvCxnSpPr>
+          <p:nvPr/>
+        </p:nvCxnSpPr>
+        <p:spPr>
+          <a:xfrm flipH="1" flipV="1">
+            <a:off x="4213680" y="2459594"/>
+            <a:ext cx="345265" cy="541665"/>
+          </a:xfrm>
+          <a:prstGeom prst="line">
+            <a:avLst/>
+          </a:prstGeom>
+          <a:ln>
+            <a:solidFill>
+              <a:schemeClr val="tx1"/>
+            </a:solidFill>
+          </a:ln>
+        </p:spPr>
+        <p:style>
+          <a:lnRef idx="1">
+            <a:schemeClr val="accent1"/>
+          </a:lnRef>
+          <a:fillRef idx="0">
+            <a:schemeClr val="accent1"/>
+          </a:fillRef>
+          <a:effectRef idx="0">
+            <a:schemeClr val="accent1"/>
+          </a:effectRef>
+          <a:fontRef idx="minor">
+            <a:schemeClr val="tx1"/>
+          </a:fontRef>
+        </p:style>
+      </p:cxnSp>
+      <p:cxnSp>
+        <p:nvCxnSpPr>
+          <p:cNvPr id="121" name="直接连接符 120">
+            <a:extLst>
+              <a:ext uri="{FF2B5EF4-FFF2-40B4-BE49-F238E27FC236}">
+                <a16:creationId xmlns:a16="http://schemas.microsoft.com/office/drawing/2014/main" id="{ED092C6B-5FF0-05BF-3872-2F7140895E94}"/>
+              </a:ext>
+            </a:extLst>
+          </p:cNvPr>
+          <p:cNvCxnSpPr>
+            <a:cxnSpLocks/>
+          </p:cNvCxnSpPr>
+          <p:nvPr/>
+        </p:nvCxnSpPr>
+        <p:spPr>
+          <a:xfrm flipH="1" flipV="1">
+            <a:off x="5323592" y="1637281"/>
+            <a:ext cx="8956" cy="110799"/>
+          </a:xfrm>
+          <a:prstGeom prst="line">
+            <a:avLst/>
+          </a:prstGeom>
+          <a:ln>
+            <a:solidFill>
+              <a:schemeClr val="tx1"/>
+            </a:solidFill>
+          </a:ln>
+        </p:spPr>
+        <p:style>
+          <a:lnRef idx="1">
+            <a:schemeClr val="accent1"/>
+          </a:lnRef>
+          <a:fillRef idx="0">
+            <a:schemeClr val="accent1"/>
+          </a:fillRef>
+          <a:effectRef idx="0">
+            <a:schemeClr val="accent1"/>
+          </a:effectRef>
+          <a:fontRef idx="minor">
+            <a:schemeClr val="tx1"/>
+          </a:fontRef>
+        </p:style>
+      </p:cxnSp>
+      <p:cxnSp>
+        <p:nvCxnSpPr>
+          <p:cNvPr id="122" name="直接连接符 121">
+            <a:extLst>
+              <a:ext uri="{FF2B5EF4-FFF2-40B4-BE49-F238E27FC236}">
+                <a16:creationId xmlns:a16="http://schemas.microsoft.com/office/drawing/2014/main" id="{6DCC5A0B-2AE3-5F20-57E6-2D3DF56FD975}"/>
+              </a:ext>
+            </a:extLst>
+          </p:cNvPr>
+          <p:cNvCxnSpPr>
+            <a:cxnSpLocks/>
+          </p:cNvCxnSpPr>
+          <p:nvPr/>
+        </p:nvCxnSpPr>
+        <p:spPr>
+          <a:xfrm flipV="1">
+            <a:off x="7578095" y="1573523"/>
+            <a:ext cx="531548" cy="315590"/>
+          </a:xfrm>
+          <a:prstGeom prst="line">
+            <a:avLst/>
+          </a:prstGeom>
+          <a:ln>
+            <a:solidFill>
+              <a:schemeClr val="tx1"/>
+            </a:solidFill>
+          </a:ln>
+        </p:spPr>
+        <p:style>
+          <a:lnRef idx="1">
+            <a:schemeClr val="accent1"/>
+          </a:lnRef>
+          <a:fillRef idx="0">
+            <a:schemeClr val="accent1"/>
+          </a:fillRef>
+          <a:effectRef idx="0">
+            <a:schemeClr val="accent1"/>
+          </a:effectRef>
+          <a:fontRef idx="minor">
+            <a:schemeClr val="tx1"/>
+          </a:fontRef>
+        </p:style>
+      </p:cxnSp>
+      <p:cxnSp>
+        <p:nvCxnSpPr>
+          <p:cNvPr id="125" name="直接连接符 124">
+            <a:extLst>
+              <a:ext uri="{FF2B5EF4-FFF2-40B4-BE49-F238E27FC236}">
+                <a16:creationId xmlns:a16="http://schemas.microsoft.com/office/drawing/2014/main" id="{1EAA3DE1-9C8A-2251-11E5-FAFBB5B91773}"/>
+              </a:ext>
+            </a:extLst>
+          </p:cNvPr>
+          <p:cNvCxnSpPr>
+            <a:cxnSpLocks/>
+          </p:cNvCxnSpPr>
+          <p:nvPr/>
+        </p:nvCxnSpPr>
+        <p:spPr>
+          <a:xfrm flipH="1" flipV="1">
+            <a:off x="9299472" y="1576968"/>
+            <a:ext cx="552056" cy="275513"/>
+          </a:xfrm>
+          <a:prstGeom prst="line">
+            <a:avLst/>
+          </a:prstGeom>
+          <a:ln>
+            <a:solidFill>
+              <a:schemeClr val="tx1"/>
+            </a:solidFill>
+          </a:ln>
+        </p:spPr>
+        <p:style>
+          <a:lnRef idx="1">
+            <a:schemeClr val="accent1"/>
+          </a:lnRef>
+          <a:fillRef idx="0">
+            <a:schemeClr val="accent1"/>
+          </a:fillRef>
+          <a:effectRef idx="0">
+            <a:schemeClr val="accent1"/>
+          </a:effectRef>
+          <a:fontRef idx="minor">
+            <a:schemeClr val="tx1"/>
+          </a:fontRef>
+        </p:style>
+      </p:cxnSp>
+      <p:cxnSp>
+        <p:nvCxnSpPr>
+          <p:cNvPr id="127" name="直接连接符 126">
+            <a:extLst>
+              <a:ext uri="{FF2B5EF4-FFF2-40B4-BE49-F238E27FC236}">
+                <a16:creationId xmlns:a16="http://schemas.microsoft.com/office/drawing/2014/main" id="{6FD33EA2-2F07-6B8D-204D-9C0E2E54F843}"/>
+              </a:ext>
+            </a:extLst>
+          </p:cNvPr>
+          <p:cNvCxnSpPr>
+            <a:cxnSpLocks/>
+          </p:cNvCxnSpPr>
+          <p:nvPr/>
+        </p:nvCxnSpPr>
+        <p:spPr>
+          <a:xfrm flipH="1" flipV="1">
+            <a:off x="6800094" y="2494442"/>
+            <a:ext cx="8956" cy="110799"/>
+          </a:xfrm>
+          <a:prstGeom prst="line">
+            <a:avLst/>
+          </a:prstGeom>
+          <a:ln>
+            <a:solidFill>
+              <a:schemeClr val="tx1"/>
+            </a:solidFill>
+          </a:ln>
+        </p:spPr>
+        <p:style>
+          <a:lnRef idx="1">
+            <a:schemeClr val="accent1"/>
+          </a:lnRef>
+          <a:fillRef idx="0">
+            <a:schemeClr val="accent1"/>
+          </a:fillRef>
+          <a:effectRef idx="0">
+            <a:schemeClr val="accent1"/>
+          </a:effectRef>
+          <a:fontRef idx="minor">
+            <a:schemeClr val="tx1"/>
+          </a:fontRef>
+        </p:style>
+      </p:cxnSp>
+      <p:cxnSp>
+        <p:nvCxnSpPr>
+          <p:cNvPr id="128" name="直接连接符 127">
+            <a:extLst>
+              <a:ext uri="{FF2B5EF4-FFF2-40B4-BE49-F238E27FC236}">
+                <a16:creationId xmlns:a16="http://schemas.microsoft.com/office/drawing/2014/main" id="{6E892800-DEA1-EC1A-69E6-9DC421BAF982}"/>
+              </a:ext>
+            </a:extLst>
+          </p:cNvPr>
+          <p:cNvCxnSpPr>
+            <a:cxnSpLocks/>
+          </p:cNvCxnSpPr>
+          <p:nvPr/>
+        </p:nvCxnSpPr>
+        <p:spPr>
+          <a:xfrm flipV="1">
+            <a:off x="6394643" y="3238649"/>
+            <a:ext cx="185401" cy="238730"/>
+          </a:xfrm>
+          <a:prstGeom prst="line">
+            <a:avLst/>
+          </a:prstGeom>
+          <a:ln>
+            <a:solidFill>
+              <a:schemeClr val="tx1"/>
+            </a:solidFill>
+          </a:ln>
+        </p:spPr>
+        <p:style>
+          <a:lnRef idx="1">
+            <a:schemeClr val="accent1"/>
+          </a:lnRef>
+          <a:fillRef idx="0">
+            <a:schemeClr val="accent1"/>
+          </a:fillRef>
+          <a:effectRef idx="0">
+            <a:schemeClr val="accent1"/>
+          </a:effectRef>
+          <a:fontRef idx="minor">
+            <a:schemeClr val="tx1"/>
+          </a:fontRef>
+        </p:style>
+      </p:cxnSp>
+      <p:cxnSp>
+        <p:nvCxnSpPr>
+          <p:cNvPr id="130" name="直接连接符 129">
+            <a:extLst>
+              <a:ext uri="{FF2B5EF4-FFF2-40B4-BE49-F238E27FC236}">
+                <a16:creationId xmlns:a16="http://schemas.microsoft.com/office/drawing/2014/main" id="{A5A94E5C-74D0-6AD8-768A-43C3F4400888}"/>
+              </a:ext>
+            </a:extLst>
+          </p:cNvPr>
+          <p:cNvCxnSpPr>
+            <a:cxnSpLocks/>
+          </p:cNvCxnSpPr>
+          <p:nvPr/>
+        </p:nvCxnSpPr>
+        <p:spPr>
+          <a:xfrm flipH="1" flipV="1">
+            <a:off x="7008080" y="3257318"/>
+            <a:ext cx="184871" cy="220061"/>
+          </a:xfrm>
+          <a:prstGeom prst="line">
+            <a:avLst/>
+          </a:prstGeom>
+          <a:ln>
+            <a:solidFill>
+              <a:schemeClr val="tx1"/>
+            </a:solidFill>
+          </a:ln>
+        </p:spPr>
+        <p:style>
+          <a:lnRef idx="1">
+            <a:schemeClr val="accent1"/>
+          </a:lnRef>
+          <a:fillRef idx="0">
+            <a:schemeClr val="accent1"/>
+          </a:fillRef>
+          <a:effectRef idx="0">
+            <a:schemeClr val="accent1"/>
+          </a:effectRef>
+          <a:fontRef idx="minor">
+            <a:schemeClr val="tx1"/>
+          </a:fontRef>
+        </p:style>
+      </p:cxnSp>
+      <p:cxnSp>
+        <p:nvCxnSpPr>
+          <p:cNvPr id="135" name="直接连接符 134">
+            <a:extLst>
+              <a:ext uri="{FF2B5EF4-FFF2-40B4-BE49-F238E27FC236}">
+                <a16:creationId xmlns:a16="http://schemas.microsoft.com/office/drawing/2014/main" id="{650885DD-1E23-D1A3-A502-85C245720E5A}"/>
+              </a:ext>
+            </a:extLst>
+          </p:cNvPr>
+          <p:cNvCxnSpPr>
+            <a:cxnSpLocks/>
+          </p:cNvCxnSpPr>
+          <p:nvPr/>
+        </p:nvCxnSpPr>
+        <p:spPr>
+          <a:xfrm flipV="1">
+            <a:off x="9298651" y="2222500"/>
+            <a:ext cx="491904" cy="382741"/>
+          </a:xfrm>
+          <a:prstGeom prst="line">
+            <a:avLst/>
+          </a:prstGeom>
+          <a:ln>
+            <a:solidFill>
+              <a:schemeClr val="tx1"/>
+            </a:solidFill>
+          </a:ln>
+        </p:spPr>
+        <p:style>
+          <a:lnRef idx="1">
+            <a:schemeClr val="accent1"/>
+          </a:lnRef>
+          <a:fillRef idx="0">
+            <a:schemeClr val="accent1"/>
+          </a:fillRef>
+          <a:effectRef idx="0">
+            <a:schemeClr val="accent1"/>
+          </a:effectRef>
+          <a:fontRef idx="minor">
+            <a:schemeClr val="tx1"/>
+          </a:fontRef>
+        </p:style>
+      </p:cxnSp>
+      <p:cxnSp>
+        <p:nvCxnSpPr>
+          <p:cNvPr id="141" name="直接连接符 140">
+            <a:extLst>
+              <a:ext uri="{FF2B5EF4-FFF2-40B4-BE49-F238E27FC236}">
+                <a16:creationId xmlns:a16="http://schemas.microsoft.com/office/drawing/2014/main" id="{45D46ACA-75A0-A4DB-D024-16A8DF7671F2}"/>
+              </a:ext>
+            </a:extLst>
+          </p:cNvPr>
+          <p:cNvCxnSpPr>
+            <a:cxnSpLocks/>
+          </p:cNvCxnSpPr>
+          <p:nvPr/>
+        </p:nvCxnSpPr>
+        <p:spPr>
+          <a:xfrm flipH="1" flipV="1">
+            <a:off x="10387550" y="2273785"/>
+            <a:ext cx="392728" cy="392837"/>
+          </a:xfrm>
+          <a:prstGeom prst="line">
+            <a:avLst/>
+          </a:prstGeom>
+          <a:ln>
+            <a:solidFill>
+              <a:schemeClr val="tx1"/>
+            </a:solidFill>
+          </a:ln>
+        </p:spPr>
+        <p:style>
+          <a:lnRef idx="1">
+            <a:schemeClr val="accent1"/>
+          </a:lnRef>
+          <a:fillRef idx="0">
+            <a:schemeClr val="accent1"/>
+          </a:fillRef>
+          <a:effectRef idx="0">
+            <a:schemeClr val="accent1"/>
+          </a:effectRef>
+          <a:fontRef idx="minor">
+            <a:schemeClr val="tx1"/>
+          </a:fontRef>
+        </p:style>
+      </p:cxnSp>
+      <p:cxnSp>
+        <p:nvCxnSpPr>
+          <p:cNvPr id="146" name="直接连接符 145">
+            <a:extLst>
+              <a:ext uri="{FF2B5EF4-FFF2-40B4-BE49-F238E27FC236}">
+                <a16:creationId xmlns:a16="http://schemas.microsoft.com/office/drawing/2014/main" id="{5DE2C876-7A89-C6EF-D145-448D2495A381}"/>
+              </a:ext>
+            </a:extLst>
+          </p:cNvPr>
+          <p:cNvCxnSpPr>
+            <a:cxnSpLocks/>
+          </p:cNvCxnSpPr>
+          <p:nvPr/>
+        </p:nvCxnSpPr>
+        <p:spPr>
+          <a:xfrm flipV="1">
+            <a:off x="8746872" y="3247983"/>
+            <a:ext cx="185401" cy="238730"/>
+          </a:xfrm>
+          <a:prstGeom prst="line">
+            <a:avLst/>
+          </a:prstGeom>
+          <a:ln>
+            <a:solidFill>
+              <a:schemeClr val="tx1"/>
+            </a:solidFill>
+          </a:ln>
+        </p:spPr>
+        <p:style>
+          <a:lnRef idx="1">
+            <a:schemeClr val="accent1"/>
+          </a:lnRef>
+          <a:fillRef idx="0">
+            <a:schemeClr val="accent1"/>
+          </a:fillRef>
+          <a:effectRef idx="0">
+            <a:schemeClr val="accent1"/>
+          </a:effectRef>
+          <a:fontRef idx="minor">
+            <a:schemeClr val="tx1"/>
+          </a:fontRef>
+        </p:style>
+      </p:cxnSp>
+      <p:cxnSp>
+        <p:nvCxnSpPr>
+          <p:cNvPr id="147" name="直接连接符 146">
+            <a:extLst>
+              <a:ext uri="{FF2B5EF4-FFF2-40B4-BE49-F238E27FC236}">
+                <a16:creationId xmlns:a16="http://schemas.microsoft.com/office/drawing/2014/main" id="{ABF5ABBE-ADFC-CD2B-B66F-9B9A0B942F87}"/>
+              </a:ext>
+            </a:extLst>
+          </p:cNvPr>
+          <p:cNvCxnSpPr>
+            <a:cxnSpLocks/>
+          </p:cNvCxnSpPr>
+          <p:nvPr/>
+        </p:nvCxnSpPr>
+        <p:spPr>
+          <a:xfrm flipH="1" flipV="1">
+            <a:off x="9373736" y="3281134"/>
+            <a:ext cx="489480" cy="250047"/>
+          </a:xfrm>
+          <a:prstGeom prst="line">
+            <a:avLst/>
+          </a:prstGeom>
+          <a:ln>
+            <a:solidFill>
+              <a:schemeClr val="tx1"/>
+            </a:solidFill>
+          </a:ln>
+        </p:spPr>
+        <p:style>
+          <a:lnRef idx="1">
+            <a:schemeClr val="accent1"/>
+          </a:lnRef>
+          <a:fillRef idx="0">
+            <a:schemeClr val="accent1"/>
+          </a:fillRef>
+          <a:effectRef idx="0">
+            <a:schemeClr val="accent1"/>
+          </a:effectRef>
+          <a:fontRef idx="minor">
+            <a:schemeClr val="tx1"/>
+          </a:fontRef>
+        </p:style>
+      </p:cxnSp>
+      <p:cxnSp>
+        <p:nvCxnSpPr>
+          <p:cNvPr id="149" name="直接连接符 148">
+            <a:extLst>
+              <a:ext uri="{FF2B5EF4-FFF2-40B4-BE49-F238E27FC236}">
+                <a16:creationId xmlns:a16="http://schemas.microsoft.com/office/drawing/2014/main" id="{13AD25F0-5F75-3DE9-5900-3E64FD7602C3}"/>
+              </a:ext>
+            </a:extLst>
+          </p:cNvPr>
+          <p:cNvCxnSpPr>
+            <a:cxnSpLocks/>
+          </p:cNvCxnSpPr>
+          <p:nvPr/>
+        </p:nvCxnSpPr>
+        <p:spPr>
+          <a:xfrm flipH="1" flipV="1">
+            <a:off x="11006665" y="3283932"/>
+            <a:ext cx="184871" cy="220061"/>
+          </a:xfrm>
+          <a:prstGeom prst="line">
+            <a:avLst/>
+          </a:prstGeom>
+          <a:ln>
+            <a:solidFill>
+              <a:schemeClr val="tx1"/>
+            </a:solidFill>
+          </a:ln>
+        </p:spPr>
+        <p:style>
+          <a:lnRef idx="1">
+            <a:schemeClr val="accent1"/>
+          </a:lnRef>
+          <a:fillRef idx="0">
+            <a:schemeClr val="accent1"/>
+          </a:fillRef>
+          <a:effectRef idx="0">
+            <a:schemeClr val="accent1"/>
+          </a:effectRef>
+          <a:fontRef idx="minor">
+            <a:schemeClr val="tx1"/>
+          </a:fontRef>
+        </p:style>
+      </p:cxnSp>
+    </p:spTree>
+    <p:extLst>
+      <p:ext uri="{BB962C8B-B14F-4D97-AF65-F5344CB8AC3E}">
+        <p14:creationId xmlns:p14="http://schemas.microsoft.com/office/powerpoint/2010/main" val="2313286168"/>
+      </p:ext>
+    </p:extLst>
+  </p:cSld>
+  <p:clrMapOvr>
+    <a:masterClrMapping/>
+  </p:clrMapOvr>
+</p:sld>
+</file>
+
 <file path=ppt/theme/theme1.xml><?xml version="1.0" encoding="utf-8"?>
 <a:theme xmlns:a="http://schemas.openxmlformats.org/drawingml/2006/main" name="Office 主题​​">
   <a:themeElements>

--- a/day1/D/resources/draw.pptx
+++ b/day1/D/resources/draw.pptx
@@ -7,6 +7,7 @@
   <p:sldIdLst>
     <p:sldId id="256" r:id="rId2"/>
     <p:sldId id="257" r:id="rId3"/>
+    <p:sldId id="258" r:id="rId4"/>
   </p:sldIdLst>
   <p:sldSz cx="12192000" cy="6858000"/>
   <p:notesSz cx="6858000" cy="9144000"/>
@@ -15300,6 +15301,6620 @@
 </p:sld>
 </file>
 
+<file path=ppt/slides/slide3.xml><?xml version="1.0" encoding="utf-8"?>
+<p:sld xmlns:a="http://schemas.openxmlformats.org/drawingml/2006/main" xmlns:r="http://schemas.openxmlformats.org/officeDocument/2006/relationships" xmlns:p="http://schemas.openxmlformats.org/presentationml/2006/main">
+  <p:cSld>
+    <p:spTree>
+      <p:nvGrpSpPr>
+        <p:cNvPr id="1" name=""/>
+        <p:cNvGrpSpPr/>
+        <p:nvPr/>
+      </p:nvGrpSpPr>
+      <p:grpSpPr>
+        <a:xfrm>
+          <a:off x="0" y="0"/>
+          <a:ext cx="0" cy="0"/>
+          <a:chOff x="0" y="0"/>
+          <a:chExt cx="0" cy="0"/>
+        </a:xfrm>
+      </p:grpSpPr>
+      <p:sp>
+        <p:nvSpPr>
+          <p:cNvPr id="4" name="椭圆 3">
+            <a:extLst>
+              <a:ext uri="{FF2B5EF4-FFF2-40B4-BE49-F238E27FC236}">
+                <a16:creationId xmlns:a16="http://schemas.microsoft.com/office/drawing/2014/main" id="{C9778EE7-C6B7-C2D1-FAAC-C2F0BDF16DCF}"/>
+              </a:ext>
+            </a:extLst>
+          </p:cNvPr>
+          <p:cNvSpPr/>
+          <p:nvPr/>
+        </p:nvSpPr>
+        <p:spPr>
+          <a:xfrm>
+            <a:off x="5082287" y="307360"/>
+            <a:ext cx="508883" cy="508883"/>
+          </a:xfrm>
+          <a:prstGeom prst="ellipse">
+            <a:avLst/>
+          </a:prstGeom>
+          <a:noFill/>
+        </p:spPr>
+        <p:style>
+          <a:lnRef idx="2">
+            <a:schemeClr val="accent1">
+              <a:shade val="15000"/>
+            </a:schemeClr>
+          </a:lnRef>
+          <a:fillRef idx="1">
+            <a:schemeClr val="accent1"/>
+          </a:fillRef>
+          <a:effectRef idx="0">
+            <a:schemeClr val="accent1"/>
+          </a:effectRef>
+          <a:fontRef idx="minor">
+            <a:schemeClr val="lt1"/>
+          </a:fontRef>
+        </p:style>
+        <p:txBody>
+          <a:bodyPr wrap="none" rtlCol="0" anchor="ctr"/>
+          <a:lstStyle/>
+          <a:p>
+            <a:pPr algn="ctr"/>
+            <a:r>
+              <a:rPr lang="en-US" altLang="zh-CN" dirty="0">
+                <a:solidFill>
+                  <a:schemeClr val="tx1"/>
+                </a:solidFill>
+                <a:latin typeface="Arial" panose="020B0604020202020204" pitchFamily="34" charset="0"/>
+                <a:cs typeface="Arial" panose="020B0604020202020204" pitchFamily="34" charset="0"/>
+              </a:rPr>
+              <a:t>1</a:t>
+            </a:r>
+            <a:endParaRPr lang="zh-CN" altLang="en-US" dirty="0">
+              <a:solidFill>
+                <a:schemeClr val="tx1"/>
+              </a:solidFill>
+              <a:latin typeface="Arial" panose="020B0604020202020204" pitchFamily="34" charset="0"/>
+              <a:cs typeface="Arial" panose="020B0604020202020204" pitchFamily="34" charset="0"/>
+            </a:endParaRPr>
+          </a:p>
+        </p:txBody>
+      </p:sp>
+      <mc:AlternateContent xmlns:mc="http://schemas.openxmlformats.org/markup-compatibility/2006">
+        <mc:Choice xmlns:a14="http://schemas.microsoft.com/office/drawing/2010/main" Requires="a14">
+          <p:sp>
+            <p:nvSpPr>
+              <p:cNvPr id="5" name="文本框 4">
+                <a:extLst>
+                  <a:ext uri="{FF2B5EF4-FFF2-40B4-BE49-F238E27FC236}">
+                    <a16:creationId xmlns:a16="http://schemas.microsoft.com/office/drawing/2014/main" id="{0FD8A5AC-B62B-680C-6C74-D8C2B4CD2109}"/>
+                  </a:ext>
+                </a:extLst>
+              </p:cNvPr>
+              <p:cNvSpPr txBox="1"/>
+              <p:nvPr/>
+            </p:nvSpPr>
+            <p:spPr>
+              <a:xfrm>
+                <a:off x="5597904" y="128615"/>
+                <a:ext cx="521297" cy="769441"/>
+              </a:xfrm>
+              <a:prstGeom prst="rect">
+                <a:avLst/>
+              </a:prstGeom>
+              <a:noFill/>
+            </p:spPr>
+            <p:txBody>
+              <a:bodyPr wrap="none" rtlCol="0">
+                <a:spAutoFit/>
+              </a:bodyPr>
+              <a:lstStyle/>
+              <a:p>
+                <a:pPr algn="ctr"/>
+                <a:r>
+                  <a:rPr lang="en-US" altLang="zh-CN" sz="1100" dirty="0">
+                    <a:latin typeface="Arial" panose="020B0604020202020204" pitchFamily="34" charset="0"/>
+                    <a:cs typeface="Arial" panose="020B0604020202020204" pitchFamily="34" charset="0"/>
+                  </a:rPr>
+                  <a:t>Earth</a:t>
+                </a:r>
+              </a:p>
+              <a:p>
+                <a:pPr algn="ctr"/>
+                <a14:m>
+                  <m:oMathPara xmlns:m="http://schemas.openxmlformats.org/officeDocument/2006/math">
+                    <m:oMathParaPr>
+                      <m:jc m:val="centerGroup"/>
+                    </m:oMathParaPr>
+                    <m:oMath xmlns:m="http://schemas.openxmlformats.org/officeDocument/2006/math">
+                      <m:r>
+                        <a:rPr lang="en-US" altLang="zh-CN" sz="1100" b="0" i="1" smtClean="0">
+                          <a:latin typeface="Cambria Math" panose="02040503050406030204" pitchFamily="18" charset="0"/>
+                        </a:rPr>
+                        <m:t>𝜖</m:t>
+                      </m:r>
+                    </m:oMath>
+                  </m:oMathPara>
+                </a14:m>
+                <a:endParaRPr lang="en-US" altLang="zh-CN" sz="1100" dirty="0">
+                  <a:latin typeface="Arial" panose="020B0604020202020204" pitchFamily="34" charset="0"/>
+                  <a:cs typeface="Arial" panose="020B0604020202020204" pitchFamily="34" charset="0"/>
+                </a:endParaRPr>
+              </a:p>
+              <a:p>
+                <a:pPr algn="ctr"/>
+                <a14:m>
+                  <m:oMathPara xmlns:m="http://schemas.openxmlformats.org/officeDocument/2006/math">
+                    <m:oMathParaPr>
+                      <m:jc m:val="centerGroup"/>
+                    </m:oMathParaPr>
+                    <m:oMath xmlns:m="http://schemas.openxmlformats.org/officeDocument/2006/math">
+                      <m:r>
+                        <a:rPr lang="en-US" altLang="zh-CN" sz="1100" b="0" i="1" smtClean="0">
+                          <a:latin typeface="Cambria Math" panose="02040503050406030204" pitchFamily="18" charset="0"/>
+                        </a:rPr>
+                        <m:t>𝜖</m:t>
+                      </m:r>
+                    </m:oMath>
+                  </m:oMathPara>
+                </a14:m>
+                <a:endParaRPr lang="en-US" altLang="zh-CN" sz="1100" dirty="0">
+                  <a:latin typeface="Arial" panose="020B0604020202020204" pitchFamily="34" charset="0"/>
+                  <a:cs typeface="Arial" panose="020B0604020202020204" pitchFamily="34" charset="0"/>
+                </a:endParaRPr>
+              </a:p>
+              <a:p>
+                <a:pPr algn="ctr"/>
+                <a14:m>
+                  <m:oMathPara xmlns:m="http://schemas.openxmlformats.org/officeDocument/2006/math">
+                    <m:oMathParaPr>
+                      <m:jc m:val="centerGroup"/>
+                    </m:oMathParaPr>
+                    <m:oMath xmlns:m="http://schemas.openxmlformats.org/officeDocument/2006/math">
+                      <m:r>
+                        <a:rPr lang="en-US" altLang="zh-CN" sz="1100" b="0" i="1" smtClean="0">
+                          <a:latin typeface="Cambria Math" panose="02040503050406030204" pitchFamily="18" charset="0"/>
+                        </a:rPr>
+                        <m:t>𝜖</m:t>
+                      </m:r>
+                    </m:oMath>
+                  </m:oMathPara>
+                </a14:m>
+                <a:endParaRPr lang="zh-CN" altLang="en-US" sz="1100" dirty="0">
+                  <a:latin typeface="Arial" panose="020B0604020202020204" pitchFamily="34" charset="0"/>
+                  <a:cs typeface="Arial" panose="020B0604020202020204" pitchFamily="34" charset="0"/>
+                </a:endParaRPr>
+              </a:p>
+            </p:txBody>
+          </p:sp>
+        </mc:Choice>
+        <mc:Fallback>
+          <p:sp>
+            <p:nvSpPr>
+              <p:cNvPr id="5" name="文本框 4">
+                <a:extLst>
+                  <a:ext uri="{FF2B5EF4-FFF2-40B4-BE49-F238E27FC236}">
+                    <a16:creationId xmlns:a16="http://schemas.microsoft.com/office/drawing/2014/main" id="{0FD8A5AC-B62B-680C-6C74-D8C2B4CD2109}"/>
+                  </a:ext>
+                </a:extLst>
+              </p:cNvPr>
+              <p:cNvSpPr txBox="1">
+                <a:spLocks noRot="1" noChangeAspect="1" noMove="1" noResize="1" noEditPoints="1" noAdjustHandles="1" noChangeArrowheads="1" noChangeShapeType="1" noTextEdit="1"/>
+              </p:cNvSpPr>
+              <p:nvPr/>
+            </p:nvSpPr>
+            <p:spPr>
+              <a:xfrm>
+                <a:off x="5597904" y="128615"/>
+                <a:ext cx="521297" cy="769441"/>
+              </a:xfrm>
+              <a:prstGeom prst="rect">
+                <a:avLst/>
+              </a:prstGeom>
+              <a:blipFill>
+                <a:blip r:embed="rId2"/>
+                <a:stretch>
+                  <a:fillRect t="-794"/>
+                </a:stretch>
+              </a:blipFill>
+            </p:spPr>
+            <p:txBody>
+              <a:bodyPr/>
+              <a:lstStyle/>
+              <a:p>
+                <a:r>
+                  <a:rPr lang="zh-CN" altLang="en-US">
+                    <a:noFill/>
+                  </a:rPr>
+                  <a:t> </a:t>
+                </a:r>
+              </a:p>
+            </p:txBody>
+          </p:sp>
+        </mc:Fallback>
+      </mc:AlternateContent>
+      <p:sp>
+        <p:nvSpPr>
+          <p:cNvPr id="6" name="椭圆 5">
+            <a:extLst>
+              <a:ext uri="{FF2B5EF4-FFF2-40B4-BE49-F238E27FC236}">
+                <a16:creationId xmlns:a16="http://schemas.microsoft.com/office/drawing/2014/main" id="{59FAD6BA-BE6C-FB64-1394-745710E7085E}"/>
+              </a:ext>
+            </a:extLst>
+          </p:cNvPr>
+          <p:cNvSpPr/>
+          <p:nvPr/>
+        </p:nvSpPr>
+        <p:spPr>
+          <a:xfrm>
+            <a:off x="2354912" y="1079542"/>
+            <a:ext cx="508883" cy="508883"/>
+          </a:xfrm>
+          <a:prstGeom prst="ellipse">
+            <a:avLst/>
+          </a:prstGeom>
+          <a:noFill/>
+        </p:spPr>
+        <p:style>
+          <a:lnRef idx="2">
+            <a:schemeClr val="accent1">
+              <a:shade val="15000"/>
+            </a:schemeClr>
+          </a:lnRef>
+          <a:fillRef idx="1">
+            <a:schemeClr val="accent1"/>
+          </a:fillRef>
+          <a:effectRef idx="0">
+            <a:schemeClr val="accent1"/>
+          </a:effectRef>
+          <a:fontRef idx="minor">
+            <a:schemeClr val="lt1"/>
+          </a:fontRef>
+        </p:style>
+        <p:txBody>
+          <a:bodyPr wrap="none" rtlCol="0" anchor="ctr"/>
+          <a:lstStyle/>
+          <a:p>
+            <a:pPr algn="ctr"/>
+            <a:r>
+              <a:rPr lang="en-US" altLang="zh-CN" dirty="0">
+                <a:solidFill>
+                  <a:schemeClr val="tx1"/>
+                </a:solidFill>
+                <a:latin typeface="Arial" panose="020B0604020202020204" pitchFamily="34" charset="0"/>
+                <a:cs typeface="Arial" panose="020B0604020202020204" pitchFamily="34" charset="0"/>
+              </a:rPr>
+              <a:t>2</a:t>
+            </a:r>
+            <a:endParaRPr lang="zh-CN" altLang="en-US" dirty="0">
+              <a:solidFill>
+                <a:schemeClr val="tx1"/>
+              </a:solidFill>
+              <a:latin typeface="Arial" panose="020B0604020202020204" pitchFamily="34" charset="0"/>
+              <a:cs typeface="Arial" panose="020B0604020202020204" pitchFamily="34" charset="0"/>
+            </a:endParaRPr>
+          </a:p>
+        </p:txBody>
+      </p:sp>
+      <mc:AlternateContent xmlns:mc="http://schemas.openxmlformats.org/markup-compatibility/2006">
+        <mc:Choice xmlns:a14="http://schemas.microsoft.com/office/drawing/2010/main" Requires="a14">
+          <p:sp>
+            <p:nvSpPr>
+              <p:cNvPr id="7" name="文本框 6">
+                <a:extLst>
+                  <a:ext uri="{FF2B5EF4-FFF2-40B4-BE49-F238E27FC236}">
+                    <a16:creationId xmlns:a16="http://schemas.microsoft.com/office/drawing/2014/main" id="{716F1A7B-6297-D0EF-B9F0-3A48C6ECCB18}"/>
+                  </a:ext>
+                </a:extLst>
+              </p:cNvPr>
+              <p:cNvSpPr txBox="1"/>
+              <p:nvPr/>
+            </p:nvSpPr>
+            <p:spPr>
+              <a:xfrm>
+                <a:off x="2547531" y="900797"/>
+                <a:ext cx="1167307" cy="769441"/>
+              </a:xfrm>
+              <a:prstGeom prst="rect">
+                <a:avLst/>
+              </a:prstGeom>
+              <a:noFill/>
+            </p:spPr>
+            <p:txBody>
+              <a:bodyPr wrap="none" rtlCol="0">
+                <a:spAutoFit/>
+              </a:bodyPr>
+              <a:lstStyle/>
+              <a:p>
+                <a:pPr algn="ctr"/>
+                <a:r>
+                  <a:rPr lang="en-US" altLang="zh-CN" sz="1100" dirty="0">
+                    <a:latin typeface="Arial" panose="020B0604020202020204" pitchFamily="34" charset="0"/>
+                    <a:cs typeface="Arial" panose="020B0604020202020204" pitchFamily="34" charset="0"/>
+                  </a:rPr>
+                  <a:t>Mainland China</a:t>
+                </a:r>
+              </a:p>
+              <a:p>
+                <a:pPr algn="ctr"/>
+                <a14:m>
+                  <m:oMathPara xmlns:m="http://schemas.openxmlformats.org/officeDocument/2006/math">
+                    <m:oMathParaPr>
+                      <m:jc m:val="centerGroup"/>
+                    </m:oMathParaPr>
+                    <m:oMath xmlns:m="http://schemas.openxmlformats.org/officeDocument/2006/math">
+                      <m:r>
+                        <a:rPr lang="en-US" altLang="zh-CN" sz="1100" b="0" i="1" smtClean="0">
+                          <a:latin typeface="Cambria Math" panose="02040503050406030204" pitchFamily="18" charset="0"/>
+                        </a:rPr>
+                        <m:t>00</m:t>
+                      </m:r>
+                    </m:oMath>
+                  </m:oMathPara>
+                </a14:m>
+                <a:endParaRPr lang="en-US" altLang="zh-CN" sz="1100" dirty="0">
+                  <a:latin typeface="Arial" panose="020B0604020202020204" pitchFamily="34" charset="0"/>
+                  <a:cs typeface="Arial" panose="020B0604020202020204" pitchFamily="34" charset="0"/>
+                </a:endParaRPr>
+              </a:p>
+              <a:p>
+                <a:pPr algn="ctr"/>
+                <a14:m>
+                  <m:oMathPara xmlns:m="http://schemas.openxmlformats.org/officeDocument/2006/math">
+                    <m:oMathParaPr>
+                      <m:jc m:val="centerGroup"/>
+                    </m:oMathParaPr>
+                    <m:oMath xmlns:m="http://schemas.openxmlformats.org/officeDocument/2006/math">
+                      <m:r>
+                        <a:rPr lang="en-US" altLang="zh-CN" sz="1100" b="0" i="1" smtClean="0">
+                          <a:latin typeface="Cambria Math" panose="02040503050406030204" pitchFamily="18" charset="0"/>
+                        </a:rPr>
+                        <m:t>86</m:t>
+                      </m:r>
+                    </m:oMath>
+                  </m:oMathPara>
+                </a14:m>
+                <a:endParaRPr lang="en-US" altLang="zh-CN" sz="1100" dirty="0">
+                  <a:latin typeface="Arial" panose="020B0604020202020204" pitchFamily="34" charset="0"/>
+                  <a:cs typeface="Arial" panose="020B0604020202020204" pitchFamily="34" charset="0"/>
+                </a:endParaRPr>
+              </a:p>
+              <a:p>
+                <a:pPr algn="ctr"/>
+                <a14:m>
+                  <m:oMathPara xmlns:m="http://schemas.openxmlformats.org/officeDocument/2006/math">
+                    <m:oMathParaPr>
+                      <m:jc m:val="centerGroup"/>
+                    </m:oMathParaPr>
+                    <m:oMath xmlns:m="http://schemas.openxmlformats.org/officeDocument/2006/math">
+                      <m:r>
+                        <a:rPr lang="en-US" altLang="zh-CN" sz="1100" b="0" i="1" smtClean="0">
+                          <a:latin typeface="Cambria Math" panose="02040503050406030204" pitchFamily="18" charset="0"/>
+                        </a:rPr>
+                        <m:t>0</m:t>
+                      </m:r>
+                    </m:oMath>
+                  </m:oMathPara>
+                </a14:m>
+                <a:endParaRPr lang="zh-CN" altLang="en-US" sz="1100" dirty="0">
+                  <a:latin typeface="Arial" panose="020B0604020202020204" pitchFamily="34" charset="0"/>
+                  <a:cs typeface="Arial" panose="020B0604020202020204" pitchFamily="34" charset="0"/>
+                </a:endParaRPr>
+              </a:p>
+            </p:txBody>
+          </p:sp>
+        </mc:Choice>
+        <mc:Fallback>
+          <p:sp>
+            <p:nvSpPr>
+              <p:cNvPr id="7" name="文本框 6">
+                <a:extLst>
+                  <a:ext uri="{FF2B5EF4-FFF2-40B4-BE49-F238E27FC236}">
+                    <a16:creationId xmlns:a16="http://schemas.microsoft.com/office/drawing/2014/main" id="{716F1A7B-6297-D0EF-B9F0-3A48C6ECCB18}"/>
+                  </a:ext>
+                </a:extLst>
+              </p:cNvPr>
+              <p:cNvSpPr txBox="1">
+                <a:spLocks noRot="1" noChangeAspect="1" noMove="1" noResize="1" noEditPoints="1" noAdjustHandles="1" noChangeArrowheads="1" noChangeShapeType="1" noTextEdit="1"/>
+              </p:cNvSpPr>
+              <p:nvPr/>
+            </p:nvSpPr>
+            <p:spPr>
+              <a:xfrm>
+                <a:off x="2547531" y="900797"/>
+                <a:ext cx="1167307" cy="769441"/>
+              </a:xfrm>
+              <a:prstGeom prst="rect">
+                <a:avLst/>
+              </a:prstGeom>
+              <a:blipFill>
+                <a:blip r:embed="rId3"/>
+                <a:stretch>
+                  <a:fillRect t="-794"/>
+                </a:stretch>
+              </a:blipFill>
+            </p:spPr>
+            <p:txBody>
+              <a:bodyPr/>
+              <a:lstStyle/>
+              <a:p>
+                <a:r>
+                  <a:rPr lang="zh-CN" altLang="en-US">
+                    <a:noFill/>
+                  </a:rPr>
+                  <a:t> </a:t>
+                </a:r>
+              </a:p>
+            </p:txBody>
+          </p:sp>
+        </mc:Fallback>
+      </mc:AlternateContent>
+      <p:sp>
+        <p:nvSpPr>
+          <p:cNvPr id="8" name="椭圆 7">
+            <a:extLst>
+              <a:ext uri="{FF2B5EF4-FFF2-40B4-BE49-F238E27FC236}">
+                <a16:creationId xmlns:a16="http://schemas.microsoft.com/office/drawing/2014/main" id="{BBD10261-C99C-29DF-545D-D06C5A4BBC0E}"/>
+              </a:ext>
+            </a:extLst>
+          </p:cNvPr>
+          <p:cNvSpPr/>
+          <p:nvPr/>
+        </p:nvSpPr>
+        <p:spPr>
+          <a:xfrm>
+            <a:off x="1406175" y="1854305"/>
+            <a:ext cx="508883" cy="508883"/>
+          </a:xfrm>
+          <a:prstGeom prst="ellipse">
+            <a:avLst/>
+          </a:prstGeom>
+          <a:noFill/>
+        </p:spPr>
+        <p:style>
+          <a:lnRef idx="2">
+            <a:schemeClr val="accent1">
+              <a:shade val="15000"/>
+            </a:schemeClr>
+          </a:lnRef>
+          <a:fillRef idx="1">
+            <a:schemeClr val="accent1"/>
+          </a:fillRef>
+          <a:effectRef idx="0">
+            <a:schemeClr val="accent1"/>
+          </a:effectRef>
+          <a:fontRef idx="minor">
+            <a:schemeClr val="lt1"/>
+          </a:fontRef>
+        </p:style>
+        <p:txBody>
+          <a:bodyPr wrap="none" rtlCol="0" anchor="ctr"/>
+          <a:lstStyle/>
+          <a:p>
+            <a:pPr algn="ctr"/>
+            <a:r>
+              <a:rPr lang="en-US" altLang="zh-CN" dirty="0">
+                <a:solidFill>
+                  <a:schemeClr val="tx1"/>
+                </a:solidFill>
+                <a:latin typeface="Arial" panose="020B0604020202020204" pitchFamily="34" charset="0"/>
+                <a:cs typeface="Arial" panose="020B0604020202020204" pitchFamily="34" charset="0"/>
+              </a:rPr>
+              <a:t>3</a:t>
+            </a:r>
+            <a:endParaRPr lang="zh-CN" altLang="en-US" dirty="0">
+              <a:solidFill>
+                <a:schemeClr val="tx1"/>
+              </a:solidFill>
+              <a:latin typeface="Arial" panose="020B0604020202020204" pitchFamily="34" charset="0"/>
+              <a:cs typeface="Arial" panose="020B0604020202020204" pitchFamily="34" charset="0"/>
+            </a:endParaRPr>
+          </a:p>
+        </p:txBody>
+      </p:sp>
+      <mc:AlternateContent xmlns:mc="http://schemas.openxmlformats.org/markup-compatibility/2006">
+        <mc:Choice xmlns:a14="http://schemas.microsoft.com/office/drawing/2010/main" Requires="a14">
+          <p:sp>
+            <p:nvSpPr>
+              <p:cNvPr id="9" name="文本框 8">
+                <a:extLst>
+                  <a:ext uri="{FF2B5EF4-FFF2-40B4-BE49-F238E27FC236}">
+                    <a16:creationId xmlns:a16="http://schemas.microsoft.com/office/drawing/2014/main" id="{BA80B208-7231-BEC6-8F39-2DA9F467BC26}"/>
+                  </a:ext>
+                </a:extLst>
+              </p:cNvPr>
+              <p:cNvSpPr txBox="1"/>
+              <p:nvPr/>
+            </p:nvSpPr>
+            <p:spPr>
+              <a:xfrm>
+                <a:off x="1876917" y="1675560"/>
+                <a:ext cx="611066" cy="769441"/>
+              </a:xfrm>
+              <a:prstGeom prst="rect">
+                <a:avLst/>
+              </a:prstGeom>
+              <a:noFill/>
+            </p:spPr>
+            <p:txBody>
+              <a:bodyPr wrap="none" rtlCol="0">
+                <a:spAutoFit/>
+              </a:bodyPr>
+              <a:lstStyle/>
+              <a:p>
+                <a:pPr algn="ctr"/>
+                <a:r>
+                  <a:rPr lang="en-US" altLang="zh-CN" sz="1100" dirty="0">
+                    <a:latin typeface="Arial" panose="020B0604020202020204" pitchFamily="34" charset="0"/>
+                    <a:cs typeface="Arial" panose="020B0604020202020204" pitchFamily="34" charset="0"/>
+                  </a:rPr>
+                  <a:t>Beijing</a:t>
+                </a:r>
+              </a:p>
+              <a:p>
+                <a:pPr algn="ctr"/>
+                <a14:m>
+                  <m:oMathPara xmlns:m="http://schemas.openxmlformats.org/officeDocument/2006/math">
+                    <m:oMathParaPr>
+                      <m:jc m:val="centerGroup"/>
+                    </m:oMathParaPr>
+                    <m:oMath xmlns:m="http://schemas.openxmlformats.org/officeDocument/2006/math">
+                      <m:r>
+                        <a:rPr lang="en-US" altLang="zh-CN" sz="1100" b="0" i="1" smtClean="0">
+                          <a:latin typeface="Cambria Math" panose="02040503050406030204" pitchFamily="18" charset="0"/>
+                        </a:rPr>
+                        <m:t>𝜖</m:t>
+                      </m:r>
+                    </m:oMath>
+                  </m:oMathPara>
+                </a14:m>
+                <a:endParaRPr lang="en-US" altLang="zh-CN" sz="1100" dirty="0">
+                  <a:latin typeface="Arial" panose="020B0604020202020204" pitchFamily="34" charset="0"/>
+                  <a:cs typeface="Arial" panose="020B0604020202020204" pitchFamily="34" charset="0"/>
+                </a:endParaRPr>
+              </a:p>
+              <a:p>
+                <a:pPr algn="ctr"/>
+                <a14:m>
+                  <m:oMathPara xmlns:m="http://schemas.openxmlformats.org/officeDocument/2006/math">
+                    <m:oMathParaPr>
+                      <m:jc m:val="centerGroup"/>
+                    </m:oMathParaPr>
+                    <m:oMath xmlns:m="http://schemas.openxmlformats.org/officeDocument/2006/math">
+                      <m:r>
+                        <a:rPr lang="en-US" altLang="zh-CN" sz="1100" b="0" i="1" smtClean="0">
+                          <a:latin typeface="Cambria Math" panose="02040503050406030204" pitchFamily="18" charset="0"/>
+                        </a:rPr>
+                        <m:t>10</m:t>
+                      </m:r>
+                    </m:oMath>
+                  </m:oMathPara>
+                </a14:m>
+                <a:endParaRPr lang="en-US" altLang="zh-CN" sz="1100" dirty="0">
+                  <a:latin typeface="Arial" panose="020B0604020202020204" pitchFamily="34" charset="0"/>
+                  <a:cs typeface="Arial" panose="020B0604020202020204" pitchFamily="34" charset="0"/>
+                </a:endParaRPr>
+              </a:p>
+              <a:p>
+                <a:pPr algn="ctr"/>
+                <a14:m>
+                  <m:oMathPara xmlns:m="http://schemas.openxmlformats.org/officeDocument/2006/math">
+                    <m:oMathParaPr>
+                      <m:jc m:val="centerGroup"/>
+                    </m:oMathParaPr>
+                    <m:oMath xmlns:m="http://schemas.openxmlformats.org/officeDocument/2006/math">
+                      <m:r>
+                        <a:rPr lang="en-US" altLang="zh-CN" sz="1100" b="0" i="1" smtClean="0">
+                          <a:latin typeface="Cambria Math" panose="02040503050406030204" pitchFamily="18" charset="0"/>
+                        </a:rPr>
+                        <m:t>𝜖</m:t>
+                      </m:r>
+                    </m:oMath>
+                  </m:oMathPara>
+                </a14:m>
+                <a:endParaRPr lang="zh-CN" altLang="en-US" sz="1100" dirty="0">
+                  <a:latin typeface="Arial" panose="020B0604020202020204" pitchFamily="34" charset="0"/>
+                  <a:cs typeface="Arial" panose="020B0604020202020204" pitchFamily="34" charset="0"/>
+                </a:endParaRPr>
+              </a:p>
+            </p:txBody>
+          </p:sp>
+        </mc:Choice>
+        <mc:Fallback>
+          <p:sp>
+            <p:nvSpPr>
+              <p:cNvPr id="9" name="文本框 8">
+                <a:extLst>
+                  <a:ext uri="{FF2B5EF4-FFF2-40B4-BE49-F238E27FC236}">
+                    <a16:creationId xmlns:a16="http://schemas.microsoft.com/office/drawing/2014/main" id="{BA80B208-7231-BEC6-8F39-2DA9F467BC26}"/>
+                  </a:ext>
+                </a:extLst>
+              </p:cNvPr>
+              <p:cNvSpPr txBox="1">
+                <a:spLocks noRot="1" noChangeAspect="1" noMove="1" noResize="1" noEditPoints="1" noAdjustHandles="1" noChangeArrowheads="1" noChangeShapeType="1" noTextEdit="1"/>
+              </p:cNvSpPr>
+              <p:nvPr/>
+            </p:nvSpPr>
+            <p:spPr>
+              <a:xfrm>
+                <a:off x="1876917" y="1675560"/>
+                <a:ext cx="611066" cy="769441"/>
+              </a:xfrm>
+              <a:prstGeom prst="rect">
+                <a:avLst/>
+              </a:prstGeom>
+              <a:blipFill>
+                <a:blip r:embed="rId4"/>
+                <a:stretch>
+                  <a:fillRect t="-794"/>
+                </a:stretch>
+              </a:blipFill>
+            </p:spPr>
+            <p:txBody>
+              <a:bodyPr/>
+              <a:lstStyle/>
+              <a:p>
+                <a:r>
+                  <a:rPr lang="zh-CN" altLang="en-US">
+                    <a:noFill/>
+                  </a:rPr>
+                  <a:t> </a:t>
+                </a:r>
+              </a:p>
+            </p:txBody>
+          </p:sp>
+        </mc:Fallback>
+      </mc:AlternateContent>
+      <p:sp>
+        <p:nvSpPr>
+          <p:cNvPr id="10" name="椭圆 9">
+            <a:extLst>
+              <a:ext uri="{FF2B5EF4-FFF2-40B4-BE49-F238E27FC236}">
+                <a16:creationId xmlns:a16="http://schemas.microsoft.com/office/drawing/2014/main" id="{833E0FA0-5920-19C0-C263-D77EDA0397A0}"/>
+              </a:ext>
+            </a:extLst>
+          </p:cNvPr>
+          <p:cNvSpPr/>
+          <p:nvPr/>
+        </p:nvSpPr>
+        <p:spPr>
+          <a:xfrm>
+            <a:off x="683239" y="2782716"/>
+            <a:ext cx="508883" cy="508883"/>
+          </a:xfrm>
+          <a:prstGeom prst="ellipse">
+            <a:avLst/>
+          </a:prstGeom>
+          <a:solidFill>
+            <a:schemeClr val="accent2"/>
+          </a:solidFill>
+          <a:ln>
+            <a:solidFill>
+              <a:schemeClr val="tx1"/>
+            </a:solidFill>
+          </a:ln>
+        </p:spPr>
+        <p:style>
+          <a:lnRef idx="2">
+            <a:schemeClr val="accent1">
+              <a:shade val="15000"/>
+            </a:schemeClr>
+          </a:lnRef>
+          <a:fillRef idx="1">
+            <a:schemeClr val="accent1"/>
+          </a:fillRef>
+          <a:effectRef idx="0">
+            <a:schemeClr val="accent1"/>
+          </a:effectRef>
+          <a:fontRef idx="minor">
+            <a:schemeClr val="lt1"/>
+          </a:fontRef>
+        </p:style>
+        <p:txBody>
+          <a:bodyPr wrap="none" rtlCol="0" anchor="ctr"/>
+          <a:lstStyle/>
+          <a:p>
+            <a:pPr algn="ctr"/>
+            <a:r>
+              <a:rPr lang="en-US" altLang="zh-CN" dirty="0">
+                <a:latin typeface="Arial" panose="020B0604020202020204" pitchFamily="34" charset="0"/>
+                <a:cs typeface="Arial" panose="020B0604020202020204" pitchFamily="34" charset="0"/>
+              </a:rPr>
+              <a:t>4</a:t>
+            </a:r>
+            <a:endParaRPr lang="zh-CN" altLang="en-US" dirty="0">
+              <a:latin typeface="Arial" panose="020B0604020202020204" pitchFamily="34" charset="0"/>
+              <a:cs typeface="Arial" panose="020B0604020202020204" pitchFamily="34" charset="0"/>
+            </a:endParaRPr>
+          </a:p>
+        </p:txBody>
+      </p:sp>
+      <mc:AlternateContent xmlns:mc="http://schemas.openxmlformats.org/markup-compatibility/2006">
+        <mc:Choice xmlns:a14="http://schemas.microsoft.com/office/drawing/2010/main" Requires="a14">
+          <p:sp>
+            <p:nvSpPr>
+              <p:cNvPr id="11" name="文本框 10">
+                <a:extLst>
+                  <a:ext uri="{FF2B5EF4-FFF2-40B4-BE49-F238E27FC236}">
+                    <a16:creationId xmlns:a16="http://schemas.microsoft.com/office/drawing/2014/main" id="{424B20D6-AC46-48C0-CA49-8550FB0F5063}"/>
+                  </a:ext>
+                </a:extLst>
+              </p:cNvPr>
+              <p:cNvSpPr txBox="1"/>
+              <p:nvPr/>
+            </p:nvSpPr>
+            <p:spPr>
+              <a:xfrm>
+                <a:off x="-71891" y="3315738"/>
+                <a:ext cx="2026517" cy="600164"/>
+              </a:xfrm>
+              <a:prstGeom prst="rect">
+                <a:avLst/>
+              </a:prstGeom>
+              <a:noFill/>
+            </p:spPr>
+            <p:txBody>
+              <a:bodyPr wrap="none" rtlCol="0">
+                <a:spAutoFit/>
+              </a:bodyPr>
+              <a:lstStyle/>
+              <a:p>
+                <a:pPr algn="ctr"/>
+                <a:r>
+                  <a:rPr lang="en-US" altLang="zh-CN" sz="1100" dirty="0">
+                    <a:latin typeface="Arial" panose="020B0604020202020204" pitchFamily="34" charset="0"/>
+                    <a:cs typeface="Arial" panose="020B0604020202020204" pitchFamily="34" charset="0"/>
+                  </a:rPr>
+                  <a:t>Logistics Integrated Service</a:t>
+                </a:r>
+              </a:p>
+              <a:p>
+                <a:pPr algn="ctr"/>
+                <a:r>
+                  <a:rPr lang="en-US" altLang="zh-CN" sz="1100" dirty="0">
+                    <a:latin typeface="Arial" panose="020B0604020202020204" pitchFamily="34" charset="0"/>
+                    <a:cs typeface="Arial" panose="020B0604020202020204" pitchFamily="34" charset="0"/>
+                  </a:rPr>
+                  <a:t>Platfor</a:t>
+                </a:r>
+                <a:r>
+                  <a:rPr lang="en-US" altLang="zh-CN" sz="1100" i="0" dirty="0">
+                    <a:latin typeface="Arial" panose="020B0604020202020204" pitchFamily="34" charset="0"/>
+                    <a:cs typeface="Arial" panose="020B0604020202020204" pitchFamily="34" charset="0"/>
+                  </a:rPr>
+                  <a:t>m</a:t>
+                </a:r>
+                <a:r>
+                  <a:rPr lang="en-US" altLang="zh-CN" sz="1100" b="0" i="0" dirty="0">
+                    <a:latin typeface="Arial" panose="020B0604020202020204" pitchFamily="34" charset="0"/>
+                    <a:cs typeface="Arial" panose="020B0604020202020204" pitchFamily="34" charset="0"/>
+                  </a:rPr>
+                  <a:t>, Tsinghua University</a:t>
+                </a:r>
+              </a:p>
+              <a:p>
+                <a:pPr algn="ctr"/>
+                <a14:m>
+                  <m:oMathPara xmlns:m="http://schemas.openxmlformats.org/officeDocument/2006/math">
+                    <m:oMathParaPr>
+                      <m:jc m:val="centerGroup"/>
+                    </m:oMathParaPr>
+                    <m:oMath xmlns:m="http://schemas.openxmlformats.org/officeDocument/2006/math">
+                      <m:r>
+                        <a:rPr lang="en-US" altLang="zh-CN" sz="1100" i="1" dirty="0" smtClean="0">
+                          <a:latin typeface="Cambria Math" panose="02040503050406030204" pitchFamily="18" charset="0"/>
+                        </a:rPr>
+                        <m:t>62793001</m:t>
+                      </m:r>
+                    </m:oMath>
+                  </m:oMathPara>
+                </a14:m>
+                <a:endParaRPr lang="en-US" altLang="zh-CN" sz="1100" dirty="0">
+                  <a:latin typeface="Arial" panose="020B0604020202020204" pitchFamily="34" charset="0"/>
+                  <a:cs typeface="Arial" panose="020B0604020202020204" pitchFamily="34" charset="0"/>
+                </a:endParaRPr>
+              </a:p>
+            </p:txBody>
+          </p:sp>
+        </mc:Choice>
+        <mc:Fallback>
+          <p:sp>
+            <p:nvSpPr>
+              <p:cNvPr id="11" name="文本框 10">
+                <a:extLst>
+                  <a:ext uri="{FF2B5EF4-FFF2-40B4-BE49-F238E27FC236}">
+                    <a16:creationId xmlns:a16="http://schemas.microsoft.com/office/drawing/2014/main" id="{424B20D6-AC46-48C0-CA49-8550FB0F5063}"/>
+                  </a:ext>
+                </a:extLst>
+              </p:cNvPr>
+              <p:cNvSpPr txBox="1">
+                <a:spLocks noRot="1" noChangeAspect="1" noMove="1" noResize="1" noEditPoints="1" noAdjustHandles="1" noChangeArrowheads="1" noChangeShapeType="1" noTextEdit="1"/>
+              </p:cNvSpPr>
+              <p:nvPr/>
+            </p:nvSpPr>
+            <p:spPr>
+              <a:xfrm>
+                <a:off x="-71891" y="3315738"/>
+                <a:ext cx="2026517" cy="600164"/>
+              </a:xfrm>
+              <a:prstGeom prst="rect">
+                <a:avLst/>
+              </a:prstGeom>
+              <a:blipFill>
+                <a:blip r:embed="rId5"/>
+                <a:stretch>
+                  <a:fillRect t="-1020"/>
+                </a:stretch>
+              </a:blipFill>
+            </p:spPr>
+            <p:txBody>
+              <a:bodyPr/>
+              <a:lstStyle/>
+              <a:p>
+                <a:r>
+                  <a:rPr lang="zh-CN" altLang="en-US">
+                    <a:noFill/>
+                  </a:rPr>
+                  <a:t> </a:t>
+                </a:r>
+              </a:p>
+            </p:txBody>
+          </p:sp>
+        </mc:Fallback>
+      </mc:AlternateContent>
+      <p:sp>
+        <p:nvSpPr>
+          <p:cNvPr id="12" name="椭圆 11">
+            <a:extLst>
+              <a:ext uri="{FF2B5EF4-FFF2-40B4-BE49-F238E27FC236}">
+                <a16:creationId xmlns:a16="http://schemas.microsoft.com/office/drawing/2014/main" id="{6479DDB1-3360-32AF-52A4-6A817CA2B654}"/>
+              </a:ext>
+            </a:extLst>
+          </p:cNvPr>
+          <p:cNvSpPr/>
+          <p:nvPr/>
+        </p:nvSpPr>
+        <p:spPr>
+          <a:xfrm>
+            <a:off x="676252" y="3876904"/>
+            <a:ext cx="508883" cy="508883"/>
+          </a:xfrm>
+          <a:prstGeom prst="ellipse">
+            <a:avLst/>
+          </a:prstGeom>
+          <a:solidFill>
+            <a:schemeClr val="accent2"/>
+          </a:solidFill>
+          <a:ln>
+            <a:solidFill>
+              <a:schemeClr val="tx1"/>
+            </a:solidFill>
+          </a:ln>
+        </p:spPr>
+        <p:style>
+          <a:lnRef idx="2">
+            <a:schemeClr val="accent1">
+              <a:shade val="15000"/>
+            </a:schemeClr>
+          </a:lnRef>
+          <a:fillRef idx="1">
+            <a:schemeClr val="accent1"/>
+          </a:fillRef>
+          <a:effectRef idx="0">
+            <a:schemeClr val="accent1"/>
+          </a:effectRef>
+          <a:fontRef idx="minor">
+            <a:schemeClr val="lt1"/>
+          </a:fontRef>
+        </p:style>
+        <p:txBody>
+          <a:bodyPr wrap="none" rtlCol="0" anchor="ctr"/>
+          <a:lstStyle/>
+          <a:p>
+            <a:pPr algn="ctr"/>
+            <a:r>
+              <a:rPr lang="en-US" altLang="zh-CN" dirty="0">
+                <a:latin typeface="Arial" panose="020B0604020202020204" pitchFamily="34" charset="0"/>
+                <a:cs typeface="Arial" panose="020B0604020202020204" pitchFamily="34" charset="0"/>
+              </a:rPr>
+              <a:t>5</a:t>
+            </a:r>
+            <a:endParaRPr lang="zh-CN" altLang="en-US" dirty="0">
+              <a:latin typeface="Arial" panose="020B0604020202020204" pitchFamily="34" charset="0"/>
+              <a:cs typeface="Arial" panose="020B0604020202020204" pitchFamily="34" charset="0"/>
+            </a:endParaRPr>
+          </a:p>
+        </p:txBody>
+      </p:sp>
+      <mc:AlternateContent xmlns:mc="http://schemas.openxmlformats.org/markup-compatibility/2006">
+        <mc:Choice xmlns:a14="http://schemas.microsoft.com/office/drawing/2010/main" Requires="a14">
+          <p:sp>
+            <p:nvSpPr>
+              <p:cNvPr id="13" name="文本框 12">
+                <a:extLst>
+                  <a:ext uri="{FF2B5EF4-FFF2-40B4-BE49-F238E27FC236}">
+                    <a16:creationId xmlns:a16="http://schemas.microsoft.com/office/drawing/2014/main" id="{FEDE4322-1E24-834B-8C24-31AB83D706C4}"/>
+                  </a:ext>
+                </a:extLst>
+              </p:cNvPr>
+              <p:cNvSpPr txBox="1"/>
+              <p:nvPr/>
+            </p:nvSpPr>
+            <p:spPr>
+              <a:xfrm>
+                <a:off x="217401" y="4409926"/>
+                <a:ext cx="1425390" cy="600164"/>
+              </a:xfrm>
+              <a:prstGeom prst="rect">
+                <a:avLst/>
+              </a:prstGeom>
+              <a:noFill/>
+            </p:spPr>
+            <p:txBody>
+              <a:bodyPr wrap="none" rtlCol="0">
+                <a:spAutoFit/>
+              </a:bodyPr>
+              <a:lstStyle/>
+              <a:p>
+                <a:pPr algn="ctr"/>
+                <a:r>
+                  <a:rPr lang="en-US" altLang="zh-CN" sz="1100" dirty="0">
+                    <a:latin typeface="Arial" panose="020B0604020202020204" pitchFamily="34" charset="0"/>
+                    <a:cs typeface="Arial" panose="020B0604020202020204" pitchFamily="34" charset="0"/>
+                  </a:rPr>
+                  <a:t>Admission Office,</a:t>
+                </a:r>
+              </a:p>
+              <a:p>
+                <a:pPr algn="ctr"/>
+                <a:r>
+                  <a:rPr lang="en-US" altLang="zh-CN" sz="1100" dirty="0">
+                    <a:latin typeface="Arial" panose="020B0604020202020204" pitchFamily="34" charset="0"/>
+                    <a:cs typeface="Arial" panose="020B0604020202020204" pitchFamily="34" charset="0"/>
+                  </a:rPr>
+                  <a:t>Tsinghua University</a:t>
+                </a:r>
+              </a:p>
+              <a:p>
+                <a:pPr algn="ctr"/>
+                <a14:m>
+                  <m:oMathPara xmlns:m="http://schemas.openxmlformats.org/officeDocument/2006/math">
+                    <m:oMathParaPr>
+                      <m:jc m:val="centerGroup"/>
+                    </m:oMathParaPr>
+                    <m:oMath xmlns:m="http://schemas.openxmlformats.org/officeDocument/2006/math">
+                      <m:r>
+                        <a:rPr lang="en-US" altLang="zh-CN" sz="1100" i="1" dirty="0" smtClean="0">
+                          <a:latin typeface="Cambria Math" panose="02040503050406030204" pitchFamily="18" charset="0"/>
+                        </a:rPr>
+                        <m:t>62770334</m:t>
+                      </m:r>
+                    </m:oMath>
+                  </m:oMathPara>
+                </a14:m>
+                <a:endParaRPr lang="en-US" altLang="zh-CN" sz="1100" dirty="0">
+                  <a:latin typeface="Arial" panose="020B0604020202020204" pitchFamily="34" charset="0"/>
+                  <a:cs typeface="Arial" panose="020B0604020202020204" pitchFamily="34" charset="0"/>
+                </a:endParaRPr>
+              </a:p>
+            </p:txBody>
+          </p:sp>
+        </mc:Choice>
+        <mc:Fallback>
+          <p:sp>
+            <p:nvSpPr>
+              <p:cNvPr id="13" name="文本框 12">
+                <a:extLst>
+                  <a:ext uri="{FF2B5EF4-FFF2-40B4-BE49-F238E27FC236}">
+                    <a16:creationId xmlns:a16="http://schemas.microsoft.com/office/drawing/2014/main" id="{FEDE4322-1E24-834B-8C24-31AB83D706C4}"/>
+                  </a:ext>
+                </a:extLst>
+              </p:cNvPr>
+              <p:cNvSpPr txBox="1">
+                <a:spLocks noRot="1" noChangeAspect="1" noMove="1" noResize="1" noEditPoints="1" noAdjustHandles="1" noChangeArrowheads="1" noChangeShapeType="1" noTextEdit="1"/>
+              </p:cNvSpPr>
+              <p:nvPr/>
+            </p:nvSpPr>
+            <p:spPr>
+              <a:xfrm>
+                <a:off x="217401" y="4409926"/>
+                <a:ext cx="1425390" cy="600164"/>
+              </a:xfrm>
+              <a:prstGeom prst="rect">
+                <a:avLst/>
+              </a:prstGeom>
+              <a:blipFill>
+                <a:blip r:embed="rId6"/>
+                <a:stretch>
+                  <a:fillRect t="-1010"/>
+                </a:stretch>
+              </a:blipFill>
+            </p:spPr>
+            <p:txBody>
+              <a:bodyPr/>
+              <a:lstStyle/>
+              <a:p>
+                <a:r>
+                  <a:rPr lang="zh-CN" altLang="en-US">
+                    <a:noFill/>
+                  </a:rPr>
+                  <a:t> </a:t>
+                </a:r>
+              </a:p>
+            </p:txBody>
+          </p:sp>
+        </mc:Fallback>
+      </mc:AlternateContent>
+      <p:sp>
+        <p:nvSpPr>
+          <p:cNvPr id="14" name="椭圆 13">
+            <a:extLst>
+              <a:ext uri="{FF2B5EF4-FFF2-40B4-BE49-F238E27FC236}">
+                <a16:creationId xmlns:a16="http://schemas.microsoft.com/office/drawing/2014/main" id="{5018FD59-212B-9795-7347-4943243A77A4}"/>
+              </a:ext>
+            </a:extLst>
+          </p:cNvPr>
+          <p:cNvSpPr/>
+          <p:nvPr/>
+        </p:nvSpPr>
+        <p:spPr>
+          <a:xfrm>
+            <a:off x="1448068" y="4759000"/>
+            <a:ext cx="508883" cy="508883"/>
+          </a:xfrm>
+          <a:prstGeom prst="ellipse">
+            <a:avLst/>
+          </a:prstGeom>
+          <a:solidFill>
+            <a:schemeClr val="accent2"/>
+          </a:solidFill>
+          <a:ln>
+            <a:solidFill>
+              <a:schemeClr val="tx1"/>
+            </a:solidFill>
+          </a:ln>
+        </p:spPr>
+        <p:style>
+          <a:lnRef idx="2">
+            <a:schemeClr val="accent1">
+              <a:shade val="15000"/>
+            </a:schemeClr>
+          </a:lnRef>
+          <a:fillRef idx="1">
+            <a:schemeClr val="accent1"/>
+          </a:fillRef>
+          <a:effectRef idx="0">
+            <a:schemeClr val="accent1"/>
+          </a:effectRef>
+          <a:fontRef idx="minor">
+            <a:schemeClr val="lt1"/>
+          </a:fontRef>
+        </p:style>
+        <p:txBody>
+          <a:bodyPr wrap="none" rtlCol="0" anchor="ctr"/>
+          <a:lstStyle/>
+          <a:p>
+            <a:pPr algn="ctr"/>
+            <a:r>
+              <a:rPr lang="en-US" altLang="zh-CN" dirty="0">
+                <a:latin typeface="Arial" panose="020B0604020202020204" pitchFamily="34" charset="0"/>
+                <a:cs typeface="Arial" panose="020B0604020202020204" pitchFamily="34" charset="0"/>
+              </a:rPr>
+              <a:t>6</a:t>
+            </a:r>
+            <a:endParaRPr lang="zh-CN" altLang="en-US" dirty="0">
+              <a:latin typeface="Arial" panose="020B0604020202020204" pitchFamily="34" charset="0"/>
+              <a:cs typeface="Arial" panose="020B0604020202020204" pitchFamily="34" charset="0"/>
+            </a:endParaRPr>
+          </a:p>
+        </p:txBody>
+      </p:sp>
+      <mc:AlternateContent xmlns:mc="http://schemas.openxmlformats.org/markup-compatibility/2006">
+        <mc:Choice xmlns:a14="http://schemas.microsoft.com/office/drawing/2010/main" Requires="a14">
+          <p:sp>
+            <p:nvSpPr>
+              <p:cNvPr id="15" name="文本框 14">
+                <a:extLst>
+                  <a:ext uri="{FF2B5EF4-FFF2-40B4-BE49-F238E27FC236}">
+                    <a16:creationId xmlns:a16="http://schemas.microsoft.com/office/drawing/2014/main" id="{A9CF1EFC-217E-17E3-F4D1-62534A57D4C1}"/>
+                  </a:ext>
+                </a:extLst>
+              </p:cNvPr>
+              <p:cNvSpPr txBox="1"/>
+              <p:nvPr/>
+            </p:nvSpPr>
+            <p:spPr>
+              <a:xfrm>
+                <a:off x="45060" y="5292022"/>
+                <a:ext cx="3357009" cy="600164"/>
+              </a:xfrm>
+              <a:prstGeom prst="rect">
+                <a:avLst/>
+              </a:prstGeom>
+              <a:noFill/>
+            </p:spPr>
+            <p:txBody>
+              <a:bodyPr wrap="none" rtlCol="0">
+                <a:spAutoFit/>
+              </a:bodyPr>
+              <a:lstStyle/>
+              <a:p>
+                <a:pPr algn="ctr"/>
+                <a:r>
+                  <a:rPr lang="en-US" altLang="zh-CN" sz="1100" dirty="0">
+                    <a:latin typeface="Arial" panose="020B0604020202020204" pitchFamily="34" charset="0"/>
+                    <a:cs typeface="Arial" panose="020B0604020202020204" pitchFamily="34" charset="0"/>
+                  </a:rPr>
+                  <a:t>Department of Computer Science and Technology,</a:t>
+                </a:r>
+              </a:p>
+              <a:p>
+                <a:pPr algn="ctr"/>
+                <a:r>
+                  <a:rPr lang="en-US" altLang="zh-CN" sz="1100" dirty="0">
+                    <a:latin typeface="Arial" panose="020B0604020202020204" pitchFamily="34" charset="0"/>
+                    <a:cs typeface="Arial" panose="020B0604020202020204" pitchFamily="34" charset="0"/>
+                  </a:rPr>
+                  <a:t>Tsinghua University</a:t>
+                </a:r>
+              </a:p>
+              <a:p>
+                <a:pPr algn="ctr"/>
+                <a14:m>
+                  <m:oMathPara xmlns:m="http://schemas.openxmlformats.org/officeDocument/2006/math">
+                    <m:oMathParaPr>
+                      <m:jc m:val="centerGroup"/>
+                    </m:oMathParaPr>
+                    <m:oMath xmlns:m="http://schemas.openxmlformats.org/officeDocument/2006/math">
+                      <m:r>
+                        <a:rPr lang="en-US" altLang="zh-CN" sz="1100" i="1" dirty="0" smtClean="0">
+                          <a:latin typeface="Cambria Math" panose="02040503050406030204" pitchFamily="18" charset="0"/>
+                        </a:rPr>
+                        <m:t>62783054</m:t>
+                      </m:r>
+                    </m:oMath>
+                  </m:oMathPara>
+                </a14:m>
+                <a:endParaRPr lang="en-US" altLang="zh-CN" sz="1100" dirty="0">
+                  <a:latin typeface="Arial" panose="020B0604020202020204" pitchFamily="34" charset="0"/>
+                  <a:cs typeface="Arial" panose="020B0604020202020204" pitchFamily="34" charset="0"/>
+                </a:endParaRPr>
+              </a:p>
+            </p:txBody>
+          </p:sp>
+        </mc:Choice>
+        <mc:Fallback>
+          <p:sp>
+            <p:nvSpPr>
+              <p:cNvPr id="15" name="文本框 14">
+                <a:extLst>
+                  <a:ext uri="{FF2B5EF4-FFF2-40B4-BE49-F238E27FC236}">
+                    <a16:creationId xmlns:a16="http://schemas.microsoft.com/office/drawing/2014/main" id="{A9CF1EFC-217E-17E3-F4D1-62534A57D4C1}"/>
+                  </a:ext>
+                </a:extLst>
+              </p:cNvPr>
+              <p:cNvSpPr txBox="1">
+                <a:spLocks noRot="1" noChangeAspect="1" noMove="1" noResize="1" noEditPoints="1" noAdjustHandles="1" noChangeArrowheads="1" noChangeShapeType="1" noTextEdit="1"/>
+              </p:cNvSpPr>
+              <p:nvPr/>
+            </p:nvSpPr>
+            <p:spPr>
+              <a:xfrm>
+                <a:off x="45060" y="5292022"/>
+                <a:ext cx="3357009" cy="600164"/>
+              </a:xfrm>
+              <a:prstGeom prst="rect">
+                <a:avLst/>
+              </a:prstGeom>
+              <a:blipFill>
+                <a:blip r:embed="rId7"/>
+                <a:stretch>
+                  <a:fillRect t="-1010"/>
+                </a:stretch>
+              </a:blipFill>
+            </p:spPr>
+            <p:txBody>
+              <a:bodyPr/>
+              <a:lstStyle/>
+              <a:p>
+                <a:r>
+                  <a:rPr lang="zh-CN" altLang="en-US">
+                    <a:noFill/>
+                  </a:rPr>
+                  <a:t> </a:t>
+                </a:r>
+              </a:p>
+            </p:txBody>
+          </p:sp>
+        </mc:Fallback>
+      </mc:AlternateContent>
+      <p:sp>
+        <p:nvSpPr>
+          <p:cNvPr id="16" name="椭圆 15">
+            <a:extLst>
+              <a:ext uri="{FF2B5EF4-FFF2-40B4-BE49-F238E27FC236}">
+                <a16:creationId xmlns:a16="http://schemas.microsoft.com/office/drawing/2014/main" id="{ED480947-1B5B-DC50-6FD3-EE1F7AAEEE7F}"/>
+              </a:ext>
+            </a:extLst>
+          </p:cNvPr>
+          <p:cNvSpPr/>
+          <p:nvPr/>
+        </p:nvSpPr>
+        <p:spPr>
+          <a:xfrm>
+            <a:off x="2228058" y="3876904"/>
+            <a:ext cx="508883" cy="508883"/>
+          </a:xfrm>
+          <a:prstGeom prst="ellipse">
+            <a:avLst/>
+          </a:prstGeom>
+          <a:solidFill>
+            <a:schemeClr val="accent2"/>
+          </a:solidFill>
+          <a:ln>
+            <a:solidFill>
+              <a:schemeClr val="tx1"/>
+            </a:solidFill>
+          </a:ln>
+        </p:spPr>
+        <p:style>
+          <a:lnRef idx="2">
+            <a:schemeClr val="accent1">
+              <a:shade val="15000"/>
+            </a:schemeClr>
+          </a:lnRef>
+          <a:fillRef idx="1">
+            <a:schemeClr val="accent1"/>
+          </a:fillRef>
+          <a:effectRef idx="0">
+            <a:schemeClr val="accent1"/>
+          </a:effectRef>
+          <a:fontRef idx="minor">
+            <a:schemeClr val="lt1"/>
+          </a:fontRef>
+        </p:style>
+        <p:txBody>
+          <a:bodyPr wrap="none" rtlCol="0" anchor="ctr"/>
+          <a:lstStyle/>
+          <a:p>
+            <a:pPr algn="ctr"/>
+            <a:r>
+              <a:rPr lang="en-US" altLang="zh-CN" dirty="0">
+                <a:latin typeface="Arial" panose="020B0604020202020204" pitchFamily="34" charset="0"/>
+                <a:cs typeface="Arial" panose="020B0604020202020204" pitchFamily="34" charset="0"/>
+              </a:rPr>
+              <a:t>7</a:t>
+            </a:r>
+            <a:endParaRPr lang="zh-CN" altLang="en-US" dirty="0">
+              <a:latin typeface="Arial" panose="020B0604020202020204" pitchFamily="34" charset="0"/>
+              <a:cs typeface="Arial" panose="020B0604020202020204" pitchFamily="34" charset="0"/>
+            </a:endParaRPr>
+          </a:p>
+        </p:txBody>
+      </p:sp>
+      <mc:AlternateContent xmlns:mc="http://schemas.openxmlformats.org/markup-compatibility/2006">
+        <mc:Choice xmlns:a14="http://schemas.microsoft.com/office/drawing/2010/main" Requires="a14">
+          <p:sp>
+            <p:nvSpPr>
+              <p:cNvPr id="17" name="文本框 16">
+                <a:extLst>
+                  <a:ext uri="{FF2B5EF4-FFF2-40B4-BE49-F238E27FC236}">
+                    <a16:creationId xmlns:a16="http://schemas.microsoft.com/office/drawing/2014/main" id="{211D1C7B-E0D6-EDBD-A18F-ECAAC68743BC}"/>
+                  </a:ext>
+                </a:extLst>
+              </p:cNvPr>
+              <p:cNvSpPr txBox="1"/>
+              <p:nvPr/>
+            </p:nvSpPr>
+            <p:spPr>
+              <a:xfrm>
+                <a:off x="1498306" y="4409926"/>
+                <a:ext cx="2010487" cy="600164"/>
+              </a:xfrm>
+              <a:prstGeom prst="rect">
+                <a:avLst/>
+              </a:prstGeom>
+              <a:noFill/>
+            </p:spPr>
+            <p:txBody>
+              <a:bodyPr wrap="none" rtlCol="0">
+                <a:spAutoFit/>
+              </a:bodyPr>
+              <a:lstStyle/>
+              <a:p>
+                <a:pPr algn="ctr"/>
+                <a:r>
+                  <a:rPr lang="en-US" altLang="zh-CN" sz="1100" dirty="0">
+                    <a:latin typeface="Arial" panose="020B0604020202020204" pitchFamily="34" charset="0"/>
+                    <a:cs typeface="Arial" panose="020B0604020202020204" pitchFamily="34" charset="0"/>
+                  </a:rPr>
+                  <a:t>School of Computer Science,</a:t>
+                </a:r>
+              </a:p>
+              <a:p>
+                <a:pPr algn="ctr"/>
+                <a:r>
+                  <a:rPr lang="en-US" altLang="zh-CN" sz="1100" dirty="0">
+                    <a:latin typeface="Arial" panose="020B0604020202020204" pitchFamily="34" charset="0"/>
+                    <a:cs typeface="Arial" panose="020B0604020202020204" pitchFamily="34" charset="0"/>
+                  </a:rPr>
+                  <a:t>Peking University</a:t>
+                </a:r>
+              </a:p>
+              <a:p>
+                <a:pPr algn="ctr"/>
+                <a14:m>
+                  <m:oMathPara xmlns:m="http://schemas.openxmlformats.org/officeDocument/2006/math">
+                    <m:oMathParaPr>
+                      <m:jc m:val="centerGroup"/>
+                    </m:oMathParaPr>
+                    <m:oMath xmlns:m="http://schemas.openxmlformats.org/officeDocument/2006/math">
+                      <m:r>
+                        <a:rPr lang="en-US" altLang="zh-CN" sz="1100" i="1" dirty="0" smtClean="0">
+                          <a:latin typeface="Cambria Math" panose="02040503050406030204" pitchFamily="18" charset="0"/>
+                        </a:rPr>
+                        <m:t>62757487</m:t>
+                      </m:r>
+                    </m:oMath>
+                  </m:oMathPara>
+                </a14:m>
+                <a:endParaRPr lang="en-US" altLang="zh-CN" sz="1100" dirty="0">
+                  <a:latin typeface="Arial" panose="020B0604020202020204" pitchFamily="34" charset="0"/>
+                  <a:cs typeface="Arial" panose="020B0604020202020204" pitchFamily="34" charset="0"/>
+                </a:endParaRPr>
+              </a:p>
+            </p:txBody>
+          </p:sp>
+        </mc:Choice>
+        <mc:Fallback>
+          <p:sp>
+            <p:nvSpPr>
+              <p:cNvPr id="17" name="文本框 16">
+                <a:extLst>
+                  <a:ext uri="{FF2B5EF4-FFF2-40B4-BE49-F238E27FC236}">
+                    <a16:creationId xmlns:a16="http://schemas.microsoft.com/office/drawing/2014/main" id="{211D1C7B-E0D6-EDBD-A18F-ECAAC68743BC}"/>
+                  </a:ext>
+                </a:extLst>
+              </p:cNvPr>
+              <p:cNvSpPr txBox="1">
+                <a:spLocks noRot="1" noChangeAspect="1" noMove="1" noResize="1" noEditPoints="1" noAdjustHandles="1" noChangeArrowheads="1" noChangeShapeType="1" noTextEdit="1"/>
+              </p:cNvSpPr>
+              <p:nvPr/>
+            </p:nvSpPr>
+            <p:spPr>
+              <a:xfrm>
+                <a:off x="1498306" y="4409926"/>
+                <a:ext cx="2010487" cy="600164"/>
+              </a:xfrm>
+              <a:prstGeom prst="rect">
+                <a:avLst/>
+              </a:prstGeom>
+              <a:blipFill>
+                <a:blip r:embed="rId8"/>
+                <a:stretch>
+                  <a:fillRect t="-1010"/>
+                </a:stretch>
+              </a:blipFill>
+            </p:spPr>
+            <p:txBody>
+              <a:bodyPr/>
+              <a:lstStyle/>
+              <a:p>
+                <a:r>
+                  <a:rPr lang="zh-CN" altLang="en-US">
+                    <a:noFill/>
+                  </a:rPr>
+                  <a:t> </a:t>
+                </a:r>
+              </a:p>
+            </p:txBody>
+          </p:sp>
+        </mc:Fallback>
+      </mc:AlternateContent>
+      <p:sp>
+        <p:nvSpPr>
+          <p:cNvPr id="18" name="椭圆 17">
+            <a:extLst>
+              <a:ext uri="{FF2B5EF4-FFF2-40B4-BE49-F238E27FC236}">
+                <a16:creationId xmlns:a16="http://schemas.microsoft.com/office/drawing/2014/main" id="{773B6181-1073-B6B4-9260-941E716C7A7D}"/>
+              </a:ext>
+            </a:extLst>
+          </p:cNvPr>
+          <p:cNvSpPr/>
+          <p:nvPr/>
+        </p:nvSpPr>
+        <p:spPr>
+          <a:xfrm>
+            <a:off x="2228058" y="2782716"/>
+            <a:ext cx="508883" cy="508883"/>
+          </a:xfrm>
+          <a:prstGeom prst="ellipse">
+            <a:avLst/>
+          </a:prstGeom>
+          <a:solidFill>
+            <a:schemeClr val="accent2"/>
+          </a:solidFill>
+          <a:ln>
+            <a:solidFill>
+              <a:schemeClr val="tx1"/>
+            </a:solidFill>
+          </a:ln>
+        </p:spPr>
+        <p:style>
+          <a:lnRef idx="2">
+            <a:schemeClr val="accent1">
+              <a:shade val="15000"/>
+            </a:schemeClr>
+          </a:lnRef>
+          <a:fillRef idx="1">
+            <a:schemeClr val="accent1"/>
+          </a:fillRef>
+          <a:effectRef idx="0">
+            <a:schemeClr val="accent1"/>
+          </a:effectRef>
+          <a:fontRef idx="minor">
+            <a:schemeClr val="lt1"/>
+          </a:fontRef>
+        </p:style>
+        <p:txBody>
+          <a:bodyPr wrap="none" rtlCol="0" anchor="ctr"/>
+          <a:lstStyle/>
+          <a:p>
+            <a:pPr algn="ctr"/>
+            <a:r>
+              <a:rPr lang="en-US" altLang="zh-CN" dirty="0">
+                <a:latin typeface="Arial" panose="020B0604020202020204" pitchFamily="34" charset="0"/>
+                <a:cs typeface="Arial" panose="020B0604020202020204" pitchFamily="34" charset="0"/>
+              </a:rPr>
+              <a:t>8</a:t>
+            </a:r>
+            <a:endParaRPr lang="zh-CN" altLang="en-US" dirty="0">
+              <a:latin typeface="Arial" panose="020B0604020202020204" pitchFamily="34" charset="0"/>
+              <a:cs typeface="Arial" panose="020B0604020202020204" pitchFamily="34" charset="0"/>
+            </a:endParaRPr>
+          </a:p>
+        </p:txBody>
+      </p:sp>
+      <mc:AlternateContent xmlns:mc="http://schemas.openxmlformats.org/markup-compatibility/2006">
+        <mc:Choice xmlns:a14="http://schemas.microsoft.com/office/drawing/2010/main" Requires="a14">
+          <p:sp>
+            <p:nvSpPr>
+              <p:cNvPr id="19" name="文本框 18">
+                <a:extLst>
+                  <a:ext uri="{FF2B5EF4-FFF2-40B4-BE49-F238E27FC236}">
+                    <a16:creationId xmlns:a16="http://schemas.microsoft.com/office/drawing/2014/main" id="{9B5916D8-ACA4-387A-7C16-342BACEFE023}"/>
+                  </a:ext>
+                </a:extLst>
+              </p:cNvPr>
+              <p:cNvSpPr txBox="1"/>
+              <p:nvPr/>
+            </p:nvSpPr>
+            <p:spPr>
+              <a:xfrm>
+                <a:off x="1897450" y="3315738"/>
+                <a:ext cx="1212190" cy="600164"/>
+              </a:xfrm>
+              <a:prstGeom prst="rect">
+                <a:avLst/>
+              </a:prstGeom>
+              <a:noFill/>
+            </p:spPr>
+            <p:txBody>
+              <a:bodyPr wrap="none" rtlCol="0">
+                <a:spAutoFit/>
+              </a:bodyPr>
+              <a:lstStyle/>
+              <a:p>
+                <a:pPr algn="ctr"/>
+                <a:r>
+                  <a:rPr lang="en-US" altLang="zh-CN" sz="1100" dirty="0">
+                    <a:latin typeface="Arial" panose="020B0604020202020204" pitchFamily="34" charset="0"/>
+                    <a:cs typeface="Arial" panose="020B0604020202020204" pitchFamily="34" charset="0"/>
+                  </a:rPr>
+                  <a:t>China Computer</a:t>
+                </a:r>
+              </a:p>
+              <a:p>
+                <a:pPr algn="ctr"/>
+                <a:r>
+                  <a:rPr lang="en-US" altLang="zh-CN" sz="1100" dirty="0">
+                    <a:latin typeface="Arial" panose="020B0604020202020204" pitchFamily="34" charset="0"/>
+                    <a:cs typeface="Arial" panose="020B0604020202020204" pitchFamily="34" charset="0"/>
+                  </a:rPr>
+                  <a:t>Federation</a:t>
+                </a:r>
+              </a:p>
+              <a:p>
+                <a:pPr algn="ctr"/>
+                <a14:m>
+                  <m:oMathPara xmlns:m="http://schemas.openxmlformats.org/officeDocument/2006/math">
+                    <m:oMathParaPr>
+                      <m:jc m:val="centerGroup"/>
+                    </m:oMathParaPr>
+                    <m:oMath xmlns:m="http://schemas.openxmlformats.org/officeDocument/2006/math">
+                      <m:r>
+                        <a:rPr lang="en-US" altLang="zh-CN" sz="1100" i="1" dirty="0" smtClean="0">
+                          <a:latin typeface="Cambria Math" panose="02040503050406030204" pitchFamily="18" charset="0"/>
+                        </a:rPr>
+                        <m:t>62562503</m:t>
+                      </m:r>
+                    </m:oMath>
+                  </m:oMathPara>
+                </a14:m>
+                <a:endParaRPr lang="en-US" altLang="zh-CN" sz="1100" dirty="0">
+                  <a:latin typeface="Arial" panose="020B0604020202020204" pitchFamily="34" charset="0"/>
+                  <a:cs typeface="Arial" panose="020B0604020202020204" pitchFamily="34" charset="0"/>
+                </a:endParaRPr>
+              </a:p>
+            </p:txBody>
+          </p:sp>
+        </mc:Choice>
+        <mc:Fallback>
+          <p:sp>
+            <p:nvSpPr>
+              <p:cNvPr id="19" name="文本框 18">
+                <a:extLst>
+                  <a:ext uri="{FF2B5EF4-FFF2-40B4-BE49-F238E27FC236}">
+                    <a16:creationId xmlns:a16="http://schemas.microsoft.com/office/drawing/2014/main" id="{9B5916D8-ACA4-387A-7C16-342BACEFE023}"/>
+                  </a:ext>
+                </a:extLst>
+              </p:cNvPr>
+              <p:cNvSpPr txBox="1">
+                <a:spLocks noRot="1" noChangeAspect="1" noMove="1" noResize="1" noEditPoints="1" noAdjustHandles="1" noChangeArrowheads="1" noChangeShapeType="1" noTextEdit="1"/>
+              </p:cNvSpPr>
+              <p:nvPr/>
+            </p:nvSpPr>
+            <p:spPr>
+              <a:xfrm>
+                <a:off x="1897450" y="3315738"/>
+                <a:ext cx="1212190" cy="600164"/>
+              </a:xfrm>
+              <a:prstGeom prst="rect">
+                <a:avLst/>
+              </a:prstGeom>
+              <a:blipFill>
+                <a:blip r:embed="rId9"/>
+                <a:stretch>
+                  <a:fillRect t="-1020"/>
+                </a:stretch>
+              </a:blipFill>
+            </p:spPr>
+            <p:txBody>
+              <a:bodyPr/>
+              <a:lstStyle/>
+              <a:p>
+                <a:r>
+                  <a:rPr lang="zh-CN" altLang="en-US">
+                    <a:noFill/>
+                  </a:rPr>
+                  <a:t> </a:t>
+                </a:r>
+              </a:p>
+            </p:txBody>
+          </p:sp>
+        </mc:Fallback>
+      </mc:AlternateContent>
+      <p:sp>
+        <p:nvSpPr>
+          <p:cNvPr id="20" name="椭圆 19">
+            <a:extLst>
+              <a:ext uri="{FF2B5EF4-FFF2-40B4-BE49-F238E27FC236}">
+                <a16:creationId xmlns:a16="http://schemas.microsoft.com/office/drawing/2014/main" id="{06157855-7E6C-68B4-D74B-1F93B02C55A3}"/>
+              </a:ext>
+            </a:extLst>
+          </p:cNvPr>
+          <p:cNvSpPr/>
+          <p:nvPr/>
+        </p:nvSpPr>
+        <p:spPr>
+          <a:xfrm>
+            <a:off x="3805864" y="1878423"/>
+            <a:ext cx="508883" cy="508883"/>
+          </a:xfrm>
+          <a:prstGeom prst="ellipse">
+            <a:avLst/>
+          </a:prstGeom>
+          <a:noFill/>
+        </p:spPr>
+        <p:style>
+          <a:lnRef idx="2">
+            <a:schemeClr val="accent1">
+              <a:shade val="15000"/>
+            </a:schemeClr>
+          </a:lnRef>
+          <a:fillRef idx="1">
+            <a:schemeClr val="accent1"/>
+          </a:fillRef>
+          <a:effectRef idx="0">
+            <a:schemeClr val="accent1"/>
+          </a:effectRef>
+          <a:fontRef idx="minor">
+            <a:schemeClr val="lt1"/>
+          </a:fontRef>
+        </p:style>
+        <p:txBody>
+          <a:bodyPr wrap="none" rtlCol="0" anchor="ctr"/>
+          <a:lstStyle/>
+          <a:p>
+            <a:pPr algn="ctr"/>
+            <a:r>
+              <a:rPr lang="en-US" altLang="zh-CN" dirty="0">
+                <a:solidFill>
+                  <a:schemeClr val="tx1"/>
+                </a:solidFill>
+                <a:latin typeface="Arial" panose="020B0604020202020204" pitchFamily="34" charset="0"/>
+                <a:cs typeface="Arial" panose="020B0604020202020204" pitchFamily="34" charset="0"/>
+              </a:rPr>
+              <a:t>9</a:t>
+            </a:r>
+            <a:endParaRPr lang="zh-CN" altLang="en-US" dirty="0">
+              <a:solidFill>
+                <a:schemeClr val="tx1"/>
+              </a:solidFill>
+              <a:latin typeface="Arial" panose="020B0604020202020204" pitchFamily="34" charset="0"/>
+              <a:cs typeface="Arial" panose="020B0604020202020204" pitchFamily="34" charset="0"/>
+            </a:endParaRPr>
+          </a:p>
+        </p:txBody>
+      </p:sp>
+      <mc:AlternateContent xmlns:mc="http://schemas.openxmlformats.org/markup-compatibility/2006">
+        <mc:Choice xmlns:a14="http://schemas.microsoft.com/office/drawing/2010/main" Requires="a14">
+          <p:sp>
+            <p:nvSpPr>
+              <p:cNvPr id="21" name="文本框 20">
+                <a:extLst>
+                  <a:ext uri="{FF2B5EF4-FFF2-40B4-BE49-F238E27FC236}">
+                    <a16:creationId xmlns:a16="http://schemas.microsoft.com/office/drawing/2014/main" id="{70743702-38E5-FDF1-AC15-B7B86DD8C683}"/>
+                  </a:ext>
+                </a:extLst>
+              </p:cNvPr>
+              <p:cNvSpPr txBox="1"/>
+              <p:nvPr/>
+            </p:nvSpPr>
+            <p:spPr>
+              <a:xfrm>
+                <a:off x="4121119" y="1699678"/>
+                <a:ext cx="922047" cy="769441"/>
+              </a:xfrm>
+              <a:prstGeom prst="rect">
+                <a:avLst/>
+              </a:prstGeom>
+              <a:noFill/>
+            </p:spPr>
+            <p:txBody>
+              <a:bodyPr wrap="none" rtlCol="0">
+                <a:spAutoFit/>
+              </a:bodyPr>
+              <a:lstStyle/>
+              <a:p>
+                <a:pPr algn="ctr"/>
+                <a:r>
+                  <a:rPr lang="en-US" altLang="zh-CN" sz="1100" dirty="0">
+                    <a:latin typeface="Arial" panose="020B0604020202020204" pitchFamily="34" charset="0"/>
+                    <a:cs typeface="Arial" panose="020B0604020202020204" pitchFamily="34" charset="0"/>
+                  </a:rPr>
+                  <a:t>Guangdong</a:t>
+                </a:r>
+              </a:p>
+              <a:p>
+                <a:pPr algn="ctr"/>
+                <a14:m>
+                  <m:oMathPara xmlns:m="http://schemas.openxmlformats.org/officeDocument/2006/math">
+                    <m:oMathParaPr>
+                      <m:jc m:val="centerGroup"/>
+                    </m:oMathParaPr>
+                    <m:oMath xmlns:m="http://schemas.openxmlformats.org/officeDocument/2006/math">
+                      <m:r>
+                        <a:rPr lang="en-US" altLang="zh-CN" sz="1100" b="0" i="1" smtClean="0">
+                          <a:latin typeface="Cambria Math" panose="02040503050406030204" pitchFamily="18" charset="0"/>
+                        </a:rPr>
+                        <m:t>𝜖</m:t>
+                      </m:r>
+                    </m:oMath>
+                  </m:oMathPara>
+                </a14:m>
+                <a:endParaRPr lang="en-US" altLang="zh-CN" sz="1100" dirty="0">
+                  <a:latin typeface="Arial" panose="020B0604020202020204" pitchFamily="34" charset="0"/>
+                  <a:cs typeface="Arial" panose="020B0604020202020204" pitchFamily="34" charset="0"/>
+                </a:endParaRPr>
+              </a:p>
+              <a:p>
+                <a:pPr algn="ctr"/>
+                <a14:m>
+                  <m:oMathPara xmlns:m="http://schemas.openxmlformats.org/officeDocument/2006/math">
+                    <m:oMathParaPr>
+                      <m:jc m:val="centerGroup"/>
+                    </m:oMathParaPr>
+                    <m:oMath xmlns:m="http://schemas.openxmlformats.org/officeDocument/2006/math">
+                      <m:r>
+                        <a:rPr lang="en-US" altLang="zh-CN" sz="1100" i="1">
+                          <a:latin typeface="Cambria Math" panose="02040503050406030204" pitchFamily="18" charset="0"/>
+                        </a:rPr>
+                        <m:t>2</m:t>
+                      </m:r>
+                      <m:r>
+                        <a:rPr lang="en-US" altLang="zh-CN" sz="1100" b="0" i="1" smtClean="0">
+                          <a:latin typeface="Cambria Math" panose="02040503050406030204" pitchFamily="18" charset="0"/>
+                        </a:rPr>
+                        <m:t>0</m:t>
+                      </m:r>
+                    </m:oMath>
+                  </m:oMathPara>
+                </a14:m>
+                <a:endParaRPr lang="en-US" altLang="zh-CN" sz="1100" dirty="0">
+                  <a:latin typeface="Arial" panose="020B0604020202020204" pitchFamily="34" charset="0"/>
+                  <a:cs typeface="Arial" panose="020B0604020202020204" pitchFamily="34" charset="0"/>
+                </a:endParaRPr>
+              </a:p>
+              <a:p>
+                <a:pPr algn="ctr"/>
+                <a14:m>
+                  <m:oMathPara xmlns:m="http://schemas.openxmlformats.org/officeDocument/2006/math">
+                    <m:oMathParaPr>
+                      <m:jc m:val="centerGroup"/>
+                    </m:oMathParaPr>
+                    <m:oMath xmlns:m="http://schemas.openxmlformats.org/officeDocument/2006/math">
+                      <m:r>
+                        <a:rPr lang="en-US" altLang="zh-CN" sz="1100" b="0" i="1" smtClean="0">
+                          <a:latin typeface="Cambria Math" panose="02040503050406030204" pitchFamily="18" charset="0"/>
+                        </a:rPr>
+                        <m:t>𝜖</m:t>
+                      </m:r>
+                    </m:oMath>
+                  </m:oMathPara>
+                </a14:m>
+                <a:endParaRPr lang="zh-CN" altLang="en-US" sz="1100" dirty="0">
+                  <a:latin typeface="Arial" panose="020B0604020202020204" pitchFamily="34" charset="0"/>
+                  <a:cs typeface="Arial" panose="020B0604020202020204" pitchFamily="34" charset="0"/>
+                </a:endParaRPr>
+              </a:p>
+            </p:txBody>
+          </p:sp>
+        </mc:Choice>
+        <mc:Fallback>
+          <p:sp>
+            <p:nvSpPr>
+              <p:cNvPr id="21" name="文本框 20">
+                <a:extLst>
+                  <a:ext uri="{FF2B5EF4-FFF2-40B4-BE49-F238E27FC236}">
+                    <a16:creationId xmlns:a16="http://schemas.microsoft.com/office/drawing/2014/main" id="{70743702-38E5-FDF1-AC15-B7B86DD8C683}"/>
+                  </a:ext>
+                </a:extLst>
+              </p:cNvPr>
+              <p:cNvSpPr txBox="1">
+                <a:spLocks noRot="1" noChangeAspect="1" noMove="1" noResize="1" noEditPoints="1" noAdjustHandles="1" noChangeArrowheads="1" noChangeShapeType="1" noTextEdit="1"/>
+              </p:cNvSpPr>
+              <p:nvPr/>
+            </p:nvSpPr>
+            <p:spPr>
+              <a:xfrm>
+                <a:off x="4121119" y="1699678"/>
+                <a:ext cx="922047" cy="769441"/>
+              </a:xfrm>
+              <a:prstGeom prst="rect">
+                <a:avLst/>
+              </a:prstGeom>
+              <a:blipFill>
+                <a:blip r:embed="rId10"/>
+                <a:stretch>
+                  <a:fillRect t="-794"/>
+                </a:stretch>
+              </a:blipFill>
+            </p:spPr>
+            <p:txBody>
+              <a:bodyPr/>
+              <a:lstStyle/>
+              <a:p>
+                <a:r>
+                  <a:rPr lang="zh-CN" altLang="en-US">
+                    <a:noFill/>
+                  </a:rPr>
+                  <a:t> </a:t>
+                </a:r>
+              </a:p>
+            </p:txBody>
+          </p:sp>
+        </mc:Fallback>
+      </mc:AlternateContent>
+      <p:sp>
+        <p:nvSpPr>
+          <p:cNvPr id="22" name="椭圆 21">
+            <a:extLst>
+              <a:ext uri="{FF2B5EF4-FFF2-40B4-BE49-F238E27FC236}">
+                <a16:creationId xmlns:a16="http://schemas.microsoft.com/office/drawing/2014/main" id="{8403CEDD-C75C-8343-7AEE-E03A2FB0D09B}"/>
+              </a:ext>
+            </a:extLst>
+          </p:cNvPr>
+          <p:cNvSpPr/>
+          <p:nvPr/>
+        </p:nvSpPr>
+        <p:spPr>
+          <a:xfrm>
+            <a:off x="3317442" y="3084689"/>
+            <a:ext cx="508883" cy="508883"/>
+          </a:xfrm>
+          <a:prstGeom prst="ellipse">
+            <a:avLst/>
+          </a:prstGeom>
+          <a:solidFill>
+            <a:schemeClr val="accent2"/>
+          </a:solidFill>
+          <a:ln>
+            <a:solidFill>
+              <a:schemeClr val="tx1"/>
+            </a:solidFill>
+          </a:ln>
+        </p:spPr>
+        <p:style>
+          <a:lnRef idx="2">
+            <a:schemeClr val="accent1">
+              <a:shade val="15000"/>
+            </a:schemeClr>
+          </a:lnRef>
+          <a:fillRef idx="1">
+            <a:schemeClr val="accent1"/>
+          </a:fillRef>
+          <a:effectRef idx="0">
+            <a:schemeClr val="accent1"/>
+          </a:effectRef>
+          <a:fontRef idx="minor">
+            <a:schemeClr val="lt1"/>
+          </a:fontRef>
+        </p:style>
+        <p:txBody>
+          <a:bodyPr wrap="none" rtlCol="0" anchor="ctr"/>
+          <a:lstStyle/>
+          <a:p>
+            <a:pPr algn="ctr"/>
+            <a:r>
+              <a:rPr lang="en-US" altLang="zh-CN" dirty="0">
+                <a:latin typeface="Arial" panose="020B0604020202020204" pitchFamily="34" charset="0"/>
+                <a:cs typeface="Arial" panose="020B0604020202020204" pitchFamily="34" charset="0"/>
+              </a:rPr>
+              <a:t>10</a:t>
+            </a:r>
+            <a:endParaRPr lang="zh-CN" altLang="en-US" dirty="0">
+              <a:latin typeface="Arial" panose="020B0604020202020204" pitchFamily="34" charset="0"/>
+              <a:cs typeface="Arial" panose="020B0604020202020204" pitchFamily="34" charset="0"/>
+            </a:endParaRPr>
+          </a:p>
+        </p:txBody>
+      </p:sp>
+      <mc:AlternateContent xmlns:mc="http://schemas.openxmlformats.org/markup-compatibility/2006">
+        <mc:Choice xmlns:a14="http://schemas.microsoft.com/office/drawing/2010/main" Requires="a14">
+          <p:sp>
+            <p:nvSpPr>
+              <p:cNvPr id="23" name="文本框 22">
+                <a:extLst>
+                  <a:ext uri="{FF2B5EF4-FFF2-40B4-BE49-F238E27FC236}">
+                    <a16:creationId xmlns:a16="http://schemas.microsoft.com/office/drawing/2014/main" id="{B0925A94-A556-A5A2-921E-261AAEE6F116}"/>
+                  </a:ext>
+                </a:extLst>
+              </p:cNvPr>
+              <p:cNvSpPr txBox="1"/>
+              <p:nvPr/>
+            </p:nvSpPr>
+            <p:spPr>
+              <a:xfrm>
+                <a:off x="3089429" y="3617711"/>
+                <a:ext cx="1007007" cy="600164"/>
+              </a:xfrm>
+              <a:prstGeom prst="rect">
+                <a:avLst/>
+              </a:prstGeom>
+              <a:noFill/>
+            </p:spPr>
+            <p:txBody>
+              <a:bodyPr wrap="none" rtlCol="0">
+                <a:spAutoFit/>
+              </a:bodyPr>
+              <a:lstStyle/>
+              <a:p>
+                <a:pPr algn="ctr"/>
+                <a:r>
+                  <a:rPr lang="en-US" altLang="zh-CN" sz="1100" dirty="0">
+                    <a:latin typeface="Arial" panose="020B0604020202020204" pitchFamily="34" charset="0"/>
+                    <a:cs typeface="Arial" panose="020B0604020202020204" pitchFamily="34" charset="0"/>
+                  </a:rPr>
+                  <a:t>HKUST</a:t>
+                </a:r>
+              </a:p>
+              <a:p>
+                <a:pPr algn="ctr"/>
+                <a:r>
+                  <a:rPr lang="en-US" altLang="zh-CN" sz="1100" dirty="0">
+                    <a:latin typeface="Arial" panose="020B0604020202020204" pitchFamily="34" charset="0"/>
+                    <a:cs typeface="Arial" panose="020B0604020202020204" pitchFamily="34" charset="0"/>
+                  </a:rPr>
+                  <a:t>(Guangzhou)</a:t>
+                </a:r>
+              </a:p>
+              <a:p>
+                <a:pPr algn="ctr"/>
+                <a14:m>
+                  <m:oMathPara xmlns:m="http://schemas.openxmlformats.org/officeDocument/2006/math">
+                    <m:oMathParaPr>
+                      <m:jc m:val="centerGroup"/>
+                    </m:oMathParaPr>
+                    <m:oMath xmlns:m="http://schemas.openxmlformats.org/officeDocument/2006/math">
+                      <m:r>
+                        <a:rPr lang="en-US" altLang="zh-CN" sz="1100" i="1" dirty="0" smtClean="0">
+                          <a:latin typeface="Cambria Math" panose="02040503050406030204" pitchFamily="18" charset="0"/>
+                        </a:rPr>
+                        <m:t>88331234</m:t>
+                      </m:r>
+                    </m:oMath>
+                  </m:oMathPara>
+                </a14:m>
+                <a:endParaRPr lang="en-US" altLang="zh-CN" sz="1100" dirty="0">
+                  <a:latin typeface="Arial" panose="020B0604020202020204" pitchFamily="34" charset="0"/>
+                  <a:cs typeface="Arial" panose="020B0604020202020204" pitchFamily="34" charset="0"/>
+                </a:endParaRPr>
+              </a:p>
+            </p:txBody>
+          </p:sp>
+        </mc:Choice>
+        <mc:Fallback>
+          <p:sp>
+            <p:nvSpPr>
+              <p:cNvPr id="23" name="文本框 22">
+                <a:extLst>
+                  <a:ext uri="{FF2B5EF4-FFF2-40B4-BE49-F238E27FC236}">
+                    <a16:creationId xmlns:a16="http://schemas.microsoft.com/office/drawing/2014/main" id="{B0925A94-A556-A5A2-921E-261AAEE6F116}"/>
+                  </a:ext>
+                </a:extLst>
+              </p:cNvPr>
+              <p:cNvSpPr txBox="1">
+                <a:spLocks noRot="1" noChangeAspect="1" noMove="1" noResize="1" noEditPoints="1" noAdjustHandles="1" noChangeArrowheads="1" noChangeShapeType="1" noTextEdit="1"/>
+              </p:cNvSpPr>
+              <p:nvPr/>
+            </p:nvSpPr>
+            <p:spPr>
+              <a:xfrm>
+                <a:off x="3089429" y="3617711"/>
+                <a:ext cx="1007007" cy="600164"/>
+              </a:xfrm>
+              <a:prstGeom prst="rect">
+                <a:avLst/>
+              </a:prstGeom>
+              <a:blipFill>
+                <a:blip r:embed="rId11"/>
+                <a:stretch>
+                  <a:fillRect t="-1010"/>
+                </a:stretch>
+              </a:blipFill>
+            </p:spPr>
+            <p:txBody>
+              <a:bodyPr/>
+              <a:lstStyle/>
+              <a:p>
+                <a:r>
+                  <a:rPr lang="zh-CN" altLang="en-US">
+                    <a:noFill/>
+                  </a:rPr>
+                  <a:t> </a:t>
+                </a:r>
+              </a:p>
+            </p:txBody>
+          </p:sp>
+        </mc:Fallback>
+      </mc:AlternateContent>
+      <p:sp>
+        <p:nvSpPr>
+          <p:cNvPr id="28" name="椭圆 27">
+            <a:extLst>
+              <a:ext uri="{FF2B5EF4-FFF2-40B4-BE49-F238E27FC236}">
+                <a16:creationId xmlns:a16="http://schemas.microsoft.com/office/drawing/2014/main" id="{B20257B5-AEEC-7C97-38AD-472C8D3B7094}"/>
+              </a:ext>
+            </a:extLst>
+          </p:cNvPr>
+          <p:cNvSpPr/>
+          <p:nvPr/>
+        </p:nvSpPr>
+        <p:spPr>
+          <a:xfrm>
+            <a:off x="5080954" y="1064530"/>
+            <a:ext cx="508883" cy="508883"/>
+          </a:xfrm>
+          <a:prstGeom prst="ellipse">
+            <a:avLst/>
+          </a:prstGeom>
+          <a:noFill/>
+        </p:spPr>
+        <p:style>
+          <a:lnRef idx="2">
+            <a:schemeClr val="accent1">
+              <a:shade val="15000"/>
+            </a:schemeClr>
+          </a:lnRef>
+          <a:fillRef idx="1">
+            <a:schemeClr val="accent1"/>
+          </a:fillRef>
+          <a:effectRef idx="0">
+            <a:schemeClr val="accent1"/>
+          </a:effectRef>
+          <a:fontRef idx="minor">
+            <a:schemeClr val="lt1"/>
+          </a:fontRef>
+        </p:style>
+        <p:txBody>
+          <a:bodyPr wrap="none" rtlCol="0" anchor="ctr"/>
+          <a:lstStyle/>
+          <a:p>
+            <a:pPr algn="ctr"/>
+            <a:r>
+              <a:rPr lang="en-US" altLang="zh-CN" dirty="0">
+                <a:solidFill>
+                  <a:schemeClr val="tx1"/>
+                </a:solidFill>
+                <a:latin typeface="Arial" panose="020B0604020202020204" pitchFamily="34" charset="0"/>
+                <a:cs typeface="Arial" panose="020B0604020202020204" pitchFamily="34" charset="0"/>
+              </a:rPr>
+              <a:t>12</a:t>
+            </a:r>
+            <a:endParaRPr lang="zh-CN" altLang="en-US" dirty="0">
+              <a:solidFill>
+                <a:schemeClr val="tx1"/>
+              </a:solidFill>
+              <a:latin typeface="Arial" panose="020B0604020202020204" pitchFamily="34" charset="0"/>
+              <a:cs typeface="Arial" panose="020B0604020202020204" pitchFamily="34" charset="0"/>
+            </a:endParaRPr>
+          </a:p>
+        </p:txBody>
+      </p:sp>
+      <mc:AlternateContent xmlns:mc="http://schemas.openxmlformats.org/markup-compatibility/2006">
+        <mc:Choice xmlns:a14="http://schemas.microsoft.com/office/drawing/2010/main" Requires="a14">
+          <p:sp>
+            <p:nvSpPr>
+              <p:cNvPr id="29" name="文本框 28">
+                <a:extLst>
+                  <a:ext uri="{FF2B5EF4-FFF2-40B4-BE49-F238E27FC236}">
+                    <a16:creationId xmlns:a16="http://schemas.microsoft.com/office/drawing/2014/main" id="{313BE353-57DC-485F-00AF-3F9ED2D1AA30}"/>
+                  </a:ext>
+                </a:extLst>
+              </p:cNvPr>
+              <p:cNvSpPr txBox="1"/>
+              <p:nvPr/>
+            </p:nvSpPr>
+            <p:spPr>
+              <a:xfrm>
+                <a:off x="5328960" y="885785"/>
+                <a:ext cx="1338829" cy="769441"/>
+              </a:xfrm>
+              <a:prstGeom prst="rect">
+                <a:avLst/>
+              </a:prstGeom>
+              <a:noFill/>
+            </p:spPr>
+            <p:txBody>
+              <a:bodyPr wrap="none" rtlCol="0">
+                <a:spAutoFit/>
+              </a:bodyPr>
+              <a:lstStyle/>
+              <a:p>
+                <a:pPr algn="ctr"/>
+                <a:r>
+                  <a:rPr lang="en-US" altLang="zh-CN" sz="1100" dirty="0">
+                    <a:latin typeface="Arial" panose="020B0604020202020204" pitchFamily="34" charset="0"/>
+                    <a:cs typeface="Arial" panose="020B0604020202020204" pitchFamily="34" charset="0"/>
+                  </a:rPr>
+                  <a:t>Hong Kong, China</a:t>
+                </a:r>
+              </a:p>
+              <a:p>
+                <a:pPr algn="ctr"/>
+                <a14:m>
+                  <m:oMathPara xmlns:m="http://schemas.openxmlformats.org/officeDocument/2006/math">
+                    <m:oMathParaPr>
+                      <m:jc m:val="centerGroup"/>
+                    </m:oMathParaPr>
+                    <m:oMath xmlns:m="http://schemas.openxmlformats.org/officeDocument/2006/math">
+                      <m:r>
+                        <a:rPr lang="en-US" altLang="zh-CN" sz="1100" b="0" i="1" smtClean="0">
+                          <a:latin typeface="Cambria Math" panose="02040503050406030204" pitchFamily="18" charset="0"/>
+                        </a:rPr>
+                        <m:t>001</m:t>
+                      </m:r>
+                    </m:oMath>
+                  </m:oMathPara>
+                </a14:m>
+                <a:endParaRPr lang="en-US" altLang="zh-CN" sz="1100" dirty="0">
+                  <a:latin typeface="Arial" panose="020B0604020202020204" pitchFamily="34" charset="0"/>
+                  <a:cs typeface="Arial" panose="020B0604020202020204" pitchFamily="34" charset="0"/>
+                </a:endParaRPr>
+              </a:p>
+              <a:p>
+                <a:pPr algn="ctr"/>
+                <a14:m>
+                  <m:oMathPara xmlns:m="http://schemas.openxmlformats.org/officeDocument/2006/math">
+                    <m:oMathParaPr>
+                      <m:jc m:val="centerGroup"/>
+                    </m:oMathParaPr>
+                    <m:oMath xmlns:m="http://schemas.openxmlformats.org/officeDocument/2006/math">
+                      <m:r>
+                        <a:rPr lang="en-US" altLang="zh-CN" sz="1100" b="0" i="1" smtClean="0">
+                          <a:latin typeface="Cambria Math" panose="02040503050406030204" pitchFamily="18" charset="0"/>
+                        </a:rPr>
+                        <m:t>852</m:t>
+                      </m:r>
+                    </m:oMath>
+                  </m:oMathPara>
+                </a14:m>
+                <a:endParaRPr lang="en-US" altLang="zh-CN" sz="1100" dirty="0">
+                  <a:latin typeface="Arial" panose="020B0604020202020204" pitchFamily="34" charset="0"/>
+                  <a:cs typeface="Arial" panose="020B0604020202020204" pitchFamily="34" charset="0"/>
+                </a:endParaRPr>
+              </a:p>
+              <a:p>
+                <a:pPr algn="ctr"/>
+                <a14:m>
+                  <m:oMathPara xmlns:m="http://schemas.openxmlformats.org/officeDocument/2006/math">
+                    <m:oMathParaPr>
+                      <m:jc m:val="centerGroup"/>
+                    </m:oMathParaPr>
+                    <m:oMath xmlns:m="http://schemas.openxmlformats.org/officeDocument/2006/math">
+                      <m:r>
+                        <a:rPr lang="en-US" altLang="zh-CN" sz="1100" b="0" i="1" smtClean="0">
+                          <a:latin typeface="Cambria Math" panose="02040503050406030204" pitchFamily="18" charset="0"/>
+                        </a:rPr>
+                        <m:t>𝜖</m:t>
+                      </m:r>
+                    </m:oMath>
+                  </m:oMathPara>
+                </a14:m>
+                <a:endParaRPr lang="zh-CN" altLang="en-US" sz="1100" dirty="0">
+                  <a:latin typeface="Arial" panose="020B0604020202020204" pitchFamily="34" charset="0"/>
+                  <a:cs typeface="Arial" panose="020B0604020202020204" pitchFamily="34" charset="0"/>
+                </a:endParaRPr>
+              </a:p>
+            </p:txBody>
+          </p:sp>
+        </mc:Choice>
+        <mc:Fallback>
+          <p:sp>
+            <p:nvSpPr>
+              <p:cNvPr id="29" name="文本框 28">
+                <a:extLst>
+                  <a:ext uri="{FF2B5EF4-FFF2-40B4-BE49-F238E27FC236}">
+                    <a16:creationId xmlns:a16="http://schemas.microsoft.com/office/drawing/2014/main" id="{313BE353-57DC-485F-00AF-3F9ED2D1AA30}"/>
+                  </a:ext>
+                </a:extLst>
+              </p:cNvPr>
+              <p:cNvSpPr txBox="1">
+                <a:spLocks noRot="1" noChangeAspect="1" noMove="1" noResize="1" noEditPoints="1" noAdjustHandles="1" noChangeArrowheads="1" noChangeShapeType="1" noTextEdit="1"/>
+              </p:cNvSpPr>
+              <p:nvPr/>
+            </p:nvSpPr>
+            <p:spPr>
+              <a:xfrm>
+                <a:off x="5328960" y="885785"/>
+                <a:ext cx="1338829" cy="769441"/>
+              </a:xfrm>
+              <a:prstGeom prst="rect">
+                <a:avLst/>
+              </a:prstGeom>
+              <a:blipFill>
+                <a:blip r:embed="rId12"/>
+                <a:stretch>
+                  <a:fillRect t="-787"/>
+                </a:stretch>
+              </a:blipFill>
+            </p:spPr>
+            <p:txBody>
+              <a:bodyPr/>
+              <a:lstStyle/>
+              <a:p>
+                <a:r>
+                  <a:rPr lang="zh-CN" altLang="en-US">
+                    <a:noFill/>
+                  </a:rPr>
+                  <a:t> </a:t>
+                </a:r>
+              </a:p>
+            </p:txBody>
+          </p:sp>
+        </mc:Fallback>
+      </mc:AlternateContent>
+      <p:sp>
+        <p:nvSpPr>
+          <p:cNvPr id="30" name="椭圆 29">
+            <a:extLst>
+              <a:ext uri="{FF2B5EF4-FFF2-40B4-BE49-F238E27FC236}">
+                <a16:creationId xmlns:a16="http://schemas.microsoft.com/office/drawing/2014/main" id="{448EF4BA-5E21-5E22-4B08-CF677F2694FF}"/>
+              </a:ext>
+            </a:extLst>
+          </p:cNvPr>
+          <p:cNvSpPr/>
+          <p:nvPr/>
+        </p:nvSpPr>
+        <p:spPr>
+          <a:xfrm>
+            <a:off x="5071089" y="1848983"/>
+            <a:ext cx="508883" cy="508883"/>
+          </a:xfrm>
+          <a:prstGeom prst="ellipse">
+            <a:avLst/>
+          </a:prstGeom>
+          <a:solidFill>
+            <a:schemeClr val="accent2"/>
+          </a:solidFill>
+          <a:ln>
+            <a:solidFill>
+              <a:schemeClr val="tx1"/>
+            </a:solidFill>
+          </a:ln>
+        </p:spPr>
+        <p:style>
+          <a:lnRef idx="2">
+            <a:schemeClr val="accent1">
+              <a:shade val="15000"/>
+            </a:schemeClr>
+          </a:lnRef>
+          <a:fillRef idx="1">
+            <a:schemeClr val="accent1"/>
+          </a:fillRef>
+          <a:effectRef idx="0">
+            <a:schemeClr val="accent1"/>
+          </a:effectRef>
+          <a:fontRef idx="minor">
+            <a:schemeClr val="lt1"/>
+          </a:fontRef>
+        </p:style>
+        <p:txBody>
+          <a:bodyPr wrap="none" rtlCol="0" anchor="ctr"/>
+          <a:lstStyle/>
+          <a:p>
+            <a:pPr algn="ctr"/>
+            <a:r>
+              <a:rPr lang="en-US" altLang="zh-CN" dirty="0">
+                <a:latin typeface="Arial" panose="020B0604020202020204" pitchFamily="34" charset="0"/>
+                <a:cs typeface="Arial" panose="020B0604020202020204" pitchFamily="34" charset="0"/>
+              </a:rPr>
+              <a:t>13</a:t>
+            </a:r>
+            <a:endParaRPr lang="zh-CN" altLang="en-US" dirty="0">
+              <a:latin typeface="Arial" panose="020B0604020202020204" pitchFamily="34" charset="0"/>
+              <a:cs typeface="Arial" panose="020B0604020202020204" pitchFamily="34" charset="0"/>
+            </a:endParaRPr>
+          </a:p>
+        </p:txBody>
+      </p:sp>
+      <mc:AlternateContent xmlns:mc="http://schemas.openxmlformats.org/markup-compatibility/2006">
+        <mc:Choice xmlns:a14="http://schemas.microsoft.com/office/drawing/2010/main" Requires="a14">
+          <p:sp>
+            <p:nvSpPr>
+              <p:cNvPr id="31" name="文本框 30">
+                <a:extLst>
+                  <a:ext uri="{FF2B5EF4-FFF2-40B4-BE49-F238E27FC236}">
+                    <a16:creationId xmlns:a16="http://schemas.microsoft.com/office/drawing/2014/main" id="{D7E58385-1285-D2F2-E72D-A6B74F272762}"/>
+                  </a:ext>
+                </a:extLst>
+              </p:cNvPr>
+              <p:cNvSpPr txBox="1"/>
+              <p:nvPr/>
+            </p:nvSpPr>
+            <p:spPr>
+              <a:xfrm>
+                <a:off x="4209087" y="2382005"/>
+                <a:ext cx="2274982" cy="600164"/>
+              </a:xfrm>
+              <a:prstGeom prst="rect">
+                <a:avLst/>
+              </a:prstGeom>
+              <a:noFill/>
+            </p:spPr>
+            <p:txBody>
+              <a:bodyPr wrap="none" rtlCol="0">
+                <a:spAutoFit/>
+              </a:bodyPr>
+              <a:lstStyle/>
+              <a:p>
+                <a:pPr algn="ctr"/>
+                <a:r>
+                  <a:rPr lang="en-US" altLang="zh-CN" sz="1100" dirty="0">
+                    <a:latin typeface="Arial" panose="020B0604020202020204" pitchFamily="34" charset="0"/>
+                    <a:cs typeface="Arial" panose="020B0604020202020204" pitchFamily="34" charset="0"/>
+                  </a:rPr>
+                  <a:t>Department of Computer Science</a:t>
+                </a:r>
+              </a:p>
+              <a:p>
+                <a:pPr algn="ctr"/>
+                <a:r>
+                  <a:rPr lang="en-US" altLang="zh-CN" sz="1100" dirty="0">
+                    <a:latin typeface="Arial" panose="020B0604020202020204" pitchFamily="34" charset="0"/>
+                    <a:cs typeface="Arial" panose="020B0604020202020204" pitchFamily="34" charset="0"/>
+                  </a:rPr>
+                  <a:t>and Engineering, HKUST</a:t>
+                </a:r>
+              </a:p>
+              <a:p>
+                <a:pPr algn="ctr"/>
+                <a14:m>
+                  <m:oMathPara xmlns:m="http://schemas.openxmlformats.org/officeDocument/2006/math">
+                    <m:oMathParaPr>
+                      <m:jc m:val="centerGroup"/>
+                    </m:oMathParaPr>
+                    <m:oMath xmlns:m="http://schemas.openxmlformats.org/officeDocument/2006/math">
+                      <m:r>
+                        <a:rPr lang="en-US" altLang="zh-CN" sz="1100" i="1" dirty="0" smtClean="0">
+                          <a:latin typeface="Cambria Math" panose="02040503050406030204" pitchFamily="18" charset="0"/>
+                        </a:rPr>
+                        <m:t>23587000</m:t>
+                      </m:r>
+                    </m:oMath>
+                  </m:oMathPara>
+                </a14:m>
+                <a:endParaRPr lang="en-US" altLang="zh-CN" sz="1100" dirty="0">
+                  <a:latin typeface="Arial" panose="020B0604020202020204" pitchFamily="34" charset="0"/>
+                  <a:cs typeface="Arial" panose="020B0604020202020204" pitchFamily="34" charset="0"/>
+                </a:endParaRPr>
+              </a:p>
+            </p:txBody>
+          </p:sp>
+        </mc:Choice>
+        <mc:Fallback>
+          <p:sp>
+            <p:nvSpPr>
+              <p:cNvPr id="31" name="文本框 30">
+                <a:extLst>
+                  <a:ext uri="{FF2B5EF4-FFF2-40B4-BE49-F238E27FC236}">
+                    <a16:creationId xmlns:a16="http://schemas.microsoft.com/office/drawing/2014/main" id="{D7E58385-1285-D2F2-E72D-A6B74F272762}"/>
+                  </a:ext>
+                </a:extLst>
+              </p:cNvPr>
+              <p:cNvSpPr txBox="1">
+                <a:spLocks noRot="1" noChangeAspect="1" noMove="1" noResize="1" noEditPoints="1" noAdjustHandles="1" noChangeArrowheads="1" noChangeShapeType="1" noTextEdit="1"/>
+              </p:cNvSpPr>
+              <p:nvPr/>
+            </p:nvSpPr>
+            <p:spPr>
+              <a:xfrm>
+                <a:off x="4209087" y="2382005"/>
+                <a:ext cx="2274982" cy="600164"/>
+              </a:xfrm>
+              <a:prstGeom prst="rect">
+                <a:avLst/>
+              </a:prstGeom>
+              <a:blipFill>
+                <a:blip r:embed="rId13"/>
+                <a:stretch>
+                  <a:fillRect t="-1020"/>
+                </a:stretch>
+              </a:blipFill>
+            </p:spPr>
+            <p:txBody>
+              <a:bodyPr/>
+              <a:lstStyle/>
+              <a:p>
+                <a:r>
+                  <a:rPr lang="zh-CN" altLang="en-US">
+                    <a:noFill/>
+                  </a:rPr>
+                  <a:t> </a:t>
+                </a:r>
+              </a:p>
+            </p:txBody>
+          </p:sp>
+        </mc:Fallback>
+      </mc:AlternateContent>
+      <p:sp>
+        <p:nvSpPr>
+          <p:cNvPr id="32" name="椭圆 31">
+            <a:extLst>
+              <a:ext uri="{FF2B5EF4-FFF2-40B4-BE49-F238E27FC236}">
+                <a16:creationId xmlns:a16="http://schemas.microsoft.com/office/drawing/2014/main" id="{05B7A2C5-4E29-7D7E-6195-F0927406E5ED}"/>
+              </a:ext>
+            </a:extLst>
+          </p:cNvPr>
+          <p:cNvSpPr/>
+          <p:nvPr/>
+        </p:nvSpPr>
+        <p:spPr>
+          <a:xfrm>
+            <a:off x="8240880" y="1064530"/>
+            <a:ext cx="508883" cy="508883"/>
+          </a:xfrm>
+          <a:prstGeom prst="ellipse">
+            <a:avLst/>
+          </a:prstGeom>
+          <a:noFill/>
+        </p:spPr>
+        <p:style>
+          <a:lnRef idx="2">
+            <a:schemeClr val="accent1">
+              <a:shade val="15000"/>
+            </a:schemeClr>
+          </a:lnRef>
+          <a:fillRef idx="1">
+            <a:schemeClr val="accent1"/>
+          </a:fillRef>
+          <a:effectRef idx="0">
+            <a:schemeClr val="accent1"/>
+          </a:effectRef>
+          <a:fontRef idx="minor">
+            <a:schemeClr val="lt1"/>
+          </a:fontRef>
+        </p:style>
+        <p:txBody>
+          <a:bodyPr wrap="none" rtlCol="0" anchor="ctr"/>
+          <a:lstStyle/>
+          <a:p>
+            <a:pPr algn="ctr"/>
+            <a:r>
+              <a:rPr lang="en-US" altLang="zh-CN" dirty="0">
+                <a:solidFill>
+                  <a:schemeClr val="tx1"/>
+                </a:solidFill>
+                <a:latin typeface="Arial" panose="020B0604020202020204" pitchFamily="34" charset="0"/>
+                <a:cs typeface="Arial" panose="020B0604020202020204" pitchFamily="34" charset="0"/>
+              </a:rPr>
+              <a:t>14</a:t>
+            </a:r>
+            <a:endParaRPr lang="zh-CN" altLang="en-US" dirty="0">
+              <a:solidFill>
+                <a:schemeClr val="tx1"/>
+              </a:solidFill>
+              <a:latin typeface="Arial" panose="020B0604020202020204" pitchFamily="34" charset="0"/>
+              <a:cs typeface="Arial" panose="020B0604020202020204" pitchFamily="34" charset="0"/>
+            </a:endParaRPr>
+          </a:p>
+        </p:txBody>
+      </p:sp>
+      <mc:AlternateContent xmlns:mc="http://schemas.openxmlformats.org/markup-compatibility/2006">
+        <mc:Choice xmlns:a14="http://schemas.microsoft.com/office/drawing/2010/main" Requires="a14">
+          <p:sp>
+            <p:nvSpPr>
+              <p:cNvPr id="33" name="文本框 32">
+                <a:extLst>
+                  <a:ext uri="{FF2B5EF4-FFF2-40B4-BE49-F238E27FC236}">
+                    <a16:creationId xmlns:a16="http://schemas.microsoft.com/office/drawing/2014/main" id="{6D95B5FF-F506-69B7-C2B0-884CD254329F}"/>
+                  </a:ext>
+                </a:extLst>
+              </p:cNvPr>
+              <p:cNvSpPr txBox="1"/>
+              <p:nvPr/>
+            </p:nvSpPr>
+            <p:spPr>
+              <a:xfrm>
+                <a:off x="8732456" y="885785"/>
+                <a:ext cx="569387" cy="769441"/>
+              </a:xfrm>
+              <a:prstGeom prst="rect">
+                <a:avLst/>
+              </a:prstGeom>
+              <a:noFill/>
+            </p:spPr>
+            <p:txBody>
+              <a:bodyPr wrap="none" rtlCol="0">
+                <a:spAutoFit/>
+              </a:bodyPr>
+              <a:lstStyle/>
+              <a:p>
+                <a:pPr algn="ctr"/>
+                <a:r>
+                  <a:rPr lang="en-US" altLang="zh-CN" sz="1100" dirty="0">
+                    <a:latin typeface="Arial" panose="020B0604020202020204" pitchFamily="34" charset="0"/>
+                    <a:cs typeface="Arial" panose="020B0604020202020204" pitchFamily="34" charset="0"/>
+                  </a:rPr>
+                  <a:t>Japan</a:t>
+                </a:r>
+              </a:p>
+              <a:p>
+                <a:pPr algn="ctr"/>
+                <a14:m>
+                  <m:oMathPara xmlns:m="http://schemas.openxmlformats.org/officeDocument/2006/math">
+                    <m:oMathParaPr>
+                      <m:jc m:val="centerGroup"/>
+                    </m:oMathParaPr>
+                    <m:oMath xmlns:m="http://schemas.openxmlformats.org/officeDocument/2006/math">
+                      <m:r>
+                        <a:rPr lang="en-US" altLang="zh-CN" sz="1100" b="0" i="1" smtClean="0">
+                          <a:latin typeface="Cambria Math" panose="02040503050406030204" pitchFamily="18" charset="0"/>
+                        </a:rPr>
+                        <m:t>010</m:t>
+                      </m:r>
+                    </m:oMath>
+                  </m:oMathPara>
+                </a14:m>
+                <a:endParaRPr lang="en-US" altLang="zh-CN" sz="1100" dirty="0">
+                  <a:latin typeface="Arial" panose="020B0604020202020204" pitchFamily="34" charset="0"/>
+                  <a:cs typeface="Arial" panose="020B0604020202020204" pitchFamily="34" charset="0"/>
+                </a:endParaRPr>
+              </a:p>
+              <a:p>
+                <a:pPr algn="ctr"/>
+                <a14:m>
+                  <m:oMathPara xmlns:m="http://schemas.openxmlformats.org/officeDocument/2006/math">
+                    <m:oMathParaPr>
+                      <m:jc m:val="centerGroup"/>
+                    </m:oMathParaPr>
+                    <m:oMath xmlns:m="http://schemas.openxmlformats.org/officeDocument/2006/math">
+                      <m:r>
+                        <a:rPr lang="en-US" altLang="zh-CN" sz="1100" b="0" i="1" smtClean="0">
+                          <a:latin typeface="Cambria Math" panose="02040503050406030204" pitchFamily="18" charset="0"/>
+                        </a:rPr>
+                        <m:t>81</m:t>
+                      </m:r>
+                    </m:oMath>
+                  </m:oMathPara>
+                </a14:m>
+                <a:endParaRPr lang="en-US" altLang="zh-CN" sz="1100" dirty="0">
+                  <a:latin typeface="Arial" panose="020B0604020202020204" pitchFamily="34" charset="0"/>
+                  <a:cs typeface="Arial" panose="020B0604020202020204" pitchFamily="34" charset="0"/>
+                </a:endParaRPr>
+              </a:p>
+              <a:p>
+                <a:pPr algn="ctr"/>
+                <a14:m>
+                  <m:oMathPara xmlns:m="http://schemas.openxmlformats.org/officeDocument/2006/math">
+                    <m:oMathParaPr>
+                      <m:jc m:val="centerGroup"/>
+                    </m:oMathParaPr>
+                    <m:oMath xmlns:m="http://schemas.openxmlformats.org/officeDocument/2006/math">
+                      <m:r>
+                        <a:rPr lang="en-US" altLang="zh-CN" sz="1100" b="0" i="1" smtClean="0">
+                          <a:latin typeface="Cambria Math" panose="02040503050406030204" pitchFamily="18" charset="0"/>
+                        </a:rPr>
+                        <m:t>0</m:t>
+                      </m:r>
+                    </m:oMath>
+                  </m:oMathPara>
+                </a14:m>
+                <a:endParaRPr lang="zh-CN" altLang="en-US" sz="1100" dirty="0">
+                  <a:latin typeface="Arial" panose="020B0604020202020204" pitchFamily="34" charset="0"/>
+                  <a:cs typeface="Arial" panose="020B0604020202020204" pitchFamily="34" charset="0"/>
+                </a:endParaRPr>
+              </a:p>
+            </p:txBody>
+          </p:sp>
+        </mc:Choice>
+        <mc:Fallback>
+          <p:sp>
+            <p:nvSpPr>
+              <p:cNvPr id="33" name="文本框 32">
+                <a:extLst>
+                  <a:ext uri="{FF2B5EF4-FFF2-40B4-BE49-F238E27FC236}">
+                    <a16:creationId xmlns:a16="http://schemas.microsoft.com/office/drawing/2014/main" id="{6D95B5FF-F506-69B7-C2B0-884CD254329F}"/>
+                  </a:ext>
+                </a:extLst>
+              </p:cNvPr>
+              <p:cNvSpPr txBox="1">
+                <a:spLocks noRot="1" noChangeAspect="1" noMove="1" noResize="1" noEditPoints="1" noAdjustHandles="1" noChangeArrowheads="1" noChangeShapeType="1" noTextEdit="1"/>
+              </p:cNvSpPr>
+              <p:nvPr/>
+            </p:nvSpPr>
+            <p:spPr>
+              <a:xfrm>
+                <a:off x="8732456" y="885785"/>
+                <a:ext cx="569387" cy="769441"/>
+              </a:xfrm>
+              <a:prstGeom prst="rect">
+                <a:avLst/>
+              </a:prstGeom>
+              <a:blipFill>
+                <a:blip r:embed="rId14"/>
+                <a:stretch>
+                  <a:fillRect t="-787"/>
+                </a:stretch>
+              </a:blipFill>
+            </p:spPr>
+            <p:txBody>
+              <a:bodyPr/>
+              <a:lstStyle/>
+              <a:p>
+                <a:r>
+                  <a:rPr lang="zh-CN" altLang="en-US">
+                    <a:noFill/>
+                  </a:rPr>
+                  <a:t> </a:t>
+                </a:r>
+              </a:p>
+            </p:txBody>
+          </p:sp>
+        </mc:Fallback>
+      </mc:AlternateContent>
+      <p:sp>
+        <p:nvSpPr>
+          <p:cNvPr id="36" name="椭圆 35">
+            <a:extLst>
+              <a:ext uri="{FF2B5EF4-FFF2-40B4-BE49-F238E27FC236}">
+                <a16:creationId xmlns:a16="http://schemas.microsoft.com/office/drawing/2014/main" id="{E55AFD3C-8B02-1A06-2BC2-1E4A25CBAD4E}"/>
+              </a:ext>
+            </a:extLst>
+          </p:cNvPr>
+          <p:cNvSpPr/>
+          <p:nvPr/>
+        </p:nvSpPr>
+        <p:spPr>
+          <a:xfrm>
+            <a:off x="6545653" y="1846242"/>
+            <a:ext cx="508883" cy="508883"/>
+          </a:xfrm>
+          <a:prstGeom prst="ellipse">
+            <a:avLst/>
+          </a:prstGeom>
+          <a:noFill/>
+        </p:spPr>
+        <p:style>
+          <a:lnRef idx="2">
+            <a:schemeClr val="accent1">
+              <a:shade val="15000"/>
+            </a:schemeClr>
+          </a:lnRef>
+          <a:fillRef idx="1">
+            <a:schemeClr val="accent1"/>
+          </a:fillRef>
+          <a:effectRef idx="0">
+            <a:schemeClr val="accent1"/>
+          </a:effectRef>
+          <a:fontRef idx="minor">
+            <a:schemeClr val="lt1"/>
+          </a:fontRef>
+        </p:style>
+        <p:txBody>
+          <a:bodyPr wrap="none" rtlCol="0" anchor="ctr"/>
+          <a:lstStyle/>
+          <a:p>
+            <a:pPr algn="ctr"/>
+            <a:r>
+              <a:rPr lang="en-US" altLang="zh-CN" dirty="0">
+                <a:solidFill>
+                  <a:schemeClr val="tx1"/>
+                </a:solidFill>
+                <a:latin typeface="Arial" panose="020B0604020202020204" pitchFamily="34" charset="0"/>
+                <a:cs typeface="Arial" panose="020B0604020202020204" pitchFamily="34" charset="0"/>
+              </a:rPr>
+              <a:t>15</a:t>
+            </a:r>
+            <a:endParaRPr lang="zh-CN" altLang="en-US" dirty="0">
+              <a:solidFill>
+                <a:schemeClr val="tx1"/>
+              </a:solidFill>
+              <a:latin typeface="Arial" panose="020B0604020202020204" pitchFamily="34" charset="0"/>
+              <a:cs typeface="Arial" panose="020B0604020202020204" pitchFamily="34" charset="0"/>
+            </a:endParaRPr>
+          </a:p>
+        </p:txBody>
+      </p:sp>
+      <mc:AlternateContent xmlns:mc="http://schemas.openxmlformats.org/markup-compatibility/2006">
+        <mc:Choice xmlns:a14="http://schemas.microsoft.com/office/drawing/2010/main" Requires="a14">
+          <p:sp>
+            <p:nvSpPr>
+              <p:cNvPr id="37" name="文本框 36">
+                <a:extLst>
+                  <a:ext uri="{FF2B5EF4-FFF2-40B4-BE49-F238E27FC236}">
+                    <a16:creationId xmlns:a16="http://schemas.microsoft.com/office/drawing/2014/main" id="{297E1D1E-5ACF-808D-5E84-B619E1BA6522}"/>
+                  </a:ext>
+                </a:extLst>
+              </p:cNvPr>
+              <p:cNvSpPr txBox="1"/>
+              <p:nvPr/>
+            </p:nvSpPr>
+            <p:spPr>
+              <a:xfrm>
+                <a:off x="7037234" y="1667497"/>
+                <a:ext cx="569388" cy="769441"/>
+              </a:xfrm>
+              <a:prstGeom prst="rect">
+                <a:avLst/>
+              </a:prstGeom>
+              <a:noFill/>
+            </p:spPr>
+            <p:txBody>
+              <a:bodyPr wrap="none" rtlCol="0">
+                <a:spAutoFit/>
+              </a:bodyPr>
+              <a:lstStyle/>
+              <a:p>
+                <a:pPr algn="ctr"/>
+                <a:r>
+                  <a:rPr lang="en-US" altLang="zh-CN" sz="1100" dirty="0">
+                    <a:latin typeface="Arial" panose="020B0604020202020204" pitchFamily="34" charset="0"/>
+                    <a:cs typeface="Arial" panose="020B0604020202020204" pitchFamily="34" charset="0"/>
+                  </a:rPr>
+                  <a:t>Tokyo</a:t>
+                </a:r>
+              </a:p>
+              <a:p>
+                <a:pPr algn="ctr"/>
+                <a14:m>
+                  <m:oMathPara xmlns:m="http://schemas.openxmlformats.org/officeDocument/2006/math">
+                    <m:oMathParaPr>
+                      <m:jc m:val="centerGroup"/>
+                    </m:oMathParaPr>
+                    <m:oMath xmlns:m="http://schemas.openxmlformats.org/officeDocument/2006/math">
+                      <m:r>
+                        <a:rPr lang="en-US" altLang="zh-CN" sz="1100" b="0" i="1" smtClean="0">
+                          <a:latin typeface="Cambria Math" panose="02040503050406030204" pitchFamily="18" charset="0"/>
+                        </a:rPr>
+                        <m:t>𝜖</m:t>
+                      </m:r>
+                    </m:oMath>
+                  </m:oMathPara>
+                </a14:m>
+                <a:endParaRPr lang="en-US" altLang="zh-CN" sz="1100" dirty="0">
+                  <a:latin typeface="Arial" panose="020B0604020202020204" pitchFamily="34" charset="0"/>
+                  <a:cs typeface="Arial" panose="020B0604020202020204" pitchFamily="34" charset="0"/>
+                </a:endParaRPr>
+              </a:p>
+              <a:p>
+                <a:pPr algn="ctr"/>
+                <a14:m>
+                  <m:oMathPara xmlns:m="http://schemas.openxmlformats.org/officeDocument/2006/math">
+                    <m:oMathParaPr>
+                      <m:jc m:val="centerGroup"/>
+                    </m:oMathParaPr>
+                    <m:oMath xmlns:m="http://schemas.openxmlformats.org/officeDocument/2006/math">
+                      <m:r>
+                        <a:rPr lang="en-US" altLang="zh-CN" sz="1100" b="0" i="1" smtClean="0">
+                          <a:latin typeface="Cambria Math" panose="02040503050406030204" pitchFamily="18" charset="0"/>
+                        </a:rPr>
+                        <m:t>3</m:t>
+                      </m:r>
+                    </m:oMath>
+                  </m:oMathPara>
+                </a14:m>
+                <a:endParaRPr lang="en-US" altLang="zh-CN" sz="1100" dirty="0">
+                  <a:latin typeface="Arial" panose="020B0604020202020204" pitchFamily="34" charset="0"/>
+                  <a:cs typeface="Arial" panose="020B0604020202020204" pitchFamily="34" charset="0"/>
+                </a:endParaRPr>
+              </a:p>
+              <a:p>
+                <a:pPr algn="ctr"/>
+                <a14:m>
+                  <m:oMathPara xmlns:m="http://schemas.openxmlformats.org/officeDocument/2006/math">
+                    <m:oMathParaPr>
+                      <m:jc m:val="centerGroup"/>
+                    </m:oMathParaPr>
+                    <m:oMath xmlns:m="http://schemas.openxmlformats.org/officeDocument/2006/math">
+                      <m:r>
+                        <a:rPr lang="en-US" altLang="zh-CN" sz="1100" b="0" i="1" smtClean="0">
+                          <a:latin typeface="Cambria Math" panose="02040503050406030204" pitchFamily="18" charset="0"/>
+                        </a:rPr>
+                        <m:t>𝜖</m:t>
+                      </m:r>
+                    </m:oMath>
+                  </m:oMathPara>
+                </a14:m>
+                <a:endParaRPr lang="zh-CN" altLang="en-US" sz="1100" dirty="0">
+                  <a:latin typeface="Arial" panose="020B0604020202020204" pitchFamily="34" charset="0"/>
+                  <a:cs typeface="Arial" panose="020B0604020202020204" pitchFamily="34" charset="0"/>
+                </a:endParaRPr>
+              </a:p>
+            </p:txBody>
+          </p:sp>
+        </mc:Choice>
+        <mc:Fallback>
+          <p:sp>
+            <p:nvSpPr>
+              <p:cNvPr id="37" name="文本框 36">
+                <a:extLst>
+                  <a:ext uri="{FF2B5EF4-FFF2-40B4-BE49-F238E27FC236}">
+                    <a16:creationId xmlns:a16="http://schemas.microsoft.com/office/drawing/2014/main" id="{297E1D1E-5ACF-808D-5E84-B619E1BA6522}"/>
+                  </a:ext>
+                </a:extLst>
+              </p:cNvPr>
+              <p:cNvSpPr txBox="1">
+                <a:spLocks noRot="1" noChangeAspect="1" noMove="1" noResize="1" noEditPoints="1" noAdjustHandles="1" noChangeArrowheads="1" noChangeShapeType="1" noTextEdit="1"/>
+              </p:cNvSpPr>
+              <p:nvPr/>
+            </p:nvSpPr>
+            <p:spPr>
+              <a:xfrm>
+                <a:off x="7037234" y="1667497"/>
+                <a:ext cx="569388" cy="769441"/>
+              </a:xfrm>
+              <a:prstGeom prst="rect">
+                <a:avLst/>
+              </a:prstGeom>
+              <a:blipFill>
+                <a:blip r:embed="rId15"/>
+                <a:stretch>
+                  <a:fillRect t="-794"/>
+                </a:stretch>
+              </a:blipFill>
+            </p:spPr>
+            <p:txBody>
+              <a:bodyPr/>
+              <a:lstStyle/>
+              <a:p>
+                <a:r>
+                  <a:rPr lang="zh-CN" altLang="en-US">
+                    <a:noFill/>
+                  </a:rPr>
+                  <a:t> </a:t>
+                </a:r>
+              </a:p>
+            </p:txBody>
+          </p:sp>
+        </mc:Fallback>
+      </mc:AlternateContent>
+      <p:sp>
+        <p:nvSpPr>
+          <p:cNvPr id="38" name="椭圆 37">
+            <a:extLst>
+              <a:ext uri="{FF2B5EF4-FFF2-40B4-BE49-F238E27FC236}">
+                <a16:creationId xmlns:a16="http://schemas.microsoft.com/office/drawing/2014/main" id="{C326412A-33C1-F991-05D7-F9A5C63CCAC2}"/>
+              </a:ext>
+            </a:extLst>
+          </p:cNvPr>
+          <p:cNvSpPr/>
+          <p:nvPr/>
+        </p:nvSpPr>
+        <p:spPr>
+          <a:xfrm>
+            <a:off x="6545653" y="2748435"/>
+            <a:ext cx="508883" cy="508883"/>
+          </a:xfrm>
+          <a:prstGeom prst="ellipse">
+            <a:avLst/>
+          </a:prstGeom>
+          <a:noFill/>
+        </p:spPr>
+        <p:style>
+          <a:lnRef idx="2">
+            <a:schemeClr val="accent1">
+              <a:shade val="15000"/>
+            </a:schemeClr>
+          </a:lnRef>
+          <a:fillRef idx="1">
+            <a:schemeClr val="accent1"/>
+          </a:fillRef>
+          <a:effectRef idx="0">
+            <a:schemeClr val="accent1"/>
+          </a:effectRef>
+          <a:fontRef idx="minor">
+            <a:schemeClr val="lt1"/>
+          </a:fontRef>
+        </p:style>
+        <p:txBody>
+          <a:bodyPr wrap="none" rtlCol="0" anchor="ctr"/>
+          <a:lstStyle/>
+          <a:p>
+            <a:pPr algn="ctr"/>
+            <a:r>
+              <a:rPr lang="en-US" altLang="zh-CN" dirty="0">
+                <a:solidFill>
+                  <a:schemeClr val="tx1"/>
+                </a:solidFill>
+                <a:latin typeface="Arial" panose="020B0604020202020204" pitchFamily="34" charset="0"/>
+                <a:cs typeface="Arial" panose="020B0604020202020204" pitchFamily="34" charset="0"/>
+              </a:rPr>
+              <a:t>16</a:t>
+            </a:r>
+            <a:endParaRPr lang="zh-CN" altLang="en-US" dirty="0">
+              <a:solidFill>
+                <a:schemeClr val="tx1"/>
+              </a:solidFill>
+              <a:latin typeface="Arial" panose="020B0604020202020204" pitchFamily="34" charset="0"/>
+              <a:cs typeface="Arial" panose="020B0604020202020204" pitchFamily="34" charset="0"/>
+            </a:endParaRPr>
+          </a:p>
+        </p:txBody>
+      </p:sp>
+      <mc:AlternateContent xmlns:mc="http://schemas.openxmlformats.org/markup-compatibility/2006">
+        <mc:Choice xmlns:a14="http://schemas.microsoft.com/office/drawing/2010/main" Requires="a14">
+          <p:sp>
+            <p:nvSpPr>
+              <p:cNvPr id="39" name="文本框 38">
+                <a:extLst>
+                  <a:ext uri="{FF2B5EF4-FFF2-40B4-BE49-F238E27FC236}">
+                    <a16:creationId xmlns:a16="http://schemas.microsoft.com/office/drawing/2014/main" id="{38B53E4D-8F7E-E77A-3316-AF3BA6FCF0EC}"/>
+                  </a:ext>
+                </a:extLst>
+              </p:cNvPr>
+              <p:cNvSpPr txBox="1"/>
+              <p:nvPr/>
+            </p:nvSpPr>
+            <p:spPr>
+              <a:xfrm>
+                <a:off x="6846014" y="2409260"/>
+                <a:ext cx="1258678" cy="938719"/>
+              </a:xfrm>
+              <a:prstGeom prst="rect">
+                <a:avLst/>
+              </a:prstGeom>
+              <a:noFill/>
+            </p:spPr>
+            <p:txBody>
+              <a:bodyPr wrap="none" rtlCol="0">
+                <a:spAutoFit/>
+              </a:bodyPr>
+              <a:lstStyle/>
+              <a:p>
+                <a:pPr algn="ctr"/>
+                <a:r>
+                  <a:rPr lang="en-US" altLang="zh-CN" sz="1100" dirty="0">
+                    <a:latin typeface="Arial" panose="020B0604020202020204" pitchFamily="34" charset="0"/>
+                    <a:cs typeface="Arial" panose="020B0604020202020204" pitchFamily="34" charset="0"/>
+                  </a:rPr>
+                  <a:t>Tokyo University</a:t>
+                </a:r>
+              </a:p>
+              <a:p>
+                <a:pPr algn="ctr"/>
+                <a:r>
+                  <a:rPr lang="en-US" altLang="zh-CN" sz="1100" dirty="0">
+                    <a:latin typeface="Arial" panose="020B0604020202020204" pitchFamily="34" charset="0"/>
+                    <a:cs typeface="Arial" panose="020B0604020202020204" pitchFamily="34" charset="0"/>
+                  </a:rPr>
+                  <a:t>(</a:t>
+                </a:r>
+                <a:r>
+                  <a:rPr lang="en-US" altLang="zh-CN" sz="1100" dirty="0" err="1">
+                    <a:latin typeface="Arial" panose="020B0604020202020204" pitchFamily="34" charset="0"/>
+                    <a:cs typeface="Arial" panose="020B0604020202020204" pitchFamily="34" charset="0"/>
+                  </a:rPr>
+                  <a:t>Hongo</a:t>
+                </a:r>
+                <a:r>
+                  <a:rPr lang="en-US" altLang="zh-CN" sz="1100" dirty="0">
+                    <a:latin typeface="Arial" panose="020B0604020202020204" pitchFamily="34" charset="0"/>
+                    <a:cs typeface="Arial" panose="020B0604020202020204" pitchFamily="34" charset="0"/>
+                  </a:rPr>
+                  <a:t> Campus)</a:t>
+                </a:r>
+              </a:p>
+              <a:p>
+                <a:pPr algn="ctr"/>
+                <a14:m>
+                  <m:oMathPara xmlns:m="http://schemas.openxmlformats.org/officeDocument/2006/math">
+                    <m:oMathParaPr>
+                      <m:jc m:val="centerGroup"/>
+                    </m:oMathParaPr>
+                    <m:oMath xmlns:m="http://schemas.openxmlformats.org/officeDocument/2006/math">
+                      <m:r>
+                        <a:rPr lang="en-US" altLang="zh-CN" sz="1100" b="0" i="1" smtClean="0">
+                          <a:latin typeface="Cambria Math" panose="02040503050406030204" pitchFamily="18" charset="0"/>
+                        </a:rPr>
+                        <m:t>𝜖</m:t>
+                      </m:r>
+                    </m:oMath>
+                  </m:oMathPara>
+                </a14:m>
+                <a:endParaRPr lang="en-US" altLang="zh-CN" sz="1100" dirty="0">
+                  <a:latin typeface="Arial" panose="020B0604020202020204" pitchFamily="34" charset="0"/>
+                  <a:cs typeface="Arial" panose="020B0604020202020204" pitchFamily="34" charset="0"/>
+                </a:endParaRPr>
+              </a:p>
+              <a:p>
+                <a:pPr algn="ctr"/>
+                <a14:m>
+                  <m:oMathPara xmlns:m="http://schemas.openxmlformats.org/officeDocument/2006/math">
+                    <m:oMathParaPr>
+                      <m:jc m:val="centerGroup"/>
+                    </m:oMathParaPr>
+                    <m:oMath xmlns:m="http://schemas.openxmlformats.org/officeDocument/2006/math">
+                      <m:r>
+                        <a:rPr lang="en-US" altLang="zh-CN" sz="1100" b="0" i="1" smtClean="0">
+                          <a:latin typeface="Cambria Math" panose="02040503050406030204" pitchFamily="18" charset="0"/>
+                        </a:rPr>
+                        <m:t>5841</m:t>
+                      </m:r>
+                    </m:oMath>
+                  </m:oMathPara>
+                </a14:m>
+                <a:endParaRPr lang="en-US" altLang="zh-CN" sz="1100" dirty="0">
+                  <a:latin typeface="Arial" panose="020B0604020202020204" pitchFamily="34" charset="0"/>
+                  <a:cs typeface="Arial" panose="020B0604020202020204" pitchFamily="34" charset="0"/>
+                </a:endParaRPr>
+              </a:p>
+              <a:p>
+                <a:pPr algn="ctr"/>
+                <a14:m>
+                  <m:oMathPara xmlns:m="http://schemas.openxmlformats.org/officeDocument/2006/math">
+                    <m:oMathParaPr>
+                      <m:jc m:val="centerGroup"/>
+                    </m:oMathParaPr>
+                    <m:oMath xmlns:m="http://schemas.openxmlformats.org/officeDocument/2006/math">
+                      <m:r>
+                        <a:rPr lang="en-US" altLang="zh-CN" sz="1100" b="0" i="1" smtClean="0">
+                          <a:latin typeface="Cambria Math" panose="02040503050406030204" pitchFamily="18" charset="0"/>
+                        </a:rPr>
+                        <m:t>2</m:t>
+                      </m:r>
+                    </m:oMath>
+                  </m:oMathPara>
+                </a14:m>
+                <a:endParaRPr lang="zh-CN" altLang="en-US" sz="1100" dirty="0">
+                  <a:latin typeface="Arial" panose="020B0604020202020204" pitchFamily="34" charset="0"/>
+                  <a:cs typeface="Arial" panose="020B0604020202020204" pitchFamily="34" charset="0"/>
+                </a:endParaRPr>
+              </a:p>
+            </p:txBody>
+          </p:sp>
+        </mc:Choice>
+        <mc:Fallback>
+          <p:sp>
+            <p:nvSpPr>
+              <p:cNvPr id="39" name="文本框 38">
+                <a:extLst>
+                  <a:ext uri="{FF2B5EF4-FFF2-40B4-BE49-F238E27FC236}">
+                    <a16:creationId xmlns:a16="http://schemas.microsoft.com/office/drawing/2014/main" id="{38B53E4D-8F7E-E77A-3316-AF3BA6FCF0EC}"/>
+                  </a:ext>
+                </a:extLst>
+              </p:cNvPr>
+              <p:cNvSpPr txBox="1">
+                <a:spLocks noRot="1" noChangeAspect="1" noMove="1" noResize="1" noEditPoints="1" noAdjustHandles="1" noChangeArrowheads="1" noChangeShapeType="1" noTextEdit="1"/>
+              </p:cNvSpPr>
+              <p:nvPr/>
+            </p:nvSpPr>
+            <p:spPr>
+              <a:xfrm>
+                <a:off x="6846014" y="2409260"/>
+                <a:ext cx="1258678" cy="938719"/>
+              </a:xfrm>
+              <a:prstGeom prst="rect">
+                <a:avLst/>
+              </a:prstGeom>
+              <a:blipFill>
+                <a:blip r:embed="rId16"/>
+                <a:stretch>
+                  <a:fillRect t="-649"/>
+                </a:stretch>
+              </a:blipFill>
+            </p:spPr>
+            <p:txBody>
+              <a:bodyPr/>
+              <a:lstStyle/>
+              <a:p>
+                <a:r>
+                  <a:rPr lang="zh-CN" altLang="en-US">
+                    <a:noFill/>
+                  </a:rPr>
+                  <a:t> </a:t>
+                </a:r>
+              </a:p>
+            </p:txBody>
+          </p:sp>
+        </mc:Fallback>
+      </mc:AlternateContent>
+      <p:sp>
+        <p:nvSpPr>
+          <p:cNvPr id="40" name="椭圆 39">
+            <a:extLst>
+              <a:ext uri="{FF2B5EF4-FFF2-40B4-BE49-F238E27FC236}">
+                <a16:creationId xmlns:a16="http://schemas.microsoft.com/office/drawing/2014/main" id="{68E87198-91B0-9FF0-1C31-BC8C60F507C1}"/>
+              </a:ext>
+            </a:extLst>
+          </p:cNvPr>
+          <p:cNvSpPr/>
+          <p:nvPr/>
+        </p:nvSpPr>
+        <p:spPr>
+          <a:xfrm>
+            <a:off x="5971322" y="3533867"/>
+            <a:ext cx="508883" cy="508883"/>
+          </a:xfrm>
+          <a:prstGeom prst="ellipse">
+            <a:avLst/>
+          </a:prstGeom>
+          <a:solidFill>
+            <a:schemeClr val="accent2"/>
+          </a:solidFill>
+          <a:ln>
+            <a:solidFill>
+              <a:schemeClr val="tx1"/>
+            </a:solidFill>
+          </a:ln>
+        </p:spPr>
+        <p:style>
+          <a:lnRef idx="2">
+            <a:schemeClr val="accent1">
+              <a:shade val="15000"/>
+            </a:schemeClr>
+          </a:lnRef>
+          <a:fillRef idx="1">
+            <a:schemeClr val="accent1"/>
+          </a:fillRef>
+          <a:effectRef idx="0">
+            <a:schemeClr val="accent1"/>
+          </a:effectRef>
+          <a:fontRef idx="minor">
+            <a:schemeClr val="lt1"/>
+          </a:fontRef>
+        </p:style>
+        <p:txBody>
+          <a:bodyPr wrap="none" rtlCol="0" anchor="ctr"/>
+          <a:lstStyle/>
+          <a:p>
+            <a:pPr algn="ctr"/>
+            <a:r>
+              <a:rPr lang="en-US" altLang="zh-CN" dirty="0">
+                <a:latin typeface="Arial" panose="020B0604020202020204" pitchFamily="34" charset="0"/>
+                <a:cs typeface="Arial" panose="020B0604020202020204" pitchFamily="34" charset="0"/>
+              </a:rPr>
+              <a:t>17</a:t>
+            </a:r>
+            <a:endParaRPr lang="zh-CN" altLang="en-US" dirty="0">
+              <a:latin typeface="Arial" panose="020B0604020202020204" pitchFamily="34" charset="0"/>
+              <a:cs typeface="Arial" panose="020B0604020202020204" pitchFamily="34" charset="0"/>
+            </a:endParaRPr>
+          </a:p>
+        </p:txBody>
+      </p:sp>
+      <mc:AlternateContent xmlns:mc="http://schemas.openxmlformats.org/markup-compatibility/2006">
+        <mc:Choice xmlns:a14="http://schemas.microsoft.com/office/drawing/2010/main" Requires="a14">
+          <p:sp>
+            <p:nvSpPr>
+              <p:cNvPr id="41" name="文本框 40">
+                <a:extLst>
+                  <a:ext uri="{FF2B5EF4-FFF2-40B4-BE49-F238E27FC236}">
+                    <a16:creationId xmlns:a16="http://schemas.microsoft.com/office/drawing/2014/main" id="{F0A0CA62-6DB3-8562-C5DE-E0904B896361}"/>
+                  </a:ext>
+                </a:extLst>
+              </p:cNvPr>
+              <p:cNvSpPr txBox="1"/>
+              <p:nvPr/>
+            </p:nvSpPr>
+            <p:spPr>
+              <a:xfrm>
+                <a:off x="5234248" y="4066889"/>
+                <a:ext cx="1350050" cy="769441"/>
+              </a:xfrm>
+              <a:prstGeom prst="rect">
+                <a:avLst/>
+              </a:prstGeom>
+              <a:noFill/>
+            </p:spPr>
+            <p:txBody>
+              <a:bodyPr wrap="none" rtlCol="0">
+                <a:spAutoFit/>
+              </a:bodyPr>
+              <a:lstStyle/>
+              <a:p>
+                <a:pPr algn="ctr"/>
+                <a:r>
+                  <a:rPr lang="en-US" altLang="zh-CN" sz="1100" dirty="0">
+                    <a:latin typeface="Arial" panose="020B0604020202020204" pitchFamily="34" charset="0"/>
+                    <a:cs typeface="Arial" panose="020B0604020202020204" pitchFamily="34" charset="0"/>
+                  </a:rPr>
+                  <a:t>Department of CS,</a:t>
+                </a:r>
+              </a:p>
+              <a:p>
+                <a:pPr algn="ctr"/>
+                <a:r>
+                  <a:rPr lang="en-US" altLang="zh-CN" sz="1100" dirty="0">
+                    <a:latin typeface="Arial" panose="020B0604020202020204" pitchFamily="34" charset="0"/>
+                    <a:cs typeface="Arial" panose="020B0604020202020204" pitchFamily="34" charset="0"/>
+                  </a:rPr>
+                  <a:t>Graduate School</a:t>
+                </a:r>
+              </a:p>
+              <a:p>
+                <a:pPr algn="ctr"/>
+                <a:r>
+                  <a:rPr lang="en-US" altLang="zh-CN" sz="1100" dirty="0">
+                    <a:latin typeface="Arial" panose="020B0604020202020204" pitchFamily="34" charset="0"/>
+                    <a:cs typeface="Arial" panose="020B0604020202020204" pitchFamily="34" charset="0"/>
+                  </a:rPr>
+                  <a:t>of IST, </a:t>
+                </a:r>
+                <a:r>
+                  <a:rPr lang="en-US" altLang="zh-CN" sz="1100" dirty="0" err="1">
+                    <a:latin typeface="Arial" panose="020B0604020202020204" pitchFamily="34" charset="0"/>
+                    <a:cs typeface="Arial" panose="020B0604020202020204" pitchFamily="34" charset="0"/>
+                  </a:rPr>
+                  <a:t>UTokyo</a:t>
+                </a:r>
+                <a:endParaRPr lang="en-US" altLang="zh-CN" sz="1100" dirty="0">
+                  <a:latin typeface="Arial" panose="020B0604020202020204" pitchFamily="34" charset="0"/>
+                  <a:cs typeface="Arial" panose="020B0604020202020204" pitchFamily="34" charset="0"/>
+                </a:endParaRPr>
+              </a:p>
+              <a:p>
+                <a:pPr algn="ctr"/>
+                <a14:m>
+                  <m:oMathPara xmlns:m="http://schemas.openxmlformats.org/officeDocument/2006/math">
+                    <m:oMathParaPr>
+                      <m:jc m:val="centerGroup"/>
+                    </m:oMathParaPr>
+                    <m:oMath xmlns:m="http://schemas.openxmlformats.org/officeDocument/2006/math">
+                      <m:r>
+                        <a:rPr lang="en-US" altLang="zh-CN" sz="1100" i="1" dirty="0" smtClean="0">
+                          <a:latin typeface="Cambria Math" panose="02040503050406030204" pitchFamily="18" charset="0"/>
+                        </a:rPr>
+                        <m:t>4111</m:t>
+                      </m:r>
+                    </m:oMath>
+                  </m:oMathPara>
+                </a14:m>
+                <a:endParaRPr lang="en-US" altLang="zh-CN" sz="1100" dirty="0">
+                  <a:latin typeface="Arial" panose="020B0604020202020204" pitchFamily="34" charset="0"/>
+                  <a:cs typeface="Arial" panose="020B0604020202020204" pitchFamily="34" charset="0"/>
+                </a:endParaRPr>
+              </a:p>
+            </p:txBody>
+          </p:sp>
+        </mc:Choice>
+        <mc:Fallback>
+          <p:sp>
+            <p:nvSpPr>
+              <p:cNvPr id="41" name="文本框 40">
+                <a:extLst>
+                  <a:ext uri="{FF2B5EF4-FFF2-40B4-BE49-F238E27FC236}">
+                    <a16:creationId xmlns:a16="http://schemas.microsoft.com/office/drawing/2014/main" id="{F0A0CA62-6DB3-8562-C5DE-E0904B896361}"/>
+                  </a:ext>
+                </a:extLst>
+              </p:cNvPr>
+              <p:cNvSpPr txBox="1">
+                <a:spLocks noRot="1" noChangeAspect="1" noMove="1" noResize="1" noEditPoints="1" noAdjustHandles="1" noChangeArrowheads="1" noChangeShapeType="1" noTextEdit="1"/>
+              </p:cNvSpPr>
+              <p:nvPr/>
+            </p:nvSpPr>
+            <p:spPr>
+              <a:xfrm>
+                <a:off x="5234248" y="4066889"/>
+                <a:ext cx="1350050" cy="769441"/>
+              </a:xfrm>
+              <a:prstGeom prst="rect">
+                <a:avLst/>
+              </a:prstGeom>
+              <a:blipFill>
+                <a:blip r:embed="rId17"/>
+                <a:stretch>
+                  <a:fillRect t="-794"/>
+                </a:stretch>
+              </a:blipFill>
+            </p:spPr>
+            <p:txBody>
+              <a:bodyPr/>
+              <a:lstStyle/>
+              <a:p>
+                <a:r>
+                  <a:rPr lang="zh-CN" altLang="en-US">
+                    <a:noFill/>
+                  </a:rPr>
+                  <a:t> </a:t>
+                </a:r>
+              </a:p>
+            </p:txBody>
+          </p:sp>
+        </mc:Fallback>
+      </mc:AlternateContent>
+      <p:sp>
+        <p:nvSpPr>
+          <p:cNvPr id="42" name="椭圆 41">
+            <a:extLst>
+              <a:ext uri="{FF2B5EF4-FFF2-40B4-BE49-F238E27FC236}">
+                <a16:creationId xmlns:a16="http://schemas.microsoft.com/office/drawing/2014/main" id="{F97D164D-5AAD-A6F5-37AC-84C7264ACB4E}"/>
+              </a:ext>
+            </a:extLst>
+          </p:cNvPr>
+          <p:cNvSpPr/>
+          <p:nvPr/>
+        </p:nvSpPr>
+        <p:spPr>
+          <a:xfrm>
+            <a:off x="7069212" y="3533867"/>
+            <a:ext cx="508883" cy="508883"/>
+          </a:xfrm>
+          <a:prstGeom prst="ellipse">
+            <a:avLst/>
+          </a:prstGeom>
+          <a:solidFill>
+            <a:schemeClr val="accent2"/>
+          </a:solidFill>
+          <a:ln>
+            <a:solidFill>
+              <a:schemeClr val="tx1"/>
+            </a:solidFill>
+          </a:ln>
+        </p:spPr>
+        <p:style>
+          <a:lnRef idx="2">
+            <a:schemeClr val="accent1">
+              <a:shade val="15000"/>
+            </a:schemeClr>
+          </a:lnRef>
+          <a:fillRef idx="1">
+            <a:schemeClr val="accent1"/>
+          </a:fillRef>
+          <a:effectRef idx="0">
+            <a:schemeClr val="accent1"/>
+          </a:effectRef>
+          <a:fontRef idx="minor">
+            <a:schemeClr val="lt1"/>
+          </a:fontRef>
+        </p:style>
+        <p:txBody>
+          <a:bodyPr wrap="none" rtlCol="0" anchor="ctr"/>
+          <a:lstStyle/>
+          <a:p>
+            <a:pPr algn="ctr"/>
+            <a:r>
+              <a:rPr lang="en-US" altLang="zh-CN" dirty="0">
+                <a:latin typeface="Arial" panose="020B0604020202020204" pitchFamily="34" charset="0"/>
+                <a:cs typeface="Arial" panose="020B0604020202020204" pitchFamily="34" charset="0"/>
+              </a:rPr>
+              <a:t>18</a:t>
+            </a:r>
+            <a:endParaRPr lang="zh-CN" altLang="en-US" dirty="0">
+              <a:latin typeface="Arial" panose="020B0604020202020204" pitchFamily="34" charset="0"/>
+              <a:cs typeface="Arial" panose="020B0604020202020204" pitchFamily="34" charset="0"/>
+            </a:endParaRPr>
+          </a:p>
+        </p:txBody>
+      </p:sp>
+      <mc:AlternateContent xmlns:mc="http://schemas.openxmlformats.org/markup-compatibility/2006">
+        <mc:Choice xmlns:a14="http://schemas.microsoft.com/office/drawing/2010/main" Requires="a14">
+          <p:sp>
+            <p:nvSpPr>
+              <p:cNvPr id="43" name="文本框 42">
+                <a:extLst>
+                  <a:ext uri="{FF2B5EF4-FFF2-40B4-BE49-F238E27FC236}">
+                    <a16:creationId xmlns:a16="http://schemas.microsoft.com/office/drawing/2014/main" id="{DDE10494-FD1E-B399-C514-5A22D93D377A}"/>
+                  </a:ext>
+                </a:extLst>
+              </p:cNvPr>
+              <p:cNvSpPr txBox="1"/>
+              <p:nvPr/>
+            </p:nvSpPr>
+            <p:spPr>
+              <a:xfrm>
+                <a:off x="6584258" y="4066889"/>
+                <a:ext cx="1398140" cy="769441"/>
+              </a:xfrm>
+              <a:prstGeom prst="rect">
+                <a:avLst/>
+              </a:prstGeom>
+              <a:noFill/>
+            </p:spPr>
+            <p:txBody>
+              <a:bodyPr wrap="none" rtlCol="0">
+                <a:spAutoFit/>
+              </a:bodyPr>
+              <a:lstStyle/>
+              <a:p>
+                <a:pPr algn="ctr"/>
+                <a:r>
+                  <a:rPr lang="en-US" altLang="zh-CN" sz="1100" dirty="0">
+                    <a:latin typeface="Arial" panose="020B0604020202020204" pitchFamily="34" charset="0"/>
+                    <a:cs typeface="Arial" panose="020B0604020202020204" pitchFamily="34" charset="0"/>
+                  </a:rPr>
+                  <a:t>Admissions Office,</a:t>
+                </a:r>
+              </a:p>
+              <a:p>
+                <a:pPr algn="ctr"/>
+                <a:r>
+                  <a:rPr lang="en-US" altLang="zh-CN" sz="1100" dirty="0">
+                    <a:latin typeface="Arial" panose="020B0604020202020204" pitchFamily="34" charset="0"/>
+                    <a:cs typeface="Arial" panose="020B0604020202020204" pitchFamily="34" charset="0"/>
+                  </a:rPr>
+                  <a:t>Graduate School of</a:t>
+                </a:r>
+              </a:p>
+              <a:p>
+                <a:pPr algn="ctr"/>
+                <a:r>
+                  <a:rPr lang="en-US" altLang="zh-CN" sz="1100" dirty="0">
+                    <a:latin typeface="Arial" panose="020B0604020202020204" pitchFamily="34" charset="0"/>
+                    <a:cs typeface="Arial" panose="020B0604020202020204" pitchFamily="34" charset="0"/>
+                  </a:rPr>
+                  <a:t>IST, </a:t>
+                </a:r>
+                <a:r>
+                  <a:rPr lang="en-US" altLang="zh-CN" sz="1100" dirty="0" err="1">
+                    <a:latin typeface="Arial" panose="020B0604020202020204" pitchFamily="34" charset="0"/>
+                    <a:cs typeface="Arial" panose="020B0604020202020204" pitchFamily="34" charset="0"/>
+                  </a:rPr>
+                  <a:t>UTokyo</a:t>
+                </a:r>
+                <a:endParaRPr lang="en-US" altLang="zh-CN" sz="1100" i="1" dirty="0">
+                  <a:latin typeface="Cambria Math" panose="02040503050406030204" pitchFamily="18" charset="0"/>
+                </a:endParaRPr>
+              </a:p>
+              <a:p>
+                <a:pPr algn="ctr"/>
+                <a14:m>
+                  <m:oMathPara xmlns:m="http://schemas.openxmlformats.org/officeDocument/2006/math">
+                    <m:oMathParaPr>
+                      <m:jc m:val="centerGroup"/>
+                    </m:oMathParaPr>
+                    <m:oMath xmlns:m="http://schemas.openxmlformats.org/officeDocument/2006/math">
+                      <m:r>
+                        <a:rPr lang="en-US" altLang="zh-CN" sz="1100" i="1" dirty="0" smtClean="0">
+                          <a:latin typeface="Cambria Math" panose="02040503050406030204" pitchFamily="18" charset="0"/>
+                        </a:rPr>
+                        <m:t>7926</m:t>
+                      </m:r>
+                    </m:oMath>
+                  </m:oMathPara>
+                </a14:m>
+                <a:endParaRPr lang="en-US" altLang="zh-CN" sz="1100" dirty="0">
+                  <a:latin typeface="Arial" panose="020B0604020202020204" pitchFamily="34" charset="0"/>
+                  <a:cs typeface="Arial" panose="020B0604020202020204" pitchFamily="34" charset="0"/>
+                </a:endParaRPr>
+              </a:p>
+            </p:txBody>
+          </p:sp>
+        </mc:Choice>
+        <mc:Fallback>
+          <p:sp>
+            <p:nvSpPr>
+              <p:cNvPr id="43" name="文本框 42">
+                <a:extLst>
+                  <a:ext uri="{FF2B5EF4-FFF2-40B4-BE49-F238E27FC236}">
+                    <a16:creationId xmlns:a16="http://schemas.microsoft.com/office/drawing/2014/main" id="{DDE10494-FD1E-B399-C514-5A22D93D377A}"/>
+                  </a:ext>
+                </a:extLst>
+              </p:cNvPr>
+              <p:cNvSpPr txBox="1">
+                <a:spLocks noRot="1" noChangeAspect="1" noMove="1" noResize="1" noEditPoints="1" noAdjustHandles="1" noChangeArrowheads="1" noChangeShapeType="1" noTextEdit="1"/>
+              </p:cNvSpPr>
+              <p:nvPr/>
+            </p:nvSpPr>
+            <p:spPr>
+              <a:xfrm>
+                <a:off x="6584258" y="4066889"/>
+                <a:ext cx="1398140" cy="769441"/>
+              </a:xfrm>
+              <a:prstGeom prst="rect">
+                <a:avLst/>
+              </a:prstGeom>
+              <a:blipFill>
+                <a:blip r:embed="rId18"/>
+                <a:stretch>
+                  <a:fillRect t="-794"/>
+                </a:stretch>
+              </a:blipFill>
+            </p:spPr>
+            <p:txBody>
+              <a:bodyPr/>
+              <a:lstStyle/>
+              <a:p>
+                <a:r>
+                  <a:rPr lang="zh-CN" altLang="en-US">
+                    <a:noFill/>
+                  </a:rPr>
+                  <a:t> </a:t>
+                </a:r>
+              </a:p>
+            </p:txBody>
+          </p:sp>
+        </mc:Fallback>
+      </mc:AlternateContent>
+      <p:sp>
+        <p:nvSpPr>
+          <p:cNvPr id="44" name="椭圆 43">
+            <a:extLst>
+              <a:ext uri="{FF2B5EF4-FFF2-40B4-BE49-F238E27FC236}">
+                <a16:creationId xmlns:a16="http://schemas.microsoft.com/office/drawing/2014/main" id="{CD57D7E9-9C49-8EB7-9052-2B5BD74C04B1}"/>
+              </a:ext>
+            </a:extLst>
+          </p:cNvPr>
+          <p:cNvSpPr/>
+          <p:nvPr/>
+        </p:nvSpPr>
+        <p:spPr>
+          <a:xfrm>
+            <a:off x="9878667" y="1846242"/>
+            <a:ext cx="508883" cy="508883"/>
+          </a:xfrm>
+          <a:prstGeom prst="ellipse">
+            <a:avLst/>
+          </a:prstGeom>
+          <a:noFill/>
+        </p:spPr>
+        <p:style>
+          <a:lnRef idx="2">
+            <a:schemeClr val="accent1">
+              <a:shade val="15000"/>
+            </a:schemeClr>
+          </a:lnRef>
+          <a:fillRef idx="1">
+            <a:schemeClr val="accent1"/>
+          </a:fillRef>
+          <a:effectRef idx="0">
+            <a:schemeClr val="accent1"/>
+          </a:effectRef>
+          <a:fontRef idx="minor">
+            <a:schemeClr val="lt1"/>
+          </a:fontRef>
+        </p:style>
+        <p:txBody>
+          <a:bodyPr wrap="none" rtlCol="0" anchor="ctr"/>
+          <a:lstStyle/>
+          <a:p>
+            <a:pPr algn="ctr"/>
+            <a:r>
+              <a:rPr lang="en-US" altLang="zh-CN" dirty="0">
+                <a:solidFill>
+                  <a:schemeClr val="tx1"/>
+                </a:solidFill>
+                <a:latin typeface="Arial" panose="020B0604020202020204" pitchFamily="34" charset="0"/>
+                <a:cs typeface="Arial" panose="020B0604020202020204" pitchFamily="34" charset="0"/>
+              </a:rPr>
+              <a:t>19</a:t>
+            </a:r>
+            <a:endParaRPr lang="zh-CN" altLang="en-US" dirty="0">
+              <a:solidFill>
+                <a:schemeClr val="tx1"/>
+              </a:solidFill>
+              <a:latin typeface="Arial" panose="020B0604020202020204" pitchFamily="34" charset="0"/>
+              <a:cs typeface="Arial" panose="020B0604020202020204" pitchFamily="34" charset="0"/>
+            </a:endParaRPr>
+          </a:p>
+        </p:txBody>
+      </p:sp>
+      <mc:AlternateContent xmlns:mc="http://schemas.openxmlformats.org/markup-compatibility/2006">
+        <mc:Choice xmlns:a14="http://schemas.microsoft.com/office/drawing/2010/main" Requires="a14">
+          <p:sp>
+            <p:nvSpPr>
+              <p:cNvPr id="45" name="文本框 44">
+                <a:extLst>
+                  <a:ext uri="{FF2B5EF4-FFF2-40B4-BE49-F238E27FC236}">
+                    <a16:creationId xmlns:a16="http://schemas.microsoft.com/office/drawing/2014/main" id="{FC479778-CC57-5882-7271-F04B6091037E}"/>
+                  </a:ext>
+                </a:extLst>
+              </p:cNvPr>
+              <p:cNvSpPr txBox="1"/>
+              <p:nvPr/>
+            </p:nvSpPr>
+            <p:spPr>
+              <a:xfrm>
+                <a:off x="10359025" y="1667497"/>
+                <a:ext cx="591830" cy="769441"/>
+              </a:xfrm>
+              <a:prstGeom prst="rect">
+                <a:avLst/>
+              </a:prstGeom>
+              <a:noFill/>
+            </p:spPr>
+            <p:txBody>
+              <a:bodyPr wrap="none" rtlCol="0">
+                <a:spAutoFit/>
+              </a:bodyPr>
+              <a:lstStyle/>
+              <a:p>
+                <a:pPr algn="ctr"/>
+                <a:r>
+                  <a:rPr lang="en-US" altLang="zh-CN" sz="1100" dirty="0">
+                    <a:latin typeface="Arial" panose="020B0604020202020204" pitchFamily="34" charset="0"/>
+                    <a:cs typeface="Arial" panose="020B0604020202020204" pitchFamily="34" charset="0"/>
+                  </a:rPr>
+                  <a:t>Osaka</a:t>
+                </a:r>
+              </a:p>
+              <a:p>
+                <a:pPr algn="ctr"/>
+                <a14:m>
+                  <m:oMathPara xmlns:m="http://schemas.openxmlformats.org/officeDocument/2006/math">
+                    <m:oMathParaPr>
+                      <m:jc m:val="centerGroup"/>
+                    </m:oMathParaPr>
+                    <m:oMath xmlns:m="http://schemas.openxmlformats.org/officeDocument/2006/math">
+                      <m:r>
+                        <a:rPr lang="en-US" altLang="zh-CN" sz="1100" b="0" i="1" smtClean="0">
+                          <a:latin typeface="Cambria Math" panose="02040503050406030204" pitchFamily="18" charset="0"/>
+                        </a:rPr>
+                        <m:t>𝜖</m:t>
+                      </m:r>
+                    </m:oMath>
+                  </m:oMathPara>
+                </a14:m>
+                <a:endParaRPr lang="en-US" altLang="zh-CN" sz="1100" dirty="0">
+                  <a:latin typeface="Arial" panose="020B0604020202020204" pitchFamily="34" charset="0"/>
+                  <a:cs typeface="Arial" panose="020B0604020202020204" pitchFamily="34" charset="0"/>
+                </a:endParaRPr>
+              </a:p>
+              <a:p>
+                <a:pPr algn="ctr"/>
+                <a14:m>
+                  <m:oMathPara xmlns:m="http://schemas.openxmlformats.org/officeDocument/2006/math">
+                    <m:oMathParaPr>
+                      <m:jc m:val="centerGroup"/>
+                    </m:oMathParaPr>
+                    <m:oMath xmlns:m="http://schemas.openxmlformats.org/officeDocument/2006/math">
+                      <m:r>
+                        <a:rPr lang="en-US" altLang="zh-CN" sz="1100" b="0" i="1" smtClean="0">
+                          <a:latin typeface="Cambria Math" panose="02040503050406030204" pitchFamily="18" charset="0"/>
+                        </a:rPr>
+                        <m:t>6</m:t>
+                      </m:r>
+                    </m:oMath>
+                  </m:oMathPara>
+                </a14:m>
+                <a:endParaRPr lang="en-US" altLang="zh-CN" sz="1100" dirty="0">
+                  <a:latin typeface="Arial" panose="020B0604020202020204" pitchFamily="34" charset="0"/>
+                  <a:cs typeface="Arial" panose="020B0604020202020204" pitchFamily="34" charset="0"/>
+                </a:endParaRPr>
+              </a:p>
+              <a:p>
+                <a:pPr algn="ctr"/>
+                <a14:m>
+                  <m:oMathPara xmlns:m="http://schemas.openxmlformats.org/officeDocument/2006/math">
+                    <m:oMathParaPr>
+                      <m:jc m:val="centerGroup"/>
+                    </m:oMathParaPr>
+                    <m:oMath xmlns:m="http://schemas.openxmlformats.org/officeDocument/2006/math">
+                      <m:r>
+                        <a:rPr lang="en-US" altLang="zh-CN" sz="1100" b="0" i="1" smtClean="0">
+                          <a:latin typeface="Cambria Math" panose="02040503050406030204" pitchFamily="18" charset="0"/>
+                        </a:rPr>
+                        <m:t>𝜖</m:t>
+                      </m:r>
+                    </m:oMath>
+                  </m:oMathPara>
+                </a14:m>
+                <a:endParaRPr lang="zh-CN" altLang="en-US" sz="1100" dirty="0">
+                  <a:latin typeface="Arial" panose="020B0604020202020204" pitchFamily="34" charset="0"/>
+                  <a:cs typeface="Arial" panose="020B0604020202020204" pitchFamily="34" charset="0"/>
+                </a:endParaRPr>
+              </a:p>
+            </p:txBody>
+          </p:sp>
+        </mc:Choice>
+        <mc:Fallback>
+          <p:sp>
+            <p:nvSpPr>
+              <p:cNvPr id="45" name="文本框 44">
+                <a:extLst>
+                  <a:ext uri="{FF2B5EF4-FFF2-40B4-BE49-F238E27FC236}">
+                    <a16:creationId xmlns:a16="http://schemas.microsoft.com/office/drawing/2014/main" id="{FC479778-CC57-5882-7271-F04B6091037E}"/>
+                  </a:ext>
+                </a:extLst>
+              </p:cNvPr>
+              <p:cNvSpPr txBox="1">
+                <a:spLocks noRot="1" noChangeAspect="1" noMove="1" noResize="1" noEditPoints="1" noAdjustHandles="1" noChangeArrowheads="1" noChangeShapeType="1" noTextEdit="1"/>
+              </p:cNvSpPr>
+              <p:nvPr/>
+            </p:nvSpPr>
+            <p:spPr>
+              <a:xfrm>
+                <a:off x="10359025" y="1667497"/>
+                <a:ext cx="591830" cy="769441"/>
+              </a:xfrm>
+              <a:prstGeom prst="rect">
+                <a:avLst/>
+              </a:prstGeom>
+              <a:blipFill>
+                <a:blip r:embed="rId19"/>
+                <a:stretch>
+                  <a:fillRect t="-794"/>
+                </a:stretch>
+              </a:blipFill>
+            </p:spPr>
+            <p:txBody>
+              <a:bodyPr/>
+              <a:lstStyle/>
+              <a:p>
+                <a:r>
+                  <a:rPr lang="zh-CN" altLang="en-US">
+                    <a:noFill/>
+                  </a:rPr>
+                  <a:t> </a:t>
+                </a:r>
+              </a:p>
+            </p:txBody>
+          </p:sp>
+        </mc:Fallback>
+      </mc:AlternateContent>
+      <p:sp>
+        <p:nvSpPr>
+          <p:cNvPr id="46" name="椭圆 45">
+            <a:extLst>
+              <a:ext uri="{FF2B5EF4-FFF2-40B4-BE49-F238E27FC236}">
+                <a16:creationId xmlns:a16="http://schemas.microsoft.com/office/drawing/2014/main" id="{FE26F01E-F500-F616-42CB-87656AAA5DDE}"/>
+              </a:ext>
+            </a:extLst>
+          </p:cNvPr>
+          <p:cNvSpPr/>
+          <p:nvPr/>
+        </p:nvSpPr>
+        <p:spPr>
+          <a:xfrm>
+            <a:off x="8903141" y="2748435"/>
+            <a:ext cx="508883" cy="508883"/>
+          </a:xfrm>
+          <a:prstGeom prst="ellipse">
+            <a:avLst/>
+          </a:prstGeom>
+          <a:noFill/>
+        </p:spPr>
+        <p:style>
+          <a:lnRef idx="2">
+            <a:schemeClr val="accent1">
+              <a:shade val="15000"/>
+            </a:schemeClr>
+          </a:lnRef>
+          <a:fillRef idx="1">
+            <a:schemeClr val="accent1"/>
+          </a:fillRef>
+          <a:effectRef idx="0">
+            <a:schemeClr val="accent1"/>
+          </a:effectRef>
+          <a:fontRef idx="minor">
+            <a:schemeClr val="lt1"/>
+          </a:fontRef>
+        </p:style>
+        <p:txBody>
+          <a:bodyPr wrap="none" rtlCol="0" anchor="ctr"/>
+          <a:lstStyle/>
+          <a:p>
+            <a:pPr algn="ctr"/>
+            <a:r>
+              <a:rPr lang="en-US" altLang="zh-CN" dirty="0">
+                <a:solidFill>
+                  <a:schemeClr val="tx1"/>
+                </a:solidFill>
+                <a:latin typeface="Arial" panose="020B0604020202020204" pitchFamily="34" charset="0"/>
+                <a:cs typeface="Arial" panose="020B0604020202020204" pitchFamily="34" charset="0"/>
+              </a:rPr>
+              <a:t>20</a:t>
+            </a:r>
+            <a:endParaRPr lang="zh-CN" altLang="en-US" dirty="0">
+              <a:solidFill>
+                <a:schemeClr val="tx1"/>
+              </a:solidFill>
+              <a:latin typeface="Arial" panose="020B0604020202020204" pitchFamily="34" charset="0"/>
+              <a:cs typeface="Arial" panose="020B0604020202020204" pitchFamily="34" charset="0"/>
+            </a:endParaRPr>
+          </a:p>
+        </p:txBody>
+      </p:sp>
+      <mc:AlternateContent xmlns:mc="http://schemas.openxmlformats.org/markup-compatibility/2006">
+        <mc:Choice xmlns:a14="http://schemas.microsoft.com/office/drawing/2010/main" Requires="a14">
+          <p:sp>
+            <p:nvSpPr>
+              <p:cNvPr id="47" name="文本框 46">
+                <a:extLst>
+                  <a:ext uri="{FF2B5EF4-FFF2-40B4-BE49-F238E27FC236}">
+                    <a16:creationId xmlns:a16="http://schemas.microsoft.com/office/drawing/2014/main" id="{0025D948-D239-17A5-547A-78278EB06584}"/>
+                  </a:ext>
+                </a:extLst>
+              </p:cNvPr>
+              <p:cNvSpPr txBox="1"/>
+              <p:nvPr/>
+            </p:nvSpPr>
+            <p:spPr>
+              <a:xfrm>
+                <a:off x="9140001" y="2402093"/>
+                <a:ext cx="1250663" cy="938719"/>
+              </a:xfrm>
+              <a:prstGeom prst="rect">
+                <a:avLst/>
+              </a:prstGeom>
+              <a:noFill/>
+            </p:spPr>
+            <p:txBody>
+              <a:bodyPr wrap="none" rtlCol="0">
+                <a:spAutoFit/>
+              </a:bodyPr>
+              <a:lstStyle/>
+              <a:p>
+                <a:pPr algn="ctr"/>
+                <a:r>
+                  <a:rPr lang="en-US" altLang="zh-CN" sz="1100" dirty="0">
+                    <a:latin typeface="Arial" panose="020B0604020202020204" pitchFamily="34" charset="0"/>
+                    <a:cs typeface="Arial" panose="020B0604020202020204" pitchFamily="34" charset="0"/>
+                  </a:rPr>
+                  <a:t>Suita Campus,</a:t>
+                </a:r>
+              </a:p>
+              <a:p>
+                <a:pPr algn="ctr"/>
+                <a:r>
+                  <a:rPr lang="en-US" altLang="zh-CN" sz="1100" dirty="0">
+                    <a:latin typeface="Arial" panose="020B0604020202020204" pitchFamily="34" charset="0"/>
+                    <a:cs typeface="Arial" panose="020B0604020202020204" pitchFamily="34" charset="0"/>
+                  </a:rPr>
+                  <a:t>Osaka University</a:t>
+                </a:r>
+              </a:p>
+              <a:p>
+                <a:pPr algn="ctr"/>
+                <a14:m>
+                  <m:oMathPara xmlns:m="http://schemas.openxmlformats.org/officeDocument/2006/math">
+                    <m:oMathParaPr>
+                      <m:jc m:val="centerGroup"/>
+                    </m:oMathParaPr>
+                    <m:oMath xmlns:m="http://schemas.openxmlformats.org/officeDocument/2006/math">
+                      <m:r>
+                        <a:rPr lang="en-US" altLang="zh-CN" sz="1100" b="0" i="1" smtClean="0">
+                          <a:latin typeface="Cambria Math" panose="02040503050406030204" pitchFamily="18" charset="0"/>
+                        </a:rPr>
+                        <m:t>𝜖</m:t>
+                      </m:r>
+                    </m:oMath>
+                  </m:oMathPara>
+                </a14:m>
+                <a:endParaRPr lang="en-US" altLang="zh-CN" sz="1100" dirty="0">
+                  <a:latin typeface="Arial" panose="020B0604020202020204" pitchFamily="34" charset="0"/>
+                  <a:cs typeface="Arial" panose="020B0604020202020204" pitchFamily="34" charset="0"/>
+                </a:endParaRPr>
+              </a:p>
+              <a:p>
+                <a:pPr algn="ctr"/>
+                <a14:m>
+                  <m:oMathPara xmlns:m="http://schemas.openxmlformats.org/officeDocument/2006/math">
+                    <m:oMathParaPr>
+                      <m:jc m:val="centerGroup"/>
+                    </m:oMathParaPr>
+                    <m:oMath xmlns:m="http://schemas.openxmlformats.org/officeDocument/2006/math">
+                      <m:r>
+                        <a:rPr lang="en-US" altLang="zh-CN" sz="1100" b="0" i="1" smtClean="0">
+                          <a:latin typeface="Cambria Math" panose="02040503050406030204" pitchFamily="18" charset="0"/>
+                        </a:rPr>
+                        <m:t>6879</m:t>
+                      </m:r>
+                    </m:oMath>
+                  </m:oMathPara>
+                </a14:m>
+                <a:endParaRPr lang="en-US" altLang="zh-CN" sz="1100" dirty="0">
+                  <a:latin typeface="Arial" panose="020B0604020202020204" pitchFamily="34" charset="0"/>
+                  <a:cs typeface="Arial" panose="020B0604020202020204" pitchFamily="34" charset="0"/>
+                </a:endParaRPr>
+              </a:p>
+              <a:p>
+                <a:pPr algn="ctr"/>
+                <a14:m>
+                  <m:oMathPara xmlns:m="http://schemas.openxmlformats.org/officeDocument/2006/math">
+                    <m:oMathParaPr>
+                      <m:jc m:val="centerGroup"/>
+                    </m:oMathParaPr>
+                    <m:oMath xmlns:m="http://schemas.openxmlformats.org/officeDocument/2006/math">
+                      <m:r>
+                        <a:rPr lang="en-US" altLang="zh-CN" sz="1100" b="0" i="1" smtClean="0">
+                          <a:latin typeface="Cambria Math" panose="02040503050406030204" pitchFamily="18" charset="0"/>
+                        </a:rPr>
+                        <m:t>𝜖</m:t>
+                      </m:r>
+                    </m:oMath>
+                  </m:oMathPara>
+                </a14:m>
+                <a:endParaRPr lang="zh-CN" altLang="en-US" sz="1100" dirty="0">
+                  <a:latin typeface="Arial" panose="020B0604020202020204" pitchFamily="34" charset="0"/>
+                  <a:cs typeface="Arial" panose="020B0604020202020204" pitchFamily="34" charset="0"/>
+                </a:endParaRPr>
+              </a:p>
+            </p:txBody>
+          </p:sp>
+        </mc:Choice>
+        <mc:Fallback>
+          <p:sp>
+            <p:nvSpPr>
+              <p:cNvPr id="47" name="文本框 46">
+                <a:extLst>
+                  <a:ext uri="{FF2B5EF4-FFF2-40B4-BE49-F238E27FC236}">
+                    <a16:creationId xmlns:a16="http://schemas.microsoft.com/office/drawing/2014/main" id="{0025D948-D239-17A5-547A-78278EB06584}"/>
+                  </a:ext>
+                </a:extLst>
+              </p:cNvPr>
+              <p:cNvSpPr txBox="1">
+                <a:spLocks noRot="1" noChangeAspect="1" noMove="1" noResize="1" noEditPoints="1" noAdjustHandles="1" noChangeArrowheads="1" noChangeShapeType="1" noTextEdit="1"/>
+              </p:cNvSpPr>
+              <p:nvPr/>
+            </p:nvSpPr>
+            <p:spPr>
+              <a:xfrm>
+                <a:off x="9140001" y="2402093"/>
+                <a:ext cx="1250663" cy="938719"/>
+              </a:xfrm>
+              <a:prstGeom prst="rect">
+                <a:avLst/>
+              </a:prstGeom>
+              <a:blipFill>
+                <a:blip r:embed="rId20"/>
+                <a:stretch>
+                  <a:fillRect t="-649"/>
+                </a:stretch>
+              </a:blipFill>
+            </p:spPr>
+            <p:txBody>
+              <a:bodyPr/>
+              <a:lstStyle/>
+              <a:p>
+                <a:r>
+                  <a:rPr lang="zh-CN" altLang="en-US">
+                    <a:noFill/>
+                  </a:rPr>
+                  <a:t> </a:t>
+                </a:r>
+              </a:p>
+            </p:txBody>
+          </p:sp>
+        </mc:Fallback>
+      </mc:AlternateContent>
+      <p:sp>
+        <p:nvSpPr>
+          <p:cNvPr id="48" name="椭圆 47">
+            <a:extLst>
+              <a:ext uri="{FF2B5EF4-FFF2-40B4-BE49-F238E27FC236}">
+                <a16:creationId xmlns:a16="http://schemas.microsoft.com/office/drawing/2014/main" id="{22353F32-CEC6-6F15-DE50-C161CA0810F1}"/>
+              </a:ext>
+            </a:extLst>
+          </p:cNvPr>
+          <p:cNvSpPr/>
+          <p:nvPr/>
+        </p:nvSpPr>
+        <p:spPr>
+          <a:xfrm>
+            <a:off x="8396380" y="3533867"/>
+            <a:ext cx="508883" cy="508883"/>
+          </a:xfrm>
+          <a:prstGeom prst="ellipse">
+            <a:avLst/>
+          </a:prstGeom>
+          <a:solidFill>
+            <a:schemeClr val="accent2"/>
+          </a:solidFill>
+          <a:ln>
+            <a:solidFill>
+              <a:schemeClr val="tx1"/>
+            </a:solidFill>
+          </a:ln>
+        </p:spPr>
+        <p:style>
+          <a:lnRef idx="2">
+            <a:schemeClr val="accent1">
+              <a:shade val="15000"/>
+            </a:schemeClr>
+          </a:lnRef>
+          <a:fillRef idx="1">
+            <a:schemeClr val="accent1"/>
+          </a:fillRef>
+          <a:effectRef idx="0">
+            <a:schemeClr val="accent1"/>
+          </a:effectRef>
+          <a:fontRef idx="minor">
+            <a:schemeClr val="lt1"/>
+          </a:fontRef>
+        </p:style>
+        <p:txBody>
+          <a:bodyPr wrap="none" rtlCol="0" anchor="ctr"/>
+          <a:lstStyle/>
+          <a:p>
+            <a:pPr algn="ctr"/>
+            <a:r>
+              <a:rPr lang="en-US" altLang="zh-CN" dirty="0">
+                <a:latin typeface="Arial" panose="020B0604020202020204" pitchFamily="34" charset="0"/>
+                <a:cs typeface="Arial" panose="020B0604020202020204" pitchFamily="34" charset="0"/>
+              </a:rPr>
+              <a:t>21</a:t>
+            </a:r>
+            <a:endParaRPr lang="zh-CN" altLang="en-US" dirty="0">
+              <a:latin typeface="Arial" panose="020B0604020202020204" pitchFamily="34" charset="0"/>
+              <a:cs typeface="Arial" panose="020B0604020202020204" pitchFamily="34" charset="0"/>
+            </a:endParaRPr>
+          </a:p>
+        </p:txBody>
+      </p:sp>
+      <mc:AlternateContent xmlns:mc="http://schemas.openxmlformats.org/markup-compatibility/2006">
+        <mc:Choice xmlns:a14="http://schemas.microsoft.com/office/drawing/2010/main" Requires="a14">
+          <p:sp>
+            <p:nvSpPr>
+              <p:cNvPr id="49" name="文本框 48">
+                <a:extLst>
+                  <a:ext uri="{FF2B5EF4-FFF2-40B4-BE49-F238E27FC236}">
+                    <a16:creationId xmlns:a16="http://schemas.microsoft.com/office/drawing/2014/main" id="{CB0D9DD3-2EE4-2D3E-C7CE-93175C975049}"/>
+                  </a:ext>
+                </a:extLst>
+              </p:cNvPr>
+              <p:cNvSpPr txBox="1"/>
+              <p:nvPr/>
+            </p:nvSpPr>
+            <p:spPr>
+              <a:xfrm>
+                <a:off x="7898259" y="4066889"/>
+                <a:ext cx="1547218" cy="600164"/>
+              </a:xfrm>
+              <a:prstGeom prst="rect">
+                <a:avLst/>
+              </a:prstGeom>
+              <a:noFill/>
+            </p:spPr>
+            <p:txBody>
+              <a:bodyPr wrap="none" rtlCol="0">
+                <a:spAutoFit/>
+              </a:bodyPr>
+              <a:lstStyle/>
+              <a:p>
+                <a:pPr algn="ctr"/>
+                <a:r>
+                  <a:rPr lang="en-US" altLang="zh-CN" sz="1100" dirty="0">
+                    <a:latin typeface="Arial" panose="020B0604020202020204" pitchFamily="34" charset="0"/>
+                    <a:cs typeface="Arial" panose="020B0604020202020204" pitchFamily="34" charset="0"/>
+                  </a:rPr>
+                  <a:t>Graduate School of</a:t>
+                </a:r>
+              </a:p>
+              <a:p>
+                <a:pPr algn="ctr"/>
+                <a:r>
+                  <a:rPr lang="en-US" altLang="zh-CN" sz="1100" dirty="0">
+                    <a:latin typeface="Arial" panose="020B0604020202020204" pitchFamily="34" charset="0"/>
+                    <a:cs typeface="Arial" panose="020B0604020202020204" pitchFamily="34" charset="0"/>
+                  </a:rPr>
+                  <a:t>IST, Osaka University</a:t>
+                </a:r>
+              </a:p>
+              <a:p>
+                <a:pPr algn="ctr"/>
+                <a14:m>
+                  <m:oMathPara xmlns:m="http://schemas.openxmlformats.org/officeDocument/2006/math">
+                    <m:oMathParaPr>
+                      <m:jc m:val="centerGroup"/>
+                    </m:oMathParaPr>
+                    <m:oMath xmlns:m="http://schemas.openxmlformats.org/officeDocument/2006/math">
+                      <m:r>
+                        <a:rPr lang="en-US" altLang="zh-CN" sz="1100" i="1" dirty="0" smtClean="0">
+                          <a:latin typeface="Cambria Math" panose="02040503050406030204" pitchFamily="18" charset="0"/>
+                        </a:rPr>
+                        <m:t>4508</m:t>
+                      </m:r>
+                    </m:oMath>
+                  </m:oMathPara>
+                </a14:m>
+                <a:endParaRPr lang="en-US" altLang="zh-CN" sz="1100" dirty="0">
+                  <a:latin typeface="Arial" panose="020B0604020202020204" pitchFamily="34" charset="0"/>
+                  <a:cs typeface="Arial" panose="020B0604020202020204" pitchFamily="34" charset="0"/>
+                </a:endParaRPr>
+              </a:p>
+            </p:txBody>
+          </p:sp>
+        </mc:Choice>
+        <mc:Fallback>
+          <p:sp>
+            <p:nvSpPr>
+              <p:cNvPr id="49" name="文本框 48">
+                <a:extLst>
+                  <a:ext uri="{FF2B5EF4-FFF2-40B4-BE49-F238E27FC236}">
+                    <a16:creationId xmlns:a16="http://schemas.microsoft.com/office/drawing/2014/main" id="{CB0D9DD3-2EE4-2D3E-C7CE-93175C975049}"/>
+                  </a:ext>
+                </a:extLst>
+              </p:cNvPr>
+              <p:cNvSpPr txBox="1">
+                <a:spLocks noRot="1" noChangeAspect="1" noMove="1" noResize="1" noEditPoints="1" noAdjustHandles="1" noChangeArrowheads="1" noChangeShapeType="1" noTextEdit="1"/>
+              </p:cNvSpPr>
+              <p:nvPr/>
+            </p:nvSpPr>
+            <p:spPr>
+              <a:xfrm>
+                <a:off x="7898259" y="4066889"/>
+                <a:ext cx="1547218" cy="600164"/>
+              </a:xfrm>
+              <a:prstGeom prst="rect">
+                <a:avLst/>
+              </a:prstGeom>
+              <a:blipFill>
+                <a:blip r:embed="rId21"/>
+                <a:stretch>
+                  <a:fillRect t="-1010"/>
+                </a:stretch>
+              </a:blipFill>
+            </p:spPr>
+            <p:txBody>
+              <a:bodyPr/>
+              <a:lstStyle/>
+              <a:p>
+                <a:r>
+                  <a:rPr lang="zh-CN" altLang="en-US">
+                    <a:noFill/>
+                  </a:rPr>
+                  <a:t> </a:t>
+                </a:r>
+              </a:p>
+            </p:txBody>
+          </p:sp>
+        </mc:Fallback>
+      </mc:AlternateContent>
+      <p:sp>
+        <p:nvSpPr>
+          <p:cNvPr id="50" name="椭圆 49">
+            <a:extLst>
+              <a:ext uri="{FF2B5EF4-FFF2-40B4-BE49-F238E27FC236}">
+                <a16:creationId xmlns:a16="http://schemas.microsoft.com/office/drawing/2014/main" id="{F5E51400-1105-A28B-AEE9-A0CAE20C0438}"/>
+              </a:ext>
+            </a:extLst>
+          </p:cNvPr>
+          <p:cNvSpPr/>
+          <p:nvPr/>
+        </p:nvSpPr>
+        <p:spPr>
+          <a:xfrm>
+            <a:off x="9907288" y="3533867"/>
+            <a:ext cx="508883" cy="508883"/>
+          </a:xfrm>
+          <a:prstGeom prst="ellipse">
+            <a:avLst/>
+          </a:prstGeom>
+          <a:solidFill>
+            <a:schemeClr val="accent2"/>
+          </a:solidFill>
+          <a:ln>
+            <a:solidFill>
+              <a:schemeClr val="tx1"/>
+            </a:solidFill>
+          </a:ln>
+        </p:spPr>
+        <p:style>
+          <a:lnRef idx="2">
+            <a:schemeClr val="accent1">
+              <a:shade val="15000"/>
+            </a:schemeClr>
+          </a:lnRef>
+          <a:fillRef idx="1">
+            <a:schemeClr val="accent1"/>
+          </a:fillRef>
+          <a:effectRef idx="0">
+            <a:schemeClr val="accent1"/>
+          </a:effectRef>
+          <a:fontRef idx="minor">
+            <a:schemeClr val="lt1"/>
+          </a:fontRef>
+        </p:style>
+        <p:txBody>
+          <a:bodyPr wrap="none" rtlCol="0" anchor="ctr"/>
+          <a:lstStyle/>
+          <a:p>
+            <a:pPr algn="ctr"/>
+            <a:r>
+              <a:rPr lang="en-US" altLang="zh-CN" dirty="0">
+                <a:latin typeface="Arial" panose="020B0604020202020204" pitchFamily="34" charset="0"/>
+                <a:cs typeface="Arial" panose="020B0604020202020204" pitchFamily="34" charset="0"/>
+              </a:rPr>
+              <a:t>22</a:t>
+            </a:r>
+            <a:endParaRPr lang="zh-CN" altLang="en-US" dirty="0">
+              <a:latin typeface="Arial" panose="020B0604020202020204" pitchFamily="34" charset="0"/>
+              <a:cs typeface="Arial" panose="020B0604020202020204" pitchFamily="34" charset="0"/>
+            </a:endParaRPr>
+          </a:p>
+        </p:txBody>
+      </p:sp>
+      <mc:AlternateContent xmlns:mc="http://schemas.openxmlformats.org/markup-compatibility/2006">
+        <mc:Choice xmlns:a14="http://schemas.microsoft.com/office/drawing/2010/main" Requires="a14">
+          <p:sp>
+            <p:nvSpPr>
+              <p:cNvPr id="51" name="文本框 50">
+                <a:extLst>
+                  <a:ext uri="{FF2B5EF4-FFF2-40B4-BE49-F238E27FC236}">
+                    <a16:creationId xmlns:a16="http://schemas.microsoft.com/office/drawing/2014/main" id="{78455789-AF79-A993-0197-327B5C3C030D}"/>
+                  </a:ext>
+                </a:extLst>
+              </p:cNvPr>
+              <p:cNvSpPr txBox="1"/>
+              <p:nvPr/>
+            </p:nvSpPr>
+            <p:spPr>
+              <a:xfrm>
+                <a:off x="9431611" y="4066889"/>
+                <a:ext cx="1502334" cy="769441"/>
+              </a:xfrm>
+              <a:prstGeom prst="rect">
+                <a:avLst/>
+              </a:prstGeom>
+              <a:noFill/>
+            </p:spPr>
+            <p:txBody>
+              <a:bodyPr wrap="none" rtlCol="0">
+                <a:spAutoFit/>
+              </a:bodyPr>
+              <a:lstStyle/>
+              <a:p>
+                <a:pPr algn="ctr"/>
+                <a:r>
+                  <a:rPr lang="en-US" altLang="zh-CN" sz="1100" dirty="0">
+                    <a:latin typeface="Arial" panose="020B0604020202020204" pitchFamily="34" charset="0"/>
+                    <a:cs typeface="Arial" panose="020B0604020202020204" pitchFamily="34" charset="0"/>
+                  </a:rPr>
+                  <a:t>Graduate School of</a:t>
+                </a:r>
+              </a:p>
+              <a:p>
+                <a:pPr algn="ctr"/>
+                <a:r>
+                  <a:rPr lang="en-US" altLang="zh-CN" sz="1100" dirty="0">
+                    <a:latin typeface="Arial" panose="020B0604020202020204" pitchFamily="34" charset="0"/>
+                    <a:cs typeface="Arial" panose="020B0604020202020204" pitchFamily="34" charset="0"/>
+                  </a:rPr>
+                  <a:t>Frontier Biosciences,</a:t>
+                </a:r>
+              </a:p>
+              <a:p>
+                <a:pPr algn="ctr"/>
+                <a:r>
+                  <a:rPr lang="en-US" altLang="zh-CN" sz="1100" dirty="0">
+                    <a:latin typeface="Arial" panose="020B0604020202020204" pitchFamily="34" charset="0"/>
+                    <a:cs typeface="Arial" panose="020B0604020202020204" pitchFamily="34" charset="0"/>
+                  </a:rPr>
+                  <a:t>Osaka University</a:t>
+                </a:r>
+              </a:p>
+              <a:p>
+                <a:pPr algn="ctr"/>
+                <a14:m>
+                  <m:oMathPara xmlns:m="http://schemas.openxmlformats.org/officeDocument/2006/math">
+                    <m:oMathParaPr>
+                      <m:jc m:val="centerGroup"/>
+                    </m:oMathParaPr>
+                    <m:oMath xmlns:m="http://schemas.openxmlformats.org/officeDocument/2006/math">
+                      <m:r>
+                        <a:rPr lang="en-US" altLang="zh-CN" sz="1100" i="1" dirty="0" smtClean="0">
+                          <a:latin typeface="Cambria Math" panose="02040503050406030204" pitchFamily="18" charset="0"/>
+                        </a:rPr>
+                        <m:t>4421</m:t>
+                      </m:r>
+                    </m:oMath>
+                  </m:oMathPara>
+                </a14:m>
+                <a:endParaRPr lang="en-US" altLang="zh-CN" sz="1100" dirty="0">
+                  <a:latin typeface="Arial" panose="020B0604020202020204" pitchFamily="34" charset="0"/>
+                  <a:cs typeface="Arial" panose="020B0604020202020204" pitchFamily="34" charset="0"/>
+                </a:endParaRPr>
+              </a:p>
+            </p:txBody>
+          </p:sp>
+        </mc:Choice>
+        <mc:Fallback>
+          <p:sp>
+            <p:nvSpPr>
+              <p:cNvPr id="51" name="文本框 50">
+                <a:extLst>
+                  <a:ext uri="{FF2B5EF4-FFF2-40B4-BE49-F238E27FC236}">
+                    <a16:creationId xmlns:a16="http://schemas.microsoft.com/office/drawing/2014/main" id="{78455789-AF79-A993-0197-327B5C3C030D}"/>
+                  </a:ext>
+                </a:extLst>
+              </p:cNvPr>
+              <p:cNvSpPr txBox="1">
+                <a:spLocks noRot="1" noChangeAspect="1" noMove="1" noResize="1" noEditPoints="1" noAdjustHandles="1" noChangeArrowheads="1" noChangeShapeType="1" noTextEdit="1"/>
+              </p:cNvSpPr>
+              <p:nvPr/>
+            </p:nvSpPr>
+            <p:spPr>
+              <a:xfrm>
+                <a:off x="9431611" y="4066889"/>
+                <a:ext cx="1502334" cy="769441"/>
+              </a:xfrm>
+              <a:prstGeom prst="rect">
+                <a:avLst/>
+              </a:prstGeom>
+              <a:blipFill>
+                <a:blip r:embed="rId22"/>
+                <a:stretch>
+                  <a:fillRect t="-794"/>
+                </a:stretch>
+              </a:blipFill>
+            </p:spPr>
+            <p:txBody>
+              <a:bodyPr/>
+              <a:lstStyle/>
+              <a:p>
+                <a:r>
+                  <a:rPr lang="zh-CN" altLang="en-US">
+                    <a:noFill/>
+                  </a:rPr>
+                  <a:t> </a:t>
+                </a:r>
+              </a:p>
+            </p:txBody>
+          </p:sp>
+        </mc:Fallback>
+      </mc:AlternateContent>
+      <p:sp>
+        <p:nvSpPr>
+          <p:cNvPr id="52" name="椭圆 51">
+            <a:extLst>
+              <a:ext uri="{FF2B5EF4-FFF2-40B4-BE49-F238E27FC236}">
+                <a16:creationId xmlns:a16="http://schemas.microsoft.com/office/drawing/2014/main" id="{000BE004-02DC-10D1-144E-D44999A0FF43}"/>
+              </a:ext>
+            </a:extLst>
+          </p:cNvPr>
+          <p:cNvSpPr/>
+          <p:nvPr/>
+        </p:nvSpPr>
+        <p:spPr>
+          <a:xfrm>
+            <a:off x="10633891" y="2748435"/>
+            <a:ext cx="508883" cy="508883"/>
+          </a:xfrm>
+          <a:prstGeom prst="ellipse">
+            <a:avLst/>
+          </a:prstGeom>
+          <a:noFill/>
+        </p:spPr>
+        <p:style>
+          <a:lnRef idx="2">
+            <a:schemeClr val="accent1">
+              <a:shade val="15000"/>
+            </a:schemeClr>
+          </a:lnRef>
+          <a:fillRef idx="1">
+            <a:schemeClr val="accent1"/>
+          </a:fillRef>
+          <a:effectRef idx="0">
+            <a:schemeClr val="accent1"/>
+          </a:effectRef>
+          <a:fontRef idx="minor">
+            <a:schemeClr val="lt1"/>
+          </a:fontRef>
+        </p:style>
+        <p:txBody>
+          <a:bodyPr wrap="none" rtlCol="0" anchor="ctr"/>
+          <a:lstStyle/>
+          <a:p>
+            <a:pPr algn="ctr"/>
+            <a:r>
+              <a:rPr lang="en-US" altLang="zh-CN" dirty="0">
+                <a:solidFill>
+                  <a:schemeClr val="tx1"/>
+                </a:solidFill>
+                <a:latin typeface="Arial" panose="020B0604020202020204" pitchFamily="34" charset="0"/>
+                <a:cs typeface="Arial" panose="020B0604020202020204" pitchFamily="34" charset="0"/>
+              </a:rPr>
+              <a:t>23</a:t>
+            </a:r>
+            <a:endParaRPr lang="zh-CN" altLang="en-US" dirty="0">
+              <a:solidFill>
+                <a:schemeClr val="tx1"/>
+              </a:solidFill>
+              <a:latin typeface="Arial" panose="020B0604020202020204" pitchFamily="34" charset="0"/>
+              <a:cs typeface="Arial" panose="020B0604020202020204" pitchFamily="34" charset="0"/>
+            </a:endParaRPr>
+          </a:p>
+        </p:txBody>
+      </p:sp>
+      <p:sp>
+        <p:nvSpPr>
+          <p:cNvPr id="54" name="椭圆 53">
+            <a:extLst>
+              <a:ext uri="{FF2B5EF4-FFF2-40B4-BE49-F238E27FC236}">
+                <a16:creationId xmlns:a16="http://schemas.microsoft.com/office/drawing/2014/main" id="{5E3FB60C-B150-85E2-8DBA-81BAB6F8BE2E}"/>
+              </a:ext>
+            </a:extLst>
+          </p:cNvPr>
+          <p:cNvSpPr/>
+          <p:nvPr/>
+        </p:nvSpPr>
+        <p:spPr>
+          <a:xfrm>
+            <a:off x="11129191" y="3533867"/>
+            <a:ext cx="508883" cy="508883"/>
+          </a:xfrm>
+          <a:prstGeom prst="ellipse">
+            <a:avLst/>
+          </a:prstGeom>
+          <a:solidFill>
+            <a:schemeClr val="accent2"/>
+          </a:solidFill>
+          <a:ln>
+            <a:solidFill>
+              <a:schemeClr val="tx1"/>
+            </a:solidFill>
+          </a:ln>
+        </p:spPr>
+        <p:style>
+          <a:lnRef idx="2">
+            <a:schemeClr val="accent1">
+              <a:shade val="15000"/>
+            </a:schemeClr>
+          </a:lnRef>
+          <a:fillRef idx="1">
+            <a:schemeClr val="accent1"/>
+          </a:fillRef>
+          <a:effectRef idx="0">
+            <a:schemeClr val="accent1"/>
+          </a:effectRef>
+          <a:fontRef idx="minor">
+            <a:schemeClr val="lt1"/>
+          </a:fontRef>
+        </p:style>
+        <p:txBody>
+          <a:bodyPr wrap="none" rtlCol="0" anchor="ctr"/>
+          <a:lstStyle/>
+          <a:p>
+            <a:pPr algn="ctr"/>
+            <a:r>
+              <a:rPr lang="en-US" altLang="zh-CN" dirty="0">
+                <a:latin typeface="Arial" panose="020B0604020202020204" pitchFamily="34" charset="0"/>
+                <a:cs typeface="Arial" panose="020B0604020202020204" pitchFamily="34" charset="0"/>
+              </a:rPr>
+              <a:t>24</a:t>
+            </a:r>
+            <a:endParaRPr lang="zh-CN" altLang="en-US" dirty="0">
+              <a:latin typeface="Arial" panose="020B0604020202020204" pitchFamily="34" charset="0"/>
+              <a:cs typeface="Arial" panose="020B0604020202020204" pitchFamily="34" charset="0"/>
+            </a:endParaRPr>
+          </a:p>
+        </p:txBody>
+      </p:sp>
+      <mc:AlternateContent xmlns:mc="http://schemas.openxmlformats.org/markup-compatibility/2006">
+        <mc:Choice xmlns:a14="http://schemas.microsoft.com/office/drawing/2010/main" Requires="a14">
+          <p:sp>
+            <p:nvSpPr>
+              <p:cNvPr id="55" name="文本框 54">
+                <a:extLst>
+                  <a:ext uri="{FF2B5EF4-FFF2-40B4-BE49-F238E27FC236}">
+                    <a16:creationId xmlns:a16="http://schemas.microsoft.com/office/drawing/2014/main" id="{A16A0344-5B99-5FF3-480B-5CA579DD7050}"/>
+                  </a:ext>
+                </a:extLst>
+              </p:cNvPr>
+              <p:cNvSpPr txBox="1"/>
+              <p:nvPr/>
+            </p:nvSpPr>
+            <p:spPr>
+              <a:xfrm>
+                <a:off x="10833286" y="4066889"/>
+                <a:ext cx="1100691" cy="769441"/>
+              </a:xfrm>
+              <a:prstGeom prst="rect">
+                <a:avLst/>
+              </a:prstGeom>
+              <a:noFill/>
+            </p:spPr>
+            <p:txBody>
+              <a:bodyPr wrap="square" rtlCol="0">
+                <a:spAutoFit/>
+              </a:bodyPr>
+              <a:lstStyle/>
+              <a:p>
+                <a:pPr algn="ctr"/>
+                <a:r>
+                  <a:rPr lang="en-US" altLang="zh-CN" sz="1100" dirty="0">
+                    <a:latin typeface="Arial" panose="020B0604020202020204" pitchFamily="34" charset="0"/>
+                    <a:cs typeface="Arial" panose="020B0604020202020204" pitchFamily="34" charset="0"/>
+                  </a:rPr>
+                  <a:t>Department of </a:t>
+                </a:r>
+              </a:p>
+              <a:p>
+                <a:pPr algn="ctr"/>
+                <a:r>
+                  <a:rPr lang="en-US" altLang="zh-CN" sz="1100" dirty="0">
+                    <a:latin typeface="Arial" panose="020B0604020202020204" pitchFamily="34" charset="0"/>
+                    <a:cs typeface="Arial" panose="020B0604020202020204" pitchFamily="34" charset="0"/>
+                  </a:rPr>
+                  <a:t>ICS, Osaka University</a:t>
+                </a:r>
+              </a:p>
+              <a:p>
+                <a:pPr algn="ctr"/>
+                <a14:m>
+                  <m:oMathPara xmlns:m="http://schemas.openxmlformats.org/officeDocument/2006/math">
+                    <m:oMathParaPr>
+                      <m:jc m:val="centerGroup"/>
+                    </m:oMathParaPr>
+                    <m:oMath xmlns:m="http://schemas.openxmlformats.org/officeDocument/2006/math">
+                      <m:r>
+                        <a:rPr lang="en-US" altLang="zh-CN" sz="1100" i="1" dirty="0" smtClean="0">
+                          <a:latin typeface="Cambria Math" panose="02040503050406030204" pitchFamily="18" charset="0"/>
+                        </a:rPr>
+                        <m:t>6618</m:t>
+                      </m:r>
+                    </m:oMath>
+                  </m:oMathPara>
+                </a14:m>
+                <a:endParaRPr lang="en-US" altLang="zh-CN" sz="1100" dirty="0">
+                  <a:latin typeface="Arial" panose="020B0604020202020204" pitchFamily="34" charset="0"/>
+                  <a:cs typeface="Arial" panose="020B0604020202020204" pitchFamily="34" charset="0"/>
+                </a:endParaRPr>
+              </a:p>
+            </p:txBody>
+          </p:sp>
+        </mc:Choice>
+        <mc:Fallback>
+          <p:sp>
+            <p:nvSpPr>
+              <p:cNvPr id="55" name="文本框 54">
+                <a:extLst>
+                  <a:ext uri="{FF2B5EF4-FFF2-40B4-BE49-F238E27FC236}">
+                    <a16:creationId xmlns:a16="http://schemas.microsoft.com/office/drawing/2014/main" id="{A16A0344-5B99-5FF3-480B-5CA579DD7050}"/>
+                  </a:ext>
+                </a:extLst>
+              </p:cNvPr>
+              <p:cNvSpPr txBox="1">
+                <a:spLocks noRot="1" noChangeAspect="1" noMove="1" noResize="1" noEditPoints="1" noAdjustHandles="1" noChangeArrowheads="1" noChangeShapeType="1" noTextEdit="1"/>
+              </p:cNvSpPr>
+              <p:nvPr/>
+            </p:nvSpPr>
+            <p:spPr>
+              <a:xfrm>
+                <a:off x="10833286" y="4066889"/>
+                <a:ext cx="1100691" cy="769441"/>
+              </a:xfrm>
+              <a:prstGeom prst="rect">
+                <a:avLst/>
+              </a:prstGeom>
+              <a:blipFill>
+                <a:blip r:embed="rId23"/>
+                <a:stretch>
+                  <a:fillRect t="-794" r="-1105"/>
+                </a:stretch>
+              </a:blipFill>
+            </p:spPr>
+            <p:txBody>
+              <a:bodyPr/>
+              <a:lstStyle/>
+              <a:p>
+                <a:r>
+                  <a:rPr lang="zh-CN" altLang="en-US">
+                    <a:noFill/>
+                  </a:rPr>
+                  <a:t> </a:t>
+                </a:r>
+              </a:p>
+            </p:txBody>
+          </p:sp>
+        </mc:Fallback>
+      </mc:AlternateContent>
+      <p:sp>
+        <p:nvSpPr>
+          <p:cNvPr id="56" name="矩形 55">
+            <a:extLst>
+              <a:ext uri="{FF2B5EF4-FFF2-40B4-BE49-F238E27FC236}">
+                <a16:creationId xmlns:a16="http://schemas.microsoft.com/office/drawing/2014/main" id="{022E4B46-40DF-1FD0-1645-C57EC20D1B94}"/>
+              </a:ext>
+            </a:extLst>
+          </p:cNvPr>
+          <p:cNvSpPr/>
+          <p:nvPr/>
+        </p:nvSpPr>
+        <p:spPr>
+          <a:xfrm>
+            <a:off x="4594860" y="5006340"/>
+            <a:ext cx="2362553" cy="1394460"/>
+          </a:xfrm>
+          <a:prstGeom prst="rect">
+            <a:avLst/>
+          </a:prstGeom>
+          <a:solidFill>
+            <a:schemeClr val="bg1"/>
+          </a:solidFill>
+        </p:spPr>
+        <p:style>
+          <a:lnRef idx="2">
+            <a:schemeClr val="accent1">
+              <a:shade val="15000"/>
+            </a:schemeClr>
+          </a:lnRef>
+          <a:fillRef idx="1">
+            <a:schemeClr val="accent1"/>
+          </a:fillRef>
+          <a:effectRef idx="0">
+            <a:schemeClr val="accent1"/>
+          </a:effectRef>
+          <a:fontRef idx="minor">
+            <a:schemeClr val="lt1"/>
+          </a:fontRef>
+        </p:style>
+        <p:txBody>
+          <a:bodyPr rtlCol="0" anchor="ctr"/>
+          <a:lstStyle/>
+          <a:p>
+            <a:pPr algn="ctr"/>
+            <a:endParaRPr lang="zh-CN" altLang="en-US" dirty="0">
+              <a:latin typeface="Arial" panose="020B0604020202020204" pitchFamily="34" charset="0"/>
+              <a:cs typeface="Arial" panose="020B0604020202020204" pitchFamily="34" charset="0"/>
+            </a:endParaRPr>
+          </a:p>
+        </p:txBody>
+      </p:sp>
+      <p:sp>
+        <p:nvSpPr>
+          <p:cNvPr id="57" name="文本框 56">
+            <a:extLst>
+              <a:ext uri="{FF2B5EF4-FFF2-40B4-BE49-F238E27FC236}">
+                <a16:creationId xmlns:a16="http://schemas.microsoft.com/office/drawing/2014/main" id="{32C3782B-E87F-484A-69B8-5C15F4C1FBA9}"/>
+              </a:ext>
+            </a:extLst>
+          </p:cNvPr>
+          <p:cNvSpPr txBox="1"/>
+          <p:nvPr/>
+        </p:nvSpPr>
+        <p:spPr>
+          <a:xfrm>
+            <a:off x="4544089" y="4647145"/>
+            <a:ext cx="954107" cy="369332"/>
+          </a:xfrm>
+          <a:prstGeom prst="rect">
+            <a:avLst/>
+          </a:prstGeom>
+          <a:noFill/>
+        </p:spPr>
+        <p:txBody>
+          <a:bodyPr wrap="none" rtlCol="0">
+            <a:spAutoFit/>
+          </a:bodyPr>
+          <a:lstStyle/>
+          <a:p>
+            <a:r>
+              <a:rPr lang="en-US" altLang="zh-CN" dirty="0">
+                <a:latin typeface="Arial" panose="020B0604020202020204" pitchFamily="34" charset="0"/>
+                <a:cs typeface="Arial" panose="020B0604020202020204" pitchFamily="34" charset="0"/>
+              </a:rPr>
+              <a:t>Legend</a:t>
+            </a:r>
+            <a:endParaRPr lang="zh-CN" altLang="en-US" dirty="0">
+              <a:latin typeface="Arial" panose="020B0604020202020204" pitchFamily="34" charset="0"/>
+              <a:cs typeface="Arial" panose="020B0604020202020204" pitchFamily="34" charset="0"/>
+            </a:endParaRPr>
+          </a:p>
+        </p:txBody>
+      </p:sp>
+      <p:sp>
+        <p:nvSpPr>
+          <p:cNvPr id="58" name="椭圆 57">
+            <a:extLst>
+              <a:ext uri="{FF2B5EF4-FFF2-40B4-BE49-F238E27FC236}">
+                <a16:creationId xmlns:a16="http://schemas.microsoft.com/office/drawing/2014/main" id="{91719371-3E5E-D1D6-F7E1-2CFDF1B56232}"/>
+              </a:ext>
+            </a:extLst>
+          </p:cNvPr>
+          <p:cNvSpPr/>
+          <p:nvPr/>
+        </p:nvSpPr>
+        <p:spPr>
+          <a:xfrm>
+            <a:off x="4684778" y="5328844"/>
+            <a:ext cx="508883" cy="508883"/>
+          </a:xfrm>
+          <a:prstGeom prst="ellipse">
+            <a:avLst/>
+          </a:prstGeom>
+          <a:noFill/>
+        </p:spPr>
+        <p:style>
+          <a:lnRef idx="2">
+            <a:schemeClr val="accent1">
+              <a:shade val="15000"/>
+            </a:schemeClr>
+          </a:lnRef>
+          <a:fillRef idx="1">
+            <a:schemeClr val="accent1"/>
+          </a:fillRef>
+          <a:effectRef idx="0">
+            <a:schemeClr val="accent1"/>
+          </a:effectRef>
+          <a:fontRef idx="minor">
+            <a:schemeClr val="lt1"/>
+          </a:fontRef>
+        </p:style>
+        <p:txBody>
+          <a:bodyPr wrap="none" rtlCol="0" anchor="ctr"/>
+          <a:lstStyle/>
+          <a:p>
+            <a:pPr algn="ctr"/>
+            <a:r>
+              <a:rPr lang="en-US" altLang="zh-CN" sz="1400" dirty="0">
+                <a:solidFill>
+                  <a:schemeClr val="tx1"/>
+                </a:solidFill>
+                <a:latin typeface="Arial" panose="020B0604020202020204" pitchFamily="34" charset="0"/>
+                <a:cs typeface="Arial" panose="020B0604020202020204" pitchFamily="34" charset="0"/>
+              </a:rPr>
+              <a:t>Index</a:t>
+            </a:r>
+            <a:endParaRPr lang="zh-CN" altLang="en-US" sz="1400" dirty="0">
+              <a:solidFill>
+                <a:schemeClr val="tx1"/>
+              </a:solidFill>
+              <a:latin typeface="Arial" panose="020B0604020202020204" pitchFamily="34" charset="0"/>
+              <a:cs typeface="Arial" panose="020B0604020202020204" pitchFamily="34" charset="0"/>
+            </a:endParaRPr>
+          </a:p>
+        </p:txBody>
+      </p:sp>
+      <mc:AlternateContent xmlns:mc="http://schemas.openxmlformats.org/markup-compatibility/2006">
+        <mc:Choice xmlns:a14="http://schemas.microsoft.com/office/drawing/2010/main" Requires="a14">
+          <p:sp>
+            <p:nvSpPr>
+              <p:cNvPr id="59" name="文本框 58">
+                <a:extLst>
+                  <a:ext uri="{FF2B5EF4-FFF2-40B4-BE49-F238E27FC236}">
+                    <a16:creationId xmlns:a16="http://schemas.microsoft.com/office/drawing/2014/main" id="{7080BB36-4F07-A9A8-FD8C-F3E6C38582D8}"/>
+                  </a:ext>
+                </a:extLst>
+              </p:cNvPr>
+              <p:cNvSpPr txBox="1"/>
+              <p:nvPr/>
+            </p:nvSpPr>
+            <p:spPr>
+              <a:xfrm>
+                <a:off x="5036457" y="5015085"/>
+                <a:ext cx="1119217" cy="938719"/>
+              </a:xfrm>
+              <a:prstGeom prst="rect">
+                <a:avLst/>
+              </a:prstGeom>
+              <a:noFill/>
+            </p:spPr>
+            <p:txBody>
+              <a:bodyPr wrap="none" rtlCol="0">
+                <a:spAutoFit/>
+              </a:bodyPr>
+              <a:lstStyle/>
+              <a:p>
+                <a:pPr algn="ctr"/>
+                <a:r>
+                  <a:rPr lang="en-US" altLang="zh-CN" sz="1100" dirty="0">
+                    <a:latin typeface="Arial" panose="020B0604020202020204" pitchFamily="34" charset="0"/>
+                    <a:cs typeface="Arial" panose="020B0604020202020204" pitchFamily="34" charset="0"/>
+                  </a:rPr>
+                  <a:t>Name of the</a:t>
+                </a:r>
+              </a:p>
+              <a:p>
+                <a:pPr algn="ctr"/>
+                <a:r>
+                  <a:rPr lang="en-US" altLang="zh-CN" sz="1100" dirty="0">
+                    <a:latin typeface="Arial" panose="020B0604020202020204" pitchFamily="34" charset="0"/>
+                    <a:cs typeface="Arial" panose="020B0604020202020204" pitchFamily="34" charset="0"/>
+                  </a:rPr>
+                  <a:t>switching node</a:t>
+                </a:r>
+              </a:p>
+              <a:p>
+                <a:pPr algn="ctr"/>
+                <a14:m>
+                  <m:oMathPara xmlns:m="http://schemas.openxmlformats.org/officeDocument/2006/math">
+                    <m:oMathParaPr>
+                      <m:jc m:val="centerGroup"/>
+                    </m:oMathParaPr>
+                    <m:oMath xmlns:m="http://schemas.openxmlformats.org/officeDocument/2006/math">
+                      <m:sSub>
+                        <m:sSubPr>
+                          <m:ctrlPr>
+                            <a:rPr lang="en-US" altLang="zh-CN" sz="1100" b="0" i="1" smtClean="0">
+                              <a:latin typeface="Cambria Math" panose="02040503050406030204" pitchFamily="18" charset="0"/>
+                            </a:rPr>
+                          </m:ctrlPr>
+                        </m:sSubPr>
+                        <m:e>
+                          <m:r>
+                            <a:rPr lang="en-US" altLang="zh-CN" sz="1100" b="0" i="1" smtClean="0">
+                              <a:latin typeface="Cambria Math" panose="02040503050406030204" pitchFamily="18" charset="0"/>
+                            </a:rPr>
+                            <m:t>𝑏</m:t>
+                          </m:r>
+                        </m:e>
+                        <m:sub>
+                          <m:r>
+                            <a:rPr lang="en-US" altLang="zh-CN" sz="1100" b="0" i="1" smtClean="0">
+                              <a:latin typeface="Cambria Math" panose="02040503050406030204" pitchFamily="18" charset="0"/>
+                            </a:rPr>
+                            <m:t>𝑖</m:t>
+                          </m:r>
+                        </m:sub>
+                      </m:sSub>
+                    </m:oMath>
+                  </m:oMathPara>
+                </a14:m>
+                <a:endParaRPr lang="en-US" altLang="zh-CN" sz="1100" dirty="0">
+                  <a:latin typeface="Arial" panose="020B0604020202020204" pitchFamily="34" charset="0"/>
+                  <a:cs typeface="Arial" panose="020B0604020202020204" pitchFamily="34" charset="0"/>
+                </a:endParaRPr>
+              </a:p>
+              <a:p>
+                <a:pPr algn="ctr"/>
+                <a14:m>
+                  <m:oMathPara xmlns:m="http://schemas.openxmlformats.org/officeDocument/2006/math">
+                    <m:oMathParaPr>
+                      <m:jc m:val="centerGroup"/>
+                    </m:oMathParaPr>
+                    <m:oMath xmlns:m="http://schemas.openxmlformats.org/officeDocument/2006/math">
+                      <m:sSub>
+                        <m:sSubPr>
+                          <m:ctrlPr>
+                            <a:rPr lang="en-US" altLang="zh-CN" sz="1100" b="0" i="1" smtClean="0">
+                              <a:latin typeface="Cambria Math" panose="02040503050406030204" pitchFamily="18" charset="0"/>
+                            </a:rPr>
+                          </m:ctrlPr>
+                        </m:sSubPr>
+                        <m:e>
+                          <m:r>
+                            <a:rPr lang="en-US" altLang="zh-CN" sz="1100" b="0" i="1" smtClean="0">
+                              <a:latin typeface="Cambria Math" panose="02040503050406030204" pitchFamily="18" charset="0"/>
+                            </a:rPr>
+                            <m:t>𝑐</m:t>
+                          </m:r>
+                        </m:e>
+                        <m:sub>
+                          <m:r>
+                            <a:rPr lang="en-US" altLang="zh-CN" sz="1100" b="0" i="1" smtClean="0">
+                              <a:latin typeface="Cambria Math" panose="02040503050406030204" pitchFamily="18" charset="0"/>
+                            </a:rPr>
+                            <m:t>𝑖</m:t>
+                          </m:r>
+                        </m:sub>
+                      </m:sSub>
+                    </m:oMath>
+                  </m:oMathPara>
+                </a14:m>
+                <a:endParaRPr lang="en-US" altLang="zh-CN" sz="1100" dirty="0">
+                  <a:latin typeface="Arial" panose="020B0604020202020204" pitchFamily="34" charset="0"/>
+                  <a:cs typeface="Arial" panose="020B0604020202020204" pitchFamily="34" charset="0"/>
+                </a:endParaRPr>
+              </a:p>
+              <a:p>
+                <a:pPr algn="ctr"/>
+                <a14:m>
+                  <m:oMathPara xmlns:m="http://schemas.openxmlformats.org/officeDocument/2006/math">
+                    <m:oMathParaPr>
+                      <m:jc m:val="centerGroup"/>
+                    </m:oMathParaPr>
+                    <m:oMath xmlns:m="http://schemas.openxmlformats.org/officeDocument/2006/math">
+                      <m:sSub>
+                        <m:sSubPr>
+                          <m:ctrlPr>
+                            <a:rPr lang="en-US" altLang="zh-CN" sz="1100" b="0" i="1" smtClean="0">
+                              <a:latin typeface="Cambria Math" panose="02040503050406030204" pitchFamily="18" charset="0"/>
+                            </a:rPr>
+                          </m:ctrlPr>
+                        </m:sSubPr>
+                        <m:e>
+                          <m:r>
+                            <a:rPr lang="en-US" altLang="zh-CN" sz="1100" b="0" i="1" smtClean="0">
+                              <a:latin typeface="Cambria Math" panose="02040503050406030204" pitchFamily="18" charset="0"/>
+                            </a:rPr>
+                            <m:t>𝑑</m:t>
+                          </m:r>
+                        </m:e>
+                        <m:sub>
+                          <m:r>
+                            <a:rPr lang="en-US" altLang="zh-CN" sz="1100" b="0" i="1" smtClean="0">
+                              <a:latin typeface="Cambria Math" panose="02040503050406030204" pitchFamily="18" charset="0"/>
+                            </a:rPr>
+                            <m:t>𝑖</m:t>
+                          </m:r>
+                        </m:sub>
+                      </m:sSub>
+                    </m:oMath>
+                  </m:oMathPara>
+                </a14:m>
+                <a:endParaRPr lang="zh-CN" altLang="en-US" sz="1100" dirty="0">
+                  <a:latin typeface="Arial" panose="020B0604020202020204" pitchFamily="34" charset="0"/>
+                  <a:cs typeface="Arial" panose="020B0604020202020204" pitchFamily="34" charset="0"/>
+                </a:endParaRPr>
+              </a:p>
+            </p:txBody>
+          </p:sp>
+        </mc:Choice>
+        <mc:Fallback>
+          <p:sp>
+            <p:nvSpPr>
+              <p:cNvPr id="59" name="文本框 58">
+                <a:extLst>
+                  <a:ext uri="{FF2B5EF4-FFF2-40B4-BE49-F238E27FC236}">
+                    <a16:creationId xmlns:a16="http://schemas.microsoft.com/office/drawing/2014/main" id="{7080BB36-4F07-A9A8-FD8C-F3E6C38582D8}"/>
+                  </a:ext>
+                </a:extLst>
+              </p:cNvPr>
+              <p:cNvSpPr txBox="1">
+                <a:spLocks noRot="1" noChangeAspect="1" noMove="1" noResize="1" noEditPoints="1" noAdjustHandles="1" noChangeArrowheads="1" noChangeShapeType="1" noTextEdit="1"/>
+              </p:cNvSpPr>
+              <p:nvPr/>
+            </p:nvSpPr>
+            <p:spPr>
+              <a:xfrm>
+                <a:off x="5036457" y="5015085"/>
+                <a:ext cx="1119217" cy="938719"/>
+              </a:xfrm>
+              <a:prstGeom prst="rect">
+                <a:avLst/>
+              </a:prstGeom>
+              <a:blipFill>
+                <a:blip r:embed="rId24"/>
+                <a:stretch>
+                  <a:fillRect t="-649"/>
+                </a:stretch>
+              </a:blipFill>
+            </p:spPr>
+            <p:txBody>
+              <a:bodyPr/>
+              <a:lstStyle/>
+              <a:p>
+                <a:r>
+                  <a:rPr lang="zh-CN" altLang="en-US">
+                    <a:noFill/>
+                  </a:rPr>
+                  <a:t> </a:t>
+                </a:r>
+              </a:p>
+            </p:txBody>
+          </p:sp>
+        </mc:Fallback>
+      </mc:AlternateContent>
+      <p:sp>
+        <p:nvSpPr>
+          <p:cNvPr id="60" name="椭圆 59">
+            <a:extLst>
+              <a:ext uri="{FF2B5EF4-FFF2-40B4-BE49-F238E27FC236}">
+                <a16:creationId xmlns:a16="http://schemas.microsoft.com/office/drawing/2014/main" id="{30466428-A962-5757-C84D-8B21F676FC1F}"/>
+              </a:ext>
+            </a:extLst>
+          </p:cNvPr>
+          <p:cNvSpPr/>
+          <p:nvPr/>
+        </p:nvSpPr>
+        <p:spPr>
+          <a:xfrm>
+            <a:off x="6124483" y="5096183"/>
+            <a:ext cx="508883" cy="508883"/>
+          </a:xfrm>
+          <a:prstGeom prst="ellipse">
+            <a:avLst/>
+          </a:prstGeom>
+          <a:solidFill>
+            <a:schemeClr val="accent2"/>
+          </a:solidFill>
+          <a:ln>
+            <a:solidFill>
+              <a:schemeClr val="tx1"/>
+            </a:solidFill>
+          </a:ln>
+        </p:spPr>
+        <p:style>
+          <a:lnRef idx="2">
+            <a:schemeClr val="accent1">
+              <a:shade val="15000"/>
+            </a:schemeClr>
+          </a:lnRef>
+          <a:fillRef idx="1">
+            <a:schemeClr val="accent1"/>
+          </a:fillRef>
+          <a:effectRef idx="0">
+            <a:schemeClr val="accent1"/>
+          </a:effectRef>
+          <a:fontRef idx="minor">
+            <a:schemeClr val="lt1"/>
+          </a:fontRef>
+        </p:style>
+        <p:txBody>
+          <a:bodyPr wrap="none" rtlCol="0" anchor="ctr"/>
+          <a:lstStyle/>
+          <a:p>
+            <a:pPr algn="ctr"/>
+            <a:r>
+              <a:rPr lang="en-US" altLang="zh-CN" sz="1400" dirty="0">
+                <a:latin typeface="Arial" panose="020B0604020202020204" pitchFamily="34" charset="0"/>
+                <a:cs typeface="Arial" panose="020B0604020202020204" pitchFamily="34" charset="0"/>
+              </a:rPr>
+              <a:t>Index</a:t>
+            </a:r>
+            <a:endParaRPr lang="zh-CN" altLang="en-US" sz="1400" dirty="0">
+              <a:latin typeface="Arial" panose="020B0604020202020204" pitchFamily="34" charset="0"/>
+              <a:cs typeface="Arial" panose="020B0604020202020204" pitchFamily="34" charset="0"/>
+            </a:endParaRPr>
+          </a:p>
+        </p:txBody>
+      </p:sp>
+      <mc:AlternateContent xmlns:mc="http://schemas.openxmlformats.org/markup-compatibility/2006">
+        <mc:Choice xmlns:a14="http://schemas.microsoft.com/office/drawing/2010/main" Requires="a14">
+          <p:sp>
+            <p:nvSpPr>
+              <p:cNvPr id="61" name="文本框 60">
+                <a:extLst>
+                  <a:ext uri="{FF2B5EF4-FFF2-40B4-BE49-F238E27FC236}">
+                    <a16:creationId xmlns:a16="http://schemas.microsoft.com/office/drawing/2014/main" id="{A43C4EBE-D36F-EAC5-C944-A0F5F764AFE8}"/>
+                  </a:ext>
+                </a:extLst>
+              </p:cNvPr>
+              <p:cNvSpPr txBox="1"/>
+              <p:nvPr/>
+            </p:nvSpPr>
+            <p:spPr>
+              <a:xfrm>
+                <a:off x="5684395" y="5598520"/>
+                <a:ext cx="1345240" cy="600164"/>
+              </a:xfrm>
+              <a:prstGeom prst="rect">
+                <a:avLst/>
+              </a:prstGeom>
+              <a:noFill/>
+            </p:spPr>
+            <p:txBody>
+              <a:bodyPr wrap="none" rtlCol="0">
+                <a:spAutoFit/>
+              </a:bodyPr>
+              <a:lstStyle/>
+              <a:p>
+                <a:pPr algn="ctr"/>
+                <a:r>
+                  <a:rPr lang="en-US" altLang="zh-CN" sz="1100" dirty="0">
+                    <a:latin typeface="Arial" panose="020B0604020202020204" pitchFamily="34" charset="0"/>
+                    <a:cs typeface="Arial" panose="020B0604020202020204" pitchFamily="34" charset="0"/>
+                  </a:rPr>
+                  <a:t>Name of the</a:t>
+                </a:r>
+              </a:p>
+              <a:p>
+                <a:pPr algn="ctr"/>
+                <a:r>
+                  <a:rPr lang="en-US" altLang="zh-CN" sz="1100" dirty="0">
+                    <a:latin typeface="Arial" panose="020B0604020202020204" pitchFamily="34" charset="0"/>
+                    <a:cs typeface="Arial" panose="020B0604020202020204" pitchFamily="34" charset="0"/>
+                  </a:rPr>
+                  <a:t>telephone terminal</a:t>
+                </a:r>
+              </a:p>
+              <a:p>
+                <a:pPr algn="ctr"/>
+                <a14:m>
+                  <m:oMathPara xmlns:m="http://schemas.openxmlformats.org/officeDocument/2006/math">
+                    <m:oMathParaPr>
+                      <m:jc m:val="centerGroup"/>
+                    </m:oMathParaPr>
+                    <m:oMath xmlns:m="http://schemas.openxmlformats.org/officeDocument/2006/math">
+                      <m:sSub>
+                        <m:sSubPr>
+                          <m:ctrlPr>
+                            <a:rPr lang="en-US" altLang="zh-CN" sz="1100" b="0" i="1" smtClean="0">
+                              <a:latin typeface="Cambria Math" panose="02040503050406030204" pitchFamily="18" charset="0"/>
+                            </a:rPr>
+                          </m:ctrlPr>
+                        </m:sSubPr>
+                        <m:e>
+                          <m:r>
+                            <a:rPr lang="en-US" altLang="zh-CN" sz="1100" b="0" i="1" smtClean="0">
+                              <a:latin typeface="Cambria Math" panose="02040503050406030204" pitchFamily="18" charset="0"/>
+                            </a:rPr>
+                            <m:t>𝑎</m:t>
+                          </m:r>
+                        </m:e>
+                        <m:sub>
+                          <m:r>
+                            <a:rPr lang="en-US" altLang="zh-CN" sz="1100" b="0" i="1" smtClean="0">
+                              <a:latin typeface="Cambria Math" panose="02040503050406030204" pitchFamily="18" charset="0"/>
+                            </a:rPr>
+                            <m:t>𝑖</m:t>
+                          </m:r>
+                        </m:sub>
+                      </m:sSub>
+                    </m:oMath>
+                  </m:oMathPara>
+                </a14:m>
+                <a:endParaRPr lang="en-US" altLang="zh-CN" sz="1100" dirty="0">
+                  <a:latin typeface="Arial" panose="020B0604020202020204" pitchFamily="34" charset="0"/>
+                  <a:cs typeface="Arial" panose="020B0604020202020204" pitchFamily="34" charset="0"/>
+                </a:endParaRPr>
+              </a:p>
+            </p:txBody>
+          </p:sp>
+        </mc:Choice>
+        <mc:Fallback>
+          <p:sp>
+            <p:nvSpPr>
+              <p:cNvPr id="61" name="文本框 60">
+                <a:extLst>
+                  <a:ext uri="{FF2B5EF4-FFF2-40B4-BE49-F238E27FC236}">
+                    <a16:creationId xmlns:a16="http://schemas.microsoft.com/office/drawing/2014/main" id="{A43C4EBE-D36F-EAC5-C944-A0F5F764AFE8}"/>
+                  </a:ext>
+                </a:extLst>
+              </p:cNvPr>
+              <p:cNvSpPr txBox="1">
+                <a:spLocks noRot="1" noChangeAspect="1" noMove="1" noResize="1" noEditPoints="1" noAdjustHandles="1" noChangeArrowheads="1" noChangeShapeType="1" noTextEdit="1"/>
+              </p:cNvSpPr>
+              <p:nvPr/>
+            </p:nvSpPr>
+            <p:spPr>
+              <a:xfrm>
+                <a:off x="5684395" y="5598520"/>
+                <a:ext cx="1345240" cy="600164"/>
+              </a:xfrm>
+              <a:prstGeom prst="rect">
+                <a:avLst/>
+              </a:prstGeom>
+              <a:blipFill>
+                <a:blip r:embed="rId25"/>
+                <a:stretch>
+                  <a:fillRect t="-1010"/>
+                </a:stretch>
+              </a:blipFill>
+            </p:spPr>
+            <p:txBody>
+              <a:bodyPr/>
+              <a:lstStyle/>
+              <a:p>
+                <a:r>
+                  <a:rPr lang="zh-CN" altLang="en-US">
+                    <a:noFill/>
+                  </a:rPr>
+                  <a:t> </a:t>
+                </a:r>
+              </a:p>
+            </p:txBody>
+          </p:sp>
+        </mc:Fallback>
+      </mc:AlternateContent>
+      <mc:AlternateContent xmlns:mc="http://schemas.openxmlformats.org/markup-compatibility/2006">
+        <mc:Choice xmlns:a14="http://schemas.microsoft.com/office/drawing/2010/main" Requires="a14">
+          <p:sp>
+            <p:nvSpPr>
+              <p:cNvPr id="62" name="文本框 61">
+                <a:extLst>
+                  <a:ext uri="{FF2B5EF4-FFF2-40B4-BE49-F238E27FC236}">
+                    <a16:creationId xmlns:a16="http://schemas.microsoft.com/office/drawing/2014/main" id="{85CCF62E-A1D1-F9C0-6706-A867D3A8ADC7}"/>
+                  </a:ext>
+                </a:extLst>
+              </p:cNvPr>
+              <p:cNvSpPr txBox="1"/>
+              <p:nvPr/>
+            </p:nvSpPr>
+            <p:spPr>
+              <a:xfrm>
+                <a:off x="4714755" y="6086263"/>
+                <a:ext cx="2122761" cy="276999"/>
+              </a:xfrm>
+              <a:prstGeom prst="rect">
+                <a:avLst/>
+              </a:prstGeom>
+              <a:noFill/>
+            </p:spPr>
+            <p:txBody>
+              <a:bodyPr wrap="none" rtlCol="0">
+                <a:spAutoFit/>
+              </a:bodyPr>
+              <a:lstStyle/>
+              <a:p>
+                <a:pPr algn="ctr"/>
+                <a14:m>
+                  <m:oMath xmlns:m="http://schemas.openxmlformats.org/officeDocument/2006/math">
+                    <m:r>
+                      <a:rPr lang="en-US" altLang="zh-CN" sz="1200" b="0" i="1" smtClean="0">
+                        <a:latin typeface="Cambria Math" panose="02040503050406030204" pitchFamily="18" charset="0"/>
+                      </a:rPr>
+                      <m:t>𝜖</m:t>
+                    </m:r>
+                  </m:oMath>
+                </a14:m>
+                <a:r>
+                  <a:rPr lang="zh-CN" altLang="en-US" sz="1200" dirty="0">
+                    <a:latin typeface="Arial" panose="020B0604020202020204" pitchFamily="34" charset="0"/>
+                    <a:cs typeface="Arial" panose="020B0604020202020204" pitchFamily="34" charset="0"/>
+                  </a:rPr>
+                  <a:t> </a:t>
+                </a:r>
+                <a:r>
+                  <a:rPr lang="en-US" altLang="zh-CN" sz="1200" dirty="0">
+                    <a:latin typeface="Arial" panose="020B0604020202020204" pitchFamily="34" charset="0"/>
+                    <a:cs typeface="Arial" panose="020B0604020202020204" pitchFamily="34" charset="0"/>
+                  </a:rPr>
+                  <a:t>represents an empty string</a:t>
+                </a:r>
+                <a:endParaRPr lang="zh-CN" altLang="en-US" sz="1200" dirty="0">
+                  <a:latin typeface="Arial" panose="020B0604020202020204" pitchFamily="34" charset="0"/>
+                  <a:cs typeface="Arial" panose="020B0604020202020204" pitchFamily="34" charset="0"/>
+                </a:endParaRPr>
+              </a:p>
+            </p:txBody>
+          </p:sp>
+        </mc:Choice>
+        <mc:Fallback>
+          <p:sp>
+            <p:nvSpPr>
+              <p:cNvPr id="62" name="文本框 61">
+                <a:extLst>
+                  <a:ext uri="{FF2B5EF4-FFF2-40B4-BE49-F238E27FC236}">
+                    <a16:creationId xmlns:a16="http://schemas.microsoft.com/office/drawing/2014/main" id="{85CCF62E-A1D1-F9C0-6706-A867D3A8ADC7}"/>
+                  </a:ext>
+                </a:extLst>
+              </p:cNvPr>
+              <p:cNvSpPr txBox="1">
+                <a:spLocks noRot="1" noChangeAspect="1" noMove="1" noResize="1" noEditPoints="1" noAdjustHandles="1" noChangeArrowheads="1" noChangeShapeType="1" noTextEdit="1"/>
+              </p:cNvSpPr>
+              <p:nvPr/>
+            </p:nvSpPr>
+            <p:spPr>
+              <a:xfrm>
+                <a:off x="4714755" y="6086263"/>
+                <a:ext cx="2122761" cy="276999"/>
+              </a:xfrm>
+              <a:prstGeom prst="rect">
+                <a:avLst/>
+              </a:prstGeom>
+              <a:blipFill>
+                <a:blip r:embed="rId26"/>
+                <a:stretch>
+                  <a:fillRect t="-2174" b="-13043"/>
+                </a:stretch>
+              </a:blipFill>
+            </p:spPr>
+            <p:txBody>
+              <a:bodyPr/>
+              <a:lstStyle/>
+              <a:p>
+                <a:r>
+                  <a:rPr lang="zh-CN" altLang="en-US">
+                    <a:noFill/>
+                  </a:rPr>
+                  <a:t> </a:t>
+                </a:r>
+              </a:p>
+            </p:txBody>
+          </p:sp>
+        </mc:Fallback>
+      </mc:AlternateContent>
+      <p:sp>
+        <p:nvSpPr>
+          <p:cNvPr id="63" name="椭圆 62">
+            <a:extLst>
+              <a:ext uri="{FF2B5EF4-FFF2-40B4-BE49-F238E27FC236}">
+                <a16:creationId xmlns:a16="http://schemas.microsoft.com/office/drawing/2014/main" id="{E715A357-2307-4EE8-5DD0-0C1F039B1F41}"/>
+              </a:ext>
+            </a:extLst>
+          </p:cNvPr>
+          <p:cNvSpPr/>
+          <p:nvPr/>
+        </p:nvSpPr>
+        <p:spPr>
+          <a:xfrm>
+            <a:off x="4283456" y="3083072"/>
+            <a:ext cx="508883" cy="508883"/>
+          </a:xfrm>
+          <a:prstGeom prst="ellipse">
+            <a:avLst/>
+          </a:prstGeom>
+          <a:solidFill>
+            <a:schemeClr val="accent2"/>
+          </a:solidFill>
+          <a:ln>
+            <a:solidFill>
+              <a:schemeClr val="tx1"/>
+            </a:solidFill>
+          </a:ln>
+        </p:spPr>
+        <p:style>
+          <a:lnRef idx="2">
+            <a:schemeClr val="accent1">
+              <a:shade val="15000"/>
+            </a:schemeClr>
+          </a:lnRef>
+          <a:fillRef idx="1">
+            <a:schemeClr val="accent1"/>
+          </a:fillRef>
+          <a:effectRef idx="0">
+            <a:schemeClr val="accent1"/>
+          </a:effectRef>
+          <a:fontRef idx="minor">
+            <a:schemeClr val="lt1"/>
+          </a:fontRef>
+        </p:style>
+        <p:txBody>
+          <a:bodyPr wrap="none" rtlCol="0" anchor="ctr"/>
+          <a:lstStyle/>
+          <a:p>
+            <a:pPr algn="ctr"/>
+            <a:r>
+              <a:rPr lang="en-US" altLang="zh-CN" dirty="0">
+                <a:latin typeface="Arial" panose="020B0604020202020204" pitchFamily="34" charset="0"/>
+                <a:cs typeface="Arial" panose="020B0604020202020204" pitchFamily="34" charset="0"/>
+              </a:rPr>
+              <a:t>11</a:t>
+            </a:r>
+            <a:endParaRPr lang="zh-CN" altLang="en-US" dirty="0">
+              <a:latin typeface="Arial" panose="020B0604020202020204" pitchFamily="34" charset="0"/>
+              <a:cs typeface="Arial" panose="020B0604020202020204" pitchFamily="34" charset="0"/>
+            </a:endParaRPr>
+          </a:p>
+        </p:txBody>
+      </p:sp>
+      <mc:AlternateContent xmlns:mc="http://schemas.openxmlformats.org/markup-compatibility/2006">
+        <mc:Choice xmlns:a14="http://schemas.microsoft.com/office/drawing/2010/main" Requires="a14">
+          <p:sp>
+            <p:nvSpPr>
+              <p:cNvPr id="64" name="文本框 63">
+                <a:extLst>
+                  <a:ext uri="{FF2B5EF4-FFF2-40B4-BE49-F238E27FC236}">
+                    <a16:creationId xmlns:a16="http://schemas.microsoft.com/office/drawing/2014/main" id="{59824647-7631-01F4-F729-00988A1F5A66}"/>
+                  </a:ext>
+                </a:extLst>
+              </p:cNvPr>
+              <p:cNvSpPr txBox="1"/>
+              <p:nvPr/>
+            </p:nvSpPr>
+            <p:spPr>
+              <a:xfrm>
+                <a:off x="3843847" y="3616094"/>
+                <a:ext cx="1430200" cy="600164"/>
+              </a:xfrm>
+              <a:prstGeom prst="rect">
+                <a:avLst/>
+              </a:prstGeom>
+              <a:noFill/>
+            </p:spPr>
+            <p:txBody>
+              <a:bodyPr wrap="none" rtlCol="0">
+                <a:spAutoFit/>
+              </a:bodyPr>
+              <a:lstStyle/>
+              <a:p>
+                <a:pPr algn="ctr"/>
+                <a:r>
+                  <a:rPr lang="en-US" altLang="zh-CN" sz="1100" dirty="0">
+                    <a:latin typeface="Arial" panose="020B0604020202020204" pitchFamily="34" charset="0"/>
+                    <a:cs typeface="Arial" panose="020B0604020202020204" pitchFamily="34" charset="0"/>
+                  </a:rPr>
+                  <a:t>Computer Academy</a:t>
+                </a:r>
+              </a:p>
+              <a:p>
+                <a:pPr algn="ctr"/>
+                <a:r>
+                  <a:rPr lang="en-US" altLang="zh-CN" sz="1100" dirty="0">
+                    <a:latin typeface="Arial" panose="020B0604020202020204" pitchFamily="34" charset="0"/>
+                    <a:cs typeface="Arial" panose="020B0604020202020204" pitchFamily="34" charset="0"/>
+                  </a:rPr>
+                  <a:t>of Guangdong</a:t>
+                </a:r>
+              </a:p>
+              <a:p>
+                <a:pPr algn="ctr"/>
+                <a14:m>
+                  <m:oMathPara xmlns:m="http://schemas.openxmlformats.org/officeDocument/2006/math">
+                    <m:oMathParaPr>
+                      <m:jc m:val="centerGroup"/>
+                    </m:oMathParaPr>
+                    <m:oMath xmlns:m="http://schemas.openxmlformats.org/officeDocument/2006/math">
+                      <m:r>
+                        <a:rPr lang="en-US" altLang="zh-CN" sz="1100" i="1" dirty="0" smtClean="0">
+                          <a:latin typeface="Cambria Math" panose="02040503050406030204" pitchFamily="18" charset="0"/>
+                        </a:rPr>
+                        <m:t>83561784</m:t>
+                      </m:r>
+                    </m:oMath>
+                  </m:oMathPara>
+                </a14:m>
+                <a:endParaRPr lang="en-US" altLang="zh-CN" sz="1100" dirty="0">
+                  <a:latin typeface="Arial" panose="020B0604020202020204" pitchFamily="34" charset="0"/>
+                  <a:cs typeface="Arial" panose="020B0604020202020204" pitchFamily="34" charset="0"/>
+                </a:endParaRPr>
+              </a:p>
+            </p:txBody>
+          </p:sp>
+        </mc:Choice>
+        <mc:Fallback>
+          <p:sp>
+            <p:nvSpPr>
+              <p:cNvPr id="64" name="文本框 63">
+                <a:extLst>
+                  <a:ext uri="{FF2B5EF4-FFF2-40B4-BE49-F238E27FC236}">
+                    <a16:creationId xmlns:a16="http://schemas.microsoft.com/office/drawing/2014/main" id="{59824647-7631-01F4-F729-00988A1F5A66}"/>
+                  </a:ext>
+                </a:extLst>
+              </p:cNvPr>
+              <p:cNvSpPr txBox="1">
+                <a:spLocks noRot="1" noChangeAspect="1" noMove="1" noResize="1" noEditPoints="1" noAdjustHandles="1" noChangeArrowheads="1" noChangeShapeType="1" noTextEdit="1"/>
+              </p:cNvSpPr>
+              <p:nvPr/>
+            </p:nvSpPr>
+            <p:spPr>
+              <a:xfrm>
+                <a:off x="3843847" y="3616094"/>
+                <a:ext cx="1430200" cy="600164"/>
+              </a:xfrm>
+              <a:prstGeom prst="rect">
+                <a:avLst/>
+              </a:prstGeom>
+              <a:blipFill>
+                <a:blip r:embed="rId27"/>
+                <a:stretch>
+                  <a:fillRect t="-1010"/>
+                </a:stretch>
+              </a:blipFill>
+            </p:spPr>
+            <p:txBody>
+              <a:bodyPr/>
+              <a:lstStyle/>
+              <a:p>
+                <a:r>
+                  <a:rPr lang="zh-CN" altLang="en-US">
+                    <a:noFill/>
+                  </a:rPr>
+                  <a:t> </a:t>
+                </a:r>
+              </a:p>
+            </p:txBody>
+          </p:sp>
+        </mc:Fallback>
+      </mc:AlternateContent>
+      <mc:AlternateContent xmlns:mc="http://schemas.openxmlformats.org/markup-compatibility/2006">
+        <mc:Choice xmlns:a14="http://schemas.microsoft.com/office/drawing/2010/main" Requires="a14">
+          <p:sp>
+            <p:nvSpPr>
+              <p:cNvPr id="65" name="文本框 64">
+                <a:extLst>
+                  <a:ext uri="{FF2B5EF4-FFF2-40B4-BE49-F238E27FC236}">
+                    <a16:creationId xmlns:a16="http://schemas.microsoft.com/office/drawing/2014/main" id="{5DE3897C-E16A-F2A3-F538-1B822A205AFB}"/>
+                  </a:ext>
+                </a:extLst>
+              </p:cNvPr>
+              <p:cNvSpPr txBox="1"/>
+              <p:nvPr/>
+            </p:nvSpPr>
+            <p:spPr>
+              <a:xfrm>
+                <a:off x="10831856" y="2402093"/>
+                <a:ext cx="1407758" cy="938719"/>
+              </a:xfrm>
+              <a:prstGeom prst="rect">
+                <a:avLst/>
+              </a:prstGeom>
+              <a:noFill/>
+            </p:spPr>
+            <p:txBody>
+              <a:bodyPr wrap="none" rtlCol="0">
+                <a:spAutoFit/>
+              </a:bodyPr>
+              <a:lstStyle/>
+              <a:p>
+                <a:pPr algn="ctr"/>
+                <a:r>
+                  <a:rPr lang="en-US" altLang="zh-CN" sz="1100" dirty="0">
+                    <a:latin typeface="Arial" panose="020B0604020202020204" pitchFamily="34" charset="0"/>
+                    <a:cs typeface="Arial" panose="020B0604020202020204" pitchFamily="34" charset="0"/>
+                  </a:rPr>
+                  <a:t>Toyonaka Campus,</a:t>
+                </a:r>
+              </a:p>
+              <a:p>
+                <a:pPr algn="ctr"/>
+                <a:r>
+                  <a:rPr lang="en-US" altLang="zh-CN" sz="1100" dirty="0">
+                    <a:latin typeface="Arial" panose="020B0604020202020204" pitchFamily="34" charset="0"/>
+                    <a:cs typeface="Arial" panose="020B0604020202020204" pitchFamily="34" charset="0"/>
+                  </a:rPr>
+                  <a:t>Osaka University</a:t>
+                </a:r>
+              </a:p>
+              <a:p>
+                <a:pPr algn="ctr"/>
+                <a14:m>
+                  <m:oMathPara xmlns:m="http://schemas.openxmlformats.org/officeDocument/2006/math">
+                    <m:oMathParaPr>
+                      <m:jc m:val="centerGroup"/>
+                    </m:oMathParaPr>
+                    <m:oMath xmlns:m="http://schemas.openxmlformats.org/officeDocument/2006/math">
+                      <m:r>
+                        <a:rPr lang="en-US" altLang="zh-CN" sz="1100" b="0" i="1" smtClean="0">
+                          <a:latin typeface="Cambria Math" panose="02040503050406030204" pitchFamily="18" charset="0"/>
+                        </a:rPr>
+                        <m:t>𝜖</m:t>
+                      </m:r>
+                    </m:oMath>
+                  </m:oMathPara>
+                </a14:m>
+                <a:endParaRPr lang="en-US" altLang="zh-CN" sz="1100" dirty="0">
+                  <a:latin typeface="Arial" panose="020B0604020202020204" pitchFamily="34" charset="0"/>
+                  <a:cs typeface="Arial" panose="020B0604020202020204" pitchFamily="34" charset="0"/>
+                </a:endParaRPr>
+              </a:p>
+              <a:p>
+                <a:pPr algn="ctr"/>
+                <a14:m>
+                  <m:oMathPara xmlns:m="http://schemas.openxmlformats.org/officeDocument/2006/math">
+                    <m:oMathParaPr>
+                      <m:jc m:val="centerGroup"/>
+                    </m:oMathParaPr>
+                    <m:oMath xmlns:m="http://schemas.openxmlformats.org/officeDocument/2006/math">
+                      <m:r>
+                        <a:rPr lang="en-US" altLang="zh-CN" sz="1100" b="0" i="1" smtClean="0">
+                          <a:latin typeface="Cambria Math" panose="02040503050406030204" pitchFamily="18" charset="0"/>
+                        </a:rPr>
+                        <m:t>6850</m:t>
+                      </m:r>
+                    </m:oMath>
+                  </m:oMathPara>
+                </a14:m>
+                <a:endParaRPr lang="en-US" altLang="zh-CN" sz="1100" dirty="0">
+                  <a:latin typeface="Arial" panose="020B0604020202020204" pitchFamily="34" charset="0"/>
+                  <a:cs typeface="Arial" panose="020B0604020202020204" pitchFamily="34" charset="0"/>
+                </a:endParaRPr>
+              </a:p>
+              <a:p>
+                <a:pPr algn="ctr"/>
+                <a14:m>
+                  <m:oMathPara xmlns:m="http://schemas.openxmlformats.org/officeDocument/2006/math">
+                    <m:oMathParaPr>
+                      <m:jc m:val="centerGroup"/>
+                    </m:oMathParaPr>
+                    <m:oMath xmlns:m="http://schemas.openxmlformats.org/officeDocument/2006/math">
+                      <m:r>
+                        <a:rPr lang="en-US" altLang="zh-CN" sz="1100" b="0" i="1" smtClean="0">
+                          <a:latin typeface="Cambria Math" panose="02040503050406030204" pitchFamily="18" charset="0"/>
+                        </a:rPr>
+                        <m:t>𝜖</m:t>
+                      </m:r>
+                    </m:oMath>
+                  </m:oMathPara>
+                </a14:m>
+                <a:endParaRPr lang="zh-CN" altLang="en-US" sz="1100" dirty="0">
+                  <a:latin typeface="Arial" panose="020B0604020202020204" pitchFamily="34" charset="0"/>
+                  <a:cs typeface="Arial" panose="020B0604020202020204" pitchFamily="34" charset="0"/>
+                </a:endParaRPr>
+              </a:p>
+            </p:txBody>
+          </p:sp>
+        </mc:Choice>
+        <mc:Fallback>
+          <p:sp>
+            <p:nvSpPr>
+              <p:cNvPr id="65" name="文本框 64">
+                <a:extLst>
+                  <a:ext uri="{FF2B5EF4-FFF2-40B4-BE49-F238E27FC236}">
+                    <a16:creationId xmlns:a16="http://schemas.microsoft.com/office/drawing/2014/main" id="{5DE3897C-E16A-F2A3-F538-1B822A205AFB}"/>
+                  </a:ext>
+                </a:extLst>
+              </p:cNvPr>
+              <p:cNvSpPr txBox="1">
+                <a:spLocks noRot="1" noChangeAspect="1" noMove="1" noResize="1" noEditPoints="1" noAdjustHandles="1" noChangeArrowheads="1" noChangeShapeType="1" noTextEdit="1"/>
+              </p:cNvSpPr>
+              <p:nvPr/>
+            </p:nvSpPr>
+            <p:spPr>
+              <a:xfrm>
+                <a:off x="10831856" y="2402093"/>
+                <a:ext cx="1407758" cy="938719"/>
+              </a:xfrm>
+              <a:prstGeom prst="rect">
+                <a:avLst/>
+              </a:prstGeom>
+              <a:blipFill>
+                <a:blip r:embed="rId28"/>
+                <a:stretch>
+                  <a:fillRect t="-649"/>
+                </a:stretch>
+              </a:blipFill>
+            </p:spPr>
+            <p:txBody>
+              <a:bodyPr/>
+              <a:lstStyle/>
+              <a:p>
+                <a:r>
+                  <a:rPr lang="zh-CN" altLang="en-US">
+                    <a:noFill/>
+                  </a:rPr>
+                  <a:t> </a:t>
+                </a:r>
+              </a:p>
+            </p:txBody>
+          </p:sp>
+        </mc:Fallback>
+      </mc:AlternateContent>
+      <p:cxnSp>
+        <p:nvCxnSpPr>
+          <p:cNvPr id="69" name="直接连接符 68">
+            <a:extLst>
+              <a:ext uri="{FF2B5EF4-FFF2-40B4-BE49-F238E27FC236}">
+                <a16:creationId xmlns:a16="http://schemas.microsoft.com/office/drawing/2014/main" id="{40BEE911-4036-EB45-3C94-723BE6E65B93}"/>
+              </a:ext>
+            </a:extLst>
+          </p:cNvPr>
+          <p:cNvCxnSpPr>
+            <a:cxnSpLocks/>
+          </p:cNvCxnSpPr>
+          <p:nvPr/>
+        </p:nvCxnSpPr>
+        <p:spPr>
+          <a:xfrm flipV="1">
+            <a:off x="3440656" y="764263"/>
+            <a:ext cx="1393481" cy="367811"/>
+          </a:xfrm>
+          <a:prstGeom prst="line">
+            <a:avLst/>
+          </a:prstGeom>
+          <a:ln>
+            <a:solidFill>
+              <a:schemeClr val="tx1"/>
+            </a:solidFill>
+          </a:ln>
+        </p:spPr>
+        <p:style>
+          <a:lnRef idx="1">
+            <a:schemeClr val="accent1"/>
+          </a:lnRef>
+          <a:fillRef idx="0">
+            <a:schemeClr val="accent1"/>
+          </a:fillRef>
+          <a:effectRef idx="0">
+            <a:schemeClr val="accent1"/>
+          </a:effectRef>
+          <a:fontRef idx="minor">
+            <a:schemeClr val="tx1"/>
+          </a:fontRef>
+        </p:style>
+      </p:cxnSp>
+      <p:cxnSp>
+        <p:nvCxnSpPr>
+          <p:cNvPr id="71" name="直接连接符 70">
+            <a:extLst>
+              <a:ext uri="{FF2B5EF4-FFF2-40B4-BE49-F238E27FC236}">
+                <a16:creationId xmlns:a16="http://schemas.microsoft.com/office/drawing/2014/main" id="{21ED57C3-204A-D899-C402-A2E8EDE77F9D}"/>
+              </a:ext>
+            </a:extLst>
+          </p:cNvPr>
+          <p:cNvCxnSpPr>
+            <a:cxnSpLocks/>
+          </p:cNvCxnSpPr>
+          <p:nvPr/>
+        </p:nvCxnSpPr>
+        <p:spPr>
+          <a:xfrm flipH="1" flipV="1">
+            <a:off x="5361757" y="898056"/>
+            <a:ext cx="8956" cy="110799"/>
+          </a:xfrm>
+          <a:prstGeom prst="line">
+            <a:avLst/>
+          </a:prstGeom>
+          <a:ln>
+            <a:solidFill>
+              <a:schemeClr val="tx1"/>
+            </a:solidFill>
+          </a:ln>
+        </p:spPr>
+        <p:style>
+          <a:lnRef idx="1">
+            <a:schemeClr val="accent1"/>
+          </a:lnRef>
+          <a:fillRef idx="0">
+            <a:schemeClr val="accent1"/>
+          </a:fillRef>
+          <a:effectRef idx="0">
+            <a:schemeClr val="accent1"/>
+          </a:effectRef>
+          <a:fontRef idx="minor">
+            <a:schemeClr val="tx1"/>
+          </a:fontRef>
+        </p:style>
+      </p:cxnSp>
+      <p:cxnSp>
+        <p:nvCxnSpPr>
+          <p:cNvPr id="76" name="直接连接符 75">
+            <a:extLst>
+              <a:ext uri="{FF2B5EF4-FFF2-40B4-BE49-F238E27FC236}">
+                <a16:creationId xmlns:a16="http://schemas.microsoft.com/office/drawing/2014/main" id="{68603840-9A4E-2659-0250-12132E8BDA1E}"/>
+              </a:ext>
+            </a:extLst>
+          </p:cNvPr>
+          <p:cNvCxnSpPr>
+            <a:cxnSpLocks/>
+          </p:cNvCxnSpPr>
+          <p:nvPr/>
+        </p:nvCxnSpPr>
+        <p:spPr>
+          <a:xfrm flipH="1" flipV="1">
+            <a:off x="6124483" y="739341"/>
+            <a:ext cx="1924131" cy="340201"/>
+          </a:xfrm>
+          <a:prstGeom prst="line">
+            <a:avLst/>
+          </a:prstGeom>
+          <a:ln>
+            <a:solidFill>
+              <a:schemeClr val="tx1"/>
+            </a:solidFill>
+          </a:ln>
+        </p:spPr>
+        <p:style>
+          <a:lnRef idx="1">
+            <a:schemeClr val="accent1"/>
+          </a:lnRef>
+          <a:fillRef idx="0">
+            <a:schemeClr val="accent1"/>
+          </a:fillRef>
+          <a:effectRef idx="0">
+            <a:schemeClr val="accent1"/>
+          </a:effectRef>
+          <a:fontRef idx="minor">
+            <a:schemeClr val="tx1"/>
+          </a:fontRef>
+        </p:style>
+      </p:cxnSp>
+      <p:cxnSp>
+        <p:nvCxnSpPr>
+          <p:cNvPr id="86" name="直接连接符 85">
+            <a:extLst>
+              <a:ext uri="{FF2B5EF4-FFF2-40B4-BE49-F238E27FC236}">
+                <a16:creationId xmlns:a16="http://schemas.microsoft.com/office/drawing/2014/main" id="{29CAC9A0-299A-6101-CA31-09D9199638A4}"/>
+              </a:ext>
+            </a:extLst>
+          </p:cNvPr>
+          <p:cNvCxnSpPr>
+            <a:cxnSpLocks/>
+          </p:cNvCxnSpPr>
+          <p:nvPr/>
+        </p:nvCxnSpPr>
+        <p:spPr>
+          <a:xfrm flipV="1">
+            <a:off x="1771974" y="1487548"/>
+            <a:ext cx="548949" cy="230875"/>
+          </a:xfrm>
+          <a:prstGeom prst="line">
+            <a:avLst/>
+          </a:prstGeom>
+          <a:ln>
+            <a:solidFill>
+              <a:schemeClr val="tx1"/>
+            </a:solidFill>
+          </a:ln>
+        </p:spPr>
+        <p:style>
+          <a:lnRef idx="1">
+            <a:schemeClr val="accent1"/>
+          </a:lnRef>
+          <a:fillRef idx="0">
+            <a:schemeClr val="accent1"/>
+          </a:fillRef>
+          <a:effectRef idx="0">
+            <a:schemeClr val="accent1"/>
+          </a:effectRef>
+          <a:fontRef idx="minor">
+            <a:schemeClr val="tx1"/>
+          </a:fontRef>
+        </p:style>
+      </p:cxnSp>
+      <p:cxnSp>
+        <p:nvCxnSpPr>
+          <p:cNvPr id="90" name="直接连接符 89">
+            <a:extLst>
+              <a:ext uri="{FF2B5EF4-FFF2-40B4-BE49-F238E27FC236}">
+                <a16:creationId xmlns:a16="http://schemas.microsoft.com/office/drawing/2014/main" id="{1C1AEB0D-5BFD-35B2-5C31-F9E9599254CF}"/>
+              </a:ext>
+            </a:extLst>
+          </p:cNvPr>
+          <p:cNvCxnSpPr>
+            <a:cxnSpLocks/>
+          </p:cNvCxnSpPr>
+          <p:nvPr/>
+        </p:nvCxnSpPr>
+        <p:spPr>
+          <a:xfrm flipH="1" flipV="1">
+            <a:off x="3331707" y="1512288"/>
+            <a:ext cx="497775" cy="182089"/>
+          </a:xfrm>
+          <a:prstGeom prst="line">
+            <a:avLst/>
+          </a:prstGeom>
+          <a:ln>
+            <a:solidFill>
+              <a:schemeClr val="tx1"/>
+            </a:solidFill>
+          </a:ln>
+        </p:spPr>
+        <p:style>
+          <a:lnRef idx="1">
+            <a:schemeClr val="accent1"/>
+          </a:lnRef>
+          <a:fillRef idx="0">
+            <a:schemeClr val="accent1"/>
+          </a:fillRef>
+          <a:effectRef idx="0">
+            <a:schemeClr val="accent1"/>
+          </a:effectRef>
+          <a:fontRef idx="minor">
+            <a:schemeClr val="tx1"/>
+          </a:fontRef>
+        </p:style>
+      </p:cxnSp>
+      <p:cxnSp>
+        <p:nvCxnSpPr>
+          <p:cNvPr id="95" name="直接连接符 94">
+            <a:extLst>
+              <a:ext uri="{FF2B5EF4-FFF2-40B4-BE49-F238E27FC236}">
+                <a16:creationId xmlns:a16="http://schemas.microsoft.com/office/drawing/2014/main" id="{8786CD6E-5DD8-3359-5AE6-2B0D045A45E1}"/>
+              </a:ext>
+            </a:extLst>
+          </p:cNvPr>
+          <p:cNvCxnSpPr>
+            <a:cxnSpLocks/>
+          </p:cNvCxnSpPr>
+          <p:nvPr/>
+        </p:nvCxnSpPr>
+        <p:spPr>
+          <a:xfrm flipV="1">
+            <a:off x="1337193" y="2499070"/>
+            <a:ext cx="296392" cy="477817"/>
+          </a:xfrm>
+          <a:prstGeom prst="line">
+            <a:avLst/>
+          </a:prstGeom>
+          <a:ln>
+            <a:solidFill>
+              <a:schemeClr val="tx1"/>
+            </a:solidFill>
+          </a:ln>
+        </p:spPr>
+        <p:style>
+          <a:lnRef idx="1">
+            <a:schemeClr val="accent1"/>
+          </a:lnRef>
+          <a:fillRef idx="0">
+            <a:schemeClr val="accent1"/>
+          </a:fillRef>
+          <a:effectRef idx="0">
+            <a:schemeClr val="accent1"/>
+          </a:effectRef>
+          <a:fontRef idx="minor">
+            <a:schemeClr val="tx1"/>
+          </a:fontRef>
+        </p:style>
+      </p:cxnSp>
+      <p:cxnSp>
+        <p:nvCxnSpPr>
+          <p:cNvPr id="98" name="直接连接符 97">
+            <a:extLst>
+              <a:ext uri="{FF2B5EF4-FFF2-40B4-BE49-F238E27FC236}">
+                <a16:creationId xmlns:a16="http://schemas.microsoft.com/office/drawing/2014/main" id="{9E171E9D-70F8-B352-BF67-1218C9D8CF58}"/>
+              </a:ext>
+            </a:extLst>
+          </p:cNvPr>
+          <p:cNvCxnSpPr>
+            <a:cxnSpLocks/>
+          </p:cNvCxnSpPr>
+          <p:nvPr/>
+        </p:nvCxnSpPr>
+        <p:spPr>
+          <a:xfrm flipV="1">
+            <a:off x="1344288" y="2494442"/>
+            <a:ext cx="312928" cy="1572447"/>
+          </a:xfrm>
+          <a:prstGeom prst="line">
+            <a:avLst/>
+          </a:prstGeom>
+          <a:ln>
+            <a:solidFill>
+              <a:schemeClr val="tx1"/>
+            </a:solidFill>
+          </a:ln>
+        </p:spPr>
+        <p:style>
+          <a:lnRef idx="1">
+            <a:schemeClr val="accent1"/>
+          </a:lnRef>
+          <a:fillRef idx="0">
+            <a:schemeClr val="accent1"/>
+          </a:fillRef>
+          <a:effectRef idx="0">
+            <a:schemeClr val="accent1"/>
+          </a:effectRef>
+          <a:fontRef idx="minor">
+            <a:schemeClr val="tx1"/>
+          </a:fontRef>
+        </p:style>
+      </p:cxnSp>
+      <p:cxnSp>
+        <p:nvCxnSpPr>
+          <p:cNvPr id="102" name="直接连接符 101">
+            <a:extLst>
+              <a:ext uri="{FF2B5EF4-FFF2-40B4-BE49-F238E27FC236}">
+                <a16:creationId xmlns:a16="http://schemas.microsoft.com/office/drawing/2014/main" id="{70A62641-F1EF-89A1-F221-04D9C403BF4D}"/>
+              </a:ext>
+            </a:extLst>
+          </p:cNvPr>
+          <p:cNvCxnSpPr>
+            <a:cxnSpLocks/>
+          </p:cNvCxnSpPr>
+          <p:nvPr/>
+        </p:nvCxnSpPr>
+        <p:spPr>
+          <a:xfrm flipV="1">
+            <a:off x="1685351" y="2494442"/>
+            <a:ext cx="11127" cy="1915484"/>
+          </a:xfrm>
+          <a:prstGeom prst="line">
+            <a:avLst/>
+          </a:prstGeom>
+          <a:ln>
+            <a:solidFill>
+              <a:schemeClr val="tx1"/>
+            </a:solidFill>
+          </a:ln>
+        </p:spPr>
+        <p:style>
+          <a:lnRef idx="1">
+            <a:schemeClr val="accent1"/>
+          </a:lnRef>
+          <a:fillRef idx="0">
+            <a:schemeClr val="accent1"/>
+          </a:fillRef>
+          <a:effectRef idx="0">
+            <a:schemeClr val="accent1"/>
+          </a:effectRef>
+          <a:fontRef idx="minor">
+            <a:schemeClr val="tx1"/>
+          </a:fontRef>
+        </p:style>
+      </p:cxnSp>
+      <p:cxnSp>
+        <p:nvCxnSpPr>
+          <p:cNvPr id="106" name="直接连接符 105">
+            <a:extLst>
+              <a:ext uri="{FF2B5EF4-FFF2-40B4-BE49-F238E27FC236}">
+                <a16:creationId xmlns:a16="http://schemas.microsoft.com/office/drawing/2014/main" id="{7AF11855-8BDC-6F1E-9961-C9848F3DC7FD}"/>
+              </a:ext>
+            </a:extLst>
+          </p:cNvPr>
+          <p:cNvCxnSpPr>
+            <a:cxnSpLocks/>
+          </p:cNvCxnSpPr>
+          <p:nvPr/>
+        </p:nvCxnSpPr>
+        <p:spPr>
+          <a:xfrm flipH="1" flipV="1">
+            <a:off x="1752791" y="2494442"/>
+            <a:ext cx="336929" cy="1488414"/>
+          </a:xfrm>
+          <a:prstGeom prst="line">
+            <a:avLst/>
+          </a:prstGeom>
+          <a:ln>
+            <a:solidFill>
+              <a:schemeClr val="tx1"/>
+            </a:solidFill>
+          </a:ln>
+        </p:spPr>
+        <p:style>
+          <a:lnRef idx="1">
+            <a:schemeClr val="accent1"/>
+          </a:lnRef>
+          <a:fillRef idx="0">
+            <a:schemeClr val="accent1"/>
+          </a:fillRef>
+          <a:effectRef idx="0">
+            <a:schemeClr val="accent1"/>
+          </a:effectRef>
+          <a:fontRef idx="minor">
+            <a:schemeClr val="tx1"/>
+          </a:fontRef>
+        </p:style>
+      </p:cxnSp>
+      <p:cxnSp>
+        <p:nvCxnSpPr>
+          <p:cNvPr id="109" name="直接连接符 108">
+            <a:extLst>
+              <a:ext uri="{FF2B5EF4-FFF2-40B4-BE49-F238E27FC236}">
+                <a16:creationId xmlns:a16="http://schemas.microsoft.com/office/drawing/2014/main" id="{5CFED6EF-6E74-D915-C6F1-31F8E66CFFC0}"/>
+              </a:ext>
+            </a:extLst>
+          </p:cNvPr>
+          <p:cNvCxnSpPr>
+            <a:cxnSpLocks/>
+          </p:cNvCxnSpPr>
+          <p:nvPr/>
+        </p:nvCxnSpPr>
+        <p:spPr>
+          <a:xfrm flipH="1" flipV="1">
+            <a:off x="1816369" y="2511019"/>
+            <a:ext cx="242185" cy="427459"/>
+          </a:xfrm>
+          <a:prstGeom prst="line">
+            <a:avLst/>
+          </a:prstGeom>
+          <a:ln>
+            <a:solidFill>
+              <a:schemeClr val="tx1"/>
+            </a:solidFill>
+          </a:ln>
+        </p:spPr>
+        <p:style>
+          <a:lnRef idx="1">
+            <a:schemeClr val="accent1"/>
+          </a:lnRef>
+          <a:fillRef idx="0">
+            <a:schemeClr val="accent1"/>
+          </a:fillRef>
+          <a:effectRef idx="0">
+            <a:schemeClr val="accent1"/>
+          </a:effectRef>
+          <a:fontRef idx="minor">
+            <a:schemeClr val="tx1"/>
+          </a:fontRef>
+        </p:style>
+      </p:cxnSp>
+      <p:cxnSp>
+        <p:nvCxnSpPr>
+          <p:cNvPr id="113" name="直接连接符 112">
+            <a:extLst>
+              <a:ext uri="{FF2B5EF4-FFF2-40B4-BE49-F238E27FC236}">
+                <a16:creationId xmlns:a16="http://schemas.microsoft.com/office/drawing/2014/main" id="{57627F38-AC71-F66D-84B0-EB29B9D1B75C}"/>
+              </a:ext>
+            </a:extLst>
+          </p:cNvPr>
+          <p:cNvCxnSpPr>
+            <a:cxnSpLocks/>
+          </p:cNvCxnSpPr>
+          <p:nvPr/>
+        </p:nvCxnSpPr>
+        <p:spPr>
+          <a:xfrm flipV="1">
+            <a:off x="3597975" y="2444807"/>
+            <a:ext cx="389647" cy="531141"/>
+          </a:xfrm>
+          <a:prstGeom prst="line">
+            <a:avLst/>
+          </a:prstGeom>
+          <a:ln>
+            <a:solidFill>
+              <a:schemeClr val="tx1"/>
+            </a:solidFill>
+          </a:ln>
+        </p:spPr>
+        <p:style>
+          <a:lnRef idx="1">
+            <a:schemeClr val="accent1"/>
+          </a:lnRef>
+          <a:fillRef idx="0">
+            <a:schemeClr val="accent1"/>
+          </a:fillRef>
+          <a:effectRef idx="0">
+            <a:schemeClr val="accent1"/>
+          </a:effectRef>
+          <a:fontRef idx="minor">
+            <a:schemeClr val="tx1"/>
+          </a:fontRef>
+        </p:style>
+      </p:cxnSp>
+      <p:cxnSp>
+        <p:nvCxnSpPr>
+          <p:cNvPr id="116" name="直接连接符 115">
+            <a:extLst>
+              <a:ext uri="{FF2B5EF4-FFF2-40B4-BE49-F238E27FC236}">
+                <a16:creationId xmlns:a16="http://schemas.microsoft.com/office/drawing/2014/main" id="{1FA98E19-609B-B537-7810-8D7450E5B8A5}"/>
+              </a:ext>
+            </a:extLst>
+          </p:cNvPr>
+          <p:cNvCxnSpPr>
+            <a:cxnSpLocks/>
+          </p:cNvCxnSpPr>
+          <p:nvPr/>
+        </p:nvCxnSpPr>
+        <p:spPr>
+          <a:xfrm flipH="1" flipV="1">
+            <a:off x="4213680" y="2459594"/>
+            <a:ext cx="345265" cy="541665"/>
+          </a:xfrm>
+          <a:prstGeom prst="line">
+            <a:avLst/>
+          </a:prstGeom>
+          <a:ln>
+            <a:solidFill>
+              <a:schemeClr val="tx1"/>
+            </a:solidFill>
+          </a:ln>
+        </p:spPr>
+        <p:style>
+          <a:lnRef idx="1">
+            <a:schemeClr val="accent1"/>
+          </a:lnRef>
+          <a:fillRef idx="0">
+            <a:schemeClr val="accent1"/>
+          </a:fillRef>
+          <a:effectRef idx="0">
+            <a:schemeClr val="accent1"/>
+          </a:effectRef>
+          <a:fontRef idx="minor">
+            <a:schemeClr val="tx1"/>
+          </a:fontRef>
+        </p:style>
+      </p:cxnSp>
+      <p:cxnSp>
+        <p:nvCxnSpPr>
+          <p:cNvPr id="121" name="直接连接符 120">
+            <a:extLst>
+              <a:ext uri="{FF2B5EF4-FFF2-40B4-BE49-F238E27FC236}">
+                <a16:creationId xmlns:a16="http://schemas.microsoft.com/office/drawing/2014/main" id="{ED092C6B-5FF0-05BF-3872-2F7140895E94}"/>
+              </a:ext>
+            </a:extLst>
+          </p:cNvPr>
+          <p:cNvCxnSpPr>
+            <a:cxnSpLocks/>
+          </p:cNvCxnSpPr>
+          <p:nvPr/>
+        </p:nvCxnSpPr>
+        <p:spPr>
+          <a:xfrm flipH="1" flipV="1">
+            <a:off x="5323592" y="1637281"/>
+            <a:ext cx="8956" cy="110799"/>
+          </a:xfrm>
+          <a:prstGeom prst="line">
+            <a:avLst/>
+          </a:prstGeom>
+          <a:ln>
+            <a:solidFill>
+              <a:schemeClr val="tx1"/>
+            </a:solidFill>
+          </a:ln>
+        </p:spPr>
+        <p:style>
+          <a:lnRef idx="1">
+            <a:schemeClr val="accent1"/>
+          </a:lnRef>
+          <a:fillRef idx="0">
+            <a:schemeClr val="accent1"/>
+          </a:fillRef>
+          <a:effectRef idx="0">
+            <a:schemeClr val="accent1"/>
+          </a:effectRef>
+          <a:fontRef idx="minor">
+            <a:schemeClr val="tx1"/>
+          </a:fontRef>
+        </p:style>
+      </p:cxnSp>
+      <p:cxnSp>
+        <p:nvCxnSpPr>
+          <p:cNvPr id="122" name="直接连接符 121">
+            <a:extLst>
+              <a:ext uri="{FF2B5EF4-FFF2-40B4-BE49-F238E27FC236}">
+                <a16:creationId xmlns:a16="http://schemas.microsoft.com/office/drawing/2014/main" id="{6DCC5A0B-2AE3-5F20-57E6-2D3DF56FD975}"/>
+              </a:ext>
+            </a:extLst>
+          </p:cNvPr>
+          <p:cNvCxnSpPr>
+            <a:cxnSpLocks/>
+          </p:cNvCxnSpPr>
+          <p:nvPr/>
+        </p:nvCxnSpPr>
+        <p:spPr>
+          <a:xfrm flipV="1">
+            <a:off x="7578095" y="1573523"/>
+            <a:ext cx="531548" cy="315590"/>
+          </a:xfrm>
+          <a:prstGeom prst="line">
+            <a:avLst/>
+          </a:prstGeom>
+          <a:ln>
+            <a:solidFill>
+              <a:schemeClr val="tx1"/>
+            </a:solidFill>
+          </a:ln>
+        </p:spPr>
+        <p:style>
+          <a:lnRef idx="1">
+            <a:schemeClr val="accent1"/>
+          </a:lnRef>
+          <a:fillRef idx="0">
+            <a:schemeClr val="accent1"/>
+          </a:fillRef>
+          <a:effectRef idx="0">
+            <a:schemeClr val="accent1"/>
+          </a:effectRef>
+          <a:fontRef idx="minor">
+            <a:schemeClr val="tx1"/>
+          </a:fontRef>
+        </p:style>
+      </p:cxnSp>
+      <p:cxnSp>
+        <p:nvCxnSpPr>
+          <p:cNvPr id="125" name="直接连接符 124">
+            <a:extLst>
+              <a:ext uri="{FF2B5EF4-FFF2-40B4-BE49-F238E27FC236}">
+                <a16:creationId xmlns:a16="http://schemas.microsoft.com/office/drawing/2014/main" id="{1EAA3DE1-9C8A-2251-11E5-FAFBB5B91773}"/>
+              </a:ext>
+            </a:extLst>
+          </p:cNvPr>
+          <p:cNvCxnSpPr>
+            <a:cxnSpLocks/>
+          </p:cNvCxnSpPr>
+          <p:nvPr/>
+        </p:nvCxnSpPr>
+        <p:spPr>
+          <a:xfrm flipH="1" flipV="1">
+            <a:off x="9299472" y="1576968"/>
+            <a:ext cx="552056" cy="275513"/>
+          </a:xfrm>
+          <a:prstGeom prst="line">
+            <a:avLst/>
+          </a:prstGeom>
+          <a:ln>
+            <a:solidFill>
+              <a:schemeClr val="tx1"/>
+            </a:solidFill>
+          </a:ln>
+        </p:spPr>
+        <p:style>
+          <a:lnRef idx="1">
+            <a:schemeClr val="accent1"/>
+          </a:lnRef>
+          <a:fillRef idx="0">
+            <a:schemeClr val="accent1"/>
+          </a:fillRef>
+          <a:effectRef idx="0">
+            <a:schemeClr val="accent1"/>
+          </a:effectRef>
+          <a:fontRef idx="minor">
+            <a:schemeClr val="tx1"/>
+          </a:fontRef>
+        </p:style>
+      </p:cxnSp>
+      <p:cxnSp>
+        <p:nvCxnSpPr>
+          <p:cNvPr id="127" name="直接连接符 126">
+            <a:extLst>
+              <a:ext uri="{FF2B5EF4-FFF2-40B4-BE49-F238E27FC236}">
+                <a16:creationId xmlns:a16="http://schemas.microsoft.com/office/drawing/2014/main" id="{6FD33EA2-2F07-6B8D-204D-9C0E2E54F843}"/>
+              </a:ext>
+            </a:extLst>
+          </p:cNvPr>
+          <p:cNvCxnSpPr>
+            <a:cxnSpLocks/>
+          </p:cNvCxnSpPr>
+          <p:nvPr/>
+        </p:nvCxnSpPr>
+        <p:spPr>
+          <a:xfrm flipH="1" flipV="1">
+            <a:off x="6800094" y="2494442"/>
+            <a:ext cx="8956" cy="110799"/>
+          </a:xfrm>
+          <a:prstGeom prst="line">
+            <a:avLst/>
+          </a:prstGeom>
+          <a:ln>
+            <a:solidFill>
+              <a:schemeClr val="tx1"/>
+            </a:solidFill>
+          </a:ln>
+        </p:spPr>
+        <p:style>
+          <a:lnRef idx="1">
+            <a:schemeClr val="accent1"/>
+          </a:lnRef>
+          <a:fillRef idx="0">
+            <a:schemeClr val="accent1"/>
+          </a:fillRef>
+          <a:effectRef idx="0">
+            <a:schemeClr val="accent1"/>
+          </a:effectRef>
+          <a:fontRef idx="minor">
+            <a:schemeClr val="tx1"/>
+          </a:fontRef>
+        </p:style>
+      </p:cxnSp>
+      <p:cxnSp>
+        <p:nvCxnSpPr>
+          <p:cNvPr id="128" name="直接连接符 127">
+            <a:extLst>
+              <a:ext uri="{FF2B5EF4-FFF2-40B4-BE49-F238E27FC236}">
+                <a16:creationId xmlns:a16="http://schemas.microsoft.com/office/drawing/2014/main" id="{6E892800-DEA1-EC1A-69E6-9DC421BAF982}"/>
+              </a:ext>
+            </a:extLst>
+          </p:cNvPr>
+          <p:cNvCxnSpPr>
+            <a:cxnSpLocks/>
+          </p:cNvCxnSpPr>
+          <p:nvPr/>
+        </p:nvCxnSpPr>
+        <p:spPr>
+          <a:xfrm flipV="1">
+            <a:off x="6394643" y="3238649"/>
+            <a:ext cx="185401" cy="238730"/>
+          </a:xfrm>
+          <a:prstGeom prst="line">
+            <a:avLst/>
+          </a:prstGeom>
+          <a:ln>
+            <a:solidFill>
+              <a:schemeClr val="tx1"/>
+            </a:solidFill>
+          </a:ln>
+        </p:spPr>
+        <p:style>
+          <a:lnRef idx="1">
+            <a:schemeClr val="accent1"/>
+          </a:lnRef>
+          <a:fillRef idx="0">
+            <a:schemeClr val="accent1"/>
+          </a:fillRef>
+          <a:effectRef idx="0">
+            <a:schemeClr val="accent1"/>
+          </a:effectRef>
+          <a:fontRef idx="minor">
+            <a:schemeClr val="tx1"/>
+          </a:fontRef>
+        </p:style>
+      </p:cxnSp>
+      <p:cxnSp>
+        <p:nvCxnSpPr>
+          <p:cNvPr id="130" name="直接连接符 129">
+            <a:extLst>
+              <a:ext uri="{FF2B5EF4-FFF2-40B4-BE49-F238E27FC236}">
+                <a16:creationId xmlns:a16="http://schemas.microsoft.com/office/drawing/2014/main" id="{A5A94E5C-74D0-6AD8-768A-43C3F4400888}"/>
+              </a:ext>
+            </a:extLst>
+          </p:cNvPr>
+          <p:cNvCxnSpPr>
+            <a:cxnSpLocks/>
+          </p:cNvCxnSpPr>
+          <p:nvPr/>
+        </p:nvCxnSpPr>
+        <p:spPr>
+          <a:xfrm flipH="1" flipV="1">
+            <a:off x="7008080" y="3257318"/>
+            <a:ext cx="184871" cy="220061"/>
+          </a:xfrm>
+          <a:prstGeom prst="line">
+            <a:avLst/>
+          </a:prstGeom>
+          <a:ln>
+            <a:solidFill>
+              <a:schemeClr val="tx1"/>
+            </a:solidFill>
+          </a:ln>
+        </p:spPr>
+        <p:style>
+          <a:lnRef idx="1">
+            <a:schemeClr val="accent1"/>
+          </a:lnRef>
+          <a:fillRef idx="0">
+            <a:schemeClr val="accent1"/>
+          </a:fillRef>
+          <a:effectRef idx="0">
+            <a:schemeClr val="accent1"/>
+          </a:effectRef>
+          <a:fontRef idx="minor">
+            <a:schemeClr val="tx1"/>
+          </a:fontRef>
+        </p:style>
+      </p:cxnSp>
+      <p:cxnSp>
+        <p:nvCxnSpPr>
+          <p:cNvPr id="135" name="直接连接符 134">
+            <a:extLst>
+              <a:ext uri="{FF2B5EF4-FFF2-40B4-BE49-F238E27FC236}">
+                <a16:creationId xmlns:a16="http://schemas.microsoft.com/office/drawing/2014/main" id="{650885DD-1E23-D1A3-A502-85C245720E5A}"/>
+              </a:ext>
+            </a:extLst>
+          </p:cNvPr>
+          <p:cNvCxnSpPr>
+            <a:cxnSpLocks/>
+          </p:cNvCxnSpPr>
+          <p:nvPr/>
+        </p:nvCxnSpPr>
+        <p:spPr>
+          <a:xfrm flipV="1">
+            <a:off x="9298651" y="2222500"/>
+            <a:ext cx="491904" cy="382741"/>
+          </a:xfrm>
+          <a:prstGeom prst="line">
+            <a:avLst/>
+          </a:prstGeom>
+          <a:ln>
+            <a:solidFill>
+              <a:schemeClr val="tx1"/>
+            </a:solidFill>
+          </a:ln>
+        </p:spPr>
+        <p:style>
+          <a:lnRef idx="1">
+            <a:schemeClr val="accent1"/>
+          </a:lnRef>
+          <a:fillRef idx="0">
+            <a:schemeClr val="accent1"/>
+          </a:fillRef>
+          <a:effectRef idx="0">
+            <a:schemeClr val="accent1"/>
+          </a:effectRef>
+          <a:fontRef idx="minor">
+            <a:schemeClr val="tx1"/>
+          </a:fontRef>
+        </p:style>
+      </p:cxnSp>
+      <p:cxnSp>
+        <p:nvCxnSpPr>
+          <p:cNvPr id="141" name="直接连接符 140">
+            <a:extLst>
+              <a:ext uri="{FF2B5EF4-FFF2-40B4-BE49-F238E27FC236}">
+                <a16:creationId xmlns:a16="http://schemas.microsoft.com/office/drawing/2014/main" id="{45D46ACA-75A0-A4DB-D024-16A8DF7671F2}"/>
+              </a:ext>
+            </a:extLst>
+          </p:cNvPr>
+          <p:cNvCxnSpPr>
+            <a:cxnSpLocks/>
+          </p:cNvCxnSpPr>
+          <p:nvPr/>
+        </p:nvCxnSpPr>
+        <p:spPr>
+          <a:xfrm flipH="1" flipV="1">
+            <a:off x="10387550" y="2273785"/>
+            <a:ext cx="392728" cy="392837"/>
+          </a:xfrm>
+          <a:prstGeom prst="line">
+            <a:avLst/>
+          </a:prstGeom>
+          <a:ln>
+            <a:solidFill>
+              <a:schemeClr val="tx1"/>
+            </a:solidFill>
+          </a:ln>
+        </p:spPr>
+        <p:style>
+          <a:lnRef idx="1">
+            <a:schemeClr val="accent1"/>
+          </a:lnRef>
+          <a:fillRef idx="0">
+            <a:schemeClr val="accent1"/>
+          </a:fillRef>
+          <a:effectRef idx="0">
+            <a:schemeClr val="accent1"/>
+          </a:effectRef>
+          <a:fontRef idx="minor">
+            <a:schemeClr val="tx1"/>
+          </a:fontRef>
+        </p:style>
+      </p:cxnSp>
+      <p:cxnSp>
+        <p:nvCxnSpPr>
+          <p:cNvPr id="146" name="直接连接符 145">
+            <a:extLst>
+              <a:ext uri="{FF2B5EF4-FFF2-40B4-BE49-F238E27FC236}">
+                <a16:creationId xmlns:a16="http://schemas.microsoft.com/office/drawing/2014/main" id="{5DE2C876-7A89-C6EF-D145-448D2495A381}"/>
+              </a:ext>
+            </a:extLst>
+          </p:cNvPr>
+          <p:cNvCxnSpPr>
+            <a:cxnSpLocks/>
+          </p:cNvCxnSpPr>
+          <p:nvPr/>
+        </p:nvCxnSpPr>
+        <p:spPr>
+          <a:xfrm flipV="1">
+            <a:off x="8746872" y="3247983"/>
+            <a:ext cx="185401" cy="238730"/>
+          </a:xfrm>
+          <a:prstGeom prst="line">
+            <a:avLst/>
+          </a:prstGeom>
+          <a:ln>
+            <a:solidFill>
+              <a:schemeClr val="tx1"/>
+            </a:solidFill>
+          </a:ln>
+        </p:spPr>
+        <p:style>
+          <a:lnRef idx="1">
+            <a:schemeClr val="accent1"/>
+          </a:lnRef>
+          <a:fillRef idx="0">
+            <a:schemeClr val="accent1"/>
+          </a:fillRef>
+          <a:effectRef idx="0">
+            <a:schemeClr val="accent1"/>
+          </a:effectRef>
+          <a:fontRef idx="minor">
+            <a:schemeClr val="tx1"/>
+          </a:fontRef>
+        </p:style>
+      </p:cxnSp>
+      <p:cxnSp>
+        <p:nvCxnSpPr>
+          <p:cNvPr id="147" name="直接连接符 146">
+            <a:extLst>
+              <a:ext uri="{FF2B5EF4-FFF2-40B4-BE49-F238E27FC236}">
+                <a16:creationId xmlns:a16="http://schemas.microsoft.com/office/drawing/2014/main" id="{ABF5ABBE-ADFC-CD2B-B66F-9B9A0B942F87}"/>
+              </a:ext>
+            </a:extLst>
+          </p:cNvPr>
+          <p:cNvCxnSpPr>
+            <a:cxnSpLocks/>
+          </p:cNvCxnSpPr>
+          <p:nvPr/>
+        </p:nvCxnSpPr>
+        <p:spPr>
+          <a:xfrm flipH="1" flipV="1">
+            <a:off x="9373736" y="3281134"/>
+            <a:ext cx="489480" cy="250047"/>
+          </a:xfrm>
+          <a:prstGeom prst="line">
+            <a:avLst/>
+          </a:prstGeom>
+          <a:ln>
+            <a:solidFill>
+              <a:schemeClr val="tx1"/>
+            </a:solidFill>
+          </a:ln>
+        </p:spPr>
+        <p:style>
+          <a:lnRef idx="1">
+            <a:schemeClr val="accent1"/>
+          </a:lnRef>
+          <a:fillRef idx="0">
+            <a:schemeClr val="accent1"/>
+          </a:fillRef>
+          <a:effectRef idx="0">
+            <a:schemeClr val="accent1"/>
+          </a:effectRef>
+          <a:fontRef idx="minor">
+            <a:schemeClr val="tx1"/>
+          </a:fontRef>
+        </p:style>
+      </p:cxnSp>
+      <p:cxnSp>
+        <p:nvCxnSpPr>
+          <p:cNvPr id="149" name="直接连接符 148">
+            <a:extLst>
+              <a:ext uri="{FF2B5EF4-FFF2-40B4-BE49-F238E27FC236}">
+                <a16:creationId xmlns:a16="http://schemas.microsoft.com/office/drawing/2014/main" id="{13AD25F0-5F75-3DE9-5900-3E64FD7602C3}"/>
+              </a:ext>
+            </a:extLst>
+          </p:cNvPr>
+          <p:cNvCxnSpPr>
+            <a:cxnSpLocks/>
+          </p:cNvCxnSpPr>
+          <p:nvPr/>
+        </p:nvCxnSpPr>
+        <p:spPr>
+          <a:xfrm flipH="1" flipV="1">
+            <a:off x="11006665" y="3283932"/>
+            <a:ext cx="184871" cy="220061"/>
+          </a:xfrm>
+          <a:prstGeom prst="line">
+            <a:avLst/>
+          </a:prstGeom>
+          <a:ln>
+            <a:solidFill>
+              <a:schemeClr val="tx1"/>
+            </a:solidFill>
+          </a:ln>
+        </p:spPr>
+        <p:style>
+          <a:lnRef idx="1">
+            <a:schemeClr val="accent1"/>
+          </a:lnRef>
+          <a:fillRef idx="0">
+            <a:schemeClr val="accent1"/>
+          </a:fillRef>
+          <a:effectRef idx="0">
+            <a:schemeClr val="accent1"/>
+          </a:effectRef>
+          <a:fontRef idx="minor">
+            <a:schemeClr val="tx1"/>
+          </a:fontRef>
+        </p:style>
+      </p:cxnSp>
+      <p:sp>
+        <p:nvSpPr>
+          <p:cNvPr id="2" name="文本框 1">
+            <a:extLst>
+              <a:ext uri="{FF2B5EF4-FFF2-40B4-BE49-F238E27FC236}">
+                <a16:creationId xmlns:a16="http://schemas.microsoft.com/office/drawing/2014/main" id="{1C8A17C7-D4B5-69FB-3082-C95C03A0D9F8}"/>
+              </a:ext>
+            </a:extLst>
+          </p:cNvPr>
+          <p:cNvSpPr txBox="1"/>
+          <p:nvPr/>
+        </p:nvSpPr>
+        <p:spPr>
+          <a:xfrm>
+            <a:off x="7641798" y="4972459"/>
+            <a:ext cx="3867404" cy="430887"/>
+          </a:xfrm>
+          <a:prstGeom prst="rect">
+            <a:avLst/>
+          </a:prstGeom>
+          <a:noFill/>
+        </p:spPr>
+        <p:txBody>
+          <a:bodyPr wrap="square" rtlCol="0">
+            <a:spAutoFit/>
+          </a:bodyPr>
+          <a:lstStyle/>
+          <a:p>
+            <a:r>
+              <a:rPr lang="en-US" altLang="zh-CN" sz="1100" dirty="0">
+                <a:latin typeface="Arial" panose="020B0604020202020204" pitchFamily="34" charset="0"/>
+                <a:cs typeface="Arial" panose="020B0604020202020204" pitchFamily="34" charset="0"/>
+              </a:rPr>
+              <a:t>Note: IST is short for “Information Science and Technology”, and ICS stands for “Information and Computer Science”.</a:t>
+            </a:r>
+          </a:p>
+        </p:txBody>
+      </p:sp>
+    </p:spTree>
+    <p:extLst>
+      <p:ext uri="{BB962C8B-B14F-4D97-AF65-F5344CB8AC3E}">
+        <p14:creationId xmlns:p14="http://schemas.microsoft.com/office/powerpoint/2010/main" val="3940809636"/>
+      </p:ext>
+    </p:extLst>
+  </p:cSld>
+  <p:clrMapOvr>
+    <a:masterClrMapping/>
+  </p:clrMapOvr>
+</p:sld>
+</file>
+
 <file path=ppt/theme/theme1.xml><?xml version="1.0" encoding="utf-8"?>
 <a:theme xmlns:a="http://schemas.openxmlformats.org/drawingml/2006/main" name="Office 主题​​">
   <a:themeElements>
